--- a/docs/AI Hackathon - Presentation.pptx
+++ b/docs/AI Hackathon - Presentation.pptx
@@ -5,13 +5,15 @@
     <p:sldMasterId id="2147483662" r:id="rId1"/>
   </p:sldMasterIdLst>
   <p:notesMasterIdLst>
-    <p:notesMasterId r:id="rId6"/>
+    <p:notesMasterId r:id="rId8"/>
   </p:notesMasterIdLst>
   <p:sldIdLst>
     <p:sldId id="256" r:id="rId2"/>
-    <p:sldId id="260" r:id="rId3"/>
-    <p:sldId id="261" r:id="rId4"/>
-    <p:sldId id="262" r:id="rId5"/>
+    <p:sldId id="261" r:id="rId3"/>
+    <p:sldId id="264" r:id="rId4"/>
+    <p:sldId id="263" r:id="rId5"/>
+    <p:sldId id="266" r:id="rId6"/>
+    <p:sldId id="265" r:id="rId7"/>
   </p:sldIdLst>
   <p:sldSz cx="9144000" cy="5143500" type="screen16x9"/>
   <p:notesSz cx="6858000" cy="9144000"/>
@@ -762,7 +764,7 @@
   <p:cSld>
     <p:spTree>
       <p:nvGrpSpPr>
-        <p:cNvPr id="1" name="Shape 100"/>
+        <p:cNvPr id="1" name="Shape 110"/>
         <p:cNvGrpSpPr/>
         <p:nvPr/>
       </p:nvGrpSpPr>
@@ -776,7 +778,7 @@
       </p:grpSpPr>
       <p:sp>
         <p:nvSpPr>
-          <p:cNvPr id="101" name="Shape 101"/>
+          <p:cNvPr id="111" name="Shape 111"/>
           <p:cNvSpPr>
             <a:spLocks noGrp="1" noRot="1" noChangeAspect="1"/>
           </p:cNvSpPr>
@@ -827,7 +829,7 @@
       </p:sp>
       <p:sp>
         <p:nvSpPr>
-          <p:cNvPr id="102" name="Shape 102"/>
+          <p:cNvPr id="112" name="Shape 112"/>
           <p:cNvSpPr txBox="1">
             <a:spLocks noGrp="1"/>
           </p:cNvSpPr>
@@ -880,7 +882,7 @@
     </p:spTree>
     <p:extLst>
       <p:ext uri="{BB962C8B-B14F-4D97-AF65-F5344CB8AC3E}">
-        <p14:creationId xmlns:p14="http://schemas.microsoft.com/office/powerpoint/2010/main" val="3683364839"/>
+        <p14:creationId xmlns:p14="http://schemas.microsoft.com/office/powerpoint/2010/main" val="2115756281"/>
       </p:ext>
     </p:extLst>
   </p:cSld>
@@ -1013,7 +1015,7 @@
     </p:spTree>
     <p:extLst>
       <p:ext uri="{BB962C8B-B14F-4D97-AF65-F5344CB8AC3E}">
-        <p14:creationId xmlns:p14="http://schemas.microsoft.com/office/powerpoint/2010/main" val="2115756281"/>
+        <p14:creationId xmlns:p14="http://schemas.microsoft.com/office/powerpoint/2010/main" val="2498657163"/>
       </p:ext>
     </p:extLst>
   </p:cSld>
@@ -1028,7 +1030,7 @@
   <p:cSld>
     <p:spTree>
       <p:nvGrpSpPr>
-        <p:cNvPr id="1" name="Shape 120"/>
+        <p:cNvPr id="1" name="Shape 110"/>
         <p:cNvGrpSpPr/>
         <p:nvPr/>
       </p:nvGrpSpPr>
@@ -1042,7 +1044,7 @@
       </p:grpSpPr>
       <p:sp>
         <p:nvSpPr>
-          <p:cNvPr id="121" name="Shape 121"/>
+          <p:cNvPr id="111" name="Shape 111"/>
           <p:cNvSpPr>
             <a:spLocks noGrp="1" noRot="1" noChangeAspect="1"/>
           </p:cNvSpPr>
@@ -1093,7 +1095,7 @@
       </p:sp>
       <p:sp>
         <p:nvSpPr>
-          <p:cNvPr id="122" name="Shape 122"/>
+          <p:cNvPr id="112" name="Shape 112"/>
           <p:cNvSpPr txBox="1">
             <a:spLocks noGrp="1"/>
           </p:cNvSpPr>
@@ -1146,7 +1148,273 @@
     </p:spTree>
     <p:extLst>
       <p:ext uri="{BB962C8B-B14F-4D97-AF65-F5344CB8AC3E}">
-        <p14:creationId xmlns:p14="http://schemas.microsoft.com/office/powerpoint/2010/main" val="3117837678"/>
+        <p14:creationId xmlns:p14="http://schemas.microsoft.com/office/powerpoint/2010/main" val="871912051"/>
+      </p:ext>
+    </p:extLst>
+  </p:cSld>
+  <p:clrMapOvr>
+    <a:masterClrMapping/>
+  </p:clrMapOvr>
+</p:notes>
+</file>
+
+<file path=ppt/notesSlides/notesSlide5.xml><?xml version="1.0" encoding="utf-8"?>
+<p:notes xmlns:a="http://schemas.openxmlformats.org/drawingml/2006/main" xmlns:r="http://schemas.openxmlformats.org/officeDocument/2006/relationships" xmlns:p="http://schemas.openxmlformats.org/presentationml/2006/main" showMasterSp="0" showMasterPhAnim="0">
+  <p:cSld>
+    <p:spTree>
+      <p:nvGrpSpPr>
+        <p:cNvPr id="1" name="Shape 110"/>
+        <p:cNvGrpSpPr/>
+        <p:nvPr/>
+      </p:nvGrpSpPr>
+      <p:grpSpPr>
+        <a:xfrm>
+          <a:off x="0" y="0"/>
+          <a:ext cx="0" cy="0"/>
+          <a:chOff x="0" y="0"/>
+          <a:chExt cx="0" cy="0"/>
+        </a:xfrm>
+      </p:grpSpPr>
+      <p:sp>
+        <p:nvSpPr>
+          <p:cNvPr id="111" name="Shape 111"/>
+          <p:cNvSpPr>
+            <a:spLocks noGrp="1" noRot="1" noChangeAspect="1"/>
+          </p:cNvSpPr>
+          <p:nvPr>
+            <p:ph type="sldImg" idx="2"/>
+          </p:nvPr>
+        </p:nvSpPr>
+        <p:spPr>
+          <a:xfrm>
+            <a:off x="381000" y="685800"/>
+            <a:ext cx="6096000" cy="3429000"/>
+          </a:xfrm>
+          <a:custGeom>
+            <a:avLst/>
+            <a:gdLst/>
+            <a:ahLst/>
+            <a:cxnLst/>
+            <a:rect l="0" t="0" r="0" b="0"/>
+            <a:pathLst>
+              <a:path w="120000" h="120000" extrusionOk="0">
+                <a:moveTo>
+                  <a:pt x="0" y="0"/>
+                </a:moveTo>
+                <a:lnTo>
+                  <a:pt x="120000" y="0"/>
+                </a:lnTo>
+                <a:lnTo>
+                  <a:pt x="120000" y="120000"/>
+                </a:lnTo>
+                <a:lnTo>
+                  <a:pt x="0" y="120000"/>
+                </a:lnTo>
+                <a:close/>
+              </a:path>
+            </a:pathLst>
+          </a:custGeom>
+          <a:noFill/>
+          <a:ln w="9525" cap="flat" cmpd="sng">
+            <a:solidFill>
+              <a:srgbClr val="000000"/>
+            </a:solidFill>
+            <a:prstDash val="solid"/>
+            <a:round/>
+            <a:headEnd type="none" w="med" len="med"/>
+            <a:tailEnd type="none" w="med" len="med"/>
+          </a:ln>
+        </p:spPr>
+      </p:sp>
+      <p:sp>
+        <p:nvSpPr>
+          <p:cNvPr id="112" name="Shape 112"/>
+          <p:cNvSpPr txBox="1">
+            <a:spLocks noGrp="1"/>
+          </p:cNvSpPr>
+          <p:nvPr>
+            <p:ph type="body" idx="1"/>
+          </p:nvPr>
+        </p:nvSpPr>
+        <p:spPr>
+          <a:xfrm>
+            <a:off x="685800" y="4343400"/>
+            <a:ext cx="5486399" cy="4114800"/>
+          </a:xfrm>
+          <a:prstGeom prst="rect">
+            <a:avLst/>
+          </a:prstGeom>
+          <a:noFill/>
+          <a:ln>
+            <a:noFill/>
+          </a:ln>
+        </p:spPr>
+        <p:txBody>
+          <a:bodyPr lIns="91425" tIns="91425" rIns="91425" bIns="91425" anchor="t" anchorCtr="0">
+            <a:noAutofit/>
+          </a:bodyPr>
+          <a:lstStyle/>
+          <a:p>
+            <a:pPr marL="0" marR="0" lvl="0" indent="0" algn="l" rtl="0">
+              <a:spcBef>
+                <a:spcPts val="0"/>
+              </a:spcBef>
+              <a:buClr>
+                <a:schemeClr val="dk1"/>
+              </a:buClr>
+              <a:buSzPct val="25000"/>
+              <a:buFont typeface="Arial"/>
+              <a:buNone/>
+            </a:pPr>
+            <a:endParaRPr sz="1100" b="0" i="0" u="none" strike="noStrike" cap="none">
+              <a:solidFill>
+                <a:schemeClr val="dk1"/>
+              </a:solidFill>
+              <a:latin typeface="Arial"/>
+              <a:ea typeface="Arial"/>
+              <a:cs typeface="Arial"/>
+              <a:sym typeface="Arial"/>
+            </a:endParaRPr>
+          </a:p>
+        </p:txBody>
+      </p:sp>
+    </p:spTree>
+    <p:extLst>
+      <p:ext uri="{BB962C8B-B14F-4D97-AF65-F5344CB8AC3E}">
+        <p14:creationId xmlns:p14="http://schemas.microsoft.com/office/powerpoint/2010/main" val="2126611498"/>
+      </p:ext>
+    </p:extLst>
+  </p:cSld>
+  <p:clrMapOvr>
+    <a:masterClrMapping/>
+  </p:clrMapOvr>
+</p:notes>
+</file>
+
+<file path=ppt/notesSlides/notesSlide6.xml><?xml version="1.0" encoding="utf-8"?>
+<p:notes xmlns:a="http://schemas.openxmlformats.org/drawingml/2006/main" xmlns:r="http://schemas.openxmlformats.org/officeDocument/2006/relationships" xmlns:p="http://schemas.openxmlformats.org/presentationml/2006/main" showMasterSp="0" showMasterPhAnim="0">
+  <p:cSld>
+    <p:spTree>
+      <p:nvGrpSpPr>
+        <p:cNvPr id="1" name="Shape 110"/>
+        <p:cNvGrpSpPr/>
+        <p:nvPr/>
+      </p:nvGrpSpPr>
+      <p:grpSpPr>
+        <a:xfrm>
+          <a:off x="0" y="0"/>
+          <a:ext cx="0" cy="0"/>
+          <a:chOff x="0" y="0"/>
+          <a:chExt cx="0" cy="0"/>
+        </a:xfrm>
+      </p:grpSpPr>
+      <p:sp>
+        <p:nvSpPr>
+          <p:cNvPr id="111" name="Shape 111"/>
+          <p:cNvSpPr>
+            <a:spLocks noGrp="1" noRot="1" noChangeAspect="1"/>
+          </p:cNvSpPr>
+          <p:nvPr>
+            <p:ph type="sldImg" idx="2"/>
+          </p:nvPr>
+        </p:nvSpPr>
+        <p:spPr>
+          <a:xfrm>
+            <a:off x="381000" y="685800"/>
+            <a:ext cx="6096000" cy="3429000"/>
+          </a:xfrm>
+          <a:custGeom>
+            <a:avLst/>
+            <a:gdLst/>
+            <a:ahLst/>
+            <a:cxnLst/>
+            <a:rect l="0" t="0" r="0" b="0"/>
+            <a:pathLst>
+              <a:path w="120000" h="120000" extrusionOk="0">
+                <a:moveTo>
+                  <a:pt x="0" y="0"/>
+                </a:moveTo>
+                <a:lnTo>
+                  <a:pt x="120000" y="0"/>
+                </a:lnTo>
+                <a:lnTo>
+                  <a:pt x="120000" y="120000"/>
+                </a:lnTo>
+                <a:lnTo>
+                  <a:pt x="0" y="120000"/>
+                </a:lnTo>
+                <a:close/>
+              </a:path>
+            </a:pathLst>
+          </a:custGeom>
+          <a:noFill/>
+          <a:ln w="9525" cap="flat" cmpd="sng">
+            <a:solidFill>
+              <a:srgbClr val="000000"/>
+            </a:solidFill>
+            <a:prstDash val="solid"/>
+            <a:round/>
+            <a:headEnd type="none" w="med" len="med"/>
+            <a:tailEnd type="none" w="med" len="med"/>
+          </a:ln>
+        </p:spPr>
+      </p:sp>
+      <p:sp>
+        <p:nvSpPr>
+          <p:cNvPr id="112" name="Shape 112"/>
+          <p:cNvSpPr txBox="1">
+            <a:spLocks noGrp="1"/>
+          </p:cNvSpPr>
+          <p:nvPr>
+            <p:ph type="body" idx="1"/>
+          </p:nvPr>
+        </p:nvSpPr>
+        <p:spPr>
+          <a:xfrm>
+            <a:off x="685800" y="4343400"/>
+            <a:ext cx="5486399" cy="4114800"/>
+          </a:xfrm>
+          <a:prstGeom prst="rect">
+            <a:avLst/>
+          </a:prstGeom>
+          <a:noFill/>
+          <a:ln>
+            <a:noFill/>
+          </a:ln>
+        </p:spPr>
+        <p:txBody>
+          <a:bodyPr lIns="91425" tIns="91425" rIns="91425" bIns="91425" anchor="t" anchorCtr="0">
+            <a:noAutofit/>
+          </a:bodyPr>
+          <a:lstStyle/>
+          <a:p>
+            <a:pPr marL="0" marR="0" lvl="0" indent="0" algn="l" rtl="0">
+              <a:spcBef>
+                <a:spcPts val="0"/>
+              </a:spcBef>
+              <a:buClr>
+                <a:schemeClr val="dk1"/>
+              </a:buClr>
+              <a:buSzPct val="25000"/>
+              <a:buFont typeface="Arial"/>
+              <a:buNone/>
+            </a:pPr>
+            <a:endParaRPr sz="1100" b="0" i="0" u="none" strike="noStrike" cap="none" dirty="0">
+              <a:solidFill>
+                <a:schemeClr val="dk1"/>
+              </a:solidFill>
+              <a:latin typeface="Arial"/>
+              <a:ea typeface="Arial"/>
+              <a:cs typeface="Arial"/>
+              <a:sym typeface="Arial"/>
+            </a:endParaRPr>
+          </a:p>
+        </p:txBody>
+      </p:sp>
+    </p:spTree>
+    <p:extLst>
+      <p:ext uri="{BB962C8B-B14F-4D97-AF65-F5344CB8AC3E}">
+        <p14:creationId xmlns:p14="http://schemas.microsoft.com/office/powerpoint/2010/main" val="364842516"/>
       </p:ext>
     </p:extLst>
   </p:cSld>
@@ -1687,358 +1955,6 @@
 
 <file path=ppt/slideLayouts/slideLayout10.xml><?xml version="1.0" encoding="utf-8"?>
 <p:sldLayout xmlns:a="http://schemas.openxmlformats.org/drawingml/2006/main" xmlns:r="http://schemas.openxmlformats.org/officeDocument/2006/relationships" xmlns:p="http://schemas.openxmlformats.org/presentationml/2006/main">
-  <p:cSld name="Caption">
-    <p:spTree>
-      <p:nvGrpSpPr>
-        <p:cNvPr id="1" name="Shape 58"/>
-        <p:cNvGrpSpPr/>
-        <p:nvPr/>
-      </p:nvGrpSpPr>
-      <p:grpSpPr>
-        <a:xfrm>
-          <a:off x="0" y="0"/>
-          <a:ext cx="0" cy="0"/>
-          <a:chOff x="0" y="0"/>
-          <a:chExt cx="0" cy="0"/>
-        </a:xfrm>
-      </p:grpSpPr>
-      <p:sp>
-        <p:nvSpPr>
-          <p:cNvPr id="59" name="Shape 59"/>
-          <p:cNvSpPr txBox="1">
-            <a:spLocks noGrp="1"/>
-          </p:cNvSpPr>
-          <p:nvPr>
-            <p:ph type="body" idx="1"/>
-          </p:nvPr>
-        </p:nvSpPr>
-        <p:spPr>
-          <a:xfrm>
-            <a:off x="311700" y="4230575"/>
-            <a:ext cx="5998800" cy="605100"/>
-          </a:xfrm>
-          <a:prstGeom prst="rect">
-            <a:avLst/>
-          </a:prstGeom>
-          <a:noFill/>
-          <a:ln>
-            <a:noFill/>
-          </a:ln>
-        </p:spPr>
-        <p:txBody>
-          <a:bodyPr lIns="91425" tIns="91425" rIns="91425" bIns="91425" anchor="ctr" anchorCtr="0"/>
-          <a:lstStyle>
-            <a:lvl1pPr marL="0" marR="0" lvl="0" indent="0" algn="l" rtl="0">
-              <a:lnSpc>
-                <a:spcPct val="100000"/>
-              </a:lnSpc>
-              <a:spcBef>
-                <a:spcPts val="0"/>
-              </a:spcBef>
-              <a:spcAft>
-                <a:spcPts val="0"/>
-              </a:spcAft>
-              <a:buClr>
-                <a:schemeClr val="dk2"/>
-              </a:buClr>
-              <a:buFont typeface="Arial"/>
-              <a:buNone/>
-              <a:defRPr sz="1800" b="0" i="0" u="none" strike="noStrike" cap="none">
-                <a:solidFill>
-                  <a:schemeClr val="dk2"/>
-                </a:solidFill>
-                <a:latin typeface="Arial"/>
-                <a:ea typeface="Arial"/>
-                <a:cs typeface="Arial"/>
-                <a:sym typeface="Arial"/>
-              </a:defRPr>
-            </a:lvl1pPr>
-            <a:lvl2pPr marL="457200" marR="0" lvl="1" indent="0" algn="l" rtl="0">
-              <a:lnSpc>
-                <a:spcPct val="115000"/>
-              </a:lnSpc>
-              <a:spcBef>
-                <a:spcPts val="0"/>
-              </a:spcBef>
-              <a:spcAft>
-                <a:spcPts val="1600"/>
-              </a:spcAft>
-              <a:buClr>
-                <a:schemeClr val="dk2"/>
-              </a:buClr>
-              <a:buFont typeface="Arial"/>
-              <a:buNone/>
-              <a:defRPr sz="1400" b="0" i="0" u="none" strike="noStrike" cap="none">
-                <a:solidFill>
-                  <a:schemeClr val="dk2"/>
-                </a:solidFill>
-                <a:latin typeface="Arial"/>
-                <a:ea typeface="Arial"/>
-                <a:cs typeface="Arial"/>
-                <a:sym typeface="Arial"/>
-              </a:defRPr>
-            </a:lvl2pPr>
-            <a:lvl3pPr marL="914400" marR="0" lvl="2" indent="0" algn="l" rtl="0">
-              <a:lnSpc>
-                <a:spcPct val="115000"/>
-              </a:lnSpc>
-              <a:spcBef>
-                <a:spcPts val="0"/>
-              </a:spcBef>
-              <a:spcAft>
-                <a:spcPts val="1600"/>
-              </a:spcAft>
-              <a:buClr>
-                <a:schemeClr val="dk2"/>
-              </a:buClr>
-              <a:buFont typeface="Arial"/>
-              <a:buNone/>
-              <a:defRPr sz="1400" b="0" i="0" u="none" strike="noStrike" cap="none">
-                <a:solidFill>
-                  <a:schemeClr val="dk2"/>
-                </a:solidFill>
-                <a:latin typeface="Arial"/>
-                <a:ea typeface="Arial"/>
-                <a:cs typeface="Arial"/>
-                <a:sym typeface="Arial"/>
-              </a:defRPr>
-            </a:lvl3pPr>
-            <a:lvl4pPr marL="1371600" marR="0" lvl="3" indent="0" algn="l" rtl="0">
-              <a:lnSpc>
-                <a:spcPct val="115000"/>
-              </a:lnSpc>
-              <a:spcBef>
-                <a:spcPts val="0"/>
-              </a:spcBef>
-              <a:spcAft>
-                <a:spcPts val="1600"/>
-              </a:spcAft>
-              <a:buClr>
-                <a:schemeClr val="dk2"/>
-              </a:buClr>
-              <a:buFont typeface="Arial"/>
-              <a:buNone/>
-              <a:defRPr sz="1400" b="0" i="0" u="none" strike="noStrike" cap="none">
-                <a:solidFill>
-                  <a:schemeClr val="dk2"/>
-                </a:solidFill>
-                <a:latin typeface="Arial"/>
-                <a:ea typeface="Arial"/>
-                <a:cs typeface="Arial"/>
-                <a:sym typeface="Arial"/>
-              </a:defRPr>
-            </a:lvl4pPr>
-            <a:lvl5pPr marL="1828800" marR="0" lvl="4" indent="0" algn="l" rtl="0">
-              <a:lnSpc>
-                <a:spcPct val="115000"/>
-              </a:lnSpc>
-              <a:spcBef>
-                <a:spcPts val="0"/>
-              </a:spcBef>
-              <a:spcAft>
-                <a:spcPts val="1600"/>
-              </a:spcAft>
-              <a:buClr>
-                <a:schemeClr val="dk2"/>
-              </a:buClr>
-              <a:buFont typeface="Arial"/>
-              <a:buNone/>
-              <a:defRPr sz="1400" b="0" i="0" u="none" strike="noStrike" cap="none">
-                <a:solidFill>
-                  <a:schemeClr val="dk2"/>
-                </a:solidFill>
-                <a:latin typeface="Arial"/>
-                <a:ea typeface="Arial"/>
-                <a:cs typeface="Arial"/>
-                <a:sym typeface="Arial"/>
-              </a:defRPr>
-            </a:lvl5pPr>
-            <a:lvl6pPr marL="2286000" marR="0" lvl="5" indent="0" algn="l" rtl="0">
-              <a:lnSpc>
-                <a:spcPct val="115000"/>
-              </a:lnSpc>
-              <a:spcBef>
-                <a:spcPts val="0"/>
-              </a:spcBef>
-              <a:spcAft>
-                <a:spcPts val="1600"/>
-              </a:spcAft>
-              <a:buClr>
-                <a:schemeClr val="dk2"/>
-              </a:buClr>
-              <a:buFont typeface="Arial"/>
-              <a:buNone/>
-              <a:defRPr sz="1400" b="0" i="0" u="none" strike="noStrike" cap="none">
-                <a:solidFill>
-                  <a:schemeClr val="dk2"/>
-                </a:solidFill>
-                <a:latin typeface="Arial"/>
-                <a:ea typeface="Arial"/>
-                <a:cs typeface="Arial"/>
-                <a:sym typeface="Arial"/>
-              </a:defRPr>
-            </a:lvl6pPr>
-            <a:lvl7pPr marL="2743200" marR="0" lvl="6" indent="0" algn="l" rtl="0">
-              <a:lnSpc>
-                <a:spcPct val="115000"/>
-              </a:lnSpc>
-              <a:spcBef>
-                <a:spcPts val="0"/>
-              </a:spcBef>
-              <a:spcAft>
-                <a:spcPts val="1600"/>
-              </a:spcAft>
-              <a:buClr>
-                <a:schemeClr val="dk2"/>
-              </a:buClr>
-              <a:buFont typeface="Arial"/>
-              <a:buNone/>
-              <a:defRPr sz="1400" b="0" i="0" u="none" strike="noStrike" cap="none">
-                <a:solidFill>
-                  <a:schemeClr val="dk2"/>
-                </a:solidFill>
-                <a:latin typeface="Arial"/>
-                <a:ea typeface="Arial"/>
-                <a:cs typeface="Arial"/>
-                <a:sym typeface="Arial"/>
-              </a:defRPr>
-            </a:lvl7pPr>
-            <a:lvl8pPr marL="3200400" marR="0" lvl="7" indent="0" algn="l" rtl="0">
-              <a:lnSpc>
-                <a:spcPct val="115000"/>
-              </a:lnSpc>
-              <a:spcBef>
-                <a:spcPts val="0"/>
-              </a:spcBef>
-              <a:spcAft>
-                <a:spcPts val="1600"/>
-              </a:spcAft>
-              <a:buClr>
-                <a:schemeClr val="dk2"/>
-              </a:buClr>
-              <a:buFont typeface="Arial"/>
-              <a:buNone/>
-              <a:defRPr sz="1400" b="0" i="0" u="none" strike="noStrike" cap="none">
-                <a:solidFill>
-                  <a:schemeClr val="dk2"/>
-                </a:solidFill>
-                <a:latin typeface="Arial"/>
-                <a:ea typeface="Arial"/>
-                <a:cs typeface="Arial"/>
-                <a:sym typeface="Arial"/>
-              </a:defRPr>
-            </a:lvl8pPr>
-            <a:lvl9pPr marL="3657600" marR="0" lvl="8" indent="0" algn="l" rtl="0">
-              <a:lnSpc>
-                <a:spcPct val="115000"/>
-              </a:lnSpc>
-              <a:spcBef>
-                <a:spcPts val="0"/>
-              </a:spcBef>
-              <a:spcAft>
-                <a:spcPts val="1600"/>
-              </a:spcAft>
-              <a:buClr>
-                <a:schemeClr val="dk2"/>
-              </a:buClr>
-              <a:buFont typeface="Arial"/>
-              <a:buNone/>
-              <a:defRPr sz="1400" b="0" i="0" u="none" strike="noStrike" cap="none">
-                <a:solidFill>
-                  <a:schemeClr val="dk2"/>
-                </a:solidFill>
-                <a:latin typeface="Arial"/>
-                <a:ea typeface="Arial"/>
-                <a:cs typeface="Arial"/>
-                <a:sym typeface="Arial"/>
-              </a:defRPr>
-            </a:lvl9pPr>
-          </a:lstStyle>
-          <a:p>
-            <a:endParaRPr/>
-          </a:p>
-        </p:txBody>
-      </p:sp>
-      <p:sp>
-        <p:nvSpPr>
-          <p:cNvPr id="60" name="Shape 60"/>
-          <p:cNvSpPr txBox="1">
-            <a:spLocks noGrp="1"/>
-          </p:cNvSpPr>
-          <p:nvPr>
-            <p:ph type="sldNum" idx="12"/>
-          </p:nvPr>
-        </p:nvSpPr>
-        <p:spPr>
-          <a:xfrm>
-            <a:off x="8472457" y="4663216"/>
-            <a:ext cx="548699" cy="393600"/>
-          </a:xfrm>
-          <a:prstGeom prst="rect">
-            <a:avLst/>
-          </a:prstGeom>
-          <a:noFill/>
-          <a:ln>
-            <a:noFill/>
-          </a:ln>
-        </p:spPr>
-        <p:txBody>
-          <a:bodyPr lIns="91425" tIns="91425" rIns="91425" bIns="91425" anchor="ctr" anchorCtr="0">
-            <a:noAutofit/>
-          </a:bodyPr>
-          <a:lstStyle/>
-          <a:p>
-            <a:pPr marL="0" marR="0" lvl="0" indent="0" algn="l" rtl="0">
-              <a:lnSpc>
-                <a:spcPct val="100000"/>
-              </a:lnSpc>
-              <a:spcBef>
-                <a:spcPts val="0"/>
-              </a:spcBef>
-              <a:spcAft>
-                <a:spcPts val="0"/>
-              </a:spcAft>
-              <a:buClr>
-                <a:srgbClr val="000000"/>
-              </a:buClr>
-              <a:buSzPct val="25000"/>
-              <a:buFont typeface="Arial"/>
-              <a:buNone/>
-            </a:pPr>
-            <a:fld id="{00000000-1234-1234-1234-123412341234}" type="slidenum">
-              <a:rPr lang="en" sz="1400" b="0" i="0" u="none" strike="noStrike" cap="none">
-                <a:solidFill>
-                  <a:srgbClr val="000000"/>
-                </a:solidFill>
-                <a:latin typeface="Arial"/>
-                <a:ea typeface="Arial"/>
-                <a:cs typeface="Arial"/>
-                <a:sym typeface="Arial"/>
-              </a:rPr>
-              <a:t>‹#›</a:t>
-            </a:fld>
-            <a:endParaRPr lang="en" sz="1400" b="0" i="0" u="none" strike="noStrike" cap="none">
-              <a:solidFill>
-                <a:srgbClr val="000000"/>
-              </a:solidFill>
-              <a:latin typeface="Arial"/>
-              <a:ea typeface="Arial"/>
-              <a:cs typeface="Arial"/>
-              <a:sym typeface="Arial"/>
-            </a:endParaRPr>
-          </a:p>
-        </p:txBody>
-      </p:sp>
-    </p:spTree>
-  </p:cSld>
-  <p:clrMapOvr>
-    <a:masterClrMapping/>
-  </p:clrMapOvr>
-</p:sldLayout>
-</file>
-
-<file path=ppt/slideLayouts/slideLayout11.xml><?xml version="1.0" encoding="utf-8"?>
-<p:sldLayout xmlns:a="http://schemas.openxmlformats.org/drawingml/2006/main" xmlns:r="http://schemas.openxmlformats.org/officeDocument/2006/relationships" xmlns:p="http://schemas.openxmlformats.org/presentationml/2006/main">
   <p:cSld name="Big number">
     <p:spTree>
       <p:nvGrpSpPr>
@@ -2566,7 +2482,7 @@
 </p:sldLayout>
 </file>
 
-<file path=ppt/slideLayouts/slideLayout12.xml><?xml version="1.0" encoding="utf-8"?>
+<file path=ppt/slideLayouts/slideLayout11.xml><?xml version="1.0" encoding="utf-8"?>
 <p:sldLayout xmlns:a="http://schemas.openxmlformats.org/drawingml/2006/main" xmlns:r="http://schemas.openxmlformats.org/officeDocument/2006/relationships" xmlns:p="http://schemas.openxmlformats.org/presentationml/2006/main" type="blank">
   <p:cSld name="Blank">
     <p:spTree>
@@ -2662,1156 +2578,6 @@
 </file>
 
 <file path=ppt/slideLayouts/slideLayout2.xml><?xml version="1.0" encoding="utf-8"?>
-<p:sldLayout xmlns:a="http://schemas.openxmlformats.org/drawingml/2006/main" xmlns:r="http://schemas.openxmlformats.org/officeDocument/2006/relationships" xmlns:p="http://schemas.openxmlformats.org/presentationml/2006/main">
-  <p:cSld name="Agenda">
-    <p:bg>
-      <p:bgPr>
-        <a:solidFill>
-          <a:schemeClr val="dk1"/>
-        </a:solidFill>
-        <a:effectLst/>
-      </p:bgPr>
-    </p:bg>
-    <p:spTree>
-      <p:nvGrpSpPr>
-        <p:cNvPr id="1" name="Shape 24"/>
-        <p:cNvGrpSpPr/>
-        <p:nvPr/>
-      </p:nvGrpSpPr>
-      <p:grpSpPr>
-        <a:xfrm>
-          <a:off x="0" y="0"/>
-          <a:ext cx="0" cy="0"/>
-          <a:chOff x="0" y="0"/>
-          <a:chExt cx="0" cy="0"/>
-        </a:xfrm>
-      </p:grpSpPr>
-      <p:sp>
-        <p:nvSpPr>
-          <p:cNvPr id="25" name="Shape 25"/>
-          <p:cNvSpPr txBox="1">
-            <a:spLocks noGrp="1"/>
-          </p:cNvSpPr>
-          <p:nvPr>
-            <p:ph type="body" idx="1"/>
-          </p:nvPr>
-        </p:nvSpPr>
-        <p:spPr>
-          <a:xfrm>
-            <a:off x="597225" y="1789463"/>
-            <a:ext cx="410398" cy="2978398"/>
-          </a:xfrm>
-          <a:prstGeom prst="rect">
-            <a:avLst/>
-          </a:prstGeom>
-          <a:noFill/>
-          <a:ln>
-            <a:noFill/>
-          </a:ln>
-        </p:spPr>
-        <p:txBody>
-          <a:bodyPr lIns="91425" tIns="91425" rIns="91425" bIns="91425" anchor="t" anchorCtr="0"/>
-          <a:lstStyle>
-            <a:lvl1pPr marL="0" marR="0" lvl="0" indent="0" algn="l" rtl="0">
-              <a:lnSpc>
-                <a:spcPct val="110000"/>
-              </a:lnSpc>
-              <a:spcBef>
-                <a:spcPts val="0"/>
-              </a:spcBef>
-              <a:spcAft>
-                <a:spcPts val="900"/>
-              </a:spcAft>
-              <a:buClr>
-                <a:schemeClr val="lt1"/>
-              </a:buClr>
-              <a:buFont typeface="Arial"/>
-              <a:buNone/>
-              <a:defRPr sz="1200" b="1" i="0" u="none" strike="noStrike" cap="none">
-                <a:solidFill>
-                  <a:schemeClr val="lt1"/>
-                </a:solidFill>
-                <a:latin typeface="Arial"/>
-                <a:ea typeface="Arial"/>
-                <a:cs typeface="Arial"/>
-                <a:sym typeface="Arial"/>
-              </a:defRPr>
-            </a:lvl1pPr>
-            <a:lvl2pPr marL="279400" marR="0" lvl="1" indent="25400" algn="l" rtl="0">
-              <a:lnSpc>
-                <a:spcPct val="110000"/>
-              </a:lnSpc>
-              <a:spcBef>
-                <a:spcPts val="0"/>
-              </a:spcBef>
-              <a:spcAft>
-                <a:spcPts val="900"/>
-              </a:spcAft>
-              <a:buClr>
-                <a:schemeClr val="dk1"/>
-              </a:buClr>
-              <a:buSzPct val="100000"/>
-              <a:buFont typeface="Arial"/>
-              <a:buChar char="•"/>
-              <a:defRPr sz="1000" b="0" i="0" u="none" strike="noStrike" cap="none">
-                <a:solidFill>
-                  <a:schemeClr val="dk1"/>
-                </a:solidFill>
-                <a:latin typeface="Arial"/>
-                <a:ea typeface="Arial"/>
-                <a:cs typeface="Arial"/>
-                <a:sym typeface="Arial"/>
-              </a:defRPr>
-            </a:lvl2pPr>
-            <a:lvl3pPr marL="685800" marR="0" lvl="2" indent="-120650" algn="l" rtl="0">
-              <a:lnSpc>
-                <a:spcPct val="110000"/>
-              </a:lnSpc>
-              <a:spcBef>
-                <a:spcPts val="0"/>
-              </a:spcBef>
-              <a:spcAft>
-                <a:spcPts val="900"/>
-              </a:spcAft>
-              <a:buClr>
-                <a:schemeClr val="dk1"/>
-              </a:buClr>
-              <a:buSzPct val="100000"/>
-              <a:buFont typeface="Arial"/>
-              <a:buChar char="•"/>
-              <a:defRPr sz="900" b="0" i="0" u="none" strike="noStrike" cap="none">
-                <a:solidFill>
-                  <a:schemeClr val="dk1"/>
-                </a:solidFill>
-                <a:latin typeface="Arial"/>
-                <a:ea typeface="Arial"/>
-                <a:cs typeface="Arial"/>
-                <a:sym typeface="Arial"/>
-              </a:defRPr>
-            </a:lvl3pPr>
-            <a:lvl4pPr marL="1028700" marR="0" lvl="3" indent="-177800" algn="l" rtl="0">
-              <a:lnSpc>
-                <a:spcPct val="110000"/>
-              </a:lnSpc>
-              <a:spcBef>
-                <a:spcPts val="0"/>
-              </a:spcBef>
-              <a:spcAft>
-                <a:spcPts val="900"/>
-              </a:spcAft>
-              <a:buClr>
-                <a:schemeClr val="dk1"/>
-              </a:buClr>
-              <a:buSzPct val="100000"/>
-              <a:buFont typeface="Arial"/>
-              <a:buChar char="•"/>
-              <a:defRPr sz="600" b="0" i="0" u="none" strike="noStrike" cap="none">
-                <a:solidFill>
-                  <a:schemeClr val="dk1"/>
-                </a:solidFill>
-                <a:latin typeface="Arial"/>
-                <a:ea typeface="Arial"/>
-                <a:cs typeface="Arial"/>
-                <a:sym typeface="Arial"/>
-              </a:defRPr>
-            </a:lvl4pPr>
-            <a:lvl5pPr marL="1257300" marR="0" lvl="4" indent="-114300" algn="l" rtl="0">
-              <a:lnSpc>
-                <a:spcPct val="110000"/>
-              </a:lnSpc>
-              <a:spcBef>
-                <a:spcPts val="0"/>
-              </a:spcBef>
-              <a:spcAft>
-                <a:spcPts val="900"/>
-              </a:spcAft>
-              <a:buClr>
-                <a:schemeClr val="dk1"/>
-              </a:buClr>
-              <a:buSzPct val="100000"/>
-              <a:buFont typeface="Arial"/>
-              <a:buChar char="•"/>
-              <a:defRPr sz="600" b="0" i="0" u="none" strike="noStrike" cap="none">
-                <a:solidFill>
-                  <a:schemeClr val="dk1"/>
-                </a:solidFill>
-                <a:latin typeface="Arial"/>
-                <a:ea typeface="Arial"/>
-                <a:cs typeface="Arial"/>
-                <a:sym typeface="Arial"/>
-              </a:defRPr>
-            </a:lvl5pPr>
-            <a:lvl6pPr marL="2514600" marR="0" lvl="5" indent="152400" algn="l" rtl="0">
-              <a:lnSpc>
-                <a:spcPct val="115000"/>
-              </a:lnSpc>
-              <a:spcBef>
-                <a:spcPts val="400"/>
-              </a:spcBef>
-              <a:spcAft>
-                <a:spcPts val="1600"/>
-              </a:spcAft>
-              <a:buClr>
-                <a:schemeClr val="dk1"/>
-              </a:buClr>
-              <a:buSzPct val="100000"/>
-              <a:buFont typeface="Arial"/>
-              <a:buChar char="•"/>
-              <a:defRPr sz="2000" b="0" i="0" u="none" strike="noStrike" cap="none">
-                <a:solidFill>
-                  <a:schemeClr val="dk1"/>
-                </a:solidFill>
-                <a:latin typeface="Arial"/>
-                <a:ea typeface="Arial"/>
-                <a:cs typeface="Arial"/>
-                <a:sym typeface="Arial"/>
-              </a:defRPr>
-            </a:lvl6pPr>
-            <a:lvl7pPr marL="2971800" marR="0" lvl="6" indent="152400" algn="l" rtl="0">
-              <a:lnSpc>
-                <a:spcPct val="115000"/>
-              </a:lnSpc>
-              <a:spcBef>
-                <a:spcPts val="400"/>
-              </a:spcBef>
-              <a:spcAft>
-                <a:spcPts val="1600"/>
-              </a:spcAft>
-              <a:buClr>
-                <a:schemeClr val="dk1"/>
-              </a:buClr>
-              <a:buSzPct val="100000"/>
-              <a:buFont typeface="Arial"/>
-              <a:buChar char="•"/>
-              <a:defRPr sz="2000" b="0" i="0" u="none" strike="noStrike" cap="none">
-                <a:solidFill>
-                  <a:schemeClr val="dk1"/>
-                </a:solidFill>
-                <a:latin typeface="Arial"/>
-                <a:ea typeface="Arial"/>
-                <a:cs typeface="Arial"/>
-                <a:sym typeface="Arial"/>
-              </a:defRPr>
-            </a:lvl7pPr>
-            <a:lvl8pPr marL="3429000" marR="0" lvl="7" indent="152400" algn="l" rtl="0">
-              <a:lnSpc>
-                <a:spcPct val="115000"/>
-              </a:lnSpc>
-              <a:spcBef>
-                <a:spcPts val="400"/>
-              </a:spcBef>
-              <a:spcAft>
-                <a:spcPts val="1600"/>
-              </a:spcAft>
-              <a:buClr>
-                <a:schemeClr val="dk1"/>
-              </a:buClr>
-              <a:buSzPct val="100000"/>
-              <a:buFont typeface="Arial"/>
-              <a:buChar char="•"/>
-              <a:defRPr sz="2000" b="0" i="0" u="none" strike="noStrike" cap="none">
-                <a:solidFill>
-                  <a:schemeClr val="dk1"/>
-                </a:solidFill>
-                <a:latin typeface="Arial"/>
-                <a:ea typeface="Arial"/>
-                <a:cs typeface="Arial"/>
-                <a:sym typeface="Arial"/>
-              </a:defRPr>
-            </a:lvl8pPr>
-            <a:lvl9pPr marL="3886200" marR="0" lvl="8" indent="152400" algn="l" rtl="0">
-              <a:lnSpc>
-                <a:spcPct val="115000"/>
-              </a:lnSpc>
-              <a:spcBef>
-                <a:spcPts val="400"/>
-              </a:spcBef>
-              <a:spcAft>
-                <a:spcPts val="1600"/>
-              </a:spcAft>
-              <a:buClr>
-                <a:schemeClr val="dk1"/>
-              </a:buClr>
-              <a:buSzPct val="100000"/>
-              <a:buFont typeface="Arial"/>
-              <a:buChar char="•"/>
-              <a:defRPr sz="2000" b="0" i="0" u="none" strike="noStrike" cap="none">
-                <a:solidFill>
-                  <a:schemeClr val="dk1"/>
-                </a:solidFill>
-                <a:latin typeface="Arial"/>
-                <a:ea typeface="Arial"/>
-                <a:cs typeface="Arial"/>
-                <a:sym typeface="Arial"/>
-              </a:defRPr>
-            </a:lvl9pPr>
-          </a:lstStyle>
-          <a:p>
-            <a:endParaRPr/>
-          </a:p>
-        </p:txBody>
-      </p:sp>
-      <p:sp>
-        <p:nvSpPr>
-          <p:cNvPr id="26" name="Shape 26"/>
-          <p:cNvSpPr txBox="1">
-            <a:spLocks noGrp="1"/>
-          </p:cNvSpPr>
-          <p:nvPr>
-            <p:ph type="body" idx="2"/>
-          </p:nvPr>
-        </p:nvSpPr>
-        <p:spPr>
-          <a:xfrm>
-            <a:off x="1121891" y="1789546"/>
-            <a:ext cx="2249699" cy="2978398"/>
-          </a:xfrm>
-          <a:prstGeom prst="rect">
-            <a:avLst/>
-          </a:prstGeom>
-          <a:noFill/>
-          <a:ln>
-            <a:noFill/>
-          </a:ln>
-        </p:spPr>
-        <p:txBody>
-          <a:bodyPr lIns="91425" tIns="91425" rIns="91425" bIns="91425" anchor="t" anchorCtr="0"/>
-          <a:lstStyle>
-            <a:lvl1pPr marL="0" marR="0" lvl="0" indent="0" algn="l" rtl="0">
-              <a:lnSpc>
-                <a:spcPct val="110000"/>
-              </a:lnSpc>
-              <a:spcBef>
-                <a:spcPts val="0"/>
-              </a:spcBef>
-              <a:spcAft>
-                <a:spcPts val="900"/>
-              </a:spcAft>
-              <a:buClr>
-                <a:schemeClr val="lt1"/>
-              </a:buClr>
-              <a:buFont typeface="Arial"/>
-              <a:buNone/>
-              <a:defRPr sz="1200" b="0" i="0" u="none" strike="noStrike" cap="none">
-                <a:solidFill>
-                  <a:schemeClr val="lt1"/>
-                </a:solidFill>
-                <a:latin typeface="Georgia"/>
-                <a:ea typeface="Georgia"/>
-                <a:cs typeface="Georgia"/>
-                <a:sym typeface="Georgia"/>
-              </a:defRPr>
-            </a:lvl1pPr>
-            <a:lvl2pPr marL="279400" marR="0" lvl="1" indent="25400" algn="l" rtl="0">
-              <a:lnSpc>
-                <a:spcPct val="110000"/>
-              </a:lnSpc>
-              <a:spcBef>
-                <a:spcPts val="0"/>
-              </a:spcBef>
-              <a:spcAft>
-                <a:spcPts val="900"/>
-              </a:spcAft>
-              <a:buClr>
-                <a:schemeClr val="dk1"/>
-              </a:buClr>
-              <a:buSzPct val="100000"/>
-              <a:buFont typeface="Arial"/>
-              <a:buChar char="•"/>
-              <a:defRPr sz="1000" b="0" i="0" u="none" strike="noStrike" cap="none">
-                <a:solidFill>
-                  <a:schemeClr val="dk1"/>
-                </a:solidFill>
-                <a:latin typeface="Arial"/>
-                <a:ea typeface="Arial"/>
-                <a:cs typeface="Arial"/>
-                <a:sym typeface="Arial"/>
-              </a:defRPr>
-            </a:lvl2pPr>
-            <a:lvl3pPr marL="685800" marR="0" lvl="2" indent="-120650" algn="l" rtl="0">
-              <a:lnSpc>
-                <a:spcPct val="110000"/>
-              </a:lnSpc>
-              <a:spcBef>
-                <a:spcPts val="0"/>
-              </a:spcBef>
-              <a:spcAft>
-                <a:spcPts val="900"/>
-              </a:spcAft>
-              <a:buClr>
-                <a:schemeClr val="dk1"/>
-              </a:buClr>
-              <a:buSzPct val="100000"/>
-              <a:buFont typeface="Arial"/>
-              <a:buChar char="•"/>
-              <a:defRPr sz="900" b="0" i="0" u="none" strike="noStrike" cap="none">
-                <a:solidFill>
-                  <a:schemeClr val="dk1"/>
-                </a:solidFill>
-                <a:latin typeface="Arial"/>
-                <a:ea typeface="Arial"/>
-                <a:cs typeface="Arial"/>
-                <a:sym typeface="Arial"/>
-              </a:defRPr>
-            </a:lvl3pPr>
-            <a:lvl4pPr marL="1028700" marR="0" lvl="3" indent="-177800" algn="l" rtl="0">
-              <a:lnSpc>
-                <a:spcPct val="110000"/>
-              </a:lnSpc>
-              <a:spcBef>
-                <a:spcPts val="0"/>
-              </a:spcBef>
-              <a:spcAft>
-                <a:spcPts val="900"/>
-              </a:spcAft>
-              <a:buClr>
-                <a:schemeClr val="dk1"/>
-              </a:buClr>
-              <a:buSzPct val="100000"/>
-              <a:buFont typeface="Arial"/>
-              <a:buChar char="•"/>
-              <a:defRPr sz="600" b="0" i="0" u="none" strike="noStrike" cap="none">
-                <a:solidFill>
-                  <a:schemeClr val="dk1"/>
-                </a:solidFill>
-                <a:latin typeface="Arial"/>
-                <a:ea typeface="Arial"/>
-                <a:cs typeface="Arial"/>
-                <a:sym typeface="Arial"/>
-              </a:defRPr>
-            </a:lvl4pPr>
-            <a:lvl5pPr marL="1257300" marR="0" lvl="4" indent="-114300" algn="l" rtl="0">
-              <a:lnSpc>
-                <a:spcPct val="110000"/>
-              </a:lnSpc>
-              <a:spcBef>
-                <a:spcPts val="0"/>
-              </a:spcBef>
-              <a:spcAft>
-                <a:spcPts val="900"/>
-              </a:spcAft>
-              <a:buClr>
-                <a:schemeClr val="dk1"/>
-              </a:buClr>
-              <a:buSzPct val="100000"/>
-              <a:buFont typeface="Arial"/>
-              <a:buChar char="•"/>
-              <a:defRPr sz="600" b="0" i="0" u="none" strike="noStrike" cap="none">
-                <a:solidFill>
-                  <a:schemeClr val="dk1"/>
-                </a:solidFill>
-                <a:latin typeface="Arial"/>
-                <a:ea typeface="Arial"/>
-                <a:cs typeface="Arial"/>
-                <a:sym typeface="Arial"/>
-              </a:defRPr>
-            </a:lvl5pPr>
-            <a:lvl6pPr marL="2514600" marR="0" lvl="5" indent="152400" algn="l" rtl="0">
-              <a:lnSpc>
-                <a:spcPct val="115000"/>
-              </a:lnSpc>
-              <a:spcBef>
-                <a:spcPts val="400"/>
-              </a:spcBef>
-              <a:spcAft>
-                <a:spcPts val="1600"/>
-              </a:spcAft>
-              <a:buClr>
-                <a:schemeClr val="dk1"/>
-              </a:buClr>
-              <a:buSzPct val="100000"/>
-              <a:buFont typeface="Arial"/>
-              <a:buChar char="•"/>
-              <a:defRPr sz="2000" b="0" i="0" u="none" strike="noStrike" cap="none">
-                <a:solidFill>
-                  <a:schemeClr val="dk1"/>
-                </a:solidFill>
-                <a:latin typeface="Arial"/>
-                <a:ea typeface="Arial"/>
-                <a:cs typeface="Arial"/>
-                <a:sym typeface="Arial"/>
-              </a:defRPr>
-            </a:lvl6pPr>
-            <a:lvl7pPr marL="2971800" marR="0" lvl="6" indent="152400" algn="l" rtl="0">
-              <a:lnSpc>
-                <a:spcPct val="115000"/>
-              </a:lnSpc>
-              <a:spcBef>
-                <a:spcPts val="400"/>
-              </a:spcBef>
-              <a:spcAft>
-                <a:spcPts val="1600"/>
-              </a:spcAft>
-              <a:buClr>
-                <a:schemeClr val="dk1"/>
-              </a:buClr>
-              <a:buSzPct val="100000"/>
-              <a:buFont typeface="Arial"/>
-              <a:buChar char="•"/>
-              <a:defRPr sz="2000" b="0" i="0" u="none" strike="noStrike" cap="none">
-                <a:solidFill>
-                  <a:schemeClr val="dk1"/>
-                </a:solidFill>
-                <a:latin typeface="Arial"/>
-                <a:ea typeface="Arial"/>
-                <a:cs typeface="Arial"/>
-                <a:sym typeface="Arial"/>
-              </a:defRPr>
-            </a:lvl7pPr>
-            <a:lvl8pPr marL="3429000" marR="0" lvl="7" indent="152400" algn="l" rtl="0">
-              <a:lnSpc>
-                <a:spcPct val="115000"/>
-              </a:lnSpc>
-              <a:spcBef>
-                <a:spcPts val="400"/>
-              </a:spcBef>
-              <a:spcAft>
-                <a:spcPts val="1600"/>
-              </a:spcAft>
-              <a:buClr>
-                <a:schemeClr val="dk1"/>
-              </a:buClr>
-              <a:buSzPct val="100000"/>
-              <a:buFont typeface="Arial"/>
-              <a:buChar char="•"/>
-              <a:defRPr sz="2000" b="0" i="0" u="none" strike="noStrike" cap="none">
-                <a:solidFill>
-                  <a:schemeClr val="dk1"/>
-                </a:solidFill>
-                <a:latin typeface="Arial"/>
-                <a:ea typeface="Arial"/>
-                <a:cs typeface="Arial"/>
-                <a:sym typeface="Arial"/>
-              </a:defRPr>
-            </a:lvl8pPr>
-            <a:lvl9pPr marL="3886200" marR="0" lvl="8" indent="152400" algn="l" rtl="0">
-              <a:lnSpc>
-                <a:spcPct val="115000"/>
-              </a:lnSpc>
-              <a:spcBef>
-                <a:spcPts val="400"/>
-              </a:spcBef>
-              <a:spcAft>
-                <a:spcPts val="1600"/>
-              </a:spcAft>
-              <a:buClr>
-                <a:schemeClr val="dk1"/>
-              </a:buClr>
-              <a:buSzPct val="100000"/>
-              <a:buFont typeface="Arial"/>
-              <a:buChar char="•"/>
-              <a:defRPr sz="2000" b="0" i="0" u="none" strike="noStrike" cap="none">
-                <a:solidFill>
-                  <a:schemeClr val="dk1"/>
-                </a:solidFill>
-                <a:latin typeface="Arial"/>
-                <a:ea typeface="Arial"/>
-                <a:cs typeface="Arial"/>
-                <a:sym typeface="Arial"/>
-              </a:defRPr>
-            </a:lvl9pPr>
-          </a:lstStyle>
-          <a:p>
-            <a:endParaRPr/>
-          </a:p>
-        </p:txBody>
-      </p:sp>
-      <p:sp>
-        <p:nvSpPr>
-          <p:cNvPr id="27" name="Shape 27"/>
-          <p:cNvSpPr txBox="1">
-            <a:spLocks noGrp="1"/>
-          </p:cNvSpPr>
-          <p:nvPr>
-            <p:ph type="body" idx="3"/>
-          </p:nvPr>
-        </p:nvSpPr>
-        <p:spPr>
-          <a:xfrm>
-            <a:off x="3371625" y="1789463"/>
-            <a:ext cx="410400" cy="2978398"/>
-          </a:xfrm>
-          <a:prstGeom prst="rect">
-            <a:avLst/>
-          </a:prstGeom>
-          <a:noFill/>
-          <a:ln>
-            <a:noFill/>
-          </a:ln>
-        </p:spPr>
-        <p:txBody>
-          <a:bodyPr lIns="91425" tIns="91425" rIns="91425" bIns="91425" anchor="t" anchorCtr="0"/>
-          <a:lstStyle>
-            <a:lvl1pPr marL="0" marR="0" lvl="0" indent="0" algn="l" rtl="0">
-              <a:lnSpc>
-                <a:spcPct val="110000"/>
-              </a:lnSpc>
-              <a:spcBef>
-                <a:spcPts val="0"/>
-              </a:spcBef>
-              <a:spcAft>
-                <a:spcPts val="900"/>
-              </a:spcAft>
-              <a:buClr>
-                <a:schemeClr val="lt1"/>
-              </a:buClr>
-              <a:buFont typeface="Arial"/>
-              <a:buNone/>
-              <a:defRPr sz="1200" b="1" i="0" u="none" strike="noStrike" cap="none">
-                <a:solidFill>
-                  <a:schemeClr val="lt1"/>
-                </a:solidFill>
-                <a:latin typeface="Arial"/>
-                <a:ea typeface="Arial"/>
-                <a:cs typeface="Arial"/>
-                <a:sym typeface="Arial"/>
-              </a:defRPr>
-            </a:lvl1pPr>
-            <a:lvl2pPr marL="279400" marR="0" lvl="1" indent="25400" algn="l" rtl="0">
-              <a:lnSpc>
-                <a:spcPct val="110000"/>
-              </a:lnSpc>
-              <a:spcBef>
-                <a:spcPts val="0"/>
-              </a:spcBef>
-              <a:spcAft>
-                <a:spcPts val="900"/>
-              </a:spcAft>
-              <a:buClr>
-                <a:schemeClr val="dk1"/>
-              </a:buClr>
-              <a:buSzPct val="100000"/>
-              <a:buFont typeface="Arial"/>
-              <a:buChar char="•"/>
-              <a:defRPr sz="1000" b="0" i="0" u="none" strike="noStrike" cap="none">
-                <a:solidFill>
-                  <a:schemeClr val="dk1"/>
-                </a:solidFill>
-                <a:latin typeface="Arial"/>
-                <a:ea typeface="Arial"/>
-                <a:cs typeface="Arial"/>
-                <a:sym typeface="Arial"/>
-              </a:defRPr>
-            </a:lvl2pPr>
-            <a:lvl3pPr marL="685800" marR="0" lvl="2" indent="-120650" algn="l" rtl="0">
-              <a:lnSpc>
-                <a:spcPct val="110000"/>
-              </a:lnSpc>
-              <a:spcBef>
-                <a:spcPts val="0"/>
-              </a:spcBef>
-              <a:spcAft>
-                <a:spcPts val="900"/>
-              </a:spcAft>
-              <a:buClr>
-                <a:schemeClr val="dk1"/>
-              </a:buClr>
-              <a:buSzPct val="100000"/>
-              <a:buFont typeface="Arial"/>
-              <a:buChar char="•"/>
-              <a:defRPr sz="900" b="0" i="0" u="none" strike="noStrike" cap="none">
-                <a:solidFill>
-                  <a:schemeClr val="dk1"/>
-                </a:solidFill>
-                <a:latin typeface="Arial"/>
-                <a:ea typeface="Arial"/>
-                <a:cs typeface="Arial"/>
-                <a:sym typeface="Arial"/>
-              </a:defRPr>
-            </a:lvl3pPr>
-            <a:lvl4pPr marL="1028700" marR="0" lvl="3" indent="-177800" algn="l" rtl="0">
-              <a:lnSpc>
-                <a:spcPct val="110000"/>
-              </a:lnSpc>
-              <a:spcBef>
-                <a:spcPts val="0"/>
-              </a:spcBef>
-              <a:spcAft>
-                <a:spcPts val="900"/>
-              </a:spcAft>
-              <a:buClr>
-                <a:schemeClr val="dk1"/>
-              </a:buClr>
-              <a:buSzPct val="100000"/>
-              <a:buFont typeface="Arial"/>
-              <a:buChar char="•"/>
-              <a:defRPr sz="600" b="0" i="0" u="none" strike="noStrike" cap="none">
-                <a:solidFill>
-                  <a:schemeClr val="dk1"/>
-                </a:solidFill>
-                <a:latin typeface="Arial"/>
-                <a:ea typeface="Arial"/>
-                <a:cs typeface="Arial"/>
-                <a:sym typeface="Arial"/>
-              </a:defRPr>
-            </a:lvl4pPr>
-            <a:lvl5pPr marL="1257300" marR="0" lvl="4" indent="-114300" algn="l" rtl="0">
-              <a:lnSpc>
-                <a:spcPct val="110000"/>
-              </a:lnSpc>
-              <a:spcBef>
-                <a:spcPts val="0"/>
-              </a:spcBef>
-              <a:spcAft>
-                <a:spcPts val="900"/>
-              </a:spcAft>
-              <a:buClr>
-                <a:schemeClr val="dk1"/>
-              </a:buClr>
-              <a:buSzPct val="100000"/>
-              <a:buFont typeface="Arial"/>
-              <a:buChar char="•"/>
-              <a:defRPr sz="600" b="0" i="0" u="none" strike="noStrike" cap="none">
-                <a:solidFill>
-                  <a:schemeClr val="dk1"/>
-                </a:solidFill>
-                <a:latin typeface="Arial"/>
-                <a:ea typeface="Arial"/>
-                <a:cs typeface="Arial"/>
-                <a:sym typeface="Arial"/>
-              </a:defRPr>
-            </a:lvl5pPr>
-            <a:lvl6pPr marL="2514600" marR="0" lvl="5" indent="152400" algn="l" rtl="0">
-              <a:lnSpc>
-                <a:spcPct val="115000"/>
-              </a:lnSpc>
-              <a:spcBef>
-                <a:spcPts val="400"/>
-              </a:spcBef>
-              <a:spcAft>
-                <a:spcPts val="1600"/>
-              </a:spcAft>
-              <a:buClr>
-                <a:schemeClr val="dk1"/>
-              </a:buClr>
-              <a:buSzPct val="100000"/>
-              <a:buFont typeface="Arial"/>
-              <a:buChar char="•"/>
-              <a:defRPr sz="2000" b="0" i="0" u="none" strike="noStrike" cap="none">
-                <a:solidFill>
-                  <a:schemeClr val="dk1"/>
-                </a:solidFill>
-                <a:latin typeface="Arial"/>
-                <a:ea typeface="Arial"/>
-                <a:cs typeface="Arial"/>
-                <a:sym typeface="Arial"/>
-              </a:defRPr>
-            </a:lvl6pPr>
-            <a:lvl7pPr marL="2971800" marR="0" lvl="6" indent="152400" algn="l" rtl="0">
-              <a:lnSpc>
-                <a:spcPct val="115000"/>
-              </a:lnSpc>
-              <a:spcBef>
-                <a:spcPts val="400"/>
-              </a:spcBef>
-              <a:spcAft>
-                <a:spcPts val="1600"/>
-              </a:spcAft>
-              <a:buClr>
-                <a:schemeClr val="dk1"/>
-              </a:buClr>
-              <a:buSzPct val="100000"/>
-              <a:buFont typeface="Arial"/>
-              <a:buChar char="•"/>
-              <a:defRPr sz="2000" b="0" i="0" u="none" strike="noStrike" cap="none">
-                <a:solidFill>
-                  <a:schemeClr val="dk1"/>
-                </a:solidFill>
-                <a:latin typeface="Arial"/>
-                <a:ea typeface="Arial"/>
-                <a:cs typeface="Arial"/>
-                <a:sym typeface="Arial"/>
-              </a:defRPr>
-            </a:lvl7pPr>
-            <a:lvl8pPr marL="3429000" marR="0" lvl="7" indent="152400" algn="l" rtl="0">
-              <a:lnSpc>
-                <a:spcPct val="115000"/>
-              </a:lnSpc>
-              <a:spcBef>
-                <a:spcPts val="400"/>
-              </a:spcBef>
-              <a:spcAft>
-                <a:spcPts val="1600"/>
-              </a:spcAft>
-              <a:buClr>
-                <a:schemeClr val="dk1"/>
-              </a:buClr>
-              <a:buSzPct val="100000"/>
-              <a:buFont typeface="Arial"/>
-              <a:buChar char="•"/>
-              <a:defRPr sz="2000" b="0" i="0" u="none" strike="noStrike" cap="none">
-                <a:solidFill>
-                  <a:schemeClr val="dk1"/>
-                </a:solidFill>
-                <a:latin typeface="Arial"/>
-                <a:ea typeface="Arial"/>
-                <a:cs typeface="Arial"/>
-                <a:sym typeface="Arial"/>
-              </a:defRPr>
-            </a:lvl8pPr>
-            <a:lvl9pPr marL="3886200" marR="0" lvl="8" indent="152400" algn="l" rtl="0">
-              <a:lnSpc>
-                <a:spcPct val="115000"/>
-              </a:lnSpc>
-              <a:spcBef>
-                <a:spcPts val="400"/>
-              </a:spcBef>
-              <a:spcAft>
-                <a:spcPts val="1600"/>
-              </a:spcAft>
-              <a:buClr>
-                <a:schemeClr val="dk1"/>
-              </a:buClr>
-              <a:buSzPct val="100000"/>
-              <a:buFont typeface="Arial"/>
-              <a:buChar char="•"/>
-              <a:defRPr sz="2000" b="0" i="0" u="none" strike="noStrike" cap="none">
-                <a:solidFill>
-                  <a:schemeClr val="dk1"/>
-                </a:solidFill>
-                <a:latin typeface="Arial"/>
-                <a:ea typeface="Arial"/>
-                <a:cs typeface="Arial"/>
-                <a:sym typeface="Arial"/>
-              </a:defRPr>
-            </a:lvl9pPr>
-          </a:lstStyle>
-          <a:p>
-            <a:endParaRPr/>
-          </a:p>
-        </p:txBody>
-      </p:sp>
-      <p:sp>
-        <p:nvSpPr>
-          <p:cNvPr id="28" name="Shape 28"/>
-          <p:cNvSpPr txBox="1">
-            <a:spLocks noGrp="1"/>
-          </p:cNvSpPr>
-          <p:nvPr>
-            <p:ph type="body" idx="4"/>
-          </p:nvPr>
-        </p:nvSpPr>
-        <p:spPr>
-          <a:xfrm>
-            <a:off x="3896292" y="1789546"/>
-            <a:ext cx="2249699" cy="2978398"/>
-          </a:xfrm>
-          <a:prstGeom prst="rect">
-            <a:avLst/>
-          </a:prstGeom>
-          <a:noFill/>
-          <a:ln>
-            <a:noFill/>
-          </a:ln>
-        </p:spPr>
-        <p:txBody>
-          <a:bodyPr lIns="91425" tIns="91425" rIns="91425" bIns="91425" anchor="t" anchorCtr="0"/>
-          <a:lstStyle>
-            <a:lvl1pPr marL="0" marR="0" lvl="0" indent="0" algn="l" rtl="0">
-              <a:lnSpc>
-                <a:spcPct val="110000"/>
-              </a:lnSpc>
-              <a:spcBef>
-                <a:spcPts val="0"/>
-              </a:spcBef>
-              <a:spcAft>
-                <a:spcPts val="900"/>
-              </a:spcAft>
-              <a:buClr>
-                <a:schemeClr val="lt1"/>
-              </a:buClr>
-              <a:buFont typeface="Arial"/>
-              <a:buNone/>
-              <a:defRPr sz="1200" b="0" i="0" u="none" strike="noStrike" cap="none">
-                <a:solidFill>
-                  <a:schemeClr val="lt1"/>
-                </a:solidFill>
-                <a:latin typeface="Georgia"/>
-                <a:ea typeface="Georgia"/>
-                <a:cs typeface="Georgia"/>
-                <a:sym typeface="Georgia"/>
-              </a:defRPr>
-            </a:lvl1pPr>
-            <a:lvl2pPr marL="279400" marR="0" lvl="1" indent="25400" algn="l" rtl="0">
-              <a:lnSpc>
-                <a:spcPct val="110000"/>
-              </a:lnSpc>
-              <a:spcBef>
-                <a:spcPts val="0"/>
-              </a:spcBef>
-              <a:spcAft>
-                <a:spcPts val="900"/>
-              </a:spcAft>
-              <a:buClr>
-                <a:schemeClr val="dk1"/>
-              </a:buClr>
-              <a:buSzPct val="100000"/>
-              <a:buFont typeface="Arial"/>
-              <a:buChar char="•"/>
-              <a:defRPr sz="1000" b="0" i="0" u="none" strike="noStrike" cap="none">
-                <a:solidFill>
-                  <a:schemeClr val="dk1"/>
-                </a:solidFill>
-                <a:latin typeface="Arial"/>
-                <a:ea typeface="Arial"/>
-                <a:cs typeface="Arial"/>
-                <a:sym typeface="Arial"/>
-              </a:defRPr>
-            </a:lvl2pPr>
-            <a:lvl3pPr marL="685800" marR="0" lvl="2" indent="-120650" algn="l" rtl="0">
-              <a:lnSpc>
-                <a:spcPct val="110000"/>
-              </a:lnSpc>
-              <a:spcBef>
-                <a:spcPts val="0"/>
-              </a:spcBef>
-              <a:spcAft>
-                <a:spcPts val="900"/>
-              </a:spcAft>
-              <a:buClr>
-                <a:schemeClr val="dk1"/>
-              </a:buClr>
-              <a:buSzPct val="100000"/>
-              <a:buFont typeface="Arial"/>
-              <a:buChar char="•"/>
-              <a:defRPr sz="900" b="0" i="0" u="none" strike="noStrike" cap="none">
-                <a:solidFill>
-                  <a:schemeClr val="dk1"/>
-                </a:solidFill>
-                <a:latin typeface="Arial"/>
-                <a:ea typeface="Arial"/>
-                <a:cs typeface="Arial"/>
-                <a:sym typeface="Arial"/>
-              </a:defRPr>
-            </a:lvl3pPr>
-            <a:lvl4pPr marL="1028700" marR="0" lvl="3" indent="-177800" algn="l" rtl="0">
-              <a:lnSpc>
-                <a:spcPct val="110000"/>
-              </a:lnSpc>
-              <a:spcBef>
-                <a:spcPts val="0"/>
-              </a:spcBef>
-              <a:spcAft>
-                <a:spcPts val="900"/>
-              </a:spcAft>
-              <a:buClr>
-                <a:schemeClr val="dk1"/>
-              </a:buClr>
-              <a:buSzPct val="100000"/>
-              <a:buFont typeface="Arial"/>
-              <a:buChar char="•"/>
-              <a:defRPr sz="600" b="0" i="0" u="none" strike="noStrike" cap="none">
-                <a:solidFill>
-                  <a:schemeClr val="dk1"/>
-                </a:solidFill>
-                <a:latin typeface="Arial"/>
-                <a:ea typeface="Arial"/>
-                <a:cs typeface="Arial"/>
-                <a:sym typeface="Arial"/>
-              </a:defRPr>
-            </a:lvl4pPr>
-            <a:lvl5pPr marL="1257300" marR="0" lvl="4" indent="-114300" algn="l" rtl="0">
-              <a:lnSpc>
-                <a:spcPct val="110000"/>
-              </a:lnSpc>
-              <a:spcBef>
-                <a:spcPts val="0"/>
-              </a:spcBef>
-              <a:spcAft>
-                <a:spcPts val="900"/>
-              </a:spcAft>
-              <a:buClr>
-                <a:schemeClr val="dk1"/>
-              </a:buClr>
-              <a:buSzPct val="100000"/>
-              <a:buFont typeface="Arial"/>
-              <a:buChar char="•"/>
-              <a:defRPr sz="600" b="0" i="0" u="none" strike="noStrike" cap="none">
-                <a:solidFill>
-                  <a:schemeClr val="dk1"/>
-                </a:solidFill>
-                <a:latin typeface="Arial"/>
-                <a:ea typeface="Arial"/>
-                <a:cs typeface="Arial"/>
-                <a:sym typeface="Arial"/>
-              </a:defRPr>
-            </a:lvl5pPr>
-            <a:lvl6pPr marL="2514600" marR="0" lvl="5" indent="152400" algn="l" rtl="0">
-              <a:lnSpc>
-                <a:spcPct val="115000"/>
-              </a:lnSpc>
-              <a:spcBef>
-                <a:spcPts val="400"/>
-              </a:spcBef>
-              <a:spcAft>
-                <a:spcPts val="1600"/>
-              </a:spcAft>
-              <a:buClr>
-                <a:schemeClr val="dk1"/>
-              </a:buClr>
-              <a:buSzPct val="100000"/>
-              <a:buFont typeface="Arial"/>
-              <a:buChar char="•"/>
-              <a:defRPr sz="2000" b="0" i="0" u="none" strike="noStrike" cap="none">
-                <a:solidFill>
-                  <a:schemeClr val="dk1"/>
-                </a:solidFill>
-                <a:latin typeface="Arial"/>
-                <a:ea typeface="Arial"/>
-                <a:cs typeface="Arial"/>
-                <a:sym typeface="Arial"/>
-              </a:defRPr>
-            </a:lvl6pPr>
-            <a:lvl7pPr marL="2971800" marR="0" lvl="6" indent="152400" algn="l" rtl="0">
-              <a:lnSpc>
-                <a:spcPct val="115000"/>
-              </a:lnSpc>
-              <a:spcBef>
-                <a:spcPts val="400"/>
-              </a:spcBef>
-              <a:spcAft>
-                <a:spcPts val="1600"/>
-              </a:spcAft>
-              <a:buClr>
-                <a:schemeClr val="dk1"/>
-              </a:buClr>
-              <a:buSzPct val="100000"/>
-              <a:buFont typeface="Arial"/>
-              <a:buChar char="•"/>
-              <a:defRPr sz="2000" b="0" i="0" u="none" strike="noStrike" cap="none">
-                <a:solidFill>
-                  <a:schemeClr val="dk1"/>
-                </a:solidFill>
-                <a:latin typeface="Arial"/>
-                <a:ea typeface="Arial"/>
-                <a:cs typeface="Arial"/>
-                <a:sym typeface="Arial"/>
-              </a:defRPr>
-            </a:lvl7pPr>
-            <a:lvl8pPr marL="3429000" marR="0" lvl="7" indent="152400" algn="l" rtl="0">
-              <a:lnSpc>
-                <a:spcPct val="115000"/>
-              </a:lnSpc>
-              <a:spcBef>
-                <a:spcPts val="400"/>
-              </a:spcBef>
-              <a:spcAft>
-                <a:spcPts val="1600"/>
-              </a:spcAft>
-              <a:buClr>
-                <a:schemeClr val="dk1"/>
-              </a:buClr>
-              <a:buSzPct val="100000"/>
-              <a:buFont typeface="Arial"/>
-              <a:buChar char="•"/>
-              <a:defRPr sz="2000" b="0" i="0" u="none" strike="noStrike" cap="none">
-                <a:solidFill>
-                  <a:schemeClr val="dk1"/>
-                </a:solidFill>
-                <a:latin typeface="Arial"/>
-                <a:ea typeface="Arial"/>
-                <a:cs typeface="Arial"/>
-                <a:sym typeface="Arial"/>
-              </a:defRPr>
-            </a:lvl8pPr>
-            <a:lvl9pPr marL="3886200" marR="0" lvl="8" indent="152400" algn="l" rtl="0">
-              <a:lnSpc>
-                <a:spcPct val="115000"/>
-              </a:lnSpc>
-              <a:spcBef>
-                <a:spcPts val="400"/>
-              </a:spcBef>
-              <a:spcAft>
-                <a:spcPts val="1600"/>
-              </a:spcAft>
-              <a:buClr>
-                <a:schemeClr val="dk1"/>
-              </a:buClr>
-              <a:buSzPct val="100000"/>
-              <a:buFont typeface="Arial"/>
-              <a:buChar char="•"/>
-              <a:defRPr sz="2000" b="0" i="0" u="none" strike="noStrike" cap="none">
-                <a:solidFill>
-                  <a:schemeClr val="dk1"/>
-                </a:solidFill>
-                <a:latin typeface="Arial"/>
-                <a:ea typeface="Arial"/>
-                <a:cs typeface="Arial"/>
-                <a:sym typeface="Arial"/>
-              </a:defRPr>
-            </a:lvl9pPr>
-          </a:lstStyle>
-          <a:p>
-            <a:endParaRPr/>
-          </a:p>
-        </p:txBody>
-      </p:sp>
-      <p:sp>
-        <p:nvSpPr>
-          <p:cNvPr id="29" name="Shape 29"/>
-          <p:cNvSpPr txBox="1"/>
-          <p:nvPr/>
-        </p:nvSpPr>
-        <p:spPr>
-          <a:xfrm>
-            <a:off x="825500" y="410308"/>
-            <a:ext cx="5133598" cy="341100"/>
-          </a:xfrm>
-          <a:prstGeom prst="rect">
-            <a:avLst/>
-          </a:prstGeom>
-          <a:noFill/>
-          <a:ln>
-            <a:noFill/>
-          </a:ln>
-        </p:spPr>
-        <p:txBody>
-          <a:bodyPr lIns="0" tIns="45725" rIns="0" bIns="45725" anchor="t" anchorCtr="0">
-            <a:noAutofit/>
-          </a:bodyPr>
-          <a:lstStyle/>
-          <a:p>
-            <a:pPr marL="0" marR="0" lvl="0" indent="0" algn="l" rtl="0">
-              <a:lnSpc>
-                <a:spcPct val="80000"/>
-              </a:lnSpc>
-              <a:spcBef>
-                <a:spcPts val="0"/>
-              </a:spcBef>
-              <a:spcAft>
-                <a:spcPts val="0"/>
-              </a:spcAft>
-              <a:buClr>
-                <a:schemeClr val="lt1"/>
-              </a:buClr>
-              <a:buSzPct val="25000"/>
-              <a:buFont typeface="Arial"/>
-              <a:buNone/>
-            </a:pPr>
-            <a:r>
-              <a:rPr lang="en" sz="2300" b="1" i="0" u="none" strike="noStrike" cap="none">
-                <a:solidFill>
-                  <a:schemeClr val="lt1"/>
-                </a:solidFill>
-                <a:latin typeface="Arial"/>
-                <a:ea typeface="Arial"/>
-                <a:cs typeface="Arial"/>
-                <a:sym typeface="Arial"/>
-              </a:rPr>
-              <a:t>Agenda</a:t>
-            </a:r>
-          </a:p>
-        </p:txBody>
-      </p:sp>
-    </p:spTree>
-  </p:cSld>
-  <p:clrMapOvr>
-    <a:masterClrMapping/>
-  </p:clrMapOvr>
-</p:sldLayout>
-</file>
-
-<file path=ppt/slideLayouts/slideLayout3.xml><?xml version="1.0" encoding="utf-8"?>
 <p:sldLayout xmlns:a="http://schemas.openxmlformats.org/drawingml/2006/main" xmlns:r="http://schemas.openxmlformats.org/officeDocument/2006/relationships" xmlns:p="http://schemas.openxmlformats.org/presentationml/2006/main" type="secHead">
   <p:cSld name="Section header">
     <p:spTree>
@@ -4083,7 +2849,7 @@
 </p:sldLayout>
 </file>
 
-<file path=ppt/slideLayouts/slideLayout4.xml><?xml version="1.0" encoding="utf-8"?>
+<file path=ppt/slideLayouts/slideLayout3.xml><?xml version="1.0" encoding="utf-8"?>
 <p:sldLayout xmlns:a="http://schemas.openxmlformats.org/drawingml/2006/main" xmlns:r="http://schemas.openxmlformats.org/officeDocument/2006/relationships" xmlns:p="http://schemas.openxmlformats.org/presentationml/2006/main" type="tx">
   <p:cSld name="Title and body">
     <p:spTree>
@@ -4612,7 +3378,7 @@
 </p:sldLayout>
 </file>
 
-<file path=ppt/slideLayouts/slideLayout5.xml><?xml version="1.0" encoding="utf-8"?>
+<file path=ppt/slideLayouts/slideLayout4.xml><?xml version="1.0" encoding="utf-8"?>
 <p:sldLayout xmlns:a="http://schemas.openxmlformats.org/drawingml/2006/main" xmlns:r="http://schemas.openxmlformats.org/officeDocument/2006/relationships" xmlns:p="http://schemas.openxmlformats.org/presentationml/2006/main" type="twoColTx">
   <p:cSld name="Title and two columns">
     <p:spTree>
@@ -5398,7 +4164,7 @@
 </p:sldLayout>
 </file>
 
-<file path=ppt/slideLayouts/slideLayout6.xml><?xml version="1.0" encoding="utf-8"?>
+<file path=ppt/slideLayouts/slideLayout5.xml><?xml version="1.0" encoding="utf-8"?>
 <p:sldLayout xmlns:a="http://schemas.openxmlformats.org/drawingml/2006/main" xmlns:r="http://schemas.openxmlformats.org/officeDocument/2006/relationships" xmlns:p="http://schemas.openxmlformats.org/presentationml/2006/main" type="titleOnly">
   <p:cSld name="Title only">
     <p:spTree>
@@ -5670,7 +4436,7 @@
 </p:sldLayout>
 </file>
 
-<file path=ppt/slideLayouts/slideLayout7.xml><?xml version="1.0" encoding="utf-8"?>
+<file path=ppt/slideLayouts/slideLayout6.xml><?xml version="1.0" encoding="utf-8"?>
 <p:sldLayout xmlns:a="http://schemas.openxmlformats.org/drawingml/2006/main" xmlns:r="http://schemas.openxmlformats.org/officeDocument/2006/relationships" xmlns:p="http://schemas.openxmlformats.org/presentationml/2006/main">
   <p:cSld name="One column text">
     <p:spTree>
@@ -6199,7 +4965,7 @@
 </p:sldLayout>
 </file>
 
-<file path=ppt/slideLayouts/slideLayout8.xml><?xml version="1.0" encoding="utf-8"?>
+<file path=ppt/slideLayouts/slideLayout7.xml><?xml version="1.0" encoding="utf-8"?>
 <p:sldLayout xmlns:a="http://schemas.openxmlformats.org/drawingml/2006/main" xmlns:r="http://schemas.openxmlformats.org/officeDocument/2006/relationships" xmlns:p="http://schemas.openxmlformats.org/presentationml/2006/main">
   <p:cSld name="Main point">
     <p:spTree>
@@ -6471,7 +5237,7 @@
 </p:sldLayout>
 </file>
 
-<file path=ppt/slideLayouts/slideLayout9.xml><?xml version="1.0" encoding="utf-8"?>
+<file path=ppt/slideLayouts/slideLayout8.xml><?xml version="1.0" encoding="utf-8"?>
 <p:sldLayout xmlns:a="http://schemas.openxmlformats.org/drawingml/2006/main" xmlns:r="http://schemas.openxmlformats.org/officeDocument/2006/relationships" xmlns:p="http://schemas.openxmlformats.org/presentationml/2006/main">
   <p:cSld name="Section title and description">
     <p:spTree>
@@ -7237,6 +6003,358 @@
       <p:sp>
         <p:nvSpPr>
           <p:cNvPr id="57" name="Shape 57"/>
+          <p:cNvSpPr txBox="1">
+            <a:spLocks noGrp="1"/>
+          </p:cNvSpPr>
+          <p:nvPr>
+            <p:ph type="sldNum" idx="12"/>
+          </p:nvPr>
+        </p:nvSpPr>
+        <p:spPr>
+          <a:xfrm>
+            <a:off x="8472457" y="4663216"/>
+            <a:ext cx="548699" cy="393600"/>
+          </a:xfrm>
+          <a:prstGeom prst="rect">
+            <a:avLst/>
+          </a:prstGeom>
+          <a:noFill/>
+          <a:ln>
+            <a:noFill/>
+          </a:ln>
+        </p:spPr>
+        <p:txBody>
+          <a:bodyPr lIns="91425" tIns="91425" rIns="91425" bIns="91425" anchor="ctr" anchorCtr="0">
+            <a:noAutofit/>
+          </a:bodyPr>
+          <a:lstStyle/>
+          <a:p>
+            <a:pPr marL="0" marR="0" lvl="0" indent="0" algn="l" rtl="0">
+              <a:lnSpc>
+                <a:spcPct val="100000"/>
+              </a:lnSpc>
+              <a:spcBef>
+                <a:spcPts val="0"/>
+              </a:spcBef>
+              <a:spcAft>
+                <a:spcPts val="0"/>
+              </a:spcAft>
+              <a:buClr>
+                <a:srgbClr val="000000"/>
+              </a:buClr>
+              <a:buSzPct val="25000"/>
+              <a:buFont typeface="Arial"/>
+              <a:buNone/>
+            </a:pPr>
+            <a:fld id="{00000000-1234-1234-1234-123412341234}" type="slidenum">
+              <a:rPr lang="en" sz="1400" b="0" i="0" u="none" strike="noStrike" cap="none">
+                <a:solidFill>
+                  <a:srgbClr val="000000"/>
+                </a:solidFill>
+                <a:latin typeface="Arial"/>
+                <a:ea typeface="Arial"/>
+                <a:cs typeface="Arial"/>
+                <a:sym typeface="Arial"/>
+              </a:rPr>
+              <a:t>‹#›</a:t>
+            </a:fld>
+            <a:endParaRPr lang="en" sz="1400" b="0" i="0" u="none" strike="noStrike" cap="none">
+              <a:solidFill>
+                <a:srgbClr val="000000"/>
+              </a:solidFill>
+              <a:latin typeface="Arial"/>
+              <a:ea typeface="Arial"/>
+              <a:cs typeface="Arial"/>
+              <a:sym typeface="Arial"/>
+            </a:endParaRPr>
+          </a:p>
+        </p:txBody>
+      </p:sp>
+    </p:spTree>
+  </p:cSld>
+  <p:clrMapOvr>
+    <a:masterClrMapping/>
+  </p:clrMapOvr>
+</p:sldLayout>
+</file>
+
+<file path=ppt/slideLayouts/slideLayout9.xml><?xml version="1.0" encoding="utf-8"?>
+<p:sldLayout xmlns:a="http://schemas.openxmlformats.org/drawingml/2006/main" xmlns:r="http://schemas.openxmlformats.org/officeDocument/2006/relationships" xmlns:p="http://schemas.openxmlformats.org/presentationml/2006/main">
+  <p:cSld name="Caption">
+    <p:spTree>
+      <p:nvGrpSpPr>
+        <p:cNvPr id="1" name="Shape 58"/>
+        <p:cNvGrpSpPr/>
+        <p:nvPr/>
+      </p:nvGrpSpPr>
+      <p:grpSpPr>
+        <a:xfrm>
+          <a:off x="0" y="0"/>
+          <a:ext cx="0" cy="0"/>
+          <a:chOff x="0" y="0"/>
+          <a:chExt cx="0" cy="0"/>
+        </a:xfrm>
+      </p:grpSpPr>
+      <p:sp>
+        <p:nvSpPr>
+          <p:cNvPr id="59" name="Shape 59"/>
+          <p:cNvSpPr txBox="1">
+            <a:spLocks noGrp="1"/>
+          </p:cNvSpPr>
+          <p:nvPr>
+            <p:ph type="body" idx="1"/>
+          </p:nvPr>
+        </p:nvSpPr>
+        <p:spPr>
+          <a:xfrm>
+            <a:off x="311700" y="4230575"/>
+            <a:ext cx="5998800" cy="605100"/>
+          </a:xfrm>
+          <a:prstGeom prst="rect">
+            <a:avLst/>
+          </a:prstGeom>
+          <a:noFill/>
+          <a:ln>
+            <a:noFill/>
+          </a:ln>
+        </p:spPr>
+        <p:txBody>
+          <a:bodyPr lIns="91425" tIns="91425" rIns="91425" bIns="91425" anchor="ctr" anchorCtr="0"/>
+          <a:lstStyle>
+            <a:lvl1pPr marL="0" marR="0" lvl="0" indent="0" algn="l" rtl="0">
+              <a:lnSpc>
+                <a:spcPct val="100000"/>
+              </a:lnSpc>
+              <a:spcBef>
+                <a:spcPts val="0"/>
+              </a:spcBef>
+              <a:spcAft>
+                <a:spcPts val="0"/>
+              </a:spcAft>
+              <a:buClr>
+                <a:schemeClr val="dk2"/>
+              </a:buClr>
+              <a:buFont typeface="Arial"/>
+              <a:buNone/>
+              <a:defRPr sz="1800" b="0" i="0" u="none" strike="noStrike" cap="none">
+                <a:solidFill>
+                  <a:schemeClr val="dk2"/>
+                </a:solidFill>
+                <a:latin typeface="Arial"/>
+                <a:ea typeface="Arial"/>
+                <a:cs typeface="Arial"/>
+                <a:sym typeface="Arial"/>
+              </a:defRPr>
+            </a:lvl1pPr>
+            <a:lvl2pPr marL="457200" marR="0" lvl="1" indent="0" algn="l" rtl="0">
+              <a:lnSpc>
+                <a:spcPct val="115000"/>
+              </a:lnSpc>
+              <a:spcBef>
+                <a:spcPts val="0"/>
+              </a:spcBef>
+              <a:spcAft>
+                <a:spcPts val="1600"/>
+              </a:spcAft>
+              <a:buClr>
+                <a:schemeClr val="dk2"/>
+              </a:buClr>
+              <a:buFont typeface="Arial"/>
+              <a:buNone/>
+              <a:defRPr sz="1400" b="0" i="0" u="none" strike="noStrike" cap="none">
+                <a:solidFill>
+                  <a:schemeClr val="dk2"/>
+                </a:solidFill>
+                <a:latin typeface="Arial"/>
+                <a:ea typeface="Arial"/>
+                <a:cs typeface="Arial"/>
+                <a:sym typeface="Arial"/>
+              </a:defRPr>
+            </a:lvl2pPr>
+            <a:lvl3pPr marL="914400" marR="0" lvl="2" indent="0" algn="l" rtl="0">
+              <a:lnSpc>
+                <a:spcPct val="115000"/>
+              </a:lnSpc>
+              <a:spcBef>
+                <a:spcPts val="0"/>
+              </a:spcBef>
+              <a:spcAft>
+                <a:spcPts val="1600"/>
+              </a:spcAft>
+              <a:buClr>
+                <a:schemeClr val="dk2"/>
+              </a:buClr>
+              <a:buFont typeface="Arial"/>
+              <a:buNone/>
+              <a:defRPr sz="1400" b="0" i="0" u="none" strike="noStrike" cap="none">
+                <a:solidFill>
+                  <a:schemeClr val="dk2"/>
+                </a:solidFill>
+                <a:latin typeface="Arial"/>
+                <a:ea typeface="Arial"/>
+                <a:cs typeface="Arial"/>
+                <a:sym typeface="Arial"/>
+              </a:defRPr>
+            </a:lvl3pPr>
+            <a:lvl4pPr marL="1371600" marR="0" lvl="3" indent="0" algn="l" rtl="0">
+              <a:lnSpc>
+                <a:spcPct val="115000"/>
+              </a:lnSpc>
+              <a:spcBef>
+                <a:spcPts val="0"/>
+              </a:spcBef>
+              <a:spcAft>
+                <a:spcPts val="1600"/>
+              </a:spcAft>
+              <a:buClr>
+                <a:schemeClr val="dk2"/>
+              </a:buClr>
+              <a:buFont typeface="Arial"/>
+              <a:buNone/>
+              <a:defRPr sz="1400" b="0" i="0" u="none" strike="noStrike" cap="none">
+                <a:solidFill>
+                  <a:schemeClr val="dk2"/>
+                </a:solidFill>
+                <a:latin typeface="Arial"/>
+                <a:ea typeface="Arial"/>
+                <a:cs typeface="Arial"/>
+                <a:sym typeface="Arial"/>
+              </a:defRPr>
+            </a:lvl4pPr>
+            <a:lvl5pPr marL="1828800" marR="0" lvl="4" indent="0" algn="l" rtl="0">
+              <a:lnSpc>
+                <a:spcPct val="115000"/>
+              </a:lnSpc>
+              <a:spcBef>
+                <a:spcPts val="0"/>
+              </a:spcBef>
+              <a:spcAft>
+                <a:spcPts val="1600"/>
+              </a:spcAft>
+              <a:buClr>
+                <a:schemeClr val="dk2"/>
+              </a:buClr>
+              <a:buFont typeface="Arial"/>
+              <a:buNone/>
+              <a:defRPr sz="1400" b="0" i="0" u="none" strike="noStrike" cap="none">
+                <a:solidFill>
+                  <a:schemeClr val="dk2"/>
+                </a:solidFill>
+                <a:latin typeface="Arial"/>
+                <a:ea typeface="Arial"/>
+                <a:cs typeface="Arial"/>
+                <a:sym typeface="Arial"/>
+              </a:defRPr>
+            </a:lvl5pPr>
+            <a:lvl6pPr marL="2286000" marR="0" lvl="5" indent="0" algn="l" rtl="0">
+              <a:lnSpc>
+                <a:spcPct val="115000"/>
+              </a:lnSpc>
+              <a:spcBef>
+                <a:spcPts val="0"/>
+              </a:spcBef>
+              <a:spcAft>
+                <a:spcPts val="1600"/>
+              </a:spcAft>
+              <a:buClr>
+                <a:schemeClr val="dk2"/>
+              </a:buClr>
+              <a:buFont typeface="Arial"/>
+              <a:buNone/>
+              <a:defRPr sz="1400" b="0" i="0" u="none" strike="noStrike" cap="none">
+                <a:solidFill>
+                  <a:schemeClr val="dk2"/>
+                </a:solidFill>
+                <a:latin typeface="Arial"/>
+                <a:ea typeface="Arial"/>
+                <a:cs typeface="Arial"/>
+                <a:sym typeface="Arial"/>
+              </a:defRPr>
+            </a:lvl6pPr>
+            <a:lvl7pPr marL="2743200" marR="0" lvl="6" indent="0" algn="l" rtl="0">
+              <a:lnSpc>
+                <a:spcPct val="115000"/>
+              </a:lnSpc>
+              <a:spcBef>
+                <a:spcPts val="0"/>
+              </a:spcBef>
+              <a:spcAft>
+                <a:spcPts val="1600"/>
+              </a:spcAft>
+              <a:buClr>
+                <a:schemeClr val="dk2"/>
+              </a:buClr>
+              <a:buFont typeface="Arial"/>
+              <a:buNone/>
+              <a:defRPr sz="1400" b="0" i="0" u="none" strike="noStrike" cap="none">
+                <a:solidFill>
+                  <a:schemeClr val="dk2"/>
+                </a:solidFill>
+                <a:latin typeface="Arial"/>
+                <a:ea typeface="Arial"/>
+                <a:cs typeface="Arial"/>
+                <a:sym typeface="Arial"/>
+              </a:defRPr>
+            </a:lvl7pPr>
+            <a:lvl8pPr marL="3200400" marR="0" lvl="7" indent="0" algn="l" rtl="0">
+              <a:lnSpc>
+                <a:spcPct val="115000"/>
+              </a:lnSpc>
+              <a:spcBef>
+                <a:spcPts val="0"/>
+              </a:spcBef>
+              <a:spcAft>
+                <a:spcPts val="1600"/>
+              </a:spcAft>
+              <a:buClr>
+                <a:schemeClr val="dk2"/>
+              </a:buClr>
+              <a:buFont typeface="Arial"/>
+              <a:buNone/>
+              <a:defRPr sz="1400" b="0" i="0" u="none" strike="noStrike" cap="none">
+                <a:solidFill>
+                  <a:schemeClr val="dk2"/>
+                </a:solidFill>
+                <a:latin typeface="Arial"/>
+                <a:ea typeface="Arial"/>
+                <a:cs typeface="Arial"/>
+                <a:sym typeface="Arial"/>
+              </a:defRPr>
+            </a:lvl8pPr>
+            <a:lvl9pPr marL="3657600" marR="0" lvl="8" indent="0" algn="l" rtl="0">
+              <a:lnSpc>
+                <a:spcPct val="115000"/>
+              </a:lnSpc>
+              <a:spcBef>
+                <a:spcPts val="0"/>
+              </a:spcBef>
+              <a:spcAft>
+                <a:spcPts val="1600"/>
+              </a:spcAft>
+              <a:buClr>
+                <a:schemeClr val="dk2"/>
+              </a:buClr>
+              <a:buFont typeface="Arial"/>
+              <a:buNone/>
+              <a:defRPr sz="1400" b="0" i="0" u="none" strike="noStrike" cap="none">
+                <a:solidFill>
+                  <a:schemeClr val="dk2"/>
+                </a:solidFill>
+                <a:latin typeface="Arial"/>
+                <a:ea typeface="Arial"/>
+                <a:cs typeface="Arial"/>
+                <a:sym typeface="Arial"/>
+              </a:defRPr>
+            </a:lvl9pPr>
+          </a:lstStyle>
+          <a:p>
+            <a:endParaRPr/>
+          </a:p>
+        </p:txBody>
+      </p:sp>
+      <p:sp>
+        <p:nvSpPr>
+          <p:cNvPr id="60" name="Shape 60"/>
           <p:cNvSpPr txBox="1">
             <a:spLocks noGrp="1"/>
           </p:cNvSpPr>
@@ -7846,17 +6964,16 @@
   <p:clrMap bg1="lt1" tx1="dk1" bg2="dk2" tx2="lt2" accent1="accent1" accent2="accent2" accent3="accent3" accent4="accent4" accent5="accent5" accent6="accent6" hlink="hlink" folHlink="folHlink"/>
   <p:sldLayoutIdLst>
     <p:sldLayoutId id="2147483648" r:id="rId1"/>
-    <p:sldLayoutId id="2147483651" r:id="rId2"/>
-    <p:sldLayoutId id="2147483652" r:id="rId3"/>
-    <p:sldLayoutId id="2147483653" r:id="rId4"/>
-    <p:sldLayoutId id="2147483654" r:id="rId5"/>
-    <p:sldLayoutId id="2147483655" r:id="rId6"/>
-    <p:sldLayoutId id="2147483656" r:id="rId7"/>
-    <p:sldLayoutId id="2147483657" r:id="rId8"/>
-    <p:sldLayoutId id="2147483658" r:id="rId9"/>
-    <p:sldLayoutId id="2147483659" r:id="rId10"/>
-    <p:sldLayoutId id="2147483660" r:id="rId11"/>
-    <p:sldLayoutId id="2147483661" r:id="rId12"/>
+    <p:sldLayoutId id="2147483652" r:id="rId2"/>
+    <p:sldLayoutId id="2147483653" r:id="rId3"/>
+    <p:sldLayoutId id="2147483654" r:id="rId4"/>
+    <p:sldLayoutId id="2147483655" r:id="rId5"/>
+    <p:sldLayoutId id="2147483656" r:id="rId6"/>
+    <p:sldLayoutId id="2147483657" r:id="rId7"/>
+    <p:sldLayoutId id="2147483658" r:id="rId8"/>
+    <p:sldLayoutId id="2147483659" r:id="rId9"/>
+    <p:sldLayoutId id="2147483660" r:id="rId10"/>
+    <p:sldLayoutId id="2147483661" r:id="rId11"/>
   </p:sldLayoutIdLst>
   <p:hf sldNum="0" hdr="0" ftr="0" dt="0"/>
   <p:txStyles>
@@ -8354,8 +7471,8 @@
         </p:nvSpPr>
         <p:spPr>
           <a:xfrm>
-            <a:off x="0" y="1661041"/>
-            <a:ext cx="9144000" cy="911398"/>
+            <a:off x="-2" y="1811779"/>
+            <a:ext cx="9144000" cy="755251"/>
           </a:xfrm>
           <a:prstGeom prst="rect">
             <a:avLst/>
@@ -8380,22 +7497,32 @@
               <a:buSzPct val="25000"/>
             </a:pPr>
             <a:r>
-              <a:rPr lang="en-US" sz="3600" dirty="0"/>
+              <a:rPr lang="en-US" sz="3600" dirty="0">
+                <a:latin typeface="Berlin Sans FB Demi" panose="020E0802020502020306" pitchFamily="34" charset="0"/>
+              </a:rPr>
               <a:t>Emotional </a:t>
             </a:r>
             <a:r>
-              <a:rPr lang="en-US" sz="3600" dirty="0" smtClean="0"/>
+              <a:rPr lang="en-US" sz="3600" dirty="0" smtClean="0">
+                <a:latin typeface="Berlin Sans FB Demi" panose="020E0802020502020306" pitchFamily="34" charset="0"/>
+              </a:rPr>
               <a:t>Hero </a:t>
             </a:r>
             <a:r>
-              <a:rPr lang="mr-IN" sz="3600" dirty="0"/>
+              <a:rPr lang="mr-IN" sz="3600" dirty="0">
+                <a:latin typeface="Berlin Sans FB Demi" panose="020E0802020502020306" pitchFamily="34" charset="0"/>
+              </a:rPr>
               <a:t>–</a:t>
             </a:r>
             <a:r>
-              <a:rPr lang="en-US" sz="3600" dirty="0"/>
+              <a:rPr lang="en-US" sz="3600" dirty="0">
+                <a:latin typeface="Berlin Sans FB Demi" panose="020E0802020502020306" pitchFamily="34" charset="0"/>
+              </a:rPr>
               <a:t> the iOS  app</a:t>
             </a:r>
-            <a:endParaRPr lang="en" sz="3600" dirty="0"/>
+            <a:endParaRPr lang="en" sz="3600" dirty="0">
+              <a:latin typeface="Berlin Sans FB Demi" panose="020E0802020502020306" pitchFamily="34" charset="0"/>
+            </a:endParaRPr>
           </a:p>
         </p:txBody>
       </p:sp>
@@ -8753,7 +7880,16 @@
                 </a:solidFill>
                 <a:sym typeface="Arial"/>
               </a:rPr>
-              <a:t>Ben, Chris, Julia, Shiv &amp; Toni</a:t>
+              <a:t>Ben, Chris, Julia, Shiv &amp; </a:t>
+            </a:r>
+            <a:r>
+              <a:rPr lang="en-US" sz="1600" b="1" i="1" u="none" strike="noStrike" cap="none" dirty="0" smtClean="0">
+                <a:solidFill>
+                  <a:srgbClr val="2F3252"/>
+                </a:solidFill>
+                <a:sym typeface="Arial"/>
+              </a:rPr>
+              <a:t>Tony</a:t>
             </a:r>
             <a:endParaRPr sz="1100" b="0" i="1" u="none" strike="noStrike" cap="none" dirty="0">
               <a:solidFill>
@@ -8826,6 +7962,13 @@
   <p:clrMapOvr>
     <a:masterClrMapping/>
   </p:clrMapOvr>
+  <p:timing>
+    <p:tnLst>
+      <p:par>
+        <p:cTn id="1" dur="indefinite" restart="never" nodeType="tmRoot"/>
+      </p:par>
+    </p:tnLst>
+  </p:timing>
 </p:sld>
 </file>
 
@@ -8834,7 +7977,7 @@
   <p:cSld>
     <p:spTree>
       <p:nvGrpSpPr>
-        <p:cNvPr id="1" name="Shape 103"/>
+        <p:cNvPr id="1" name="Shape 113"/>
         <p:cNvGrpSpPr/>
         <p:nvPr/>
       </p:nvGrpSpPr>
@@ -8848,7 +7991,7 @@
       </p:grpSpPr>
       <p:pic>
         <p:nvPicPr>
-          <p:cNvPr id="104" name="Shape 104"/>
+          <p:cNvPr id="114" name="Shape 114"/>
           <p:cNvPicPr preferRelativeResize="0"/>
           <p:nvPr/>
         </p:nvPicPr>
@@ -8875,19 +8018,48 @@
       </p:pic>
       <p:sp>
         <p:nvSpPr>
-          <p:cNvPr id="105" name="Shape 105"/>
+          <p:cNvPr id="2" name="Title 1"/>
+          <p:cNvSpPr>
+            <a:spLocks noGrp="1"/>
+          </p:cNvSpPr>
+          <p:nvPr>
+            <p:ph type="title"/>
+          </p:nvPr>
+        </p:nvSpPr>
+        <p:spPr/>
+        <p:txBody>
+          <a:bodyPr/>
+          <a:lstStyle/>
+          <a:p>
+            <a:r>
+              <a:rPr lang="en-GB" dirty="0" smtClean="0">
+                <a:solidFill>
+                  <a:schemeClr val="bg1"/>
+                </a:solidFill>
+                <a:latin typeface="Berlin Sans FB Demi" panose="020E0802020502020306" pitchFamily="34" charset="0"/>
+              </a:rPr>
+              <a:t>MOTIVATION</a:t>
+            </a:r>
+            <a:endParaRPr lang="en-GB" dirty="0">
+              <a:solidFill>
+                <a:schemeClr val="bg1"/>
+              </a:solidFill>
+              <a:latin typeface="Berlin Sans FB Demi" panose="020E0802020502020306" pitchFamily="34" charset="0"/>
+            </a:endParaRPr>
+          </a:p>
+        </p:txBody>
+      </p:sp>
+      <p:sp>
+        <p:nvSpPr>
+          <p:cNvPr id="115" name="Shape 115"/>
           <p:cNvSpPr txBox="1">
             <a:spLocks noGrp="1"/>
           </p:cNvSpPr>
           <p:nvPr>
-            <p:ph type="body" idx="2"/>
+            <p:ph type="body" idx="1"/>
           </p:nvPr>
         </p:nvSpPr>
         <p:spPr>
-          <a:xfrm>
-            <a:off x="3098775" y="1869755"/>
-            <a:ext cx="5458499" cy="2635800"/>
-          </a:xfrm>
           <a:prstGeom prst="rect">
             <a:avLst/>
           </a:prstGeom>
@@ -8902,34 +8074,107 @@
           </a:bodyPr>
           <a:lstStyle/>
           <a:p>
-            <a:pPr marL="0" marR="0" lvl="0" indent="0" algn="l" rtl="0">
-              <a:lnSpc>
-                <a:spcPct val="100000"/>
-              </a:lnSpc>
-              <a:spcBef>
-                <a:spcPts val="0"/>
-              </a:spcBef>
-              <a:spcAft>
-                <a:spcPts val="0"/>
-              </a:spcAft>
-              <a:buClr>
-                <a:schemeClr val="lt1"/>
-              </a:buClr>
-              <a:buSzPct val="25000"/>
-              <a:buFont typeface="Arial"/>
-              <a:buNone/>
-            </a:pPr>
             <a:r>
-              <a:rPr lang="en" sz="1200" b="0" i="0" u="none" strike="noStrike" cap="none">
-                <a:solidFill>
-                  <a:schemeClr val="lt1"/>
-                </a:solidFill>
-                <a:latin typeface="Exo 2"/>
-                <a:ea typeface="Exo 2"/>
-                <a:cs typeface="Exo 2"/>
-                <a:sym typeface="Exo 2"/>
+              <a:rPr lang="en-GB" sz="2200" dirty="0" smtClean="0">
+                <a:solidFill>
+                  <a:schemeClr val="bg1"/>
+                </a:solidFill>
+                <a:latin typeface="Berlin Sans FB" panose="020E0602020502020306" pitchFamily="34" charset="0"/>
               </a:rPr>
-              <a:t>Kick off und challenge Vorstellung</a:t>
+              <a:t>Do </a:t>
+            </a:r>
+            <a:r>
+              <a:rPr lang="en-GB" sz="2200" dirty="0">
+                <a:solidFill>
+                  <a:schemeClr val="bg1"/>
+                </a:solidFill>
+                <a:latin typeface="Berlin Sans FB" panose="020E0602020502020306" pitchFamily="34" charset="0"/>
+              </a:rPr>
+              <a:t>you feel uncomfortable the way your face </a:t>
+            </a:r>
+            <a:r>
+              <a:rPr lang="en-GB" sz="2200" dirty="0" smtClean="0">
+                <a:solidFill>
+                  <a:schemeClr val="bg1"/>
+                </a:solidFill>
+                <a:latin typeface="Berlin Sans FB" panose="020E0602020502020306" pitchFamily="34" charset="0"/>
+              </a:rPr>
+              <a:t>looks </a:t>
+            </a:r>
+            <a:r>
+              <a:rPr lang="en-GB" sz="2200" dirty="0">
+                <a:solidFill>
+                  <a:schemeClr val="bg1"/>
+                </a:solidFill>
+                <a:latin typeface="Berlin Sans FB" panose="020E0602020502020306" pitchFamily="34" charset="0"/>
+              </a:rPr>
+              <a:t>when you express an </a:t>
+            </a:r>
+            <a:r>
+              <a:rPr lang="en-GB" sz="2200" dirty="0" smtClean="0">
+                <a:solidFill>
+                  <a:schemeClr val="bg1"/>
+                </a:solidFill>
+                <a:latin typeface="Berlin Sans FB" panose="020E0602020502020306" pitchFamily="34" charset="0"/>
+              </a:rPr>
+              <a:t>emotion?</a:t>
+            </a:r>
+            <a:endParaRPr lang="en-GB" sz="2200" dirty="0">
+              <a:solidFill>
+                <a:schemeClr val="bg1"/>
+              </a:solidFill>
+              <a:latin typeface="Berlin Sans FB" panose="020E0602020502020306" pitchFamily="34" charset="0"/>
+            </a:endParaRPr>
+          </a:p>
+          <a:p>
+            <a:r>
+              <a:rPr lang="en-GB" sz="2200" dirty="0">
+                <a:solidFill>
+                  <a:schemeClr val="bg1"/>
+                </a:solidFill>
+                <a:latin typeface="Berlin Sans FB" panose="020E0602020502020306" pitchFamily="34" charset="0"/>
+              </a:rPr>
+              <a:t>Do you think </a:t>
+            </a:r>
+            <a:r>
+              <a:rPr lang="en-GB" sz="2200" dirty="0" smtClean="0">
+                <a:solidFill>
+                  <a:schemeClr val="bg1"/>
+                </a:solidFill>
+                <a:latin typeface="Berlin Sans FB" panose="020E0602020502020306" pitchFamily="34" charset="0"/>
+              </a:rPr>
+              <a:t>you have </a:t>
+            </a:r>
+            <a:r>
+              <a:rPr lang="en-GB" sz="2200" dirty="0">
+                <a:solidFill>
+                  <a:schemeClr val="bg1"/>
+                </a:solidFill>
+                <a:latin typeface="Berlin Sans FB" panose="020E0602020502020306" pitchFamily="34" charset="0"/>
+              </a:rPr>
+              <a:t>got an asymmetrical smile or laughter?</a:t>
+            </a:r>
+          </a:p>
+          <a:p>
+            <a:r>
+              <a:rPr lang="en-GB" sz="2200" dirty="0">
+                <a:solidFill>
+                  <a:schemeClr val="bg1"/>
+                </a:solidFill>
+                <a:latin typeface="Berlin Sans FB" panose="020E0602020502020306" pitchFamily="34" charset="0"/>
+              </a:rPr>
+              <a:t>Do you want to train your facial muscles for a slimmer and more defined look but don’t know how?</a:t>
+            </a:r>
+          </a:p>
+          <a:p>
+            <a:r>
+              <a:rPr lang="en-GB" sz="2200" dirty="0">
+                <a:solidFill>
+                  <a:schemeClr val="bg1"/>
+                </a:solidFill>
+                <a:latin typeface="Berlin Sans FB" panose="020E0602020502020306" pitchFamily="34" charset="0"/>
+              </a:rPr>
+              <a:t>Do you want to improve your selfies / photos by training on your facial expressions?</a:t>
             </a:r>
           </a:p>
           <a:p>
@@ -8950,271 +8195,7 @@
               <a:buFont typeface="Arial"/>
               <a:buNone/>
             </a:pPr>
-            <a:endParaRPr sz="1200" b="0" i="0" u="none" strike="noStrike" cap="none">
-              <a:solidFill>
-                <a:schemeClr val="lt1"/>
-              </a:solidFill>
-              <a:latin typeface="Exo 2"/>
-              <a:ea typeface="Exo 2"/>
-              <a:cs typeface="Exo 2"/>
-              <a:sym typeface="Exo 2"/>
-            </a:endParaRPr>
-          </a:p>
-          <a:p>
-            <a:pPr marL="0" marR="0" lvl="0" indent="0" algn="l" rtl="0">
-              <a:lnSpc>
-                <a:spcPct val="100000"/>
-              </a:lnSpc>
-              <a:spcBef>
-                <a:spcPts val="0"/>
-              </a:spcBef>
-              <a:spcAft>
-                <a:spcPts val="0"/>
-              </a:spcAft>
-              <a:buClr>
-                <a:schemeClr val="lt1"/>
-              </a:buClr>
-              <a:buSzPct val="25000"/>
-              <a:buFont typeface="Arial"/>
-              <a:buNone/>
-            </a:pPr>
-            <a:r>
-              <a:rPr lang="en" sz="1200" b="0" i="0" u="none" strike="noStrike" cap="none">
-                <a:solidFill>
-                  <a:schemeClr val="lt1"/>
-                </a:solidFill>
-                <a:latin typeface="Exo 2"/>
-                <a:ea typeface="Exo 2"/>
-                <a:cs typeface="Exo 2"/>
-                <a:sym typeface="Exo 2"/>
-              </a:rPr>
-              <a:t>Ideen pitch</a:t>
-            </a:r>
-          </a:p>
-          <a:p>
-            <a:pPr marL="0" marR="0" lvl="0" indent="0" algn="l" rtl="0">
-              <a:lnSpc>
-                <a:spcPct val="100000"/>
-              </a:lnSpc>
-              <a:spcBef>
-                <a:spcPts val="0"/>
-              </a:spcBef>
-              <a:spcAft>
-                <a:spcPts val="0"/>
-              </a:spcAft>
-              <a:buClr>
-                <a:schemeClr val="lt1"/>
-              </a:buClr>
-              <a:buSzPct val="25000"/>
-              <a:buFont typeface="Arial"/>
-              <a:buNone/>
-            </a:pPr>
-            <a:endParaRPr sz="1200" b="0" i="0" u="none" strike="noStrike" cap="none">
-              <a:solidFill>
-                <a:schemeClr val="lt1"/>
-              </a:solidFill>
-              <a:latin typeface="Exo 2"/>
-              <a:ea typeface="Exo 2"/>
-              <a:cs typeface="Exo 2"/>
-              <a:sym typeface="Exo 2"/>
-            </a:endParaRPr>
-          </a:p>
-          <a:p>
-            <a:pPr marL="0" marR="0" lvl="0" indent="0" algn="l" rtl="0">
-              <a:lnSpc>
-                <a:spcPct val="100000"/>
-              </a:lnSpc>
-              <a:spcBef>
-                <a:spcPts val="0"/>
-              </a:spcBef>
-              <a:spcAft>
-                <a:spcPts val="0"/>
-              </a:spcAft>
-              <a:buClr>
-                <a:schemeClr val="lt1"/>
-              </a:buClr>
-              <a:buSzPct val="25000"/>
-              <a:buFont typeface="Arial"/>
-              <a:buNone/>
-            </a:pPr>
-            <a:r>
-              <a:rPr lang="en" sz="1200" b="0" i="0" u="none" strike="noStrike" cap="none">
-                <a:solidFill>
-                  <a:schemeClr val="lt1"/>
-                </a:solidFill>
-                <a:latin typeface="Exo 2"/>
-                <a:ea typeface="Exo 2"/>
-                <a:cs typeface="Exo 2"/>
-                <a:sym typeface="Exo 2"/>
-              </a:rPr>
-              <a:t>Teambildung – Cash Rush</a:t>
-            </a:r>
-          </a:p>
-          <a:p>
-            <a:pPr marL="0" marR="0" lvl="0" indent="0" algn="l" rtl="0">
-              <a:lnSpc>
-                <a:spcPct val="100000"/>
-              </a:lnSpc>
-              <a:spcBef>
-                <a:spcPts val="0"/>
-              </a:spcBef>
-              <a:spcAft>
-                <a:spcPts val="0"/>
-              </a:spcAft>
-              <a:buClr>
-                <a:schemeClr val="lt1"/>
-              </a:buClr>
-              <a:buSzPct val="25000"/>
-              <a:buFont typeface="Arial"/>
-              <a:buNone/>
-            </a:pPr>
-            <a:endParaRPr sz="1200" b="0" i="0" u="none" strike="noStrike" cap="none">
-              <a:solidFill>
-                <a:schemeClr val="lt1"/>
-              </a:solidFill>
-              <a:latin typeface="Exo 2"/>
-              <a:ea typeface="Exo 2"/>
-              <a:cs typeface="Exo 2"/>
-              <a:sym typeface="Exo 2"/>
-            </a:endParaRPr>
-          </a:p>
-          <a:p>
-            <a:pPr marL="0" marR="0" lvl="0" indent="0" algn="l" rtl="0">
-              <a:lnSpc>
-                <a:spcPct val="100000"/>
-              </a:lnSpc>
-              <a:spcBef>
-                <a:spcPts val="0"/>
-              </a:spcBef>
-              <a:spcAft>
-                <a:spcPts val="0"/>
-              </a:spcAft>
-              <a:buClr>
-                <a:schemeClr val="lt1"/>
-              </a:buClr>
-              <a:buSzPct val="25000"/>
-              <a:buFont typeface="Arial"/>
-              <a:buNone/>
-            </a:pPr>
-            <a:r>
-              <a:rPr lang="en" sz="1200" b="0" i="0" u="none" strike="noStrike" cap="none">
-                <a:solidFill>
-                  <a:schemeClr val="lt1"/>
-                </a:solidFill>
-                <a:latin typeface="Exo 2"/>
-                <a:ea typeface="Exo 2"/>
-                <a:cs typeface="Exo 2"/>
-                <a:sym typeface="Exo 2"/>
-              </a:rPr>
-              <a:t>Coding </a:t>
-            </a:r>
-          </a:p>
-          <a:p>
-            <a:pPr marL="0" marR="0" lvl="0" indent="0" algn="l" rtl="0">
-              <a:lnSpc>
-                <a:spcPct val="100000"/>
-              </a:lnSpc>
-              <a:spcBef>
-                <a:spcPts val="0"/>
-              </a:spcBef>
-              <a:spcAft>
-                <a:spcPts val="0"/>
-              </a:spcAft>
-              <a:buClr>
-                <a:schemeClr val="lt1"/>
-              </a:buClr>
-              <a:buSzPct val="25000"/>
-              <a:buFont typeface="Arial"/>
-              <a:buNone/>
-            </a:pPr>
-            <a:endParaRPr sz="1200" b="0" i="0" u="none" strike="noStrike" cap="none">
-              <a:solidFill>
-                <a:schemeClr val="lt1"/>
-              </a:solidFill>
-              <a:latin typeface="Exo 2"/>
-              <a:ea typeface="Exo 2"/>
-              <a:cs typeface="Exo 2"/>
-              <a:sym typeface="Exo 2"/>
-            </a:endParaRPr>
-          </a:p>
-          <a:p>
-            <a:pPr marL="0" marR="0" lvl="0" indent="0" algn="l" rtl="0">
-              <a:lnSpc>
-                <a:spcPct val="100000"/>
-              </a:lnSpc>
-              <a:spcBef>
-                <a:spcPts val="0"/>
-              </a:spcBef>
-              <a:spcAft>
-                <a:spcPts val="0"/>
-              </a:spcAft>
-              <a:buClr>
-                <a:schemeClr val="lt1"/>
-              </a:buClr>
-              <a:buSzPct val="25000"/>
-              <a:buFont typeface="Arial"/>
-              <a:buNone/>
-            </a:pPr>
-            <a:r>
-              <a:rPr lang="en" sz="1200" b="0" i="0" u="none" strike="noStrike" cap="none">
-                <a:solidFill>
-                  <a:schemeClr val="lt1"/>
-                </a:solidFill>
-                <a:latin typeface="Exo 2"/>
-                <a:ea typeface="Exo 2"/>
-                <a:cs typeface="Exo 2"/>
-                <a:sym typeface="Exo 2"/>
-              </a:rPr>
-              <a:t>Ende Tag 1</a:t>
-            </a:r>
-          </a:p>
-          <a:p>
-            <a:pPr marL="0" marR="0" lvl="0" indent="0" algn="l" rtl="0">
-              <a:lnSpc>
-                <a:spcPct val="100000"/>
-              </a:lnSpc>
-              <a:spcBef>
-                <a:spcPts val="0"/>
-              </a:spcBef>
-              <a:spcAft>
-                <a:spcPts val="0"/>
-              </a:spcAft>
-              <a:buClr>
-                <a:schemeClr val="lt1"/>
-              </a:buClr>
-              <a:buSzPct val="25000"/>
-              <a:buFont typeface="Arial"/>
-              <a:buNone/>
-            </a:pPr>
-            <a:endParaRPr sz="1200" b="0" i="0" u="none" strike="noStrike" cap="none">
-              <a:solidFill>
-                <a:schemeClr val="lt1"/>
-              </a:solidFill>
-              <a:latin typeface="Exo 2"/>
-              <a:ea typeface="Exo 2"/>
-              <a:cs typeface="Exo 2"/>
-              <a:sym typeface="Exo 2"/>
-            </a:endParaRPr>
-          </a:p>
-          <a:p>
-            <a:pPr marL="0" marR="0" lvl="0" indent="0" algn="l" rtl="0">
-              <a:lnSpc>
-                <a:spcPct val="100000"/>
-              </a:lnSpc>
-              <a:spcBef>
-                <a:spcPts val="0"/>
-              </a:spcBef>
-              <a:spcAft>
-                <a:spcPts val="0"/>
-              </a:spcAft>
-              <a:buClr>
-                <a:schemeClr val="lt1"/>
-              </a:buClr>
-              <a:buSzPct val="25000"/>
-              <a:buFont typeface="Arial"/>
-              <a:buNone/>
-            </a:pPr>
-            <a:endParaRPr sz="1200" b="0" i="0" u="none" strike="noStrike" cap="none">
+            <a:endParaRPr sz="1200" b="0" i="0" u="none" strike="noStrike" cap="none" dirty="0">
               <a:solidFill>
                 <a:schemeClr val="lt1"/>
               </a:solidFill>
@@ -9226,608 +8207,237 @@
           </a:p>
         </p:txBody>
       </p:sp>
-      <p:sp>
-        <p:nvSpPr>
-          <p:cNvPr id="106" name="Shape 106"/>
-          <p:cNvSpPr txBox="1">
-            <a:spLocks noGrp="1"/>
-          </p:cNvSpPr>
-          <p:nvPr>
-            <p:ph type="body" idx="2"/>
-          </p:nvPr>
-        </p:nvSpPr>
-        <p:spPr>
-          <a:xfrm>
-            <a:off x="1827525" y="1869805"/>
-            <a:ext cx="1046099" cy="3878399"/>
-          </a:xfrm>
-          <a:prstGeom prst="rect">
-            <a:avLst/>
-          </a:prstGeom>
-          <a:noFill/>
-          <a:ln>
-            <a:noFill/>
-          </a:ln>
-        </p:spPr>
-        <p:txBody>
-          <a:bodyPr lIns="91425" tIns="91425" rIns="91425" bIns="91425" anchor="t" anchorCtr="0">
-            <a:noAutofit/>
-          </a:bodyPr>
-          <a:lstStyle/>
-          <a:p>
-            <a:pPr marL="0" marR="0" lvl="0" indent="0" algn="r" rtl="0">
-              <a:lnSpc>
-                <a:spcPct val="100000"/>
-              </a:lnSpc>
-              <a:spcBef>
-                <a:spcPts val="0"/>
-              </a:spcBef>
-              <a:spcAft>
-                <a:spcPts val="0"/>
-              </a:spcAft>
-              <a:buClr>
-                <a:schemeClr val="lt1"/>
-              </a:buClr>
-              <a:buSzPct val="25000"/>
-              <a:buFont typeface="Arial"/>
-              <a:buNone/>
-            </a:pPr>
-            <a:r>
-              <a:rPr lang="en" sz="1200" b="0" i="0" u="none" strike="noStrike" cap="none">
-                <a:solidFill>
-                  <a:srgbClr val="FFFFFF"/>
-                </a:solidFill>
-                <a:latin typeface="Exo 2"/>
-                <a:ea typeface="Exo 2"/>
-                <a:cs typeface="Exo 2"/>
-                <a:sym typeface="Exo 2"/>
-              </a:rPr>
-              <a:t>7:30pm</a:t>
-            </a:r>
-          </a:p>
-          <a:p>
-            <a:pPr marL="0" marR="0" lvl="0" indent="0" algn="r" rtl="0">
-              <a:lnSpc>
-                <a:spcPct val="100000"/>
-              </a:lnSpc>
-              <a:spcBef>
-                <a:spcPts val="0"/>
-              </a:spcBef>
-              <a:spcAft>
-                <a:spcPts val="0"/>
-              </a:spcAft>
-              <a:buClr>
-                <a:schemeClr val="lt1"/>
-              </a:buClr>
-              <a:buSzPct val="25000"/>
-              <a:buFont typeface="Arial"/>
-              <a:buNone/>
-            </a:pPr>
-            <a:endParaRPr sz="1200" b="0" i="0" u="none" strike="noStrike" cap="none">
-              <a:solidFill>
-                <a:srgbClr val="FFFFFF"/>
-              </a:solidFill>
-              <a:latin typeface="Arial"/>
-              <a:ea typeface="Arial"/>
-              <a:cs typeface="Arial"/>
-              <a:sym typeface="Arial"/>
-            </a:endParaRPr>
-          </a:p>
-          <a:p>
-            <a:pPr marL="0" marR="0" lvl="0" indent="0" algn="r" rtl="0">
-              <a:lnSpc>
-                <a:spcPct val="100000"/>
-              </a:lnSpc>
-              <a:spcBef>
-                <a:spcPts val="0"/>
-              </a:spcBef>
-              <a:spcAft>
-                <a:spcPts val="0"/>
-              </a:spcAft>
-              <a:buClr>
-                <a:schemeClr val="lt1"/>
-              </a:buClr>
-              <a:buSzPct val="25000"/>
-              <a:buFont typeface="Arial"/>
-              <a:buNone/>
-            </a:pPr>
-            <a:r>
-              <a:rPr lang="en" sz="1200" b="0" i="0" u="none" strike="noStrike" cap="none">
-                <a:solidFill>
-                  <a:srgbClr val="FFFFFF"/>
-                </a:solidFill>
-                <a:latin typeface="Exo 2"/>
-                <a:ea typeface="Exo 2"/>
-                <a:cs typeface="Exo 2"/>
-                <a:sym typeface="Exo 2"/>
-              </a:rPr>
-              <a:t>7:45pm</a:t>
-            </a:r>
-          </a:p>
-          <a:p>
-            <a:pPr marL="0" marR="0" lvl="0" indent="0" algn="r" rtl="0">
-              <a:lnSpc>
-                <a:spcPct val="100000"/>
-              </a:lnSpc>
-              <a:spcBef>
-                <a:spcPts val="0"/>
-              </a:spcBef>
-              <a:spcAft>
-                <a:spcPts val="0"/>
-              </a:spcAft>
-              <a:buClr>
-                <a:schemeClr val="lt1"/>
-              </a:buClr>
-              <a:buSzPct val="25000"/>
-              <a:buFont typeface="Arial"/>
-              <a:buNone/>
-            </a:pPr>
-            <a:endParaRPr sz="1200" b="0" i="0" u="none" strike="noStrike" cap="none">
-              <a:solidFill>
-                <a:srgbClr val="FFFFFF"/>
-              </a:solidFill>
-              <a:latin typeface="Arial"/>
-              <a:ea typeface="Arial"/>
-              <a:cs typeface="Arial"/>
-              <a:sym typeface="Arial"/>
-            </a:endParaRPr>
-          </a:p>
-          <a:p>
-            <a:pPr marL="0" marR="0" lvl="0" indent="0" algn="r" rtl="0">
-              <a:lnSpc>
-                <a:spcPct val="100000"/>
-              </a:lnSpc>
-              <a:spcBef>
-                <a:spcPts val="0"/>
-              </a:spcBef>
-              <a:spcAft>
-                <a:spcPts val="0"/>
-              </a:spcAft>
-              <a:buClr>
-                <a:schemeClr val="lt1"/>
-              </a:buClr>
-              <a:buSzPct val="25000"/>
-              <a:buFont typeface="Arial"/>
-              <a:buNone/>
-            </a:pPr>
-            <a:r>
-              <a:rPr lang="en" sz="1200" b="0" i="0" u="none" strike="noStrike" cap="none">
-                <a:solidFill>
-                  <a:srgbClr val="FFFFFF"/>
-                </a:solidFill>
-                <a:latin typeface="Exo 2"/>
-                <a:ea typeface="Exo 2"/>
-                <a:cs typeface="Exo 2"/>
-                <a:sym typeface="Exo 2"/>
-              </a:rPr>
-              <a:t>8:15pm</a:t>
-            </a:r>
-          </a:p>
-          <a:p>
-            <a:pPr marL="0" marR="0" lvl="0" indent="0" algn="r" rtl="0">
-              <a:lnSpc>
-                <a:spcPct val="100000"/>
-              </a:lnSpc>
-              <a:spcBef>
-                <a:spcPts val="0"/>
-              </a:spcBef>
-              <a:spcAft>
-                <a:spcPts val="0"/>
-              </a:spcAft>
-              <a:buClr>
-                <a:schemeClr val="lt1"/>
-              </a:buClr>
-              <a:buSzPct val="25000"/>
-              <a:buFont typeface="Arial"/>
-              <a:buNone/>
-            </a:pPr>
-            <a:endParaRPr sz="1200" b="0" i="0" u="none" strike="noStrike" cap="none">
-              <a:solidFill>
-                <a:srgbClr val="FFFFFF"/>
-              </a:solidFill>
-              <a:latin typeface="Arial"/>
-              <a:ea typeface="Arial"/>
-              <a:cs typeface="Arial"/>
-              <a:sym typeface="Arial"/>
-            </a:endParaRPr>
-          </a:p>
-          <a:p>
-            <a:pPr marL="0" marR="0" lvl="0" indent="0" algn="r" rtl="0">
-              <a:lnSpc>
-                <a:spcPct val="100000"/>
-              </a:lnSpc>
-              <a:spcBef>
-                <a:spcPts val="0"/>
-              </a:spcBef>
-              <a:spcAft>
-                <a:spcPts val="0"/>
-              </a:spcAft>
-              <a:buClr>
-                <a:schemeClr val="lt1"/>
-              </a:buClr>
-              <a:buSzPct val="25000"/>
-              <a:buFont typeface="Arial"/>
-              <a:buNone/>
-            </a:pPr>
-            <a:r>
-              <a:rPr lang="en">
-                <a:solidFill>
-                  <a:srgbClr val="FFFFFF"/>
-                </a:solidFill>
-                <a:latin typeface="Exo 2"/>
-                <a:ea typeface="Exo 2"/>
-                <a:cs typeface="Exo 2"/>
-                <a:sym typeface="Exo 2"/>
-              </a:rPr>
-              <a:t>9:00</a:t>
-            </a:r>
-            <a:r>
-              <a:rPr lang="en" sz="1200" b="0" i="0" u="none" strike="noStrike" cap="none">
-                <a:solidFill>
-                  <a:srgbClr val="FFFFFF"/>
-                </a:solidFill>
-                <a:latin typeface="Exo 2"/>
-                <a:ea typeface="Exo 2"/>
-                <a:cs typeface="Exo 2"/>
-                <a:sym typeface="Exo 2"/>
-              </a:rPr>
-              <a:t>pm</a:t>
-            </a:r>
-          </a:p>
-          <a:p>
-            <a:pPr marL="0" marR="0" lvl="0" indent="0" algn="l" rtl="0">
-              <a:lnSpc>
-                <a:spcPct val="100000"/>
-              </a:lnSpc>
-              <a:spcBef>
-                <a:spcPts val="0"/>
-              </a:spcBef>
-              <a:spcAft>
-                <a:spcPts val="0"/>
-              </a:spcAft>
-              <a:buClr>
-                <a:schemeClr val="lt1"/>
-              </a:buClr>
-              <a:buSzPct val="25000"/>
-              <a:buFont typeface="Arial"/>
-              <a:buNone/>
-            </a:pPr>
-            <a:endParaRPr sz="1200" b="0" i="0" u="none" strike="noStrike" cap="none">
-              <a:solidFill>
-                <a:srgbClr val="FFFFFF"/>
-              </a:solidFill>
-              <a:latin typeface="Exo 2"/>
-              <a:ea typeface="Exo 2"/>
-              <a:cs typeface="Exo 2"/>
-              <a:sym typeface="Exo 2"/>
-            </a:endParaRPr>
-          </a:p>
-          <a:p>
-            <a:pPr marL="0" marR="0" lvl="0" indent="0" algn="l" rtl="0">
-              <a:lnSpc>
-                <a:spcPct val="100000"/>
-              </a:lnSpc>
-              <a:spcBef>
-                <a:spcPts val="0"/>
-              </a:spcBef>
-              <a:spcAft>
-                <a:spcPts val="0"/>
-              </a:spcAft>
-              <a:buClr>
-                <a:schemeClr val="lt1"/>
-              </a:buClr>
-              <a:buSzPct val="25000"/>
-              <a:buFont typeface="Arial"/>
-              <a:buNone/>
-            </a:pPr>
-            <a:r>
-              <a:rPr lang="en" sz="1200" b="0" i="0" u="none" strike="noStrike" cap="none">
-                <a:solidFill>
-                  <a:srgbClr val="FFFFFF"/>
-                </a:solidFill>
-                <a:latin typeface="Exo 2"/>
-                <a:ea typeface="Exo 2"/>
-                <a:cs typeface="Exo 2"/>
-                <a:sym typeface="Exo 2"/>
-              </a:rPr>
-              <a:t>        12:00am</a:t>
-            </a:r>
-          </a:p>
-          <a:p>
-            <a:pPr marL="0" marR="0" lvl="0" indent="0" algn="r" rtl="0">
-              <a:lnSpc>
-                <a:spcPct val="100000"/>
-              </a:lnSpc>
-              <a:spcBef>
-                <a:spcPts val="0"/>
-              </a:spcBef>
-              <a:spcAft>
-                <a:spcPts val="0"/>
-              </a:spcAft>
-              <a:buClr>
-                <a:schemeClr val="lt1"/>
-              </a:buClr>
-              <a:buSzPct val="25000"/>
-              <a:buFont typeface="Arial"/>
-              <a:buNone/>
-            </a:pPr>
-            <a:endParaRPr sz="1200" b="0" i="0" u="none" strike="noStrike" cap="none">
-              <a:solidFill>
-                <a:srgbClr val="FFFFFF"/>
-              </a:solidFill>
-              <a:latin typeface="Arial"/>
-              <a:ea typeface="Arial"/>
-              <a:cs typeface="Arial"/>
-              <a:sym typeface="Arial"/>
-            </a:endParaRPr>
-          </a:p>
-          <a:p>
-            <a:pPr marL="0" marR="0" lvl="0" indent="0" algn="r" rtl="0">
-              <a:lnSpc>
-                <a:spcPct val="100000"/>
-              </a:lnSpc>
-              <a:spcBef>
-                <a:spcPts val="0"/>
-              </a:spcBef>
-              <a:spcAft>
-                <a:spcPts val="0"/>
-              </a:spcAft>
-              <a:buClr>
-                <a:schemeClr val="lt1"/>
-              </a:buClr>
-              <a:buSzPct val="25000"/>
-              <a:buFont typeface="Arial"/>
-              <a:buNone/>
-            </a:pPr>
-            <a:endParaRPr sz="1200" b="0" i="0" u="none" strike="noStrike" cap="none">
-              <a:solidFill>
-                <a:srgbClr val="FFFFFF"/>
-              </a:solidFill>
-              <a:latin typeface="Arial"/>
-              <a:ea typeface="Arial"/>
-              <a:cs typeface="Arial"/>
-              <a:sym typeface="Arial"/>
-            </a:endParaRPr>
-          </a:p>
-          <a:p>
-            <a:pPr marL="0" marR="0" lvl="0" indent="0" algn="r" rtl="0">
-              <a:lnSpc>
-                <a:spcPct val="100000"/>
-              </a:lnSpc>
-              <a:spcBef>
-                <a:spcPts val="0"/>
-              </a:spcBef>
-              <a:spcAft>
-                <a:spcPts val="0"/>
-              </a:spcAft>
-              <a:buClr>
-                <a:schemeClr val="lt1"/>
-              </a:buClr>
-              <a:buSzPct val="25000"/>
-              <a:buFont typeface="Arial"/>
-              <a:buNone/>
-            </a:pPr>
-            <a:endParaRPr sz="1200" b="0" i="0" u="none" strike="noStrike" cap="none">
-              <a:solidFill>
-                <a:srgbClr val="FFFFFF"/>
-              </a:solidFill>
-              <a:latin typeface="Arial"/>
-              <a:ea typeface="Arial"/>
-              <a:cs typeface="Arial"/>
-              <a:sym typeface="Arial"/>
-            </a:endParaRPr>
-          </a:p>
-          <a:p>
-            <a:pPr marL="0" marR="0" lvl="0" indent="0" algn="r" rtl="0">
-              <a:lnSpc>
-                <a:spcPct val="100000"/>
-              </a:lnSpc>
-              <a:spcBef>
-                <a:spcPts val="900"/>
-              </a:spcBef>
-              <a:spcAft>
-                <a:spcPts val="0"/>
-              </a:spcAft>
-              <a:buClr>
-                <a:schemeClr val="lt1"/>
-              </a:buClr>
-              <a:buSzPct val="25000"/>
-              <a:buFont typeface="Arial"/>
-              <a:buNone/>
-            </a:pPr>
-            <a:endParaRPr sz="1200" b="0" i="0" u="none" strike="noStrike" cap="none">
-              <a:solidFill>
-                <a:srgbClr val="FFFFFF"/>
-              </a:solidFill>
-              <a:latin typeface="Arial"/>
-              <a:ea typeface="Arial"/>
-              <a:cs typeface="Arial"/>
-              <a:sym typeface="Arial"/>
-            </a:endParaRPr>
-          </a:p>
-          <a:p>
-            <a:pPr marL="0" marR="0" lvl="0" indent="0" algn="r" rtl="0">
-              <a:lnSpc>
-                <a:spcPct val="100000"/>
-              </a:lnSpc>
-              <a:spcBef>
-                <a:spcPts val="900"/>
-              </a:spcBef>
-              <a:spcAft>
-                <a:spcPts val="0"/>
-              </a:spcAft>
-              <a:buClr>
-                <a:schemeClr val="lt1"/>
-              </a:buClr>
-              <a:buSzPct val="25000"/>
-              <a:buFont typeface="Arial"/>
-              <a:buNone/>
-            </a:pPr>
-            <a:endParaRPr sz="1200" b="0" i="0" u="none" strike="noStrike" cap="none">
-              <a:solidFill>
-                <a:srgbClr val="FFFFFF"/>
-              </a:solidFill>
-              <a:latin typeface="Arial"/>
-              <a:ea typeface="Arial"/>
-              <a:cs typeface="Arial"/>
-              <a:sym typeface="Arial"/>
-            </a:endParaRPr>
-          </a:p>
-        </p:txBody>
-      </p:sp>
-      <p:sp>
-        <p:nvSpPr>
-          <p:cNvPr id="107" name="Shape 107"/>
-          <p:cNvSpPr txBox="1">
-            <a:spLocks noGrp="1"/>
-          </p:cNvSpPr>
-          <p:nvPr>
-            <p:ph type="body" idx="2"/>
-          </p:nvPr>
-        </p:nvSpPr>
-        <p:spPr>
-          <a:xfrm>
-            <a:off x="3098785" y="777475"/>
-            <a:ext cx="1496400" cy="410699"/>
-          </a:xfrm>
-          <a:prstGeom prst="rect">
-            <a:avLst/>
-          </a:prstGeom>
-          <a:noFill/>
-          <a:ln>
-            <a:noFill/>
-          </a:ln>
-        </p:spPr>
-        <p:txBody>
-          <a:bodyPr lIns="91425" tIns="91425" rIns="91425" bIns="91425" anchor="t" anchorCtr="0">
-            <a:noAutofit/>
-          </a:bodyPr>
-          <a:lstStyle/>
-          <a:p>
-            <a:pPr marL="0" marR="0" lvl="0" indent="0" algn="l" rtl="0">
-              <a:lnSpc>
-                <a:spcPct val="100000"/>
-              </a:lnSpc>
-              <a:spcBef>
-                <a:spcPts val="0"/>
-              </a:spcBef>
-              <a:spcAft>
-                <a:spcPts val="0"/>
-              </a:spcAft>
-              <a:buClr>
-                <a:schemeClr val="lt1"/>
-              </a:buClr>
-              <a:buSzPct val="25000"/>
-              <a:buFont typeface="Arial"/>
-              <a:buNone/>
-            </a:pPr>
-            <a:r>
-              <a:rPr lang="en" sz="2400" b="0" i="0" u="none" strike="noStrike" cap="none">
-                <a:solidFill>
-                  <a:srgbClr val="FFFFFF"/>
-                </a:solidFill>
-                <a:latin typeface="Exo 2"/>
-                <a:ea typeface="Exo 2"/>
-                <a:cs typeface="Exo 2"/>
-                <a:sym typeface="Exo 2"/>
-              </a:rPr>
-              <a:t>Freitag</a:t>
-            </a:r>
-          </a:p>
-        </p:txBody>
-      </p:sp>
-      <p:cxnSp>
-        <p:nvCxnSpPr>
-          <p:cNvPr id="108" name="Shape 108"/>
-          <p:cNvCxnSpPr/>
-          <p:nvPr/>
-        </p:nvCxnSpPr>
-        <p:spPr>
-          <a:xfrm flipH="1">
-            <a:off x="2994660" y="1945955"/>
-            <a:ext cx="8878" cy="1700214"/>
-          </a:xfrm>
-          <a:prstGeom prst="straightConnector1">
-            <a:avLst/>
-          </a:prstGeom>
-          <a:noFill/>
-          <a:ln w="19050" cap="flat" cmpd="sng">
-            <a:solidFill>
-              <a:srgbClr val="2F3252"/>
-            </a:solidFill>
-            <a:prstDash val="solid"/>
-            <a:round/>
-            <a:headEnd type="none" w="med" len="med"/>
-            <a:tailEnd type="none" w="med" len="med"/>
-          </a:ln>
-        </p:spPr>
-      </p:cxnSp>
-      <p:sp>
-        <p:nvSpPr>
-          <p:cNvPr id="109" name="Shape 109"/>
-          <p:cNvSpPr txBox="1">
-            <a:spLocks noGrp="1"/>
-          </p:cNvSpPr>
-          <p:nvPr>
-            <p:ph type="body" idx="2"/>
-          </p:nvPr>
-        </p:nvSpPr>
-        <p:spPr>
-          <a:xfrm>
-            <a:off x="585224" y="349650"/>
-            <a:ext cx="1242298" cy="567599"/>
-          </a:xfrm>
-          <a:prstGeom prst="rect">
-            <a:avLst/>
-          </a:prstGeom>
-          <a:noFill/>
-          <a:ln>
-            <a:noFill/>
-          </a:ln>
-        </p:spPr>
-        <p:txBody>
-          <a:bodyPr lIns="91425" tIns="91425" rIns="91425" bIns="91425" anchor="t" anchorCtr="0">
-            <a:noAutofit/>
-          </a:bodyPr>
-          <a:lstStyle/>
-          <a:p>
-            <a:pPr marL="0" marR="0" lvl="0" indent="0" algn="l" rtl="0">
-              <a:lnSpc>
-                <a:spcPct val="100000"/>
-              </a:lnSpc>
-              <a:spcBef>
-                <a:spcPts val="0"/>
-              </a:spcBef>
-              <a:spcAft>
-                <a:spcPts val="0"/>
-              </a:spcAft>
-              <a:buClr>
-                <a:schemeClr val="lt1"/>
-              </a:buClr>
-              <a:buSzPct val="25000"/>
-              <a:buFont typeface="Arial"/>
-              <a:buNone/>
-            </a:pPr>
-            <a:r>
-              <a:rPr lang="en" sz="2400" b="0" i="0" u="none" strike="noStrike" cap="none">
-                <a:solidFill>
-                  <a:srgbClr val="FFFFFF"/>
-                </a:solidFill>
-                <a:latin typeface="Exo 2"/>
-                <a:ea typeface="Exo 2"/>
-                <a:cs typeface="Exo 2"/>
-                <a:sym typeface="Exo 2"/>
-              </a:rPr>
-              <a:t>Agenda</a:t>
-            </a:r>
-          </a:p>
-        </p:txBody>
-      </p:sp>
     </p:spTree>
   </p:cSld>
   <p:clrMapOvr>
     <a:masterClrMapping/>
   </p:clrMapOvr>
+  <p:timing>
+    <p:tnLst>
+      <p:par>
+        <p:cTn id="1" dur="indefinite" restart="never" nodeType="tmRoot">
+          <p:childTnLst>
+            <p:seq concurrent="1" nextAc="seek">
+              <p:cTn id="2" dur="indefinite" nodeType="mainSeq">
+                <p:childTnLst>
+                  <p:par>
+                    <p:cTn id="3" fill="hold">
+                      <p:stCondLst>
+                        <p:cond delay="indefinite"/>
+                      </p:stCondLst>
+                      <p:childTnLst>
+                        <p:par>
+                          <p:cTn id="4" fill="hold">
+                            <p:stCondLst>
+                              <p:cond delay="0"/>
+                            </p:stCondLst>
+                            <p:childTnLst>
+                              <p:par>
+                                <p:cTn id="5" presetID="1" presetClass="entr" presetSubtype="0" fill="hold" nodeType="clickEffect">
+                                  <p:stCondLst>
+                                    <p:cond delay="0"/>
+                                  </p:stCondLst>
+                                  <p:childTnLst>
+                                    <p:set>
+                                      <p:cBhvr>
+                                        <p:cTn id="6" dur="1" fill="hold">
+                                          <p:stCondLst>
+                                            <p:cond delay="0"/>
+                                          </p:stCondLst>
+                                        </p:cTn>
+                                        <p:tgtEl>
+                                          <p:spTgt spid="115">
+                                            <p:txEl>
+                                              <p:pRg st="0" end="0"/>
+                                            </p:txEl>
+                                          </p:spTgt>
+                                        </p:tgtEl>
+                                        <p:attrNameLst>
+                                          <p:attrName>style.visibility</p:attrName>
+                                        </p:attrNameLst>
+                                      </p:cBhvr>
+                                      <p:to>
+                                        <p:strVal val="visible"/>
+                                      </p:to>
+                                    </p:set>
+                                  </p:childTnLst>
+                                </p:cTn>
+                              </p:par>
+                            </p:childTnLst>
+                          </p:cTn>
+                        </p:par>
+                      </p:childTnLst>
+                    </p:cTn>
+                  </p:par>
+                  <p:par>
+                    <p:cTn id="7" fill="hold">
+                      <p:stCondLst>
+                        <p:cond delay="indefinite"/>
+                      </p:stCondLst>
+                      <p:childTnLst>
+                        <p:par>
+                          <p:cTn id="8" fill="hold">
+                            <p:stCondLst>
+                              <p:cond delay="0"/>
+                            </p:stCondLst>
+                            <p:childTnLst>
+                              <p:par>
+                                <p:cTn id="9" presetID="1" presetClass="entr" presetSubtype="0" fill="hold" nodeType="clickEffect">
+                                  <p:stCondLst>
+                                    <p:cond delay="0"/>
+                                  </p:stCondLst>
+                                  <p:childTnLst>
+                                    <p:set>
+                                      <p:cBhvr>
+                                        <p:cTn id="10" dur="1" fill="hold">
+                                          <p:stCondLst>
+                                            <p:cond delay="0"/>
+                                          </p:stCondLst>
+                                        </p:cTn>
+                                        <p:tgtEl>
+                                          <p:spTgt spid="115">
+                                            <p:txEl>
+                                              <p:pRg st="1" end="1"/>
+                                            </p:txEl>
+                                          </p:spTgt>
+                                        </p:tgtEl>
+                                        <p:attrNameLst>
+                                          <p:attrName>style.visibility</p:attrName>
+                                        </p:attrNameLst>
+                                      </p:cBhvr>
+                                      <p:to>
+                                        <p:strVal val="visible"/>
+                                      </p:to>
+                                    </p:set>
+                                  </p:childTnLst>
+                                </p:cTn>
+                              </p:par>
+                            </p:childTnLst>
+                          </p:cTn>
+                        </p:par>
+                      </p:childTnLst>
+                    </p:cTn>
+                  </p:par>
+                  <p:par>
+                    <p:cTn id="11" fill="hold">
+                      <p:stCondLst>
+                        <p:cond delay="indefinite"/>
+                      </p:stCondLst>
+                      <p:childTnLst>
+                        <p:par>
+                          <p:cTn id="12" fill="hold">
+                            <p:stCondLst>
+                              <p:cond delay="0"/>
+                            </p:stCondLst>
+                            <p:childTnLst>
+                              <p:par>
+                                <p:cTn id="13" presetID="1" presetClass="entr" presetSubtype="0" fill="hold" nodeType="clickEffect">
+                                  <p:stCondLst>
+                                    <p:cond delay="0"/>
+                                  </p:stCondLst>
+                                  <p:childTnLst>
+                                    <p:set>
+                                      <p:cBhvr>
+                                        <p:cTn id="14" dur="1" fill="hold">
+                                          <p:stCondLst>
+                                            <p:cond delay="0"/>
+                                          </p:stCondLst>
+                                        </p:cTn>
+                                        <p:tgtEl>
+                                          <p:spTgt spid="115">
+                                            <p:txEl>
+                                              <p:pRg st="2" end="2"/>
+                                            </p:txEl>
+                                          </p:spTgt>
+                                        </p:tgtEl>
+                                        <p:attrNameLst>
+                                          <p:attrName>style.visibility</p:attrName>
+                                        </p:attrNameLst>
+                                      </p:cBhvr>
+                                      <p:to>
+                                        <p:strVal val="visible"/>
+                                      </p:to>
+                                    </p:set>
+                                  </p:childTnLst>
+                                </p:cTn>
+                              </p:par>
+                            </p:childTnLst>
+                          </p:cTn>
+                        </p:par>
+                      </p:childTnLst>
+                    </p:cTn>
+                  </p:par>
+                  <p:par>
+                    <p:cTn id="15" fill="hold">
+                      <p:stCondLst>
+                        <p:cond delay="indefinite"/>
+                      </p:stCondLst>
+                      <p:childTnLst>
+                        <p:par>
+                          <p:cTn id="16" fill="hold">
+                            <p:stCondLst>
+                              <p:cond delay="0"/>
+                            </p:stCondLst>
+                            <p:childTnLst>
+                              <p:par>
+                                <p:cTn id="17" presetID="1" presetClass="entr" presetSubtype="0" fill="hold" nodeType="clickEffect">
+                                  <p:stCondLst>
+                                    <p:cond delay="0"/>
+                                  </p:stCondLst>
+                                  <p:childTnLst>
+                                    <p:set>
+                                      <p:cBhvr>
+                                        <p:cTn id="18" dur="1" fill="hold">
+                                          <p:stCondLst>
+                                            <p:cond delay="0"/>
+                                          </p:stCondLst>
+                                        </p:cTn>
+                                        <p:tgtEl>
+                                          <p:spTgt spid="115">
+                                            <p:txEl>
+                                              <p:pRg st="3" end="3"/>
+                                            </p:txEl>
+                                          </p:spTgt>
+                                        </p:tgtEl>
+                                        <p:attrNameLst>
+                                          <p:attrName>style.visibility</p:attrName>
+                                        </p:attrNameLst>
+                                      </p:cBhvr>
+                                      <p:to>
+                                        <p:strVal val="visible"/>
+                                      </p:to>
+                                    </p:set>
+                                  </p:childTnLst>
+                                </p:cTn>
+                              </p:par>
+                            </p:childTnLst>
+                          </p:cTn>
+                        </p:par>
+                      </p:childTnLst>
+                    </p:cTn>
+                  </p:par>
+                </p:childTnLst>
+              </p:cTn>
+              <p:prevCondLst>
+                <p:cond evt="onPrev" delay="0">
+                  <p:tgtEl>
+                    <p:sldTgt/>
+                  </p:tgtEl>
+                </p:cond>
+              </p:prevCondLst>
+              <p:nextCondLst>
+                <p:cond evt="onNext" delay="0">
+                  <p:tgtEl>
+                    <p:sldTgt/>
+                  </p:tgtEl>
+                </p:cond>
+              </p:nextCondLst>
+            </p:seq>
+          </p:childTnLst>
+        </p:cTn>
+      </p:par>
+    </p:tnLst>
+  </p:timing>
 </p:sld>
 </file>
 
@@ -9877,18 +8487,493 @@
       </p:pic>
       <p:sp>
         <p:nvSpPr>
+          <p:cNvPr id="2" name="Title 1"/>
+          <p:cNvSpPr>
+            <a:spLocks noGrp="1"/>
+          </p:cNvSpPr>
+          <p:nvPr>
+            <p:ph type="title"/>
+          </p:nvPr>
+        </p:nvSpPr>
+        <p:spPr/>
+        <p:txBody>
+          <a:bodyPr/>
+          <a:lstStyle/>
+          <a:p>
+            <a:r>
+              <a:rPr lang="en-GB" dirty="0" smtClean="0">
+                <a:solidFill>
+                  <a:schemeClr val="bg1"/>
+                </a:solidFill>
+                <a:latin typeface="Berlin Sans FB Demi" panose="020E0802020502020306" pitchFamily="34" charset="0"/>
+              </a:rPr>
+              <a:t>WHY?</a:t>
+            </a:r>
+            <a:endParaRPr lang="en-GB" dirty="0">
+              <a:solidFill>
+                <a:schemeClr val="bg1"/>
+              </a:solidFill>
+              <a:latin typeface="Berlin Sans FB Demi" panose="020E0802020502020306" pitchFamily="34" charset="0"/>
+            </a:endParaRPr>
+          </a:p>
+        </p:txBody>
+      </p:sp>
+      <p:sp>
+        <p:nvSpPr>
           <p:cNvPr id="115" name="Shape 115"/>
           <p:cNvSpPr txBox="1">
             <a:spLocks noGrp="1"/>
           </p:cNvSpPr>
           <p:nvPr>
-            <p:ph type="body" idx="2"/>
+            <p:ph type="body" idx="1"/>
+          </p:nvPr>
+        </p:nvSpPr>
+        <p:spPr>
+          <a:prstGeom prst="rect">
+            <a:avLst/>
+          </a:prstGeom>
+          <a:noFill/>
+          <a:ln>
+            <a:noFill/>
+          </a:ln>
+        </p:spPr>
+        <p:txBody>
+          <a:bodyPr lIns="91425" tIns="91425" rIns="91425" bIns="91425" anchor="t" anchorCtr="0">
+            <a:noAutofit/>
+          </a:bodyPr>
+          <a:lstStyle/>
+          <a:p>
+            <a:pPr marL="0" marR="0" lvl="0" indent="0" algn="l" rtl="0">
+              <a:lnSpc>
+                <a:spcPct val="100000"/>
+              </a:lnSpc>
+              <a:spcBef>
+                <a:spcPts val="0"/>
+              </a:spcBef>
+              <a:spcAft>
+                <a:spcPts val="0"/>
+              </a:spcAft>
+              <a:buClr>
+                <a:schemeClr val="lt1"/>
+              </a:buClr>
+              <a:buSzPct val="25000"/>
+              <a:buFont typeface="Arial"/>
+              <a:buNone/>
+            </a:pPr>
+            <a:endParaRPr sz="2200" b="0" i="0" u="none" strike="noStrike" cap="none" dirty="0">
+              <a:solidFill>
+                <a:schemeClr val="lt1"/>
+              </a:solidFill>
+              <a:latin typeface="Exo 2"/>
+              <a:ea typeface="Exo 2"/>
+              <a:cs typeface="Exo 2"/>
+              <a:sym typeface="Exo 2"/>
+            </a:endParaRPr>
+          </a:p>
+          <a:p>
+            <a:r>
+              <a:rPr lang="en-GB" sz="2200" dirty="0" smtClean="0">
+                <a:solidFill>
+                  <a:schemeClr val="bg1"/>
+                </a:solidFill>
+                <a:latin typeface="Berlin Sans FB" panose="020E0602020502020306" pitchFamily="34" charset="0"/>
+              </a:rPr>
+              <a:t>Become more aware of your emotions</a:t>
+            </a:r>
+          </a:p>
+          <a:p>
+            <a:r>
+              <a:rPr lang="en-GB" sz="2200" dirty="0" smtClean="0">
+                <a:solidFill>
+                  <a:schemeClr val="bg1"/>
+                </a:solidFill>
+                <a:latin typeface="Berlin Sans FB" panose="020E0602020502020306" pitchFamily="34" charset="0"/>
+                <a:sym typeface="Exo 2"/>
+              </a:rPr>
+              <a:t>Train your facial expressions</a:t>
+            </a:r>
+          </a:p>
+          <a:p>
+            <a:r>
+              <a:rPr lang="en-GB" sz="2200" dirty="0" smtClean="0">
+                <a:solidFill>
+                  <a:schemeClr val="bg1"/>
+                </a:solidFill>
+                <a:latin typeface="Berlin Sans FB" panose="020E0602020502020306" pitchFamily="34" charset="0"/>
+                <a:sym typeface="Exo 2"/>
+              </a:rPr>
+              <a:t>Get rid of asymmetries in </a:t>
+            </a:r>
+            <a:r>
+              <a:rPr lang="en-GB" sz="2200" dirty="0" smtClean="0">
+                <a:solidFill>
+                  <a:schemeClr val="bg1"/>
+                </a:solidFill>
+                <a:latin typeface="Berlin Sans FB" panose="020E0602020502020306" pitchFamily="34" charset="0"/>
+                <a:sym typeface="Exo 2"/>
+              </a:rPr>
+              <a:t>your facial expressions</a:t>
+            </a:r>
+            <a:endParaRPr lang="en-GB" sz="2200" dirty="0" smtClean="0">
+              <a:solidFill>
+                <a:schemeClr val="bg1"/>
+              </a:solidFill>
+              <a:latin typeface="Berlin Sans FB" panose="020E0602020502020306" pitchFamily="34" charset="0"/>
+              <a:sym typeface="Exo 2"/>
+            </a:endParaRPr>
+          </a:p>
+          <a:p>
+            <a:r>
+              <a:rPr lang="en-GB" sz="2200" dirty="0" smtClean="0">
+                <a:solidFill>
+                  <a:schemeClr val="bg1"/>
+                </a:solidFill>
+                <a:latin typeface="Berlin Sans FB" panose="020E0602020502020306" pitchFamily="34" charset="0"/>
+                <a:sym typeface="Exo 2"/>
+              </a:rPr>
+              <a:t>Most importantly: Have fun!</a:t>
+            </a:r>
+          </a:p>
+          <a:p>
+            <a:endParaRPr lang="en-GB" sz="2200" dirty="0" smtClean="0">
+              <a:solidFill>
+                <a:schemeClr val="bg1"/>
+              </a:solidFill>
+              <a:latin typeface="Berlin Sans FB" panose="020E0602020502020306" pitchFamily="34" charset="0"/>
+            </a:endParaRPr>
+          </a:p>
+        </p:txBody>
+      </p:sp>
+    </p:spTree>
+    <p:extLst>
+      <p:ext uri="{BB962C8B-B14F-4D97-AF65-F5344CB8AC3E}">
+        <p14:creationId xmlns:p14="http://schemas.microsoft.com/office/powerpoint/2010/main" val="3409432661"/>
+      </p:ext>
+    </p:extLst>
+  </p:cSld>
+  <p:clrMapOvr>
+    <a:masterClrMapping/>
+  </p:clrMapOvr>
+  <p:timing>
+    <p:tnLst>
+      <p:par>
+        <p:cTn id="1" dur="indefinite" restart="never" nodeType="tmRoot">
+          <p:childTnLst>
+            <p:seq concurrent="1" nextAc="seek">
+              <p:cTn id="2" dur="indefinite" nodeType="mainSeq">
+                <p:childTnLst>
+                  <p:par>
+                    <p:cTn id="3" fill="hold">
+                      <p:stCondLst>
+                        <p:cond delay="indefinite"/>
+                      </p:stCondLst>
+                      <p:childTnLst>
+                        <p:par>
+                          <p:cTn id="4" fill="hold">
+                            <p:stCondLst>
+                              <p:cond delay="0"/>
+                            </p:stCondLst>
+                            <p:childTnLst>
+                              <p:par>
+                                <p:cTn id="5" presetID="1" presetClass="entr" presetSubtype="0" fill="hold" nodeType="clickEffect">
+                                  <p:stCondLst>
+                                    <p:cond delay="0"/>
+                                  </p:stCondLst>
+                                  <p:childTnLst>
+                                    <p:set>
+                                      <p:cBhvr>
+                                        <p:cTn id="6" dur="1" fill="hold">
+                                          <p:stCondLst>
+                                            <p:cond delay="0"/>
+                                          </p:stCondLst>
+                                        </p:cTn>
+                                        <p:tgtEl>
+                                          <p:spTgt spid="115">
+                                            <p:txEl>
+                                              <p:pRg st="1" end="1"/>
+                                            </p:txEl>
+                                          </p:spTgt>
+                                        </p:tgtEl>
+                                        <p:attrNameLst>
+                                          <p:attrName>style.visibility</p:attrName>
+                                        </p:attrNameLst>
+                                      </p:cBhvr>
+                                      <p:to>
+                                        <p:strVal val="visible"/>
+                                      </p:to>
+                                    </p:set>
+                                  </p:childTnLst>
+                                </p:cTn>
+                              </p:par>
+                            </p:childTnLst>
+                          </p:cTn>
+                        </p:par>
+                      </p:childTnLst>
+                    </p:cTn>
+                  </p:par>
+                  <p:par>
+                    <p:cTn id="7" fill="hold">
+                      <p:stCondLst>
+                        <p:cond delay="indefinite"/>
+                      </p:stCondLst>
+                      <p:childTnLst>
+                        <p:par>
+                          <p:cTn id="8" fill="hold">
+                            <p:stCondLst>
+                              <p:cond delay="0"/>
+                            </p:stCondLst>
+                            <p:childTnLst>
+                              <p:par>
+                                <p:cTn id="9" presetID="1" presetClass="entr" presetSubtype="0" fill="hold" nodeType="clickEffect">
+                                  <p:stCondLst>
+                                    <p:cond delay="0"/>
+                                  </p:stCondLst>
+                                  <p:childTnLst>
+                                    <p:set>
+                                      <p:cBhvr>
+                                        <p:cTn id="10" dur="1" fill="hold">
+                                          <p:stCondLst>
+                                            <p:cond delay="0"/>
+                                          </p:stCondLst>
+                                        </p:cTn>
+                                        <p:tgtEl>
+                                          <p:spTgt spid="115">
+                                            <p:txEl>
+                                              <p:pRg st="2" end="2"/>
+                                            </p:txEl>
+                                          </p:spTgt>
+                                        </p:tgtEl>
+                                        <p:attrNameLst>
+                                          <p:attrName>style.visibility</p:attrName>
+                                        </p:attrNameLst>
+                                      </p:cBhvr>
+                                      <p:to>
+                                        <p:strVal val="visible"/>
+                                      </p:to>
+                                    </p:set>
+                                  </p:childTnLst>
+                                </p:cTn>
+                              </p:par>
+                            </p:childTnLst>
+                          </p:cTn>
+                        </p:par>
+                      </p:childTnLst>
+                    </p:cTn>
+                  </p:par>
+                  <p:par>
+                    <p:cTn id="11" fill="hold">
+                      <p:stCondLst>
+                        <p:cond delay="indefinite"/>
+                      </p:stCondLst>
+                      <p:childTnLst>
+                        <p:par>
+                          <p:cTn id="12" fill="hold">
+                            <p:stCondLst>
+                              <p:cond delay="0"/>
+                            </p:stCondLst>
+                            <p:childTnLst>
+                              <p:par>
+                                <p:cTn id="13" presetID="1" presetClass="entr" presetSubtype="0" fill="hold" nodeType="clickEffect">
+                                  <p:stCondLst>
+                                    <p:cond delay="0"/>
+                                  </p:stCondLst>
+                                  <p:childTnLst>
+                                    <p:set>
+                                      <p:cBhvr>
+                                        <p:cTn id="14" dur="1" fill="hold">
+                                          <p:stCondLst>
+                                            <p:cond delay="0"/>
+                                          </p:stCondLst>
+                                        </p:cTn>
+                                        <p:tgtEl>
+                                          <p:spTgt spid="115">
+                                            <p:txEl>
+                                              <p:pRg st="3" end="3"/>
+                                            </p:txEl>
+                                          </p:spTgt>
+                                        </p:tgtEl>
+                                        <p:attrNameLst>
+                                          <p:attrName>style.visibility</p:attrName>
+                                        </p:attrNameLst>
+                                      </p:cBhvr>
+                                      <p:to>
+                                        <p:strVal val="visible"/>
+                                      </p:to>
+                                    </p:set>
+                                  </p:childTnLst>
+                                </p:cTn>
+                              </p:par>
+                            </p:childTnLst>
+                          </p:cTn>
+                        </p:par>
+                      </p:childTnLst>
+                    </p:cTn>
+                  </p:par>
+                  <p:par>
+                    <p:cTn id="15" fill="hold">
+                      <p:stCondLst>
+                        <p:cond delay="indefinite"/>
+                      </p:stCondLst>
+                      <p:childTnLst>
+                        <p:par>
+                          <p:cTn id="16" fill="hold">
+                            <p:stCondLst>
+                              <p:cond delay="0"/>
+                            </p:stCondLst>
+                            <p:childTnLst>
+                              <p:par>
+                                <p:cTn id="17" presetID="1" presetClass="entr" presetSubtype="0" fill="hold" nodeType="clickEffect">
+                                  <p:stCondLst>
+                                    <p:cond delay="0"/>
+                                  </p:stCondLst>
+                                  <p:childTnLst>
+                                    <p:set>
+                                      <p:cBhvr>
+                                        <p:cTn id="18" dur="1" fill="hold">
+                                          <p:stCondLst>
+                                            <p:cond delay="0"/>
+                                          </p:stCondLst>
+                                        </p:cTn>
+                                        <p:tgtEl>
+                                          <p:spTgt spid="115">
+                                            <p:txEl>
+                                              <p:pRg st="4" end="4"/>
+                                            </p:txEl>
+                                          </p:spTgt>
+                                        </p:tgtEl>
+                                        <p:attrNameLst>
+                                          <p:attrName>style.visibility</p:attrName>
+                                        </p:attrNameLst>
+                                      </p:cBhvr>
+                                      <p:to>
+                                        <p:strVal val="visible"/>
+                                      </p:to>
+                                    </p:set>
+                                  </p:childTnLst>
+                                </p:cTn>
+                              </p:par>
+                            </p:childTnLst>
+                          </p:cTn>
+                        </p:par>
+                      </p:childTnLst>
+                    </p:cTn>
+                  </p:par>
+                </p:childTnLst>
+              </p:cTn>
+              <p:prevCondLst>
+                <p:cond evt="onPrev" delay="0">
+                  <p:tgtEl>
+                    <p:sldTgt/>
+                  </p:tgtEl>
+                </p:cond>
+              </p:prevCondLst>
+              <p:nextCondLst>
+                <p:cond evt="onNext" delay="0">
+                  <p:tgtEl>
+                    <p:sldTgt/>
+                  </p:tgtEl>
+                </p:cond>
+              </p:nextCondLst>
+            </p:seq>
+          </p:childTnLst>
+        </p:cTn>
+      </p:par>
+    </p:tnLst>
+  </p:timing>
+</p:sld>
+</file>
+
+<file path=ppt/slides/slide4.xml><?xml version="1.0" encoding="utf-8"?>
+<p:sld xmlns:a="http://schemas.openxmlformats.org/drawingml/2006/main" xmlns:r="http://schemas.openxmlformats.org/officeDocument/2006/relationships" xmlns:p="http://schemas.openxmlformats.org/presentationml/2006/main">
+  <p:cSld>
+    <p:spTree>
+      <p:nvGrpSpPr>
+        <p:cNvPr id="1" name="Shape 113"/>
+        <p:cNvGrpSpPr/>
+        <p:nvPr/>
+      </p:nvGrpSpPr>
+      <p:grpSpPr>
+        <a:xfrm>
+          <a:off x="0" y="0"/>
+          <a:ext cx="0" cy="0"/>
+          <a:chOff x="0" y="0"/>
+          <a:chExt cx="0" cy="0"/>
+        </a:xfrm>
+      </p:grpSpPr>
+      <p:pic>
+        <p:nvPicPr>
+          <p:cNvPr id="114" name="Shape 114"/>
+          <p:cNvPicPr preferRelativeResize="0"/>
+          <p:nvPr/>
+        </p:nvPicPr>
+        <p:blipFill rotWithShape="1">
+          <a:blip r:embed="rId3">
+            <a:alphaModFix/>
+          </a:blip>
+          <a:srcRect l="10978" r="10993"/>
+          <a:stretch/>
+        </p:blipFill>
+        <p:spPr>
+          <a:xfrm>
+            <a:off x="-8390" y="-243"/>
+            <a:ext cx="9144000" cy="5143499"/>
+          </a:xfrm>
+          <a:prstGeom prst="rect">
+            <a:avLst/>
+          </a:prstGeom>
+          <a:noFill/>
+          <a:ln>
+            <a:noFill/>
+          </a:ln>
+        </p:spPr>
+      </p:pic>
+      <p:sp>
+        <p:nvSpPr>
+          <p:cNvPr id="2" name="Title 1"/>
+          <p:cNvSpPr>
+            <a:spLocks noGrp="1"/>
+          </p:cNvSpPr>
+          <p:nvPr>
+            <p:ph type="title"/>
+          </p:nvPr>
+        </p:nvSpPr>
+        <p:spPr/>
+        <p:txBody>
+          <a:bodyPr/>
+          <a:lstStyle/>
+          <a:p>
+            <a:r>
+              <a:rPr lang="en-GB" dirty="0" smtClean="0">
+                <a:solidFill>
+                  <a:schemeClr val="bg1"/>
+                </a:solidFill>
+                <a:latin typeface="Berlin Sans FB Demi" panose="020E0802020502020306" pitchFamily="34" charset="0"/>
+              </a:rPr>
+              <a:t>WHAT?</a:t>
+            </a:r>
+            <a:endParaRPr lang="en-GB" dirty="0">
+              <a:solidFill>
+                <a:schemeClr val="bg1"/>
+              </a:solidFill>
+              <a:latin typeface="Berlin Sans FB Demi" panose="020E0802020502020306" pitchFamily="34" charset="0"/>
+            </a:endParaRPr>
+          </a:p>
+        </p:txBody>
+      </p:sp>
+      <p:sp>
+        <p:nvSpPr>
+          <p:cNvPr id="115" name="Shape 115"/>
+          <p:cNvSpPr txBox="1">
+            <a:spLocks noGrp="1"/>
+          </p:cNvSpPr>
+          <p:nvPr>
+            <p:ph type="body" idx="1"/>
           </p:nvPr>
         </p:nvSpPr>
         <p:spPr>
           <a:xfrm>
-            <a:off x="3098775" y="1846894"/>
-            <a:ext cx="5458498" cy="3165898"/>
+            <a:off x="311701" y="1152475"/>
+            <a:ext cx="4897862" cy="3767668"/>
           </a:xfrm>
           <a:prstGeom prst="rect">
             <a:avLst/>
@@ -9904,7 +8989,7 @@
           </a:bodyPr>
           <a:lstStyle/>
           <a:p>
-            <a:pPr marL="0" marR="0" lvl="0" indent="0" algn="l" rtl="0">
+            <a:pPr marR="0" lvl="0" algn="l" rtl="0">
               <a:lnSpc>
                 <a:spcPct val="100000"/>
               </a:lnSpc>
@@ -9918,24 +9003,46 @@
                 <a:schemeClr val="lt1"/>
               </a:buClr>
               <a:buSzPct val="25000"/>
-              <a:buFont typeface="Arial"/>
-              <a:buNone/>
             </a:pPr>
             <a:r>
-              <a:rPr lang="en" sz="1200" b="0" i="0" u="none" strike="noStrike" cap="none">
+              <a:rPr lang="en-GB" sz="2200" b="0" i="0" u="none" strike="noStrike" cap="none" dirty="0" err="1" smtClean="0">
                 <a:solidFill>
                   <a:schemeClr val="lt1"/>
                 </a:solidFill>
-                <a:latin typeface="Exo 2"/>
+                <a:latin typeface="Berlin Sans FB" panose="020E0602020502020306" pitchFamily="34" charset="0"/>
                 <a:ea typeface="Exo 2"/>
                 <a:cs typeface="Exo 2"/>
                 <a:sym typeface="Exo 2"/>
               </a:rPr>
-              <a:t>Beginn Tag 2 + Programmüberblick </a:t>
+              <a:t>GuitarHero</a:t>
+            </a:r>
+            <a:r>
+              <a:rPr lang="en-GB" sz="2200" b="0" i="0" u="none" strike="noStrike" cap="none" dirty="0" smtClean="0">
+                <a:solidFill>
+                  <a:schemeClr val="lt1"/>
+                </a:solidFill>
+                <a:latin typeface="Berlin Sans FB" panose="020E0602020502020306" pitchFamily="34" charset="0"/>
+                <a:ea typeface="Exo 2"/>
+                <a:cs typeface="Exo 2"/>
+                <a:sym typeface="Exo 2"/>
+              </a:rPr>
+              <a:t> </a:t>
+            </a:r>
+            <a:r>
+              <a:rPr lang="en-GB" sz="2200" b="0" i="0" u="none" strike="noStrike" cap="none" dirty="0" smtClean="0">
+                <a:solidFill>
+                  <a:schemeClr val="lt1"/>
+                </a:solidFill>
+                <a:latin typeface="Berlin Sans FB" panose="020E0602020502020306" pitchFamily="34" charset="0"/>
+                <a:ea typeface="Exo 2"/>
+                <a:cs typeface="Exo 2"/>
+                <a:sym typeface="Exo 2"/>
+              </a:rPr>
+              <a:t>inspired iOS game</a:t>
             </a:r>
           </a:p>
           <a:p>
-            <a:pPr marL="0" marR="0" lvl="0" indent="0" algn="l" rtl="0">
+            <a:pPr marL="171450" marR="0" lvl="0" indent="-171450" algn="l" rtl="0">
               <a:lnSpc>
                 <a:spcPct val="100000"/>
               </a:lnSpc>
@@ -9949,21 +9056,21 @@
                 <a:schemeClr val="lt1"/>
               </a:buClr>
               <a:buSzPct val="25000"/>
-              <a:buFont typeface="Arial"/>
-              <a:buNone/>
+              <a:buFont typeface="Arial" panose="020B0604020202020204" pitchFamily="34" charset="0"/>
+              <a:buChar char="•"/>
             </a:pPr>
-            <a:endParaRPr sz="1200" b="0" i="0" u="none" strike="noStrike" cap="none">
+            <a:endParaRPr lang="en-GB" sz="2200" dirty="0">
               <a:solidFill>
                 <a:schemeClr val="lt1"/>
               </a:solidFill>
-              <a:latin typeface="Exo 2"/>
+              <a:latin typeface="Berlin Sans FB" panose="020E0602020502020306" pitchFamily="34" charset="0"/>
               <a:ea typeface="Exo 2"/>
               <a:cs typeface="Exo 2"/>
               <a:sym typeface="Exo 2"/>
             </a:endParaRPr>
           </a:p>
           <a:p>
-            <a:pPr marL="0" marR="0" lvl="0" indent="0" algn="l" rtl="0">
+            <a:pPr marR="0" lvl="0" algn="l" rtl="0">
               <a:lnSpc>
                 <a:spcPct val="100000"/>
               </a:lnSpc>
@@ -9977,24 +9084,22 @@
                 <a:schemeClr val="lt1"/>
               </a:buClr>
               <a:buSzPct val="25000"/>
-              <a:buFont typeface="Arial"/>
-              <a:buNone/>
             </a:pPr>
             <a:r>
-              <a:rPr lang="en" sz="1200" b="0" i="0" u="none" strike="noStrike" cap="none">
+              <a:rPr lang="en-GB" sz="2200" b="0" i="0" u="none" strike="noStrike" cap="none" dirty="0" smtClean="0">
                 <a:solidFill>
                   <a:schemeClr val="lt1"/>
                 </a:solidFill>
-                <a:latin typeface="Exo 2"/>
+                <a:latin typeface="Berlin Sans FB" panose="020E0602020502020306" pitchFamily="34" charset="0"/>
                 <a:ea typeface="Exo 2"/>
                 <a:cs typeface="Exo 2"/>
                 <a:sym typeface="Exo 2"/>
               </a:rPr>
-              <a:t>Coding beginn + Mentors und Experten stehen zur Verfügung</a:t>
+              <a:t>As smileys flow down the screen, mimic their emotions </a:t>
             </a:r>
           </a:p>
           <a:p>
-            <a:pPr marL="0" marR="0" lvl="0" indent="0" algn="l" rtl="0">
+            <a:pPr marR="0" lvl="0" algn="l" rtl="0">
               <a:lnSpc>
                 <a:spcPct val="100000"/>
               </a:lnSpc>
@@ -10008,21 +9113,19 @@
                 <a:schemeClr val="lt1"/>
               </a:buClr>
               <a:buSzPct val="25000"/>
-              <a:buFont typeface="Arial"/>
-              <a:buNone/>
             </a:pPr>
-            <a:endParaRPr sz="1200" b="0" i="0" u="none" strike="noStrike" cap="none">
+            <a:endParaRPr lang="en-GB" sz="2200" dirty="0">
               <a:solidFill>
                 <a:schemeClr val="lt1"/>
               </a:solidFill>
-              <a:latin typeface="Exo 2"/>
+              <a:latin typeface="Berlin Sans FB" panose="020E0602020502020306" pitchFamily="34" charset="0"/>
               <a:ea typeface="Exo 2"/>
               <a:cs typeface="Exo 2"/>
               <a:sym typeface="Exo 2"/>
             </a:endParaRPr>
           </a:p>
           <a:p>
-            <a:pPr marL="0" marR="0" lvl="0" indent="0" algn="l" rtl="0">
+            <a:pPr marR="0" lvl="0" algn="l" rtl="0">
               <a:lnSpc>
                 <a:spcPct val="100000"/>
               </a:lnSpc>
@@ -10036,52 +9139,43 @@
                 <a:schemeClr val="lt1"/>
               </a:buClr>
               <a:buSzPct val="25000"/>
-              <a:buFont typeface="Arial"/>
-              <a:buNone/>
             </a:pPr>
             <a:r>
-              <a:rPr lang="en" sz="1200" b="0" i="0" u="none" strike="noStrike" cap="none">
+              <a:rPr lang="en-GB" sz="2200" b="0" i="0" u="none" strike="noStrike" cap="none" dirty="0" smtClean="0">
                 <a:solidFill>
                   <a:schemeClr val="lt1"/>
                 </a:solidFill>
-                <a:latin typeface="Exo 2"/>
+                <a:latin typeface="Berlin Sans FB" panose="020E0602020502020306" pitchFamily="34" charset="0"/>
                 <a:ea typeface="Exo 2"/>
                 <a:cs typeface="Exo 2"/>
                 <a:sym typeface="Exo 2"/>
               </a:rPr>
-              <a:t>Twitter Kontest </a:t>
+              <a:t>Score as many points as you can to get the best spot on the </a:t>
             </a:r>
-          </a:p>
-          <a:p>
-            <a:pPr marL="0" marR="0" lvl="0" indent="0" algn="l" rtl="0">
-              <a:lnSpc>
-                <a:spcPct val="100000"/>
-              </a:lnSpc>
-              <a:spcBef>
-                <a:spcPts val="0"/>
-              </a:spcBef>
-              <a:spcAft>
-                <a:spcPts val="0"/>
-              </a:spcAft>
-              <a:buClr>
-                <a:schemeClr val="lt1"/>
-              </a:buClr>
-              <a:buSzPct val="25000"/>
-              <a:buFont typeface="Arial"/>
-              <a:buNone/>
-            </a:pPr>
-            <a:endParaRPr sz="1200" b="0" i="0" u="none" strike="noStrike" cap="none">
+            <a:r>
+              <a:rPr lang="en-GB" sz="2200" b="0" i="0" u="none" strike="noStrike" cap="none" dirty="0" err="1" smtClean="0">
+                <a:solidFill>
+                  <a:schemeClr val="lt1"/>
+                </a:solidFill>
+                <a:latin typeface="Berlin Sans FB" panose="020E0602020502020306" pitchFamily="34" charset="0"/>
+                <a:ea typeface="Exo 2"/>
+                <a:cs typeface="Exo 2"/>
+                <a:sym typeface="Exo 2"/>
+              </a:rPr>
+              <a:t>Leaderboard</a:t>
+            </a:r>
+            <a:endParaRPr lang="en-GB" sz="2200" b="0" i="0" u="none" strike="noStrike" cap="none" dirty="0" smtClean="0">
               <a:solidFill>
                 <a:schemeClr val="lt1"/>
               </a:solidFill>
-              <a:latin typeface="Exo 2"/>
+              <a:latin typeface="Berlin Sans FB" panose="020E0602020502020306" pitchFamily="34" charset="0"/>
               <a:ea typeface="Exo 2"/>
               <a:cs typeface="Exo 2"/>
               <a:sym typeface="Exo 2"/>
             </a:endParaRPr>
           </a:p>
           <a:p>
-            <a:pPr marL="0" marR="0" lvl="0" indent="0" algn="l" rtl="0">
+            <a:pPr marR="0" lvl="0" algn="l" rtl="0">
               <a:lnSpc>
                 <a:spcPct val="100000"/>
               </a:lnSpc>
@@ -10095,52 +9189,19 @@
                 <a:schemeClr val="lt1"/>
               </a:buClr>
               <a:buSzPct val="25000"/>
-              <a:buFont typeface="Arial"/>
-              <a:buNone/>
             </a:pPr>
-            <a:r>
-              <a:rPr lang="en" sz="1200" b="0" i="0" u="none" strike="noStrike" cap="none">
-                <a:solidFill>
-                  <a:schemeClr val="lt1"/>
-                </a:solidFill>
-                <a:latin typeface="Exo 2"/>
-                <a:ea typeface="Exo 2"/>
-                <a:cs typeface="Exo 2"/>
-                <a:sym typeface="Exo 2"/>
-              </a:rPr>
-              <a:t>Drone Rennen</a:t>
-            </a:r>
-          </a:p>
-          <a:p>
-            <a:pPr marL="0" marR="0" lvl="0" indent="0" algn="l" rtl="0">
-              <a:lnSpc>
-                <a:spcPct val="100000"/>
-              </a:lnSpc>
-              <a:spcBef>
-                <a:spcPts val="0"/>
-              </a:spcBef>
-              <a:spcAft>
-                <a:spcPts val="0"/>
-              </a:spcAft>
-              <a:buClr>
-                <a:schemeClr val="lt1"/>
-              </a:buClr>
-              <a:buSzPct val="25000"/>
-              <a:buFont typeface="Arial"/>
-              <a:buNone/>
-            </a:pPr>
-            <a:endParaRPr sz="1200" b="0" i="0" u="none" strike="noStrike" cap="none">
+            <a:endParaRPr lang="en-GB" sz="2000" dirty="0">
               <a:solidFill>
                 <a:schemeClr val="lt1"/>
               </a:solidFill>
-              <a:latin typeface="Exo 2"/>
+              <a:latin typeface="Berlin Sans FB" panose="020E0602020502020306" pitchFamily="34" charset="0"/>
               <a:ea typeface="Exo 2"/>
               <a:cs typeface="Exo 2"/>
               <a:sym typeface="Exo 2"/>
             </a:endParaRPr>
           </a:p>
           <a:p>
-            <a:pPr marL="0" marR="0" lvl="0" indent="0" algn="l" rtl="0">
+            <a:pPr marR="0" lvl="0" algn="l" rtl="0">
               <a:lnSpc>
                 <a:spcPct val="100000"/>
               </a:lnSpc>
@@ -10154,52 +9215,19 @@
                 <a:schemeClr val="lt1"/>
               </a:buClr>
               <a:buSzPct val="25000"/>
-              <a:buFont typeface="Arial"/>
-              <a:buNone/>
             </a:pPr>
-            <a:r>
-              <a:rPr lang="en" sz="1200" b="0" i="0" u="none" strike="noStrike" cap="none">
-                <a:solidFill>
-                  <a:schemeClr val="lt1"/>
-                </a:solidFill>
-                <a:latin typeface="Exo 2"/>
-                <a:ea typeface="Exo 2"/>
-                <a:cs typeface="Exo 2"/>
-                <a:sym typeface="Exo 2"/>
-              </a:rPr>
-              <a:t>How to pitch ?</a:t>
-            </a:r>
-          </a:p>
-          <a:p>
-            <a:pPr marL="0" marR="0" lvl="0" indent="0" algn="l" rtl="0">
-              <a:lnSpc>
-                <a:spcPct val="100000"/>
-              </a:lnSpc>
-              <a:spcBef>
-                <a:spcPts val="0"/>
-              </a:spcBef>
-              <a:spcAft>
-                <a:spcPts val="0"/>
-              </a:spcAft>
-              <a:buClr>
-                <a:schemeClr val="lt1"/>
-              </a:buClr>
-              <a:buSzPct val="25000"/>
-              <a:buFont typeface="Arial"/>
-              <a:buNone/>
-            </a:pPr>
-            <a:endParaRPr sz="1200" b="0" i="0" u="none" strike="noStrike" cap="none">
+            <a:endParaRPr lang="en-GB" sz="2000" b="0" i="0" u="none" strike="noStrike" cap="none" dirty="0" smtClean="0">
               <a:solidFill>
                 <a:schemeClr val="lt1"/>
               </a:solidFill>
-              <a:latin typeface="Exo 2"/>
+              <a:latin typeface="Berlin Sans FB" panose="020E0602020502020306" pitchFamily="34" charset="0"/>
               <a:ea typeface="Exo 2"/>
               <a:cs typeface="Exo 2"/>
               <a:sym typeface="Exo 2"/>
             </a:endParaRPr>
           </a:p>
           <a:p>
-            <a:pPr marL="0" marR="0" lvl="0" indent="0" algn="l" rtl="0">
+            <a:pPr marL="171450" marR="0" lvl="0" indent="-171450" algn="l" rtl="0">
               <a:lnSpc>
                 <a:spcPct val="100000"/>
               </a:lnSpc>
@@ -10213,73 +9241,14 @@
                 <a:schemeClr val="lt1"/>
               </a:buClr>
               <a:buSzPct val="25000"/>
-              <a:buFont typeface="Arial"/>
-              <a:buNone/>
+              <a:buFont typeface="Arial" panose="020B0604020202020204" pitchFamily="34" charset="0"/>
+              <a:buChar char="•"/>
             </a:pPr>
-            <a:r>
-              <a:rPr lang="en" sz="1200" b="0" i="0" u="none" strike="noStrike" cap="none">
-                <a:solidFill>
-                  <a:schemeClr val="lt1"/>
-                </a:solidFill>
-                <a:latin typeface="Exo 2"/>
-                <a:ea typeface="Exo 2"/>
-                <a:cs typeface="Exo 2"/>
-                <a:sym typeface="Exo 2"/>
-              </a:rPr>
-              <a:t>Ende Tag 2</a:t>
-            </a:r>
-          </a:p>
-          <a:p>
-            <a:pPr marL="0" marR="0" lvl="0" indent="0" algn="l" rtl="0">
-              <a:lnSpc>
-                <a:spcPct val="100000"/>
-              </a:lnSpc>
-              <a:spcBef>
-                <a:spcPts val="0"/>
-              </a:spcBef>
-              <a:spcAft>
-                <a:spcPts val="0"/>
-              </a:spcAft>
-              <a:buClr>
-                <a:schemeClr val="lt1"/>
-              </a:buClr>
-              <a:buSzPct val="25000"/>
-              <a:buFont typeface="Arial"/>
-              <a:buNone/>
-            </a:pPr>
-            <a:endParaRPr sz="1200" b="0" i="0" u="none" strike="noStrike" cap="none">
+            <a:endParaRPr lang="en-GB" sz="1200" dirty="0">
               <a:solidFill>
                 <a:schemeClr val="lt1"/>
               </a:solidFill>
-              <a:latin typeface="Exo 2"/>
-              <a:ea typeface="Exo 2"/>
-              <a:cs typeface="Exo 2"/>
-              <a:sym typeface="Exo 2"/>
-            </a:endParaRPr>
-          </a:p>
-          <a:p>
-            <a:pPr marL="0" marR="0" lvl="0" indent="0" algn="l" rtl="0">
-              <a:lnSpc>
-                <a:spcPct val="100000"/>
-              </a:lnSpc>
-              <a:spcBef>
-                <a:spcPts val="0"/>
-              </a:spcBef>
-              <a:spcAft>
-                <a:spcPts val="0"/>
-              </a:spcAft>
-              <a:buClr>
-                <a:schemeClr val="lt1"/>
-              </a:buClr>
-              <a:buSzPct val="25000"/>
-              <a:buFont typeface="Arial"/>
-              <a:buNone/>
-            </a:pPr>
-            <a:endParaRPr sz="1200" b="0" i="0" u="none" strike="noStrike" cap="none">
-              <a:solidFill>
-                <a:schemeClr val="lt1"/>
-              </a:solidFill>
-              <a:latin typeface="Exo 2"/>
+              <a:latin typeface="Berlin Sans FB Demi" panose="020E0802020502020306" pitchFamily="34" charset="0"/>
               <a:ea typeface="Exo 2"/>
               <a:cs typeface="Exo 2"/>
               <a:sym typeface="Exo 2"/>
@@ -10287,20 +9256,721 @@
           </a:p>
         </p:txBody>
       </p:sp>
+      <p:pic>
+        <p:nvPicPr>
+          <p:cNvPr id="3" name="Picture 2"/>
+          <p:cNvPicPr>
+            <a:picLocks noChangeAspect="1"/>
+          </p:cNvPicPr>
+          <p:nvPr/>
+        </p:nvPicPr>
+        <p:blipFill>
+          <a:blip r:embed="rId4">
+            <a:extLst>
+              <a:ext uri="{28A0092B-C50C-407E-A947-70E740481C1C}">
+                <a14:useLocalDpi xmlns:a14="http://schemas.microsoft.com/office/drawing/2010/main" val="0"/>
+              </a:ext>
+            </a:extLst>
+          </a:blip>
+          <a:stretch>
+            <a:fillRect/>
+          </a:stretch>
+        </p:blipFill>
+        <p:spPr>
+          <a:xfrm>
+            <a:off x="6199464" y="92587"/>
+            <a:ext cx="2854505" cy="4957841"/>
+          </a:xfrm>
+          <a:prstGeom prst="rect">
+            <a:avLst/>
+          </a:prstGeom>
+        </p:spPr>
+      </p:pic>
+      <p:pic>
+        <p:nvPicPr>
+          <p:cNvPr id="6" name="Picture 5" descr="C:\Users\jfk24\AppData\Local\Microsoft\Windows\INetCache\Content.Word\1f631.png"/>
+          <p:cNvPicPr/>
+          <p:nvPr/>
+        </p:nvPicPr>
+        <p:blipFill>
+          <a:blip r:embed="rId5">
+            <a:extLst>
+              <a:ext uri="{28A0092B-C50C-407E-A947-70E740481C1C}">
+                <a14:useLocalDpi xmlns:a14="http://schemas.microsoft.com/office/drawing/2010/main" val="0"/>
+              </a:ext>
+            </a:extLst>
+          </a:blip>
+          <a:srcRect/>
+          <a:stretch>
+            <a:fillRect/>
+          </a:stretch>
+        </p:blipFill>
+        <p:spPr bwMode="auto">
+          <a:xfrm>
+            <a:off x="2104298" y="4117397"/>
+            <a:ext cx="900000" cy="900000"/>
+          </a:xfrm>
+          <a:prstGeom prst="rect">
+            <a:avLst/>
+          </a:prstGeom>
+          <a:noFill/>
+          <a:ln>
+            <a:noFill/>
+          </a:ln>
+          <a:effectLst>
+            <a:outerShdw blurRad="50800" dist="38100" dir="8100000" algn="tr" rotWithShape="0">
+              <a:prstClr val="black">
+                <a:alpha val="50000"/>
+              </a:prstClr>
+            </a:outerShdw>
+          </a:effectLst>
+        </p:spPr>
+      </p:pic>
+      <p:pic>
+        <p:nvPicPr>
+          <p:cNvPr id="7" name="Picture 6" descr="C:\Users\jfk24\AppData\Local\Microsoft\Windows\INetCache\Content.Word\1f622.png"/>
+          <p:cNvPicPr/>
+          <p:nvPr/>
+        </p:nvPicPr>
+        <p:blipFill>
+          <a:blip r:embed="rId6">
+            <a:extLst>
+              <a:ext uri="{28A0092B-C50C-407E-A947-70E740481C1C}">
+                <a14:useLocalDpi xmlns:a14="http://schemas.microsoft.com/office/drawing/2010/main" val="0"/>
+              </a:ext>
+            </a:extLst>
+          </a:blip>
+          <a:srcRect/>
+          <a:stretch>
+            <a:fillRect/>
+          </a:stretch>
+        </p:blipFill>
+        <p:spPr bwMode="auto">
+          <a:xfrm>
+            <a:off x="194917" y="4104000"/>
+            <a:ext cx="900000" cy="900000"/>
+          </a:xfrm>
+          <a:prstGeom prst="rect">
+            <a:avLst/>
+          </a:prstGeom>
+          <a:noFill/>
+          <a:ln>
+            <a:noFill/>
+          </a:ln>
+          <a:effectLst>
+            <a:outerShdw blurRad="50800" dist="38100" dir="8100000" algn="tr" rotWithShape="0">
+              <a:prstClr val="black">
+                <a:alpha val="50000"/>
+              </a:prstClr>
+            </a:outerShdw>
+          </a:effectLst>
+        </p:spPr>
+      </p:pic>
+      <p:pic>
+        <p:nvPicPr>
+          <p:cNvPr id="8" name="Picture 7" descr="C:\Users\jfk24\AppData\Local\Microsoft\Windows\INetCache\Content.Word\1f632.png"/>
+          <p:cNvPicPr>
+            <a:picLocks noChangeAspect="1"/>
+          </p:cNvPicPr>
+          <p:nvPr/>
+        </p:nvPicPr>
+        <p:blipFill>
+          <a:blip r:embed="rId7">
+            <a:extLst>
+              <a:ext uri="{28A0092B-C50C-407E-A947-70E740481C1C}">
+                <a14:useLocalDpi xmlns:a14="http://schemas.microsoft.com/office/drawing/2010/main" val="0"/>
+              </a:ext>
+            </a:extLst>
+          </a:blip>
+          <a:srcRect/>
+          <a:stretch>
+            <a:fillRect/>
+          </a:stretch>
+        </p:blipFill>
+        <p:spPr bwMode="auto">
+          <a:xfrm>
+            <a:off x="4984100" y="4117397"/>
+            <a:ext cx="900000" cy="900000"/>
+          </a:xfrm>
+          <a:prstGeom prst="rect">
+            <a:avLst/>
+          </a:prstGeom>
+          <a:noFill/>
+          <a:ln>
+            <a:noFill/>
+          </a:ln>
+          <a:effectLst>
+            <a:outerShdw blurRad="50800" dist="38100" dir="8100000" algn="tr" rotWithShape="0">
+              <a:prstClr val="black">
+                <a:alpha val="50000"/>
+              </a:prstClr>
+            </a:outerShdw>
+          </a:effectLst>
+        </p:spPr>
+      </p:pic>
+      <p:pic>
+        <p:nvPicPr>
+          <p:cNvPr id="9" name="Picture 8" descr="C:\Users\jfk24\AppData\Local\Microsoft\Windows\INetCache\Content.Word\1f600.png"/>
+          <p:cNvPicPr>
+            <a:picLocks noChangeAspect="1"/>
+          </p:cNvPicPr>
+          <p:nvPr/>
+        </p:nvPicPr>
+        <p:blipFill>
+          <a:blip r:embed="rId8">
+            <a:extLst>
+              <a:ext uri="{28A0092B-C50C-407E-A947-70E740481C1C}">
+                <a14:useLocalDpi xmlns:a14="http://schemas.microsoft.com/office/drawing/2010/main" val="0"/>
+              </a:ext>
+            </a:extLst>
+          </a:blip>
+          <a:srcRect/>
+          <a:stretch>
+            <a:fillRect/>
+          </a:stretch>
+        </p:blipFill>
+        <p:spPr bwMode="auto">
+          <a:xfrm>
+            <a:off x="1139867" y="4131700"/>
+            <a:ext cx="900000" cy="900000"/>
+          </a:xfrm>
+          <a:prstGeom prst="rect">
+            <a:avLst/>
+          </a:prstGeom>
+          <a:noFill/>
+          <a:ln>
+            <a:noFill/>
+          </a:ln>
+          <a:effectLst>
+            <a:outerShdw blurRad="50800" dist="38100" dir="8100000" algn="tr" rotWithShape="0">
+              <a:prstClr val="black">
+                <a:alpha val="50000"/>
+              </a:prstClr>
+            </a:outerShdw>
+          </a:effectLst>
+        </p:spPr>
+      </p:pic>
+      <p:pic>
+        <p:nvPicPr>
+          <p:cNvPr id="10" name="Picture 9" descr="C:\Users\jfk24\AppData\Local\Microsoft\Windows\INetCache\Content.Word\1f620.png"/>
+          <p:cNvPicPr>
+            <a:picLocks noChangeAspect="1"/>
+          </p:cNvPicPr>
+          <p:nvPr/>
+        </p:nvPicPr>
+        <p:blipFill>
+          <a:blip r:embed="rId9">
+            <a:extLst>
+              <a:ext uri="{28A0092B-C50C-407E-A947-70E740481C1C}">
+                <a14:useLocalDpi xmlns:a14="http://schemas.microsoft.com/office/drawing/2010/main" val="0"/>
+              </a:ext>
+            </a:extLst>
+          </a:blip>
+          <a:srcRect/>
+          <a:stretch>
+            <a:fillRect/>
+          </a:stretch>
+        </p:blipFill>
+        <p:spPr bwMode="auto">
+          <a:xfrm>
+            <a:off x="3055238" y="4117397"/>
+            <a:ext cx="900000" cy="900000"/>
+          </a:xfrm>
+          <a:prstGeom prst="rect">
+            <a:avLst/>
+          </a:prstGeom>
+          <a:noFill/>
+          <a:ln>
+            <a:noFill/>
+          </a:ln>
+          <a:effectLst>
+            <a:outerShdw blurRad="50800" dist="38100" dir="8100000" algn="tr" rotWithShape="0">
+              <a:prstClr val="black">
+                <a:alpha val="50000"/>
+              </a:prstClr>
+            </a:outerShdw>
+          </a:effectLst>
+        </p:spPr>
+      </p:pic>
+      <p:pic>
+        <p:nvPicPr>
+          <p:cNvPr id="11" name="Picture 10" descr="C:\Users\jfk24\AppData\Local\Microsoft\Windows\INetCache\Content.Word\1f626.png"/>
+          <p:cNvPicPr>
+            <a:picLocks noChangeAspect="1"/>
+          </p:cNvPicPr>
+          <p:nvPr/>
+        </p:nvPicPr>
+        <p:blipFill>
+          <a:blip r:embed="rId10">
+            <a:extLst>
+              <a:ext uri="{28A0092B-C50C-407E-A947-70E740481C1C}">
+                <a14:useLocalDpi xmlns:a14="http://schemas.microsoft.com/office/drawing/2010/main" val="0"/>
+              </a:ext>
+            </a:extLst>
+          </a:blip>
+          <a:srcRect/>
+          <a:stretch>
+            <a:fillRect/>
+          </a:stretch>
+        </p:blipFill>
+        <p:spPr bwMode="auto">
+          <a:xfrm>
+            <a:off x="4019669" y="4117397"/>
+            <a:ext cx="900000" cy="900000"/>
+          </a:xfrm>
+          <a:prstGeom prst="rect">
+            <a:avLst/>
+          </a:prstGeom>
+          <a:noFill/>
+          <a:ln>
+            <a:noFill/>
+          </a:ln>
+          <a:effectLst>
+            <a:outerShdw blurRad="50800" dist="38100" dir="8100000" algn="tr" rotWithShape="0">
+              <a:prstClr val="black">
+                <a:alpha val="50000"/>
+              </a:prstClr>
+            </a:outerShdw>
+          </a:effectLst>
+        </p:spPr>
+      </p:pic>
+    </p:spTree>
+    <p:extLst>
+      <p:ext uri="{BB962C8B-B14F-4D97-AF65-F5344CB8AC3E}">
+        <p14:creationId xmlns:p14="http://schemas.microsoft.com/office/powerpoint/2010/main" val="712981051"/>
+      </p:ext>
+    </p:extLst>
+  </p:cSld>
+  <p:clrMapOvr>
+    <a:masterClrMapping/>
+  </p:clrMapOvr>
+  <p:timing>
+    <p:tnLst>
+      <p:par>
+        <p:cTn id="1" dur="indefinite" restart="never" nodeType="tmRoot">
+          <p:childTnLst>
+            <p:seq concurrent="1" nextAc="seek">
+              <p:cTn id="2" dur="indefinite" nodeType="mainSeq">
+                <p:childTnLst>
+                  <p:par>
+                    <p:cTn id="3" fill="hold">
+                      <p:stCondLst>
+                        <p:cond delay="indefinite"/>
+                      </p:stCondLst>
+                      <p:childTnLst>
+                        <p:par>
+                          <p:cTn id="4" fill="hold">
+                            <p:stCondLst>
+                              <p:cond delay="0"/>
+                            </p:stCondLst>
+                            <p:childTnLst>
+                              <p:par>
+                                <p:cTn id="5" presetID="1" presetClass="entr" presetSubtype="0" fill="hold" nodeType="clickEffect">
+                                  <p:stCondLst>
+                                    <p:cond delay="0"/>
+                                  </p:stCondLst>
+                                  <p:childTnLst>
+                                    <p:set>
+                                      <p:cBhvr>
+                                        <p:cTn id="6" dur="1" fill="hold">
+                                          <p:stCondLst>
+                                            <p:cond delay="0"/>
+                                          </p:stCondLst>
+                                        </p:cTn>
+                                        <p:tgtEl>
+                                          <p:spTgt spid="115">
+                                            <p:txEl>
+                                              <p:pRg st="0" end="0"/>
+                                            </p:txEl>
+                                          </p:spTgt>
+                                        </p:tgtEl>
+                                        <p:attrNameLst>
+                                          <p:attrName>style.visibility</p:attrName>
+                                        </p:attrNameLst>
+                                      </p:cBhvr>
+                                      <p:to>
+                                        <p:strVal val="visible"/>
+                                      </p:to>
+                                    </p:set>
+                                  </p:childTnLst>
+                                </p:cTn>
+                              </p:par>
+                              <p:par>
+                                <p:cTn id="7" presetID="1" presetClass="entr" presetSubtype="0" fill="hold" nodeType="withEffect">
+                                  <p:stCondLst>
+                                    <p:cond delay="0"/>
+                                  </p:stCondLst>
+                                  <p:childTnLst>
+                                    <p:set>
+                                      <p:cBhvr>
+                                        <p:cTn id="8" dur="1" fill="hold">
+                                          <p:stCondLst>
+                                            <p:cond delay="0"/>
+                                          </p:stCondLst>
+                                        </p:cTn>
+                                        <p:tgtEl>
+                                          <p:spTgt spid="3"/>
+                                        </p:tgtEl>
+                                        <p:attrNameLst>
+                                          <p:attrName>style.visibility</p:attrName>
+                                        </p:attrNameLst>
+                                      </p:cBhvr>
+                                      <p:to>
+                                        <p:strVal val="visible"/>
+                                      </p:to>
+                                    </p:set>
+                                  </p:childTnLst>
+                                </p:cTn>
+                              </p:par>
+                            </p:childTnLst>
+                          </p:cTn>
+                        </p:par>
+                      </p:childTnLst>
+                    </p:cTn>
+                  </p:par>
+                  <p:par>
+                    <p:cTn id="9" fill="hold">
+                      <p:stCondLst>
+                        <p:cond delay="indefinite"/>
+                      </p:stCondLst>
+                      <p:childTnLst>
+                        <p:par>
+                          <p:cTn id="10" fill="hold">
+                            <p:stCondLst>
+                              <p:cond delay="0"/>
+                            </p:stCondLst>
+                            <p:childTnLst>
+                              <p:par>
+                                <p:cTn id="11" presetID="1" presetClass="entr" presetSubtype="0" fill="hold" nodeType="clickEffect">
+                                  <p:stCondLst>
+                                    <p:cond delay="0"/>
+                                  </p:stCondLst>
+                                  <p:childTnLst>
+                                    <p:set>
+                                      <p:cBhvr>
+                                        <p:cTn id="12" dur="1" fill="hold">
+                                          <p:stCondLst>
+                                            <p:cond delay="0"/>
+                                          </p:stCondLst>
+                                        </p:cTn>
+                                        <p:tgtEl>
+                                          <p:spTgt spid="115">
+                                            <p:txEl>
+                                              <p:pRg st="2" end="2"/>
+                                            </p:txEl>
+                                          </p:spTgt>
+                                        </p:tgtEl>
+                                        <p:attrNameLst>
+                                          <p:attrName>style.visibility</p:attrName>
+                                        </p:attrNameLst>
+                                      </p:cBhvr>
+                                      <p:to>
+                                        <p:strVal val="visible"/>
+                                      </p:to>
+                                    </p:set>
+                                  </p:childTnLst>
+                                </p:cTn>
+                              </p:par>
+                              <p:par>
+                                <p:cTn id="13" presetID="1" presetClass="entr" presetSubtype="0" fill="hold" nodeType="withEffect">
+                                  <p:stCondLst>
+                                    <p:cond delay="0"/>
+                                  </p:stCondLst>
+                                  <p:childTnLst>
+                                    <p:set>
+                                      <p:cBhvr>
+                                        <p:cTn id="14" dur="1" fill="hold">
+                                          <p:stCondLst>
+                                            <p:cond delay="0"/>
+                                          </p:stCondLst>
+                                        </p:cTn>
+                                        <p:tgtEl>
+                                          <p:spTgt spid="7"/>
+                                        </p:tgtEl>
+                                        <p:attrNameLst>
+                                          <p:attrName>style.visibility</p:attrName>
+                                        </p:attrNameLst>
+                                      </p:cBhvr>
+                                      <p:to>
+                                        <p:strVal val="visible"/>
+                                      </p:to>
+                                    </p:set>
+                                  </p:childTnLst>
+                                </p:cTn>
+                              </p:par>
+                              <p:par>
+                                <p:cTn id="15" presetID="1" presetClass="entr" presetSubtype="0" fill="hold" nodeType="withEffect">
+                                  <p:stCondLst>
+                                    <p:cond delay="0"/>
+                                  </p:stCondLst>
+                                  <p:childTnLst>
+                                    <p:set>
+                                      <p:cBhvr>
+                                        <p:cTn id="16" dur="1" fill="hold">
+                                          <p:stCondLst>
+                                            <p:cond delay="0"/>
+                                          </p:stCondLst>
+                                        </p:cTn>
+                                        <p:tgtEl>
+                                          <p:spTgt spid="9"/>
+                                        </p:tgtEl>
+                                        <p:attrNameLst>
+                                          <p:attrName>style.visibility</p:attrName>
+                                        </p:attrNameLst>
+                                      </p:cBhvr>
+                                      <p:to>
+                                        <p:strVal val="visible"/>
+                                      </p:to>
+                                    </p:set>
+                                  </p:childTnLst>
+                                </p:cTn>
+                              </p:par>
+                              <p:par>
+                                <p:cTn id="17" presetID="1" presetClass="entr" presetSubtype="0" fill="hold" nodeType="withEffect">
+                                  <p:stCondLst>
+                                    <p:cond delay="0"/>
+                                  </p:stCondLst>
+                                  <p:childTnLst>
+                                    <p:set>
+                                      <p:cBhvr>
+                                        <p:cTn id="18" dur="1" fill="hold">
+                                          <p:stCondLst>
+                                            <p:cond delay="0"/>
+                                          </p:stCondLst>
+                                        </p:cTn>
+                                        <p:tgtEl>
+                                          <p:spTgt spid="8"/>
+                                        </p:tgtEl>
+                                        <p:attrNameLst>
+                                          <p:attrName>style.visibility</p:attrName>
+                                        </p:attrNameLst>
+                                      </p:cBhvr>
+                                      <p:to>
+                                        <p:strVal val="visible"/>
+                                      </p:to>
+                                    </p:set>
+                                  </p:childTnLst>
+                                </p:cTn>
+                              </p:par>
+                              <p:par>
+                                <p:cTn id="19" presetID="1" presetClass="entr" presetSubtype="0" fill="hold" nodeType="withEffect">
+                                  <p:stCondLst>
+                                    <p:cond delay="0"/>
+                                  </p:stCondLst>
+                                  <p:childTnLst>
+                                    <p:set>
+                                      <p:cBhvr>
+                                        <p:cTn id="20" dur="1" fill="hold">
+                                          <p:stCondLst>
+                                            <p:cond delay="0"/>
+                                          </p:stCondLst>
+                                        </p:cTn>
+                                        <p:tgtEl>
+                                          <p:spTgt spid="11"/>
+                                        </p:tgtEl>
+                                        <p:attrNameLst>
+                                          <p:attrName>style.visibility</p:attrName>
+                                        </p:attrNameLst>
+                                      </p:cBhvr>
+                                      <p:to>
+                                        <p:strVal val="visible"/>
+                                      </p:to>
+                                    </p:set>
+                                  </p:childTnLst>
+                                </p:cTn>
+                              </p:par>
+                              <p:par>
+                                <p:cTn id="21" presetID="1" presetClass="entr" presetSubtype="0" fill="hold" nodeType="withEffect">
+                                  <p:stCondLst>
+                                    <p:cond delay="0"/>
+                                  </p:stCondLst>
+                                  <p:childTnLst>
+                                    <p:set>
+                                      <p:cBhvr>
+                                        <p:cTn id="22" dur="1" fill="hold">
+                                          <p:stCondLst>
+                                            <p:cond delay="0"/>
+                                          </p:stCondLst>
+                                        </p:cTn>
+                                        <p:tgtEl>
+                                          <p:spTgt spid="10"/>
+                                        </p:tgtEl>
+                                        <p:attrNameLst>
+                                          <p:attrName>style.visibility</p:attrName>
+                                        </p:attrNameLst>
+                                      </p:cBhvr>
+                                      <p:to>
+                                        <p:strVal val="visible"/>
+                                      </p:to>
+                                    </p:set>
+                                  </p:childTnLst>
+                                </p:cTn>
+                              </p:par>
+                              <p:par>
+                                <p:cTn id="23" presetID="1" presetClass="entr" presetSubtype="0" fill="hold" nodeType="withEffect">
+                                  <p:stCondLst>
+                                    <p:cond delay="0"/>
+                                  </p:stCondLst>
+                                  <p:childTnLst>
+                                    <p:set>
+                                      <p:cBhvr>
+                                        <p:cTn id="24" dur="1" fill="hold">
+                                          <p:stCondLst>
+                                            <p:cond delay="0"/>
+                                          </p:stCondLst>
+                                        </p:cTn>
+                                        <p:tgtEl>
+                                          <p:spTgt spid="6"/>
+                                        </p:tgtEl>
+                                        <p:attrNameLst>
+                                          <p:attrName>style.visibility</p:attrName>
+                                        </p:attrNameLst>
+                                      </p:cBhvr>
+                                      <p:to>
+                                        <p:strVal val="visible"/>
+                                      </p:to>
+                                    </p:set>
+                                  </p:childTnLst>
+                                </p:cTn>
+                              </p:par>
+                            </p:childTnLst>
+                          </p:cTn>
+                        </p:par>
+                      </p:childTnLst>
+                    </p:cTn>
+                  </p:par>
+                  <p:par>
+                    <p:cTn id="25" fill="hold">
+                      <p:stCondLst>
+                        <p:cond delay="indefinite"/>
+                      </p:stCondLst>
+                      <p:childTnLst>
+                        <p:par>
+                          <p:cTn id="26" fill="hold">
+                            <p:stCondLst>
+                              <p:cond delay="0"/>
+                            </p:stCondLst>
+                            <p:childTnLst>
+                              <p:par>
+                                <p:cTn id="27" presetID="1" presetClass="entr" presetSubtype="0" fill="hold" nodeType="clickEffect">
+                                  <p:stCondLst>
+                                    <p:cond delay="0"/>
+                                  </p:stCondLst>
+                                  <p:childTnLst>
+                                    <p:set>
+                                      <p:cBhvr>
+                                        <p:cTn id="28" dur="1" fill="hold">
+                                          <p:stCondLst>
+                                            <p:cond delay="0"/>
+                                          </p:stCondLst>
+                                        </p:cTn>
+                                        <p:tgtEl>
+                                          <p:spTgt spid="115">
+                                            <p:txEl>
+                                              <p:pRg st="4" end="4"/>
+                                            </p:txEl>
+                                          </p:spTgt>
+                                        </p:tgtEl>
+                                        <p:attrNameLst>
+                                          <p:attrName>style.visibility</p:attrName>
+                                        </p:attrNameLst>
+                                      </p:cBhvr>
+                                      <p:to>
+                                        <p:strVal val="visible"/>
+                                      </p:to>
+                                    </p:set>
+                                  </p:childTnLst>
+                                </p:cTn>
+                              </p:par>
+                            </p:childTnLst>
+                          </p:cTn>
+                        </p:par>
+                      </p:childTnLst>
+                    </p:cTn>
+                  </p:par>
+                </p:childTnLst>
+              </p:cTn>
+              <p:prevCondLst>
+                <p:cond evt="onPrev" delay="0">
+                  <p:tgtEl>
+                    <p:sldTgt/>
+                  </p:tgtEl>
+                </p:cond>
+              </p:prevCondLst>
+              <p:nextCondLst>
+                <p:cond evt="onNext" delay="0">
+                  <p:tgtEl>
+                    <p:sldTgt/>
+                  </p:tgtEl>
+                </p:cond>
+              </p:nextCondLst>
+            </p:seq>
+          </p:childTnLst>
+        </p:cTn>
+      </p:par>
+    </p:tnLst>
+  </p:timing>
+</p:sld>
+</file>
+
+<file path=ppt/slides/slide5.xml><?xml version="1.0" encoding="utf-8"?>
+<p:sld xmlns:a="http://schemas.openxmlformats.org/drawingml/2006/main" xmlns:r="http://schemas.openxmlformats.org/officeDocument/2006/relationships" xmlns:p="http://schemas.openxmlformats.org/presentationml/2006/main">
+  <p:cSld>
+    <p:spTree>
+      <p:nvGrpSpPr>
+        <p:cNvPr id="1" name="Shape 113"/>
+        <p:cNvGrpSpPr/>
+        <p:nvPr/>
+      </p:nvGrpSpPr>
+      <p:grpSpPr>
+        <a:xfrm>
+          <a:off x="0" y="0"/>
+          <a:ext cx="0" cy="0"/>
+          <a:chOff x="0" y="0"/>
+          <a:chExt cx="0" cy="0"/>
+        </a:xfrm>
+      </p:grpSpPr>
+      <p:pic>
+        <p:nvPicPr>
+          <p:cNvPr id="114" name="Shape 114"/>
+          <p:cNvPicPr preferRelativeResize="0"/>
+          <p:nvPr/>
+        </p:nvPicPr>
+        <p:blipFill rotWithShape="1">
+          <a:blip r:embed="rId3">
+            <a:alphaModFix/>
+          </a:blip>
+          <a:srcRect l="10978" r="10993"/>
+          <a:stretch/>
+        </p:blipFill>
+        <p:spPr>
+          <a:xfrm>
+            <a:off x="0" y="1"/>
+            <a:ext cx="9144000" cy="5143499"/>
+          </a:xfrm>
+          <a:prstGeom prst="rect">
+            <a:avLst/>
+          </a:prstGeom>
+          <a:noFill/>
+          <a:ln>
+            <a:noFill/>
+          </a:ln>
+        </p:spPr>
+      </p:pic>
       <p:sp>
         <p:nvSpPr>
-          <p:cNvPr id="116" name="Shape 116"/>
+          <p:cNvPr id="115" name="Shape 115"/>
           <p:cNvSpPr txBox="1">
             <a:spLocks noGrp="1"/>
           </p:cNvSpPr>
           <p:nvPr>
-            <p:ph type="body" idx="2"/>
+            <p:ph type="body" idx="1"/>
           </p:nvPr>
         </p:nvSpPr>
         <p:spPr>
           <a:xfrm>
-            <a:off x="1827525" y="1846944"/>
-            <a:ext cx="1046098" cy="3878399"/>
+            <a:off x="311700" y="1152475"/>
+            <a:ext cx="8438161" cy="3767668"/>
           </a:xfrm>
           <a:prstGeom prst="rect">
             <a:avLst/>
@@ -10316,7 +9986,7 @@
           </a:bodyPr>
           <a:lstStyle/>
           <a:p>
-            <a:pPr marL="0" marR="0" lvl="0" indent="0" algn="r" rtl="0">
+            <a:pPr marR="0" lvl="0" algn="l" rtl="0">
               <a:lnSpc>
                 <a:spcPct val="100000"/>
               </a:lnSpc>
@@ -10330,58 +10000,22 @@
                 <a:schemeClr val="lt1"/>
               </a:buClr>
               <a:buSzPct val="25000"/>
-              <a:buFont typeface="Arial"/>
-              <a:buNone/>
             </a:pPr>
-            <a:r>
-              <a:rPr lang="en" sz="1200" b="0" i="0" u="none" strike="noStrike" cap="none">
-                <a:solidFill>
-                  <a:srgbClr val="FFFFFF"/>
-                </a:solidFill>
-                <a:latin typeface="Exo 2"/>
-                <a:ea typeface="Exo 2"/>
-                <a:cs typeface="Exo 2"/>
-                <a:sym typeface="Exo 2"/>
-              </a:rPr>
-              <a:t>9:00am</a:t>
-            </a:r>
-          </a:p>
-          <a:p>
-            <a:pPr marL="0" marR="0" lvl="0" indent="0" algn="r" rtl="0">
-              <a:lnSpc>
-                <a:spcPct val="100000"/>
-              </a:lnSpc>
-              <a:spcBef>
-                <a:spcPts val="0"/>
-              </a:spcBef>
-              <a:spcAft>
-                <a:spcPts val="0"/>
-              </a:spcAft>
-              <a:buClr>
+            <a:endParaRPr lang="en-GB" sz="2000" b="0" i="0" u="none" strike="noStrike" cap="none" dirty="0" smtClean="0">
+              <a:solidFill>
                 <a:schemeClr val="lt1"/>
-              </a:buClr>
-              <a:buSzPct val="25000"/>
-              <a:buFont typeface="Arial"/>
-              <a:buNone/>
-            </a:pPr>
-            <a:endParaRPr sz="1200" b="0" i="0" u="none" strike="noStrike" cap="none">
-              <a:solidFill>
-                <a:srgbClr val="FFFFFF"/>
               </a:solidFill>
-              <a:latin typeface="Arial"/>
-              <a:ea typeface="Arial"/>
-              <a:cs typeface="Arial"/>
-              <a:sym typeface="Arial"/>
+              <a:latin typeface="Berlin Sans FB" panose="020E0602020502020306" pitchFamily="34" charset="0"/>
+              <a:ea typeface="Exo 2"/>
+              <a:cs typeface="Exo 2"/>
+              <a:sym typeface="Exo 2"/>
             </a:endParaRPr>
           </a:p>
           <a:p>
-            <a:pPr marL="0" marR="0" lvl="0" indent="0" algn="r" rtl="0">
+            <a:pPr lvl="0" algn="ctr">
               <a:lnSpc>
                 <a:spcPct val="100000"/>
               </a:lnSpc>
-              <a:spcBef>
-                <a:spcPts val="0"/>
-              </a:spcBef>
               <a:spcAft>
                 <a:spcPts val="0"/>
               </a:spcAft>
@@ -10389,52 +10023,28 @@
                 <a:schemeClr val="lt1"/>
               </a:buClr>
               <a:buSzPct val="25000"/>
-              <a:buFont typeface="Arial"/>
-              <a:buNone/>
             </a:pPr>
             <a:r>
-              <a:rPr lang="en" sz="1200" b="0" i="0" u="none" strike="noStrike" cap="none">
-                <a:solidFill>
-                  <a:srgbClr val="FFFFFF"/>
-                </a:solidFill>
-                <a:latin typeface="Exo 2"/>
-                <a:ea typeface="Exo 2"/>
-                <a:cs typeface="Exo 2"/>
-                <a:sym typeface="Exo 2"/>
+              <a:rPr lang="en-GB" sz="8000" dirty="0" smtClean="0">
+                <a:solidFill>
+                  <a:schemeClr val="bg1"/>
+                </a:solidFill>
+                <a:latin typeface="Berlin Sans FB Demi" panose="020E0802020502020306" pitchFamily="34" charset="0"/>
               </a:rPr>
-              <a:t>10:00am</a:t>
+              <a:t>DEMO</a:t>
             </a:r>
-          </a:p>
-          <a:p>
-            <a:pPr marL="0" marR="0" lvl="0" indent="0" algn="r" rtl="0">
-              <a:lnSpc>
-                <a:spcPct val="100000"/>
-              </a:lnSpc>
-              <a:spcBef>
-                <a:spcPts val="0"/>
-              </a:spcBef>
-              <a:spcAft>
-                <a:spcPts val="0"/>
-              </a:spcAft>
-              <a:buClr>
+            <a:endParaRPr lang="en-GB" sz="8000" dirty="0">
+              <a:solidFill>
                 <a:schemeClr val="lt1"/>
-              </a:buClr>
-              <a:buSzPct val="25000"/>
-              <a:buFont typeface="Arial"/>
-              <a:buNone/>
-            </a:pPr>
-            <a:endParaRPr sz="1200" b="0" i="0" u="none" strike="noStrike" cap="none">
-              <a:solidFill>
-                <a:srgbClr val="FFFFFF"/>
               </a:solidFill>
-              <a:latin typeface="Arial"/>
-              <a:ea typeface="Arial"/>
-              <a:cs typeface="Arial"/>
-              <a:sym typeface="Arial"/>
+              <a:latin typeface="Berlin Sans FB Demi" panose="020E0802020502020306" pitchFamily="34" charset="0"/>
+              <a:ea typeface="Exo 2"/>
+              <a:cs typeface="Exo 2"/>
+              <a:sym typeface="Exo 2"/>
             </a:endParaRPr>
           </a:p>
           <a:p>
-            <a:pPr marL="0" marR="0" lvl="0" indent="0" algn="r" rtl="0">
+            <a:pPr marR="0" lvl="0" algn="l" rtl="0">
               <a:lnSpc>
                 <a:spcPct val="100000"/>
               </a:lnSpc>
@@ -10448,52 +10058,19 @@
                 <a:schemeClr val="lt1"/>
               </a:buClr>
               <a:buSzPct val="25000"/>
-              <a:buFont typeface="Arial"/>
-              <a:buNone/>
             </a:pPr>
-            <a:r>
-              <a:rPr lang="en" sz="1200" b="0" i="0" u="none" strike="noStrike" cap="none">
-                <a:solidFill>
-                  <a:srgbClr val="FFFFFF"/>
-                </a:solidFill>
-                <a:latin typeface="Exo 2"/>
-                <a:ea typeface="Exo 2"/>
-                <a:cs typeface="Exo 2"/>
-                <a:sym typeface="Exo 2"/>
-              </a:rPr>
-              <a:t>11:30am</a:t>
-            </a:r>
-          </a:p>
-          <a:p>
-            <a:pPr marL="0" marR="0" lvl="0" indent="0" algn="r" rtl="0">
-              <a:lnSpc>
-                <a:spcPct val="100000"/>
-              </a:lnSpc>
-              <a:spcBef>
-                <a:spcPts val="0"/>
-              </a:spcBef>
-              <a:spcAft>
-                <a:spcPts val="0"/>
-              </a:spcAft>
-              <a:buClr>
+            <a:endParaRPr lang="en-GB" sz="2000" b="0" i="0" u="none" strike="noStrike" cap="none" dirty="0" smtClean="0">
+              <a:solidFill>
                 <a:schemeClr val="lt1"/>
-              </a:buClr>
-              <a:buSzPct val="25000"/>
-              <a:buFont typeface="Arial"/>
-              <a:buNone/>
-            </a:pPr>
-            <a:endParaRPr sz="1200" b="0" i="0" u="none" strike="noStrike" cap="none">
-              <a:solidFill>
-                <a:srgbClr val="FFFFFF"/>
               </a:solidFill>
-              <a:latin typeface="Arial"/>
-              <a:ea typeface="Arial"/>
-              <a:cs typeface="Arial"/>
-              <a:sym typeface="Arial"/>
+              <a:latin typeface="Berlin Sans FB" panose="020E0602020502020306" pitchFamily="34" charset="0"/>
+              <a:ea typeface="Exo 2"/>
+              <a:cs typeface="Exo 2"/>
+              <a:sym typeface="Exo 2"/>
             </a:endParaRPr>
           </a:p>
           <a:p>
-            <a:pPr marL="0" marR="0" lvl="0" indent="0" algn="r" rtl="0">
+            <a:pPr marL="171450" marR="0" lvl="0" indent="-171450" algn="l" rtl="0">
               <a:lnSpc>
                 <a:spcPct val="100000"/>
               </a:lnSpc>
@@ -10507,268 +10084,44 @@
                 <a:schemeClr val="lt1"/>
               </a:buClr>
               <a:buSzPct val="25000"/>
-              <a:buFont typeface="Arial"/>
-              <a:buNone/>
+              <a:buFont typeface="Arial" panose="020B0604020202020204" pitchFamily="34" charset="0"/>
+              <a:buChar char="•"/>
             </a:pPr>
-            <a:r>
-              <a:rPr lang="en" sz="1200" b="0" i="0" u="none" strike="noStrike" cap="none">
-                <a:solidFill>
-                  <a:srgbClr val="FFFFFF"/>
-                </a:solidFill>
-                <a:latin typeface="Exo 2"/>
-                <a:ea typeface="Exo 2"/>
-                <a:cs typeface="Exo 2"/>
-                <a:sym typeface="Exo 2"/>
-              </a:rPr>
-              <a:t>3:00pm</a:t>
-            </a:r>
-          </a:p>
-          <a:p>
-            <a:pPr marL="0" marR="0" lvl="0" indent="0" algn="r" rtl="0">
-              <a:lnSpc>
-                <a:spcPct val="100000"/>
-              </a:lnSpc>
-              <a:spcBef>
-                <a:spcPts val="0"/>
-              </a:spcBef>
-              <a:spcAft>
-                <a:spcPts val="0"/>
-              </a:spcAft>
-              <a:buClr>
+            <a:endParaRPr lang="en-GB" sz="1200" dirty="0">
+              <a:solidFill>
                 <a:schemeClr val="lt1"/>
-              </a:buClr>
-              <a:buSzPct val="25000"/>
-              <a:buFont typeface="Arial"/>
-              <a:buNone/>
-            </a:pPr>
-            <a:endParaRPr sz="1200" b="0" i="0" u="none" strike="noStrike" cap="none">
-              <a:solidFill>
-                <a:srgbClr val="FFFFFF"/>
               </a:solidFill>
-              <a:latin typeface="Arial"/>
-              <a:ea typeface="Arial"/>
-              <a:cs typeface="Arial"/>
-              <a:sym typeface="Arial"/>
-            </a:endParaRPr>
-          </a:p>
-          <a:p>
-            <a:pPr marL="0" marR="0" lvl="0" indent="0" algn="r" rtl="0">
-              <a:lnSpc>
-                <a:spcPct val="100000"/>
-              </a:lnSpc>
-              <a:spcBef>
-                <a:spcPts val="0"/>
-              </a:spcBef>
-              <a:spcAft>
-                <a:spcPts val="0"/>
-              </a:spcAft>
-              <a:buClr>
-                <a:schemeClr val="lt1"/>
-              </a:buClr>
-              <a:buSzPct val="25000"/>
-              <a:buFont typeface="Arial"/>
-              <a:buNone/>
-            </a:pPr>
-            <a:r>
-              <a:rPr lang="en" sz="1200" b="0" i="0" u="none" strike="noStrike" cap="none">
-                <a:solidFill>
-                  <a:srgbClr val="FFFFFF"/>
-                </a:solidFill>
-                <a:latin typeface="Exo 2"/>
-                <a:ea typeface="Exo 2"/>
-                <a:cs typeface="Exo 2"/>
-                <a:sym typeface="Exo 2"/>
-              </a:rPr>
-              <a:t>6:00pm</a:t>
-            </a:r>
-          </a:p>
-          <a:p>
-            <a:pPr marL="0" marR="0" lvl="0" indent="0" algn="r" rtl="0">
-              <a:lnSpc>
-                <a:spcPct val="100000"/>
-              </a:lnSpc>
-              <a:spcBef>
-                <a:spcPts val="0"/>
-              </a:spcBef>
-              <a:spcAft>
-                <a:spcPts val="0"/>
-              </a:spcAft>
-              <a:buClr>
-                <a:schemeClr val="lt1"/>
-              </a:buClr>
-              <a:buSzPct val="25000"/>
-              <a:buFont typeface="Arial"/>
-              <a:buNone/>
-            </a:pPr>
-            <a:endParaRPr sz="1200" b="0" i="0" u="none" strike="noStrike" cap="none">
-              <a:solidFill>
-                <a:srgbClr val="FFFFFF"/>
-              </a:solidFill>
-              <a:latin typeface="Arial"/>
-              <a:ea typeface="Arial"/>
-              <a:cs typeface="Arial"/>
-              <a:sym typeface="Arial"/>
-            </a:endParaRPr>
-          </a:p>
-          <a:p>
-            <a:pPr marL="0" marR="0" lvl="0" indent="0" algn="r" rtl="0">
-              <a:lnSpc>
-                <a:spcPct val="100000"/>
-              </a:lnSpc>
-              <a:spcBef>
-                <a:spcPts val="0"/>
-              </a:spcBef>
-              <a:spcAft>
-                <a:spcPts val="0"/>
-              </a:spcAft>
-              <a:buClr>
-                <a:schemeClr val="lt1"/>
-              </a:buClr>
-              <a:buSzPct val="25000"/>
-              <a:buFont typeface="Arial"/>
-              <a:buNone/>
-            </a:pPr>
-            <a:r>
-              <a:rPr lang="en" sz="1200" b="0" i="0" u="none" strike="noStrike" cap="none">
-                <a:solidFill>
-                  <a:srgbClr val="FFFFFF"/>
-                </a:solidFill>
-                <a:latin typeface="Exo 2"/>
-                <a:ea typeface="Exo 2"/>
-                <a:cs typeface="Exo 2"/>
-                <a:sym typeface="Exo 2"/>
-              </a:rPr>
-              <a:t>12:00am</a:t>
-            </a:r>
-          </a:p>
-          <a:p>
-            <a:pPr marL="0" marR="0" lvl="0" indent="0" algn="r" rtl="0">
-              <a:lnSpc>
-                <a:spcPct val="100000"/>
-              </a:lnSpc>
-              <a:spcBef>
-                <a:spcPts val="0"/>
-              </a:spcBef>
-              <a:spcAft>
-                <a:spcPts val="0"/>
-              </a:spcAft>
-              <a:buClr>
-                <a:schemeClr val="lt1"/>
-              </a:buClr>
-              <a:buSzPct val="25000"/>
-              <a:buFont typeface="Arial"/>
-              <a:buNone/>
-            </a:pPr>
-            <a:endParaRPr sz="1200" b="0" i="0" u="none" strike="noStrike" cap="none">
-              <a:solidFill>
-                <a:srgbClr val="FFFFFF"/>
-              </a:solidFill>
-              <a:latin typeface="Arial"/>
-              <a:ea typeface="Arial"/>
-              <a:cs typeface="Arial"/>
-              <a:sym typeface="Arial"/>
-            </a:endParaRPr>
-          </a:p>
-          <a:p>
-            <a:pPr marL="0" marR="0" lvl="0" indent="0" algn="r" rtl="0">
-              <a:lnSpc>
-                <a:spcPct val="100000"/>
-              </a:lnSpc>
-              <a:spcBef>
-                <a:spcPts val="0"/>
-              </a:spcBef>
-              <a:spcAft>
-                <a:spcPts val="0"/>
-              </a:spcAft>
-              <a:buClr>
-                <a:schemeClr val="lt1"/>
-              </a:buClr>
-              <a:buSzPct val="25000"/>
-              <a:buFont typeface="Arial"/>
-              <a:buNone/>
-            </a:pPr>
-            <a:endParaRPr sz="1200" b="0" i="0" u="none" strike="noStrike" cap="none">
-              <a:solidFill>
-                <a:srgbClr val="FFFFFF"/>
-              </a:solidFill>
-              <a:latin typeface="Arial"/>
-              <a:ea typeface="Arial"/>
-              <a:cs typeface="Arial"/>
-              <a:sym typeface="Arial"/>
-            </a:endParaRPr>
-          </a:p>
-          <a:p>
-            <a:pPr marL="0" marR="0" lvl="0" indent="0" algn="r" rtl="0">
-              <a:lnSpc>
-                <a:spcPct val="100000"/>
-              </a:lnSpc>
-              <a:spcBef>
-                <a:spcPts val="900"/>
-              </a:spcBef>
-              <a:spcAft>
-                <a:spcPts val="0"/>
-              </a:spcAft>
-              <a:buClr>
-                <a:schemeClr val="lt1"/>
-              </a:buClr>
-              <a:buSzPct val="25000"/>
-              <a:buFont typeface="Arial"/>
-              <a:buNone/>
-            </a:pPr>
-            <a:endParaRPr sz="1200" b="0" i="0" u="none" strike="noStrike" cap="none">
-              <a:solidFill>
-                <a:srgbClr val="FFFFFF"/>
-              </a:solidFill>
-              <a:latin typeface="Arial"/>
-              <a:ea typeface="Arial"/>
-              <a:cs typeface="Arial"/>
-              <a:sym typeface="Arial"/>
-            </a:endParaRPr>
-          </a:p>
-          <a:p>
-            <a:pPr marL="0" marR="0" lvl="0" indent="0" algn="r" rtl="0">
-              <a:lnSpc>
-                <a:spcPct val="100000"/>
-              </a:lnSpc>
-              <a:spcBef>
-                <a:spcPts val="900"/>
-              </a:spcBef>
-              <a:spcAft>
-                <a:spcPts val="0"/>
-              </a:spcAft>
-              <a:buClr>
-                <a:schemeClr val="lt1"/>
-              </a:buClr>
-              <a:buSzPct val="25000"/>
-              <a:buFont typeface="Arial"/>
-              <a:buNone/>
-            </a:pPr>
-            <a:endParaRPr sz="1200" b="0" i="0" u="none" strike="noStrike" cap="none">
-              <a:solidFill>
-                <a:srgbClr val="FFFFFF"/>
-              </a:solidFill>
-              <a:latin typeface="Arial"/>
-              <a:ea typeface="Arial"/>
-              <a:cs typeface="Arial"/>
-              <a:sym typeface="Arial"/>
+              <a:latin typeface="Berlin Sans FB Demi" panose="020E0802020502020306" pitchFamily="34" charset="0"/>
+              <a:ea typeface="Exo 2"/>
+              <a:cs typeface="Exo 2"/>
+              <a:sym typeface="Exo 2"/>
             </a:endParaRPr>
           </a:p>
         </p:txBody>
       </p:sp>
-      <p:sp>
-        <p:nvSpPr>
-          <p:cNvPr id="117" name="Shape 117"/>
-          <p:cNvSpPr txBox="1">
-            <a:spLocks noGrp="1"/>
-          </p:cNvSpPr>
-          <p:nvPr>
-            <p:ph type="body" idx="2"/>
-          </p:nvPr>
-        </p:nvSpPr>
-        <p:spPr>
+      <p:pic>
+        <p:nvPicPr>
+          <p:cNvPr id="6" name="Picture 5" descr="C:\Users\jfk24\AppData\Local\Microsoft\Windows\INetCache\Content.Word\1f631.png"/>
+          <p:cNvPicPr/>
+          <p:nvPr/>
+        </p:nvPicPr>
+        <p:blipFill>
+          <a:blip r:embed="rId4">
+            <a:extLst>
+              <a:ext uri="{28A0092B-C50C-407E-A947-70E740481C1C}">
+                <a14:useLocalDpi xmlns:a14="http://schemas.microsoft.com/office/drawing/2010/main" val="0"/>
+              </a:ext>
+            </a:extLst>
+          </a:blip>
+          <a:srcRect/>
+          <a:stretch>
+            <a:fillRect/>
+          </a:stretch>
+        </p:blipFill>
+        <p:spPr bwMode="auto">
           <a:xfrm>
-            <a:off x="3098785" y="777475"/>
-            <a:ext cx="1496400" cy="410698"/>
+            <a:off x="761699" y="2916557"/>
+            <a:ext cx="900000" cy="900000"/>
           </a:xfrm>
           <a:prstGeom prst="rect">
             <a:avLst/>
@@ -10777,85 +10130,38 @@
           <a:ln>
             <a:noFill/>
           </a:ln>
+          <a:effectLst>
+            <a:outerShdw blurRad="50800" dist="38100" dir="8100000" algn="tr" rotWithShape="0">
+              <a:prstClr val="black">
+                <a:alpha val="50000"/>
+              </a:prstClr>
+            </a:outerShdw>
+          </a:effectLst>
         </p:spPr>
-        <p:txBody>
-          <a:bodyPr lIns="91425" tIns="91425" rIns="91425" bIns="91425" anchor="t" anchorCtr="0">
-            <a:noAutofit/>
-          </a:bodyPr>
-          <a:lstStyle/>
-          <a:p>
-            <a:pPr marL="0" marR="0" lvl="0" indent="0" algn="l" rtl="0">
-              <a:lnSpc>
-                <a:spcPct val="100000"/>
-              </a:lnSpc>
-              <a:spcBef>
-                <a:spcPts val="0"/>
-              </a:spcBef>
-              <a:spcAft>
-                <a:spcPts val="0"/>
-              </a:spcAft>
-              <a:buClr>
-                <a:schemeClr val="lt1"/>
-              </a:buClr>
-              <a:buSzPct val="25000"/>
-              <a:buFont typeface="Arial"/>
-              <a:buNone/>
-            </a:pPr>
-            <a:r>
-              <a:rPr lang="en" sz="2400" b="0" i="0" u="none" strike="noStrike" cap="none">
-                <a:solidFill>
-                  <a:srgbClr val="FFFFFF"/>
-                </a:solidFill>
-                <a:latin typeface="Exo 2"/>
-                <a:ea typeface="Exo 2"/>
-                <a:cs typeface="Exo 2"/>
-                <a:sym typeface="Exo 2"/>
-              </a:rPr>
-              <a:t>Samstag</a:t>
-            </a:r>
-          </a:p>
-        </p:txBody>
-      </p:sp>
-      <p:cxnSp>
-        <p:nvCxnSpPr>
-          <p:cNvPr id="118" name="Shape 118"/>
-          <p:cNvCxnSpPr/>
+      </p:pic>
+      <p:pic>
+        <p:nvPicPr>
+          <p:cNvPr id="7" name="Picture 6" descr="C:\Users\jfk24\AppData\Local\Microsoft\Windows\INetCache\Content.Word\1f622.png"/>
+          <p:cNvPicPr/>
           <p:nvPr/>
-        </p:nvCxnSpPr>
-        <p:spPr>
+        </p:nvPicPr>
+        <p:blipFill>
+          <a:blip r:embed="rId5">
+            <a:extLst>
+              <a:ext uri="{28A0092B-C50C-407E-A947-70E740481C1C}">
+                <a14:useLocalDpi xmlns:a14="http://schemas.microsoft.com/office/drawing/2010/main" val="0"/>
+              </a:ext>
+            </a:extLst>
+          </a:blip>
+          <a:srcRect/>
+          <a:stretch>
+            <a:fillRect/>
+          </a:stretch>
+        </p:blipFill>
+        <p:spPr bwMode="auto">
           <a:xfrm>
-            <a:off x="3003538" y="1878425"/>
-            <a:ext cx="2551" cy="2142175"/>
-          </a:xfrm>
-          <a:prstGeom prst="straightConnector1">
-            <a:avLst/>
-          </a:prstGeom>
-          <a:noFill/>
-          <a:ln w="19050" cap="flat" cmpd="sng">
-            <a:solidFill>
-              <a:srgbClr val="2F3252"/>
-            </a:solidFill>
-            <a:prstDash val="solid"/>
-            <a:round/>
-            <a:headEnd type="none" w="med" len="med"/>
-            <a:tailEnd type="none" w="med" len="med"/>
-          </a:ln>
-        </p:spPr>
-      </p:cxnSp>
-      <p:sp>
-        <p:nvSpPr>
-          <p:cNvPr id="119" name="Shape 119"/>
-          <p:cNvSpPr txBox="1">
-            <a:spLocks noGrp="1"/>
-          </p:cNvSpPr>
-          <p:nvPr>
-            <p:ph type="body" idx="2"/>
-          </p:nvPr>
-        </p:nvSpPr>
-        <p:spPr>
-          <a:xfrm>
-            <a:off x="585224" y="349650"/>
-            <a:ext cx="1242298" cy="567599"/>
+            <a:off x="1578189" y="356103"/>
+            <a:ext cx="900000" cy="900000"/>
           </a:xfrm>
           <a:prstGeom prst="rect">
             <a:avLst/>
@@ -10864,59 +10170,209 @@
           <a:ln>
             <a:noFill/>
           </a:ln>
+          <a:effectLst>
+            <a:outerShdw blurRad="50800" dist="38100" dir="8100000" algn="tr" rotWithShape="0">
+              <a:prstClr val="black">
+                <a:alpha val="50000"/>
+              </a:prstClr>
+            </a:outerShdw>
+          </a:effectLst>
         </p:spPr>
-        <p:txBody>
-          <a:bodyPr lIns="91425" tIns="91425" rIns="91425" bIns="91425" anchor="t" anchorCtr="0">
-            <a:noAutofit/>
-          </a:bodyPr>
-          <a:lstStyle/>
-          <a:p>
-            <a:pPr marL="0" marR="0" lvl="0" indent="0" algn="l" rtl="0">
-              <a:lnSpc>
-                <a:spcPct val="100000"/>
-              </a:lnSpc>
-              <a:spcBef>
-                <a:spcPts val="0"/>
-              </a:spcBef>
-              <a:spcAft>
-                <a:spcPts val="0"/>
-              </a:spcAft>
-              <a:buClr>
-                <a:schemeClr val="lt1"/>
-              </a:buClr>
-              <a:buSzPct val="25000"/>
-              <a:buFont typeface="Arial"/>
-              <a:buNone/>
-            </a:pPr>
-            <a:r>
-              <a:rPr lang="en" sz="2400" b="0" i="0" u="none" strike="noStrike" cap="none">
-                <a:solidFill>
-                  <a:srgbClr val="FFFFFF"/>
-                </a:solidFill>
-                <a:latin typeface="Exo 2"/>
-                <a:ea typeface="Exo 2"/>
-                <a:cs typeface="Exo 2"/>
-                <a:sym typeface="Exo 2"/>
-              </a:rPr>
-              <a:t>Agenda</a:t>
-            </a:r>
-          </a:p>
-        </p:txBody>
-      </p:sp>
+      </p:pic>
+      <p:pic>
+        <p:nvPicPr>
+          <p:cNvPr id="8" name="Picture 7" descr="C:\Users\jfk24\AppData\Local\Microsoft\Windows\INetCache\Content.Word\1f632.png"/>
+          <p:cNvPicPr>
+            <a:picLocks noChangeAspect="1"/>
+          </p:cNvPicPr>
+          <p:nvPr/>
+        </p:nvPicPr>
+        <p:blipFill>
+          <a:blip r:embed="rId6">
+            <a:extLst>
+              <a:ext uri="{28A0092B-C50C-407E-A947-70E740481C1C}">
+                <a14:useLocalDpi xmlns:a14="http://schemas.microsoft.com/office/drawing/2010/main" val="0"/>
+              </a:ext>
+            </a:extLst>
+          </a:blip>
+          <a:srcRect/>
+          <a:stretch>
+            <a:fillRect/>
+          </a:stretch>
+        </p:blipFill>
+        <p:spPr bwMode="auto">
+          <a:xfrm>
+            <a:off x="7596931" y="3778405"/>
+            <a:ext cx="900000" cy="900000"/>
+          </a:xfrm>
+          <a:prstGeom prst="rect">
+            <a:avLst/>
+          </a:prstGeom>
+          <a:noFill/>
+          <a:ln>
+            <a:noFill/>
+          </a:ln>
+          <a:effectLst>
+            <a:outerShdw blurRad="50800" dist="38100" dir="8100000" algn="tr" rotWithShape="0">
+              <a:prstClr val="black">
+                <a:alpha val="50000"/>
+              </a:prstClr>
+            </a:outerShdw>
+          </a:effectLst>
+        </p:spPr>
+      </p:pic>
+      <p:pic>
+        <p:nvPicPr>
+          <p:cNvPr id="9" name="Picture 8" descr="C:\Users\jfk24\AppData\Local\Microsoft\Windows\INetCache\Content.Word\1f600.png"/>
+          <p:cNvPicPr>
+            <a:picLocks noChangeAspect="1"/>
+          </p:cNvPicPr>
+          <p:nvPr/>
+        </p:nvPicPr>
+        <p:blipFill>
+          <a:blip r:embed="rId7">
+            <a:extLst>
+              <a:ext uri="{28A0092B-C50C-407E-A947-70E740481C1C}">
+                <a14:useLocalDpi xmlns:a14="http://schemas.microsoft.com/office/drawing/2010/main" val="0"/>
+              </a:ext>
+            </a:extLst>
+          </a:blip>
+          <a:srcRect/>
+          <a:stretch>
+            <a:fillRect/>
+          </a:stretch>
+        </p:blipFill>
+        <p:spPr bwMode="auto">
+          <a:xfrm>
+            <a:off x="7026300" y="356103"/>
+            <a:ext cx="900000" cy="900000"/>
+          </a:xfrm>
+          <a:prstGeom prst="rect">
+            <a:avLst/>
+          </a:prstGeom>
+          <a:noFill/>
+          <a:ln>
+            <a:noFill/>
+          </a:ln>
+          <a:effectLst>
+            <a:outerShdw blurRad="50800" dist="38100" dir="8100000" algn="tr" rotWithShape="0">
+              <a:prstClr val="black">
+                <a:alpha val="50000"/>
+              </a:prstClr>
+            </a:outerShdw>
+          </a:effectLst>
+        </p:spPr>
+      </p:pic>
+      <p:pic>
+        <p:nvPicPr>
+          <p:cNvPr id="10" name="Picture 9" descr="C:\Users\jfk24\AppData\Local\Microsoft\Windows\INetCache\Content.Word\1f620.png"/>
+          <p:cNvPicPr>
+            <a:picLocks noChangeAspect="1"/>
+          </p:cNvPicPr>
+          <p:nvPr/>
+        </p:nvPicPr>
+        <p:blipFill>
+          <a:blip r:embed="rId8">
+            <a:extLst>
+              <a:ext uri="{28A0092B-C50C-407E-A947-70E740481C1C}">
+                <a14:useLocalDpi xmlns:a14="http://schemas.microsoft.com/office/drawing/2010/main" val="0"/>
+              </a:ext>
+            </a:extLst>
+          </a:blip>
+          <a:srcRect/>
+          <a:stretch>
+            <a:fillRect/>
+          </a:stretch>
+        </p:blipFill>
+        <p:spPr bwMode="auto">
+          <a:xfrm>
+            <a:off x="2319112" y="3905179"/>
+            <a:ext cx="900000" cy="900000"/>
+          </a:xfrm>
+          <a:prstGeom prst="rect">
+            <a:avLst/>
+          </a:prstGeom>
+          <a:noFill/>
+          <a:ln>
+            <a:noFill/>
+          </a:ln>
+          <a:effectLst>
+            <a:outerShdw blurRad="50800" dist="38100" dir="8100000" algn="tr" rotWithShape="0">
+              <a:prstClr val="black">
+                <a:alpha val="50000"/>
+              </a:prstClr>
+            </a:outerShdw>
+          </a:effectLst>
+        </p:spPr>
+      </p:pic>
+      <p:pic>
+        <p:nvPicPr>
+          <p:cNvPr id="11" name="Picture 10" descr="C:\Users\jfk24\AppData\Local\Microsoft\Windows\INetCache\Content.Word\1f626.png"/>
+          <p:cNvPicPr>
+            <a:picLocks noChangeAspect="1"/>
+          </p:cNvPicPr>
+          <p:nvPr/>
+        </p:nvPicPr>
+        <p:blipFill>
+          <a:blip r:embed="rId9">
+            <a:extLst>
+              <a:ext uri="{28A0092B-C50C-407E-A947-70E740481C1C}">
+                <a14:useLocalDpi xmlns:a14="http://schemas.microsoft.com/office/drawing/2010/main" val="0"/>
+              </a:ext>
+            </a:extLst>
+          </a:blip>
+          <a:srcRect/>
+          <a:stretch>
+            <a:fillRect/>
+          </a:stretch>
+        </p:blipFill>
+        <p:spPr bwMode="auto">
+          <a:xfrm>
+            <a:off x="4867111" y="3328405"/>
+            <a:ext cx="900000" cy="900000"/>
+          </a:xfrm>
+          <a:prstGeom prst="rect">
+            <a:avLst/>
+          </a:prstGeom>
+          <a:noFill/>
+          <a:ln>
+            <a:noFill/>
+          </a:ln>
+          <a:effectLst>
+            <a:outerShdw blurRad="50800" dist="38100" dir="8100000" algn="tr" rotWithShape="0">
+              <a:prstClr val="black">
+                <a:alpha val="50000"/>
+              </a:prstClr>
+            </a:outerShdw>
+          </a:effectLst>
+        </p:spPr>
+      </p:pic>
     </p:spTree>
+    <p:extLst>
+      <p:ext uri="{BB962C8B-B14F-4D97-AF65-F5344CB8AC3E}">
+        <p14:creationId xmlns:p14="http://schemas.microsoft.com/office/powerpoint/2010/main" val="2420857510"/>
+      </p:ext>
+    </p:extLst>
   </p:cSld>
   <p:clrMapOvr>
     <a:masterClrMapping/>
   </p:clrMapOvr>
+  <p:timing>
+    <p:tnLst>
+      <p:par>
+        <p:cTn id="1" dur="indefinite" restart="never" nodeType="tmRoot"/>
+      </p:par>
+    </p:tnLst>
+  </p:timing>
 </p:sld>
 </file>
 
-<file path=ppt/slides/slide4.xml><?xml version="1.0" encoding="utf-8"?>
+<file path=ppt/slides/slide6.xml><?xml version="1.0" encoding="utf-8"?>
 <p:sld xmlns:a="http://schemas.openxmlformats.org/drawingml/2006/main" xmlns:r="http://schemas.openxmlformats.org/officeDocument/2006/relationships" xmlns:p="http://schemas.openxmlformats.org/presentationml/2006/main">
   <p:cSld>
     <p:spTree>
       <p:nvGrpSpPr>
-        <p:cNvPr id="1" name="Shape 123"/>
+        <p:cNvPr id="1" name="Shape 113"/>
         <p:cNvGrpSpPr/>
         <p:nvPr/>
       </p:nvGrpSpPr>
@@ -10930,7 +10386,7 @@
       </p:grpSpPr>
       <p:pic>
         <p:nvPicPr>
-          <p:cNvPr id="124" name="Shape 124"/>
+          <p:cNvPr id="114" name="Shape 114"/>
           <p:cNvPicPr preferRelativeResize="0"/>
           <p:nvPr/>
         </p:nvPicPr>
@@ -10957,18 +10413,51 @@
       </p:pic>
       <p:sp>
         <p:nvSpPr>
-          <p:cNvPr id="125" name="Shape 125"/>
+          <p:cNvPr id="2" name="Title 1"/>
+          <p:cNvSpPr>
+            <a:spLocks noGrp="1"/>
+          </p:cNvSpPr>
+          <p:nvPr>
+            <p:ph type="title"/>
+          </p:nvPr>
+        </p:nvSpPr>
+        <p:spPr/>
+        <p:txBody>
+          <a:bodyPr/>
+          <a:lstStyle/>
+          <a:p>
+            <a:r>
+              <a:rPr lang="en-GB" dirty="0" smtClean="0">
+                <a:solidFill>
+                  <a:schemeClr val="bg1"/>
+                </a:solidFill>
+                <a:latin typeface="Berlin Sans FB Demi" panose="020E0802020502020306" pitchFamily="34" charset="0"/>
+              </a:rPr>
+              <a:t>HOW?</a:t>
+            </a:r>
+            <a:endParaRPr lang="en-GB" dirty="0">
+              <a:solidFill>
+                <a:schemeClr val="bg1"/>
+              </a:solidFill>
+              <a:latin typeface="Berlin Sans FB Demi" panose="020E0802020502020306" pitchFamily="34" charset="0"/>
+            </a:endParaRPr>
+          </a:p>
+        </p:txBody>
+      </p:sp>
+      <p:sp>
+        <p:nvSpPr>
+          <p:cNvPr id="115" name="Shape 115"/>
           <p:cNvSpPr txBox="1">
             <a:spLocks noGrp="1"/>
           </p:cNvSpPr>
           <p:nvPr>
-            <p:ph type="body" idx="2"/>
+            <p:ph type="body" idx="1"/>
           </p:nvPr>
         </p:nvSpPr>
         <p:spPr>
           <a:xfrm>
-            <a:off x="3098775" y="1846894"/>
-            <a:ext cx="5458498" cy="3165898"/>
+            <a:off x="311700" y="1152475"/>
+            <a:ext cx="7838387" cy="3416400"/>
           </a:xfrm>
           <a:prstGeom prst="rect">
             <a:avLst/>
@@ -10984,7 +10473,7 @@
           </a:bodyPr>
           <a:lstStyle/>
           <a:p>
-            <a:pPr marL="0" marR="0" lvl="0" indent="0" algn="l" rtl="0">
+            <a:pPr marR="0" lvl="0" algn="l" rtl="0">
               <a:lnSpc>
                 <a:spcPct val="100000"/>
               </a:lnSpc>
@@ -10998,21 +10487,34 @@
                 <a:schemeClr val="lt1"/>
               </a:buClr>
               <a:buSzPct val="25000"/>
-              <a:buFont typeface="Arial"/>
-              <a:buNone/>
             </a:pPr>
             <a:r>
-              <a:rPr lang="en">
-                <a:latin typeface="Exo 2"/>
+              <a:rPr lang="en-GB" sz="2200" b="0" i="0" u="none" strike="noStrike" cap="none" dirty="0" smtClean="0">
+                <a:solidFill>
+                  <a:schemeClr val="lt1"/>
+                </a:solidFill>
+                <a:latin typeface="Berlin Sans FB" panose="020E0602020502020306" pitchFamily="34" charset="0"/>
                 <a:ea typeface="Exo 2"/>
                 <a:cs typeface="Exo 2"/>
                 <a:sym typeface="Exo 2"/>
               </a:rPr>
-              <a:t>Last day</a:t>
+              <a:t>1</a:t>
+            </a:r>
+            <a:r>
+              <a:rPr lang="en-GB" sz="2200" b="0" i="0" u="none" strike="noStrike" cap="none" dirty="0" smtClean="0">
+                <a:solidFill>
+                  <a:schemeClr val="lt1"/>
+                </a:solidFill>
+                <a:latin typeface="Berlin Sans FB" panose="020E0602020502020306" pitchFamily="34" charset="0"/>
+                <a:ea typeface="Exo 2"/>
+                <a:cs typeface="Exo 2"/>
+                <a:sym typeface="Exo 2"/>
+              </a:rPr>
+              <a:t>) Detection of the player’s face</a:t>
             </a:r>
           </a:p>
           <a:p>
-            <a:pPr marL="0" marR="0" lvl="0" indent="0" algn="l" rtl="0">
+            <a:pPr marR="0" lvl="0" algn="l" rtl="0">
               <a:lnSpc>
                 <a:spcPct val="100000"/>
               </a:lnSpc>
@@ -11026,21 +10528,48 @@
                 <a:schemeClr val="lt1"/>
               </a:buClr>
               <a:buSzPct val="25000"/>
-              <a:buFont typeface="Arial"/>
-              <a:buNone/>
             </a:pPr>
-            <a:endParaRPr sz="1200" b="0" i="0" u="none" strike="noStrike" cap="none">
+            <a:r>
+              <a:rPr lang="en-GB" sz="2200" b="0" i="0" u="none" strike="noStrike" cap="none" dirty="0" smtClean="0">
+                <a:solidFill>
+                  <a:schemeClr val="lt1"/>
+                </a:solidFill>
+                <a:latin typeface="Berlin Sans FB" panose="020E0602020502020306" pitchFamily="34" charset="0"/>
+                <a:ea typeface="Exo 2"/>
+                <a:cs typeface="Exo 2"/>
+                <a:sym typeface="Exo 2"/>
+              </a:rPr>
+              <a:t>	&gt; Core ML, Core Image, iOS </a:t>
+            </a:r>
+          </a:p>
+          <a:p>
+            <a:pPr marR="0" lvl="0" algn="l" rtl="0">
+              <a:lnSpc>
+                <a:spcPct val="100000"/>
+              </a:lnSpc>
+              <a:spcBef>
+                <a:spcPts val="0"/>
+              </a:spcBef>
+              <a:spcAft>
+                <a:spcPts val="0"/>
+              </a:spcAft>
+              <a:buClr>
+                <a:schemeClr val="lt1"/>
+              </a:buClr>
+              <a:buSzPct val="25000"/>
+            </a:pPr>
+            <a:endParaRPr lang="en-GB" sz="2200" b="0" i="0" u="none" strike="noStrike" cap="none" dirty="0" smtClean="0">
               <a:solidFill>
                 <a:schemeClr val="lt1"/>
               </a:solidFill>
-              <a:latin typeface="Exo 2"/>
+              <a:latin typeface="Berlin Sans FB" panose="020E0602020502020306" pitchFamily="34" charset="0"/>
               <a:ea typeface="Exo 2"/>
               <a:cs typeface="Exo 2"/>
               <a:sym typeface="Exo 2"/>
             </a:endParaRPr>
           </a:p>
           <a:p>
-            <a:pPr marL="0" marR="0" lvl="0" indent="0" algn="l" rtl="0">
+            <a:pPr marR="0" lvl="0" algn="l" rtl="0">
               <a:lnSpc>
                 <a:spcPct val="100000"/>
               </a:lnSpc>
@@ -11054,52 +10583,19 @@
                 <a:schemeClr val="lt1"/>
               </a:buClr>
               <a:buSzPct val="25000"/>
-              <a:buFont typeface="Arial"/>
-              <a:buNone/>
             </a:pPr>
-            <a:r>
-              <a:rPr lang="en" sz="1200" b="0" i="0" u="none" strike="noStrike" cap="none">
-                <a:solidFill>
-                  <a:schemeClr val="lt1"/>
-                </a:solidFill>
-                <a:latin typeface="Exo 2"/>
-                <a:ea typeface="Exo 2"/>
-                <a:cs typeface="Exo 2"/>
-                <a:sym typeface="Exo 2"/>
-              </a:rPr>
-              <a:t>Coding / Technical test</a:t>
-            </a:r>
-          </a:p>
-          <a:p>
-            <a:pPr marL="0" marR="0" lvl="0" indent="0" algn="l" rtl="0">
-              <a:lnSpc>
-                <a:spcPct val="100000"/>
-              </a:lnSpc>
-              <a:spcBef>
-                <a:spcPts val="0"/>
-              </a:spcBef>
-              <a:spcAft>
-                <a:spcPts val="0"/>
-              </a:spcAft>
-              <a:buClr>
-                <a:schemeClr val="lt1"/>
-              </a:buClr>
-              <a:buSzPct val="25000"/>
-              <a:buFont typeface="Arial"/>
-              <a:buNone/>
-            </a:pPr>
-            <a:endParaRPr sz="1200" b="0" i="0" u="none" strike="noStrike" cap="none">
+            <a:endParaRPr lang="en-GB" sz="2200" b="0" i="0" u="none" strike="noStrike" cap="none" dirty="0" smtClean="0">
               <a:solidFill>
                 <a:schemeClr val="lt1"/>
               </a:solidFill>
-              <a:latin typeface="Exo 2"/>
+              <a:latin typeface="Berlin Sans FB" panose="020E0602020502020306" pitchFamily="34" charset="0"/>
               <a:ea typeface="Exo 2"/>
               <a:cs typeface="Exo 2"/>
               <a:sym typeface="Exo 2"/>
             </a:endParaRPr>
           </a:p>
           <a:p>
-            <a:pPr marL="0" marR="0" lvl="0" indent="0" algn="l" rtl="0">
+            <a:pPr marR="0" lvl="0" algn="l" rtl="0">
               <a:lnSpc>
                 <a:spcPct val="100000"/>
               </a:lnSpc>
@@ -11113,58 +10609,108 @@
                 <a:schemeClr val="lt1"/>
               </a:buClr>
               <a:buSzPct val="25000"/>
-              <a:buFont typeface="Arial"/>
-              <a:buNone/>
             </a:pPr>
             <a:r>
-              <a:rPr lang="en" sz="1200" b="0" i="0" u="none" strike="noStrike" cap="none">
+              <a:rPr lang="en-GB" sz="2200" dirty="0" smtClean="0">
                 <a:solidFill>
                   <a:schemeClr val="lt1"/>
                 </a:solidFill>
-                <a:latin typeface="Exo 2"/>
+                <a:latin typeface="Berlin Sans FB" panose="020E0602020502020306" pitchFamily="34" charset="0"/>
                 <a:ea typeface="Exo 2"/>
                 <a:cs typeface="Exo 2"/>
                 <a:sym typeface="Exo 2"/>
               </a:rPr>
-              <a:t>Deadline </a:t>
+              <a:t>2) Prediction of the player’s expressed emotion</a:t>
             </a:r>
+          </a:p>
+          <a:p>
+            <a:pPr marR="0" lvl="0" algn="l" rtl="0">
+              <a:lnSpc>
+                <a:spcPct val="100000"/>
+              </a:lnSpc>
+              <a:spcBef>
+                <a:spcPts val="0"/>
+              </a:spcBef>
+              <a:spcAft>
+                <a:spcPts val="0"/>
+              </a:spcAft>
+              <a:buClr>
+                <a:schemeClr val="lt1"/>
+              </a:buClr>
+              <a:buSzPct val="25000"/>
+            </a:pPr>
             <a:r>
-              <a:rPr lang="en">
-                <a:latin typeface="Exo 2"/>
+              <a:rPr lang="en-GB" sz="2200" dirty="0">
+                <a:solidFill>
+                  <a:schemeClr val="lt1"/>
+                </a:solidFill>
+                <a:latin typeface="Berlin Sans FB" panose="020E0602020502020306" pitchFamily="34" charset="0"/>
                 <a:ea typeface="Exo 2"/>
                 <a:cs typeface="Exo 2"/>
                 <a:sym typeface="Exo 2"/>
               </a:rPr>
-              <a:t>to submit projects  to platform</a:t>
+              <a:t>	</a:t>
             </a:r>
-          </a:p>
-          <a:p>
-            <a:pPr marL="0" marR="0" lvl="0" indent="0" algn="l" rtl="0">
-              <a:lnSpc>
-                <a:spcPct val="100000"/>
-              </a:lnSpc>
-              <a:spcBef>
-                <a:spcPts val="0"/>
-              </a:spcBef>
-              <a:spcAft>
-                <a:spcPts val="0"/>
-              </a:spcAft>
-              <a:buClr>
+            <a:r>
+              <a:rPr lang="en-GB" sz="2200" dirty="0" smtClean="0">
+                <a:solidFill>
+                  <a:schemeClr val="lt1"/>
+                </a:solidFill>
+                <a:latin typeface="Berlin Sans FB" panose="020E0602020502020306" pitchFamily="34" charset="0"/>
+                <a:ea typeface="Exo 2"/>
+                <a:cs typeface="Exo 2"/>
+                <a:sym typeface="Exo 2"/>
+              </a:rPr>
+              <a:t>&gt; </a:t>
+            </a:r>
+            <a:r>
+              <a:rPr lang="en-GB" sz="2200" dirty="0" err="1" smtClean="0">
+                <a:solidFill>
+                  <a:schemeClr val="lt1"/>
+                </a:solidFill>
+                <a:latin typeface="Berlin Sans FB" panose="020E0602020502020306" pitchFamily="34" charset="0"/>
+                <a:ea typeface="Exo 2"/>
+                <a:cs typeface="Exo 2"/>
+                <a:sym typeface="Exo 2"/>
+              </a:rPr>
+              <a:t>Tensorflow</a:t>
+            </a:r>
+            <a:r>
+              <a:rPr lang="en-GB" sz="2200" dirty="0" smtClean="0">
+                <a:solidFill>
+                  <a:schemeClr val="lt1"/>
+                </a:solidFill>
+                <a:latin typeface="Berlin Sans FB" panose="020E0602020502020306" pitchFamily="34" charset="0"/>
+                <a:ea typeface="Exo 2"/>
+                <a:cs typeface="Exo 2"/>
+                <a:sym typeface="Exo 2"/>
+              </a:rPr>
+              <a:t>, </a:t>
+            </a:r>
+            <a:r>
+              <a:rPr lang="en-GB" sz="2200" dirty="0" err="1" smtClean="0">
+                <a:solidFill>
+                  <a:schemeClr val="lt1"/>
+                </a:solidFill>
+                <a:latin typeface="Berlin Sans FB" panose="020E0602020502020306" pitchFamily="34" charset="0"/>
+                <a:ea typeface="Exo 2"/>
+                <a:cs typeface="Exo 2"/>
+                <a:sym typeface="Exo 2"/>
+              </a:rPr>
+              <a:t>Keras</a:t>
+            </a:r>
+            <a:endParaRPr lang="en-GB" sz="2200" b="0" i="0" u="none" strike="noStrike" cap="none" dirty="0" smtClean="0">
+              <a:solidFill>
                 <a:schemeClr val="lt1"/>
-              </a:buClr>
-              <a:buSzPct val="25000"/>
-              <a:buFont typeface="Arial"/>
-              <a:buNone/>
-            </a:pPr>
-            <a:endParaRPr>
-              <a:latin typeface="Exo 2"/>
+              </a:solidFill>
+              <a:latin typeface="Berlin Sans FB" panose="020E0602020502020306" pitchFamily="34" charset="0"/>
               <a:ea typeface="Exo 2"/>
               <a:cs typeface="Exo 2"/>
               <a:sym typeface="Exo 2"/>
             </a:endParaRPr>
           </a:p>
           <a:p>
-            <a:pPr marL="0" marR="0" lvl="0" indent="0" algn="l" rtl="0">
+            <a:pPr marR="0" lvl="0" algn="l" rtl="0">
               <a:lnSpc>
                 <a:spcPct val="100000"/>
               </a:lnSpc>
@@ -11178,49 +10724,19 @@
                 <a:schemeClr val="lt1"/>
               </a:buClr>
               <a:buSzPct val="25000"/>
-              <a:buFont typeface="Arial"/>
-              <a:buNone/>
             </a:pPr>
-            <a:r>
-              <a:rPr lang="en">
-                <a:latin typeface="Exo 2"/>
-                <a:ea typeface="Exo 2"/>
-                <a:cs typeface="Exo 2"/>
-                <a:sym typeface="Exo 2"/>
-              </a:rPr>
-              <a:t>Code freeze</a:t>
-            </a:r>
-          </a:p>
-          <a:p>
-            <a:pPr marL="0" marR="0" lvl="0" indent="0" algn="l" rtl="0">
-              <a:lnSpc>
-                <a:spcPct val="100000"/>
-              </a:lnSpc>
-              <a:spcBef>
-                <a:spcPts val="0"/>
-              </a:spcBef>
-              <a:spcAft>
-                <a:spcPts val="0"/>
-              </a:spcAft>
-              <a:buClr>
-                <a:schemeClr val="lt1"/>
-              </a:buClr>
-              <a:buSzPct val="25000"/>
-              <a:buFont typeface="Arial"/>
-              <a:buNone/>
-            </a:pPr>
-            <a:endParaRPr sz="1200" b="0" i="0" u="none" strike="noStrike" cap="none">
+            <a:endParaRPr lang="en-GB" sz="2200" b="0" i="0" u="none" strike="noStrike" cap="none" dirty="0" smtClean="0">
               <a:solidFill>
                 <a:schemeClr val="lt1"/>
               </a:solidFill>
-              <a:latin typeface="Exo 2"/>
+              <a:latin typeface="Berlin Sans FB" panose="020E0602020502020306" pitchFamily="34" charset="0"/>
               <a:ea typeface="Exo 2"/>
               <a:cs typeface="Exo 2"/>
               <a:sym typeface="Exo 2"/>
             </a:endParaRPr>
           </a:p>
           <a:p>
-            <a:pPr marL="0" marR="0" lvl="0" indent="0" algn="l" rtl="0">
+            <a:pPr marR="0" lvl="0" algn="l" rtl="0">
               <a:lnSpc>
                 <a:spcPct val="100000"/>
               </a:lnSpc>
@@ -11234,49 +10750,19 @@
                 <a:schemeClr val="lt1"/>
               </a:buClr>
               <a:buSzPct val="25000"/>
-              <a:buFont typeface="Arial"/>
-              <a:buNone/>
             </a:pPr>
-            <a:r>
-              <a:rPr lang="en">
-                <a:latin typeface="Exo 2"/>
-                <a:ea typeface="Exo 2"/>
-                <a:cs typeface="Exo 2"/>
-                <a:sym typeface="Exo 2"/>
-              </a:rPr>
-              <a:t>Project showcase</a:t>
-            </a:r>
-          </a:p>
-          <a:p>
-            <a:pPr marL="0" marR="0" lvl="0" indent="0" algn="l" rtl="0">
-              <a:lnSpc>
-                <a:spcPct val="100000"/>
-              </a:lnSpc>
-              <a:spcBef>
-                <a:spcPts val="0"/>
-              </a:spcBef>
-              <a:spcAft>
-                <a:spcPts val="0"/>
-              </a:spcAft>
-              <a:buClr>
-                <a:schemeClr val="lt1"/>
-              </a:buClr>
-              <a:buSzPct val="25000"/>
-              <a:buFont typeface="Arial"/>
-              <a:buNone/>
-            </a:pPr>
-            <a:endParaRPr sz="1200" b="0" i="0" u="none" strike="noStrike" cap="none">
+            <a:endParaRPr lang="en-GB" sz="2200" b="0" i="0" u="none" strike="noStrike" cap="none" dirty="0">
               <a:solidFill>
                 <a:schemeClr val="lt1"/>
               </a:solidFill>
-              <a:latin typeface="Exo 2"/>
+              <a:latin typeface="Berlin Sans FB" panose="020E0602020502020306" pitchFamily="34" charset="0"/>
               <a:ea typeface="Exo 2"/>
               <a:cs typeface="Exo 2"/>
               <a:sym typeface="Exo 2"/>
             </a:endParaRPr>
           </a:p>
           <a:p>
-            <a:pPr marL="0" marR="0" lvl="0" indent="0" algn="l" rtl="0">
+            <a:pPr marR="0" lvl="0" algn="l" rtl="0">
               <a:lnSpc>
                 <a:spcPct val="100000"/>
               </a:lnSpc>
@@ -11290,35 +10776,238 @@
                 <a:schemeClr val="lt1"/>
               </a:buClr>
               <a:buSzPct val="25000"/>
-              <a:buFont typeface="Arial"/>
-              <a:buNone/>
             </a:pPr>
             <a:r>
-              <a:rPr lang="en">
-                <a:latin typeface="Exo 2"/>
+              <a:rPr lang="en-GB" sz="2200" dirty="0" smtClean="0">
+                <a:solidFill>
+                  <a:schemeClr val="lt1"/>
+                </a:solidFill>
+                <a:latin typeface="Berlin Sans FB" panose="020E0602020502020306" pitchFamily="34" charset="0"/>
                 <a:ea typeface="Exo 2"/>
                 <a:cs typeface="Exo 2"/>
                 <a:sym typeface="Exo 2"/>
               </a:rPr>
-              <a:t>Winner announcement</a:t>
+              <a:t>3) </a:t>
             </a:r>
+            <a:r>
+              <a:rPr lang="en-GB" sz="2200" dirty="0" smtClean="0">
+                <a:solidFill>
+                  <a:schemeClr val="lt1"/>
+                </a:solidFill>
+                <a:latin typeface="Berlin Sans FB" panose="020E0602020502020306" pitchFamily="34" charset="0"/>
+                <a:ea typeface="Exo 2"/>
+                <a:cs typeface="Exo 2"/>
+                <a:sym typeface="Exo 2"/>
+              </a:rPr>
+              <a:t>Update the player’s score on the </a:t>
+            </a:r>
+            <a:r>
+              <a:rPr lang="en-GB" sz="2200" dirty="0" err="1" smtClean="0">
+                <a:solidFill>
+                  <a:schemeClr val="lt1"/>
+                </a:solidFill>
+                <a:latin typeface="Berlin Sans FB" panose="020E0602020502020306" pitchFamily="34" charset="0"/>
+                <a:ea typeface="Exo 2"/>
+                <a:cs typeface="Exo 2"/>
+                <a:sym typeface="Exo 2"/>
+              </a:rPr>
+              <a:t>Leaderboard</a:t>
+            </a:r>
+            <a:r>
+              <a:rPr lang="en-GB" sz="2200" dirty="0" smtClean="0">
+                <a:solidFill>
+                  <a:schemeClr val="lt1"/>
+                </a:solidFill>
+                <a:latin typeface="Berlin Sans FB" panose="020E0602020502020306" pitchFamily="34" charset="0"/>
+                <a:ea typeface="Exo 2"/>
+                <a:cs typeface="Exo 2"/>
+                <a:sym typeface="Exo 2"/>
+              </a:rPr>
+              <a:t> (Future wor</a:t>
+            </a:r>
+            <a:r>
+              <a:rPr lang="en-GB" sz="2200" dirty="0" smtClean="0">
+                <a:solidFill>
+                  <a:schemeClr val="lt1"/>
+                </a:solidFill>
+                <a:latin typeface="Berlin Sans FB" panose="020E0602020502020306" pitchFamily="34" charset="0"/>
+                <a:ea typeface="Exo 2"/>
+                <a:cs typeface="Exo 2"/>
+                <a:sym typeface="Exo 2"/>
+              </a:rPr>
+              <a:t>k!)</a:t>
+            </a:r>
+            <a:r>
+              <a:rPr lang="en-GB" sz="2200" dirty="0" smtClean="0">
+                <a:solidFill>
+                  <a:schemeClr val="lt1"/>
+                </a:solidFill>
+                <a:latin typeface="Berlin Sans FB" panose="020E0602020502020306" pitchFamily="34" charset="0"/>
+                <a:ea typeface="Exo 2"/>
+                <a:cs typeface="Exo 2"/>
+                <a:sym typeface="Exo 2"/>
+              </a:rPr>
+              <a:t> </a:t>
+            </a:r>
+            <a:endParaRPr lang="en-GB" sz="2200" dirty="0" smtClean="0">
+              <a:solidFill>
+                <a:schemeClr val="lt1"/>
+              </a:solidFill>
+              <a:latin typeface="Berlin Sans FB" panose="020E0602020502020306" pitchFamily="34" charset="0"/>
+              <a:ea typeface="Exo 2"/>
+              <a:cs typeface="Exo 2"/>
+              <a:sym typeface="Exo 2"/>
+            </a:endParaRPr>
+          </a:p>
+          <a:p>
+            <a:pPr marR="0" lvl="0" algn="l" rtl="0">
+              <a:lnSpc>
+                <a:spcPct val="100000"/>
+              </a:lnSpc>
+              <a:spcBef>
+                <a:spcPts val="0"/>
+              </a:spcBef>
+              <a:spcAft>
+                <a:spcPts val="0"/>
+              </a:spcAft>
+              <a:buClr>
+                <a:schemeClr val="lt1"/>
+              </a:buClr>
+              <a:buSzPct val="25000"/>
+            </a:pPr>
+            <a:r>
+              <a:rPr lang="en-GB" sz="2200" dirty="0">
+                <a:solidFill>
+                  <a:schemeClr val="lt1"/>
+                </a:solidFill>
+                <a:latin typeface="Berlin Sans FB" panose="020E0602020502020306" pitchFamily="34" charset="0"/>
+                <a:ea typeface="Exo 2"/>
+                <a:cs typeface="Exo 2"/>
+                <a:sym typeface="Exo 2"/>
+              </a:rPr>
+              <a:t>	</a:t>
+            </a:r>
+            <a:r>
+              <a:rPr lang="en-GB" sz="2200" dirty="0" smtClean="0">
+                <a:solidFill>
+                  <a:schemeClr val="lt1"/>
+                </a:solidFill>
+                <a:latin typeface="Berlin Sans FB" panose="020E0602020502020306" pitchFamily="34" charset="0"/>
+                <a:ea typeface="Exo 2"/>
+                <a:cs typeface="Exo 2"/>
+                <a:sym typeface="Exo 2"/>
+              </a:rPr>
+              <a:t>&gt; Server, Rest API</a:t>
+            </a:r>
+          </a:p>
+          <a:p>
+            <a:pPr marR="0" lvl="0" algn="l" rtl="0">
+              <a:lnSpc>
+                <a:spcPct val="100000"/>
+              </a:lnSpc>
+              <a:spcBef>
+                <a:spcPts val="0"/>
+              </a:spcBef>
+              <a:spcAft>
+                <a:spcPts val="0"/>
+              </a:spcAft>
+              <a:buClr>
+                <a:schemeClr val="lt1"/>
+              </a:buClr>
+              <a:buSzPct val="25000"/>
+            </a:pPr>
+            <a:endParaRPr lang="en-GB" sz="2000" b="0" i="0" u="none" strike="noStrike" cap="none" dirty="0" smtClean="0">
+              <a:solidFill>
+                <a:schemeClr val="lt1"/>
+              </a:solidFill>
+              <a:latin typeface="Berlin Sans FB" panose="020E0602020502020306" pitchFamily="34" charset="0"/>
+              <a:ea typeface="Exo 2"/>
+              <a:cs typeface="Exo 2"/>
+              <a:sym typeface="Exo 2"/>
+            </a:endParaRPr>
+          </a:p>
+          <a:p>
+            <a:pPr marL="171450" marR="0" lvl="0" indent="-171450" algn="l" rtl="0">
+              <a:lnSpc>
+                <a:spcPct val="100000"/>
+              </a:lnSpc>
+              <a:spcBef>
+                <a:spcPts val="0"/>
+              </a:spcBef>
+              <a:spcAft>
+                <a:spcPts val="0"/>
+              </a:spcAft>
+              <a:buClr>
+                <a:schemeClr val="lt1"/>
+              </a:buClr>
+              <a:buSzPct val="25000"/>
+              <a:buFont typeface="Arial" panose="020B0604020202020204" pitchFamily="34" charset="0"/>
+              <a:buChar char="•"/>
+            </a:pPr>
+            <a:endParaRPr lang="en-GB" sz="1200" dirty="0">
+              <a:solidFill>
+                <a:schemeClr val="lt1"/>
+              </a:solidFill>
+              <a:latin typeface="Berlin Sans FB Demi" panose="020E0802020502020306" pitchFamily="34" charset="0"/>
+              <a:ea typeface="Exo 2"/>
+              <a:cs typeface="Exo 2"/>
+              <a:sym typeface="Exo 2"/>
+            </a:endParaRPr>
           </a:p>
         </p:txBody>
       </p:sp>
-      <p:sp>
-        <p:nvSpPr>
-          <p:cNvPr id="126" name="Shape 126"/>
-          <p:cNvSpPr txBox="1">
-            <a:spLocks noGrp="1"/>
-          </p:cNvSpPr>
-          <p:nvPr>
-            <p:ph type="body" idx="2"/>
-          </p:nvPr>
-        </p:nvSpPr>
+      <p:pic>
+        <p:nvPicPr>
+          <p:cNvPr id="3" name="Picture 2"/>
+          <p:cNvPicPr>
+            <a:picLocks noChangeAspect="1"/>
+          </p:cNvPicPr>
+          <p:nvPr/>
+        </p:nvPicPr>
+        <p:blipFill rotWithShape="1">
+          <a:blip r:embed="rId4">
+            <a:extLst>
+              <a:ext uri="{28A0092B-C50C-407E-A947-70E740481C1C}">
+                <a14:useLocalDpi xmlns:a14="http://schemas.microsoft.com/office/drawing/2010/main" val="0"/>
+              </a:ext>
+            </a:extLst>
+          </a:blip>
+          <a:srcRect l="27662" t="1" r="26648" b="71465"/>
+          <a:stretch/>
+        </p:blipFill>
         <p:spPr>
           <a:xfrm>
-            <a:off x="1827525" y="1846944"/>
-            <a:ext cx="1046098" cy="3878399"/>
+            <a:off x="5974998" y="82245"/>
+            <a:ext cx="1684330" cy="1870957"/>
+          </a:xfrm>
+          <a:prstGeom prst="rect">
+            <a:avLst/>
+          </a:prstGeom>
+        </p:spPr>
+      </p:pic>
+      <p:pic>
+        <p:nvPicPr>
+          <p:cNvPr id="7" name="Picture 6" descr="C:\Users\jfk24\AppData\Local\Microsoft\Windows\INetCache\Content.Word\1f631.png"/>
+          <p:cNvPicPr/>
+          <p:nvPr/>
+        </p:nvPicPr>
+        <p:blipFill>
+          <a:blip r:embed="rId5">
+            <a:extLst>
+              <a:ext uri="{28A0092B-C50C-407E-A947-70E740481C1C}">
+                <a14:useLocalDpi xmlns:a14="http://schemas.microsoft.com/office/drawing/2010/main" val="0"/>
+              </a:ext>
+            </a:extLst>
+          </a:blip>
+          <a:srcRect/>
+          <a:stretch>
+            <a:fillRect/>
+          </a:stretch>
+        </p:blipFill>
+        <p:spPr bwMode="auto">
+          <a:xfrm>
+            <a:off x="8034234" y="2921265"/>
+            <a:ext cx="540000" cy="540000"/>
           </a:xfrm>
           <a:prstGeom prst="rect">
             <a:avLst/>
@@ -11327,494 +11016,38 @@
           <a:ln>
             <a:noFill/>
           </a:ln>
+          <a:effectLst>
+            <a:outerShdw blurRad="50800" dist="38100" dir="8100000" algn="tr" rotWithShape="0">
+              <a:prstClr val="black">
+                <a:alpha val="50000"/>
+              </a:prstClr>
+            </a:outerShdw>
+          </a:effectLst>
         </p:spPr>
-        <p:txBody>
-          <a:bodyPr lIns="91425" tIns="91425" rIns="91425" bIns="91425" anchor="t" anchorCtr="0">
-            <a:noAutofit/>
-          </a:bodyPr>
-          <a:lstStyle/>
-          <a:p>
-            <a:pPr marL="0" marR="0" lvl="0" indent="0" algn="r" rtl="0">
-              <a:lnSpc>
-                <a:spcPct val="100000"/>
-              </a:lnSpc>
-              <a:spcBef>
-                <a:spcPts val="0"/>
-              </a:spcBef>
-              <a:spcAft>
-                <a:spcPts val="0"/>
-              </a:spcAft>
-              <a:buClr>
-                <a:schemeClr val="lt1"/>
-              </a:buClr>
-              <a:buSzPct val="25000"/>
-              <a:buFont typeface="Arial"/>
-              <a:buNone/>
-            </a:pPr>
-            <a:r>
-              <a:rPr lang="en" sz="1200" b="0" i="0" u="none" strike="noStrike" cap="none">
-                <a:solidFill>
-                  <a:srgbClr val="FFFFFF"/>
-                </a:solidFill>
-                <a:latin typeface="Exo 2"/>
-                <a:ea typeface="Exo 2"/>
-                <a:cs typeface="Exo 2"/>
-                <a:sym typeface="Exo 2"/>
-              </a:rPr>
-              <a:t>9:00am</a:t>
-            </a:r>
-          </a:p>
-          <a:p>
-            <a:pPr marL="0" marR="0" lvl="0" indent="0" algn="r" rtl="0">
-              <a:lnSpc>
-                <a:spcPct val="100000"/>
-              </a:lnSpc>
-              <a:spcBef>
-                <a:spcPts val="0"/>
-              </a:spcBef>
-              <a:spcAft>
-                <a:spcPts val="0"/>
-              </a:spcAft>
-              <a:buClr>
-                <a:schemeClr val="lt1"/>
-              </a:buClr>
-              <a:buSzPct val="25000"/>
-              <a:buFont typeface="Arial"/>
-              <a:buNone/>
-            </a:pPr>
-            <a:endParaRPr sz="1200" b="0" i="0" u="none" strike="noStrike" cap="none">
-              <a:solidFill>
-                <a:srgbClr val="FFFFFF"/>
-              </a:solidFill>
-              <a:latin typeface="Arial"/>
-              <a:ea typeface="Arial"/>
-              <a:cs typeface="Arial"/>
-              <a:sym typeface="Arial"/>
-            </a:endParaRPr>
-          </a:p>
-          <a:p>
-            <a:pPr marL="0" marR="0" lvl="0" indent="0" algn="r" rtl="0">
-              <a:lnSpc>
-                <a:spcPct val="100000"/>
-              </a:lnSpc>
-              <a:spcBef>
-                <a:spcPts val="0"/>
-              </a:spcBef>
-              <a:spcAft>
-                <a:spcPts val="0"/>
-              </a:spcAft>
-              <a:buClr>
-                <a:schemeClr val="lt1"/>
-              </a:buClr>
-              <a:buSzPct val="25000"/>
-              <a:buFont typeface="Arial"/>
-              <a:buNone/>
-            </a:pPr>
-            <a:r>
-              <a:rPr lang="en" sz="1200" b="0" i="0" u="none" strike="noStrike" cap="none">
-                <a:solidFill>
-                  <a:srgbClr val="FFFFFF"/>
-                </a:solidFill>
-                <a:latin typeface="Exo 2"/>
-                <a:ea typeface="Exo 2"/>
-                <a:cs typeface="Exo 2"/>
-                <a:sym typeface="Exo 2"/>
-              </a:rPr>
-              <a:t>9:30am</a:t>
-            </a:r>
-          </a:p>
-          <a:p>
-            <a:pPr marL="0" marR="0" lvl="0" indent="0" algn="r" rtl="0">
-              <a:lnSpc>
-                <a:spcPct val="100000"/>
-              </a:lnSpc>
-              <a:spcBef>
-                <a:spcPts val="0"/>
-              </a:spcBef>
-              <a:spcAft>
-                <a:spcPts val="0"/>
-              </a:spcAft>
-              <a:buClr>
-                <a:schemeClr val="lt1"/>
-              </a:buClr>
-              <a:buSzPct val="25000"/>
-              <a:buFont typeface="Arial"/>
-              <a:buNone/>
-            </a:pPr>
-            <a:endParaRPr sz="1200" b="0" i="0" u="none" strike="noStrike" cap="none">
-              <a:solidFill>
-                <a:srgbClr val="FFFFFF"/>
-              </a:solidFill>
-              <a:latin typeface="Arial"/>
-              <a:ea typeface="Arial"/>
-              <a:cs typeface="Arial"/>
-              <a:sym typeface="Arial"/>
-            </a:endParaRPr>
-          </a:p>
-          <a:p>
-            <a:pPr marL="0" marR="0" lvl="0" indent="0" algn="r" rtl="0">
-              <a:lnSpc>
-                <a:spcPct val="100000"/>
-              </a:lnSpc>
-              <a:spcBef>
-                <a:spcPts val="0"/>
-              </a:spcBef>
-              <a:spcAft>
-                <a:spcPts val="0"/>
-              </a:spcAft>
-              <a:buClr>
-                <a:schemeClr val="lt1"/>
-              </a:buClr>
-              <a:buSzPct val="25000"/>
-              <a:buFont typeface="Arial"/>
-              <a:buNone/>
-            </a:pPr>
-            <a:r>
-              <a:rPr lang="en" sz="1200" b="0" i="0" u="none" strike="noStrike" cap="none">
-                <a:solidFill>
-                  <a:srgbClr val="FFFFFF"/>
-                </a:solidFill>
-                <a:latin typeface="Exo 2"/>
-                <a:ea typeface="Exo 2"/>
-                <a:cs typeface="Exo 2"/>
-                <a:sym typeface="Exo 2"/>
-              </a:rPr>
-              <a:t>1:00pm</a:t>
-            </a:r>
-          </a:p>
-          <a:p>
-            <a:pPr marL="0" marR="0" lvl="0" indent="0" algn="r" rtl="0">
-              <a:lnSpc>
-                <a:spcPct val="100000"/>
-              </a:lnSpc>
-              <a:spcBef>
-                <a:spcPts val="0"/>
-              </a:spcBef>
-              <a:spcAft>
-                <a:spcPts val="0"/>
-              </a:spcAft>
-              <a:buClr>
-                <a:schemeClr val="lt1"/>
-              </a:buClr>
-              <a:buSzPct val="25000"/>
-              <a:buFont typeface="Arial"/>
-              <a:buNone/>
-            </a:pPr>
-            <a:endParaRPr sz="1200" b="0" i="0" u="none" strike="noStrike" cap="none">
-              <a:solidFill>
-                <a:srgbClr val="FFFFFF"/>
-              </a:solidFill>
-              <a:latin typeface="Arial"/>
-              <a:ea typeface="Arial"/>
-              <a:cs typeface="Arial"/>
-              <a:sym typeface="Arial"/>
-            </a:endParaRPr>
-          </a:p>
-          <a:p>
-            <a:pPr marL="0" marR="0" lvl="0" indent="0" algn="r" rtl="0">
-              <a:lnSpc>
-                <a:spcPct val="100000"/>
-              </a:lnSpc>
-              <a:spcBef>
-                <a:spcPts val="0"/>
-              </a:spcBef>
-              <a:spcAft>
-                <a:spcPts val="0"/>
-              </a:spcAft>
-              <a:buClr>
-                <a:schemeClr val="lt1"/>
-              </a:buClr>
-              <a:buSzPct val="25000"/>
-              <a:buFont typeface="Arial"/>
-              <a:buNone/>
-            </a:pPr>
-            <a:r>
-              <a:rPr lang="en" sz="1200" b="0" i="0" u="none" strike="noStrike" cap="none">
-                <a:solidFill>
-                  <a:srgbClr val="FFFFFF"/>
-                </a:solidFill>
-                <a:latin typeface="Exo 2"/>
-                <a:ea typeface="Exo 2"/>
-                <a:cs typeface="Exo 2"/>
-                <a:sym typeface="Exo 2"/>
-              </a:rPr>
-              <a:t>3:00pm</a:t>
-            </a:r>
-          </a:p>
-          <a:p>
-            <a:pPr marL="0" marR="0" lvl="0" indent="0" algn="r" rtl="0">
-              <a:lnSpc>
-                <a:spcPct val="100000"/>
-              </a:lnSpc>
-              <a:spcBef>
-                <a:spcPts val="0"/>
-              </a:spcBef>
-              <a:spcAft>
-                <a:spcPts val="0"/>
-              </a:spcAft>
-              <a:buClr>
-                <a:schemeClr val="lt1"/>
-              </a:buClr>
-              <a:buSzPct val="25000"/>
-              <a:buFont typeface="Arial"/>
-              <a:buNone/>
-            </a:pPr>
-            <a:endParaRPr sz="1200" b="0" i="0" u="none" strike="noStrike" cap="none">
-              <a:solidFill>
-                <a:srgbClr val="FFFFFF"/>
-              </a:solidFill>
-              <a:latin typeface="Arial"/>
-              <a:ea typeface="Arial"/>
-              <a:cs typeface="Arial"/>
-              <a:sym typeface="Arial"/>
-            </a:endParaRPr>
-          </a:p>
-          <a:p>
-            <a:pPr marL="0" marR="0" lvl="0" indent="0" algn="r" rtl="0">
-              <a:lnSpc>
-                <a:spcPct val="100000"/>
-              </a:lnSpc>
-              <a:spcBef>
-                <a:spcPts val="0"/>
-              </a:spcBef>
-              <a:spcAft>
-                <a:spcPts val="0"/>
-              </a:spcAft>
-              <a:buClr>
-                <a:schemeClr val="lt1"/>
-              </a:buClr>
-              <a:buSzPct val="25000"/>
-              <a:buFont typeface="Arial"/>
-              <a:buNone/>
-            </a:pPr>
-            <a:r>
-              <a:rPr lang="en" sz="1200" b="0" i="0" u="none" strike="noStrike" cap="none">
-                <a:solidFill>
-                  <a:srgbClr val="FFFFFF"/>
-                </a:solidFill>
-                <a:latin typeface="Exo 2"/>
-                <a:ea typeface="Exo 2"/>
-                <a:cs typeface="Exo 2"/>
-                <a:sym typeface="Exo 2"/>
-              </a:rPr>
-              <a:t>3:30pm</a:t>
-            </a:r>
-          </a:p>
-          <a:p>
-            <a:pPr marL="0" marR="0" lvl="0" indent="0" algn="r" rtl="0">
-              <a:lnSpc>
-                <a:spcPct val="100000"/>
-              </a:lnSpc>
-              <a:spcBef>
-                <a:spcPts val="0"/>
-              </a:spcBef>
-              <a:spcAft>
-                <a:spcPts val="0"/>
-              </a:spcAft>
-              <a:buClr>
-                <a:schemeClr val="lt1"/>
-              </a:buClr>
-              <a:buSzPct val="25000"/>
-              <a:buFont typeface="Arial"/>
-              <a:buNone/>
-            </a:pPr>
-            <a:endParaRPr sz="1200" b="0" i="0" u="none" strike="noStrike" cap="none">
-              <a:solidFill>
-                <a:srgbClr val="FFFFFF"/>
-              </a:solidFill>
-              <a:latin typeface="Arial"/>
-              <a:ea typeface="Arial"/>
-              <a:cs typeface="Arial"/>
-              <a:sym typeface="Arial"/>
-            </a:endParaRPr>
-          </a:p>
-          <a:p>
-            <a:pPr marL="0" marR="0" lvl="0" indent="0" algn="r" rtl="0">
-              <a:lnSpc>
-                <a:spcPct val="100000"/>
-              </a:lnSpc>
-              <a:spcBef>
-                <a:spcPts val="0"/>
-              </a:spcBef>
-              <a:spcAft>
-                <a:spcPts val="0"/>
-              </a:spcAft>
-              <a:buClr>
-                <a:schemeClr val="lt1"/>
-              </a:buClr>
-              <a:buSzPct val="25000"/>
-              <a:buFont typeface="Arial"/>
-              <a:buNone/>
-            </a:pPr>
-            <a:r>
-              <a:rPr lang="en" sz="1200" b="0" i="0" u="none" strike="noStrike" cap="none">
-                <a:solidFill>
-                  <a:srgbClr val="FFFFFF"/>
-                </a:solidFill>
-                <a:latin typeface="Exo 2"/>
-                <a:ea typeface="Exo 2"/>
-                <a:cs typeface="Exo 2"/>
-                <a:sym typeface="Exo 2"/>
-              </a:rPr>
-              <a:t>6:00pm</a:t>
-            </a:r>
-          </a:p>
-          <a:p>
-            <a:pPr marL="0" marR="0" lvl="0" indent="0" algn="r" rtl="0">
-              <a:lnSpc>
-                <a:spcPct val="100000"/>
-              </a:lnSpc>
-              <a:spcBef>
-                <a:spcPts val="0"/>
-              </a:spcBef>
-              <a:spcAft>
-                <a:spcPts val="0"/>
-              </a:spcAft>
-              <a:buClr>
-                <a:schemeClr val="lt1"/>
-              </a:buClr>
-              <a:buSzPct val="25000"/>
-              <a:buFont typeface="Arial"/>
-              <a:buNone/>
-            </a:pPr>
-            <a:endParaRPr sz="1200" b="0" i="0" u="none" strike="noStrike" cap="none">
-              <a:solidFill>
-                <a:srgbClr val="FFFFFF"/>
-              </a:solidFill>
-              <a:latin typeface="Arial"/>
-              <a:ea typeface="Arial"/>
-              <a:cs typeface="Arial"/>
-              <a:sym typeface="Arial"/>
-            </a:endParaRPr>
-          </a:p>
-          <a:p>
-            <a:pPr marL="0" marR="0" lvl="0" indent="0" algn="r" rtl="0">
-              <a:lnSpc>
-                <a:spcPct val="100000"/>
-              </a:lnSpc>
-              <a:spcBef>
-                <a:spcPts val="0"/>
-              </a:spcBef>
-              <a:spcAft>
-                <a:spcPts val="0"/>
-              </a:spcAft>
-              <a:buClr>
-                <a:schemeClr val="lt1"/>
-              </a:buClr>
-              <a:buSzPct val="25000"/>
-              <a:buFont typeface="Arial"/>
-              <a:buNone/>
-            </a:pPr>
-            <a:endParaRPr sz="1200" b="0" i="0" u="none" strike="noStrike" cap="none">
-              <a:solidFill>
-                <a:srgbClr val="FFFFFF"/>
-              </a:solidFill>
-              <a:latin typeface="Exo 2"/>
-              <a:ea typeface="Exo 2"/>
-              <a:cs typeface="Exo 2"/>
-              <a:sym typeface="Exo 2"/>
-            </a:endParaRPr>
-          </a:p>
-          <a:p>
-            <a:pPr marL="0" marR="0" lvl="0" indent="0" algn="r" rtl="0">
-              <a:lnSpc>
-                <a:spcPct val="100000"/>
-              </a:lnSpc>
-              <a:spcBef>
-                <a:spcPts val="0"/>
-              </a:spcBef>
-              <a:spcAft>
-                <a:spcPts val="0"/>
-              </a:spcAft>
-              <a:buClr>
-                <a:schemeClr val="lt1"/>
-              </a:buClr>
-              <a:buSzPct val="25000"/>
-              <a:buFont typeface="Arial"/>
-              <a:buNone/>
-            </a:pPr>
-            <a:endParaRPr sz="1200" b="0" i="0" u="none" strike="noStrike" cap="none">
-              <a:solidFill>
-                <a:srgbClr val="FFFFFF"/>
-              </a:solidFill>
-              <a:latin typeface="Arial"/>
-              <a:ea typeface="Arial"/>
-              <a:cs typeface="Arial"/>
-              <a:sym typeface="Arial"/>
-            </a:endParaRPr>
-          </a:p>
-          <a:p>
-            <a:pPr marL="0" marR="0" lvl="0" indent="0" algn="r" rtl="0">
-              <a:lnSpc>
-                <a:spcPct val="100000"/>
-              </a:lnSpc>
-              <a:spcBef>
-                <a:spcPts val="900"/>
-              </a:spcBef>
-              <a:spcAft>
-                <a:spcPts val="0"/>
-              </a:spcAft>
-              <a:buClr>
-                <a:schemeClr val="lt1"/>
-              </a:buClr>
-              <a:buSzPct val="25000"/>
-              <a:buFont typeface="Arial"/>
-              <a:buNone/>
-            </a:pPr>
-            <a:endParaRPr sz="1200" b="0" i="0" u="none" strike="noStrike" cap="none">
-              <a:solidFill>
-                <a:srgbClr val="FFFFFF"/>
-              </a:solidFill>
-              <a:latin typeface="Arial"/>
-              <a:ea typeface="Arial"/>
-              <a:cs typeface="Arial"/>
-              <a:sym typeface="Arial"/>
-            </a:endParaRPr>
-          </a:p>
-          <a:p>
-            <a:pPr marL="0" marR="0" lvl="0" indent="0" algn="r" rtl="0">
-              <a:lnSpc>
-                <a:spcPct val="100000"/>
-              </a:lnSpc>
-              <a:spcBef>
-                <a:spcPts val="900"/>
-              </a:spcBef>
-              <a:spcAft>
-                <a:spcPts val="0"/>
-              </a:spcAft>
-              <a:buClr>
-                <a:schemeClr val="lt1"/>
-              </a:buClr>
-              <a:buSzPct val="25000"/>
-              <a:buFont typeface="Arial"/>
-              <a:buNone/>
-            </a:pPr>
-            <a:endParaRPr sz="1200" b="0" i="0" u="none" strike="noStrike" cap="none">
-              <a:solidFill>
-                <a:srgbClr val="FFFFFF"/>
-              </a:solidFill>
-              <a:latin typeface="Arial"/>
-              <a:ea typeface="Arial"/>
-              <a:cs typeface="Arial"/>
-              <a:sym typeface="Arial"/>
-            </a:endParaRPr>
-          </a:p>
-        </p:txBody>
-      </p:sp>
-      <p:sp>
-        <p:nvSpPr>
-          <p:cNvPr id="127" name="Shape 127"/>
-          <p:cNvSpPr txBox="1">
-            <a:spLocks noGrp="1"/>
-          </p:cNvSpPr>
-          <p:nvPr>
-            <p:ph type="body" idx="2"/>
-          </p:nvPr>
-        </p:nvSpPr>
-        <p:spPr>
+      </p:pic>
+      <p:pic>
+        <p:nvPicPr>
+          <p:cNvPr id="8" name="Picture 7" descr="C:\Users\jfk24\AppData\Local\Microsoft\Windows\INetCache\Content.Word\1f622.png"/>
+          <p:cNvPicPr/>
+          <p:nvPr/>
+        </p:nvPicPr>
+        <p:blipFill>
+          <a:blip r:embed="rId6">
+            <a:extLst>
+              <a:ext uri="{28A0092B-C50C-407E-A947-70E740481C1C}">
+                <a14:useLocalDpi xmlns:a14="http://schemas.microsoft.com/office/drawing/2010/main" val="0"/>
+              </a:ext>
+            </a:extLst>
+          </a:blip>
+          <a:srcRect/>
+          <a:stretch>
+            <a:fillRect/>
+          </a:stretch>
+        </p:blipFill>
+        <p:spPr bwMode="auto">
           <a:xfrm>
-            <a:off x="3098785" y="777475"/>
-            <a:ext cx="1496400" cy="410698"/>
+            <a:off x="7362457" y="2218060"/>
+            <a:ext cx="540000" cy="540000"/>
           </a:xfrm>
           <a:prstGeom prst="rect">
             <a:avLst/>
@@ -11823,85 +11056,40 @@
           <a:ln>
             <a:noFill/>
           </a:ln>
+          <a:effectLst>
+            <a:outerShdw blurRad="50800" dist="38100" dir="8100000" algn="tr" rotWithShape="0">
+              <a:prstClr val="black">
+                <a:alpha val="50000"/>
+              </a:prstClr>
+            </a:outerShdw>
+          </a:effectLst>
         </p:spPr>
-        <p:txBody>
-          <a:bodyPr lIns="91425" tIns="91425" rIns="91425" bIns="91425" anchor="t" anchorCtr="0">
-            <a:noAutofit/>
-          </a:bodyPr>
-          <a:lstStyle/>
-          <a:p>
-            <a:pPr marL="0" marR="0" lvl="0" indent="0" algn="l" rtl="0">
-              <a:lnSpc>
-                <a:spcPct val="100000"/>
-              </a:lnSpc>
-              <a:spcBef>
-                <a:spcPts val="0"/>
-              </a:spcBef>
-              <a:spcAft>
-                <a:spcPts val="0"/>
-              </a:spcAft>
-              <a:buClr>
-                <a:schemeClr val="lt1"/>
-              </a:buClr>
-              <a:buSzPct val="25000"/>
-              <a:buFont typeface="Arial"/>
-              <a:buNone/>
-            </a:pPr>
-            <a:r>
-              <a:rPr lang="en" sz="2400">
-                <a:solidFill>
-                  <a:srgbClr val="FFFFFF"/>
-                </a:solidFill>
-                <a:latin typeface="Exo 2"/>
-                <a:ea typeface="Exo 2"/>
-                <a:cs typeface="Exo 2"/>
-                <a:sym typeface="Exo 2"/>
-              </a:rPr>
-              <a:t>Sunday</a:t>
-            </a:r>
-          </a:p>
-        </p:txBody>
-      </p:sp>
-      <p:cxnSp>
-        <p:nvCxnSpPr>
-          <p:cNvPr id="128" name="Shape 128"/>
-          <p:cNvCxnSpPr/>
+      </p:pic>
+      <p:pic>
+        <p:nvPicPr>
+          <p:cNvPr id="9" name="Picture 8" descr="C:\Users\jfk24\AppData\Local\Microsoft\Windows\INetCache\Content.Word\1f632.png"/>
+          <p:cNvPicPr>
+            <a:picLocks noChangeAspect="1"/>
+          </p:cNvPicPr>
           <p:nvPr/>
-        </p:nvCxnSpPr>
-        <p:spPr>
+        </p:nvPicPr>
+        <p:blipFill>
+          <a:blip r:embed="rId7">
+            <a:extLst>
+              <a:ext uri="{28A0092B-C50C-407E-A947-70E740481C1C}">
+                <a14:useLocalDpi xmlns:a14="http://schemas.microsoft.com/office/drawing/2010/main" val="0"/>
+              </a:ext>
+            </a:extLst>
+          </a:blip>
+          <a:srcRect/>
+          <a:stretch>
+            <a:fillRect/>
+          </a:stretch>
+        </p:blipFill>
+        <p:spPr bwMode="auto">
           <a:xfrm>
-            <a:off x="3003538" y="1846894"/>
-            <a:ext cx="2551" cy="2187895"/>
-          </a:xfrm>
-          <a:prstGeom prst="straightConnector1">
-            <a:avLst/>
-          </a:prstGeom>
-          <a:noFill/>
-          <a:ln w="19050" cap="flat" cmpd="sng">
-            <a:solidFill>
-              <a:srgbClr val="2F3252"/>
-            </a:solidFill>
-            <a:prstDash val="solid"/>
-            <a:round/>
-            <a:headEnd type="none" w="med" len="med"/>
-            <a:tailEnd type="none" w="med" len="med"/>
-          </a:ln>
-        </p:spPr>
-      </p:cxnSp>
-      <p:sp>
-        <p:nvSpPr>
-          <p:cNvPr id="129" name="Shape 129"/>
-          <p:cNvSpPr txBox="1">
-            <a:spLocks noGrp="1"/>
-          </p:cNvSpPr>
-          <p:nvPr>
-            <p:ph type="body" idx="2"/>
-          </p:nvPr>
-        </p:nvSpPr>
-        <p:spPr>
-          <a:xfrm>
-            <a:off x="585224" y="349650"/>
-            <a:ext cx="1242298" cy="567599"/>
+            <a:off x="8034234" y="2218060"/>
+            <a:ext cx="540000" cy="540000"/>
           </a:xfrm>
           <a:prstGeom prst="rect">
             <a:avLst/>
@@ -11910,50 +11098,704 @@
           <a:ln>
             <a:noFill/>
           </a:ln>
+          <a:effectLst>
+            <a:outerShdw blurRad="50800" dist="38100" dir="8100000" algn="tr" rotWithShape="0">
+              <a:prstClr val="black">
+                <a:alpha val="50000"/>
+              </a:prstClr>
+            </a:outerShdw>
+          </a:effectLst>
         </p:spPr>
+      </p:pic>
+      <p:pic>
+        <p:nvPicPr>
+          <p:cNvPr id="10" name="Picture 9" descr="C:\Users\jfk24\AppData\Local\Microsoft\Windows\INetCache\Content.Word\1f600.png"/>
+          <p:cNvPicPr>
+            <a:picLocks noChangeAspect="1"/>
+          </p:cNvPicPr>
+          <p:nvPr/>
+        </p:nvPicPr>
+        <p:blipFill>
+          <a:blip r:embed="rId8">
+            <a:extLst>
+              <a:ext uri="{28A0092B-C50C-407E-A947-70E740481C1C}">
+                <a14:useLocalDpi xmlns:a14="http://schemas.microsoft.com/office/drawing/2010/main" val="0"/>
+              </a:ext>
+            </a:extLst>
+          </a:blip>
+          <a:srcRect/>
+          <a:stretch>
+            <a:fillRect/>
+          </a:stretch>
+        </p:blipFill>
+        <p:spPr bwMode="auto">
+          <a:xfrm>
+            <a:off x="6690680" y="2218060"/>
+            <a:ext cx="540000" cy="540000"/>
+          </a:xfrm>
+          <a:prstGeom prst="rect">
+            <a:avLst/>
+          </a:prstGeom>
+          <a:noFill/>
+          <a:ln>
+            <a:noFill/>
+          </a:ln>
+          <a:effectLst>
+            <a:outerShdw blurRad="50800" dist="38100" dir="8100000" algn="tr" rotWithShape="0">
+              <a:prstClr val="black">
+                <a:alpha val="50000"/>
+              </a:prstClr>
+            </a:outerShdw>
+          </a:effectLst>
+        </p:spPr>
+      </p:pic>
+      <p:pic>
+        <p:nvPicPr>
+          <p:cNvPr id="11" name="Picture 10" descr="C:\Users\jfk24\AppData\Local\Microsoft\Windows\INetCache\Content.Word\1f620.png"/>
+          <p:cNvPicPr>
+            <a:picLocks noChangeAspect="1"/>
+          </p:cNvPicPr>
+          <p:nvPr/>
+        </p:nvPicPr>
+        <p:blipFill>
+          <a:blip r:embed="rId9">
+            <a:extLst>
+              <a:ext uri="{28A0092B-C50C-407E-A947-70E740481C1C}">
+                <a14:useLocalDpi xmlns:a14="http://schemas.microsoft.com/office/drawing/2010/main" val="0"/>
+              </a:ext>
+            </a:extLst>
+          </a:blip>
+          <a:srcRect/>
+          <a:stretch>
+            <a:fillRect/>
+          </a:stretch>
+        </p:blipFill>
+        <p:spPr bwMode="auto">
+          <a:xfrm>
+            <a:off x="7362457" y="2921265"/>
+            <a:ext cx="540000" cy="540000"/>
+          </a:xfrm>
+          <a:prstGeom prst="rect">
+            <a:avLst/>
+          </a:prstGeom>
+          <a:noFill/>
+          <a:ln>
+            <a:noFill/>
+          </a:ln>
+          <a:effectLst>
+            <a:outerShdw blurRad="50800" dist="38100" dir="8100000" algn="tr" rotWithShape="0">
+              <a:prstClr val="black">
+                <a:alpha val="50000"/>
+              </a:prstClr>
+            </a:outerShdw>
+          </a:effectLst>
+        </p:spPr>
+      </p:pic>
+      <p:pic>
+        <p:nvPicPr>
+          <p:cNvPr id="12" name="Picture 11" descr="C:\Users\jfk24\AppData\Local\Microsoft\Windows\INetCache\Content.Word\1f626.png"/>
+          <p:cNvPicPr>
+            <a:picLocks noChangeAspect="1"/>
+          </p:cNvPicPr>
+          <p:nvPr/>
+        </p:nvPicPr>
+        <p:blipFill>
+          <a:blip r:embed="rId10">
+            <a:extLst>
+              <a:ext uri="{28A0092B-C50C-407E-A947-70E740481C1C}">
+                <a14:useLocalDpi xmlns:a14="http://schemas.microsoft.com/office/drawing/2010/main" val="0"/>
+              </a:ext>
+            </a:extLst>
+          </a:blip>
+          <a:srcRect/>
+          <a:stretch>
+            <a:fillRect/>
+          </a:stretch>
+        </p:blipFill>
+        <p:spPr bwMode="auto">
+          <a:xfrm>
+            <a:off x="6690680" y="2921265"/>
+            <a:ext cx="540000" cy="540000"/>
+          </a:xfrm>
+          <a:prstGeom prst="rect">
+            <a:avLst/>
+          </a:prstGeom>
+          <a:noFill/>
+          <a:ln>
+            <a:noFill/>
+          </a:ln>
+          <a:effectLst>
+            <a:outerShdw blurRad="50800" dist="38100" dir="8100000" algn="tr" rotWithShape="0">
+              <a:prstClr val="black">
+                <a:alpha val="50000"/>
+              </a:prstClr>
+            </a:outerShdw>
+          </a:effectLst>
+        </p:spPr>
+      </p:pic>
+      <p:sp>
+        <p:nvSpPr>
+          <p:cNvPr id="4" name="Oval 3"/>
+          <p:cNvSpPr/>
+          <p:nvPr/>
+        </p:nvSpPr>
+        <p:spPr>
+          <a:xfrm>
+            <a:off x="6636680" y="2164060"/>
+            <a:ext cx="648000" cy="648000"/>
+          </a:xfrm>
+          <a:prstGeom prst="ellipse">
+            <a:avLst/>
+          </a:prstGeom>
+          <a:noFill/>
+          <a:ln>
+            <a:solidFill>
+              <a:srgbClr val="C00000"/>
+            </a:solidFill>
+          </a:ln>
+        </p:spPr>
+        <p:style>
+          <a:lnRef idx="2">
+            <a:schemeClr val="accent1">
+              <a:shade val="50000"/>
+            </a:schemeClr>
+          </a:lnRef>
+          <a:fillRef idx="1">
+            <a:schemeClr val="accent1"/>
+          </a:fillRef>
+          <a:effectRef idx="0">
+            <a:schemeClr val="accent1"/>
+          </a:effectRef>
+          <a:fontRef idx="minor">
+            <a:schemeClr val="lt1"/>
+          </a:fontRef>
+        </p:style>
         <p:txBody>
-          <a:bodyPr lIns="91425" tIns="91425" rIns="91425" bIns="91425" anchor="t" anchorCtr="0">
-            <a:noAutofit/>
-          </a:bodyPr>
+          <a:bodyPr rtlCol="0" anchor="ctr"/>
           <a:lstStyle/>
           <a:p>
-            <a:pPr marL="0" marR="0" lvl="0" indent="0" algn="l" rtl="0">
-              <a:lnSpc>
-                <a:spcPct val="100000"/>
-              </a:lnSpc>
-              <a:spcBef>
-                <a:spcPts val="0"/>
-              </a:spcBef>
-              <a:spcAft>
-                <a:spcPts val="0"/>
-              </a:spcAft>
-              <a:buClr>
-                <a:schemeClr val="lt1"/>
-              </a:buClr>
-              <a:buSzPct val="25000"/>
-              <a:buFont typeface="Arial"/>
-              <a:buNone/>
-            </a:pPr>
-            <a:r>
-              <a:rPr lang="en" sz="2400" b="0" i="0" u="none" strike="noStrike" cap="none">
-                <a:solidFill>
-                  <a:srgbClr val="FFFFFF"/>
-                </a:solidFill>
-                <a:latin typeface="Exo 2"/>
-                <a:ea typeface="Exo 2"/>
-                <a:cs typeface="Exo 2"/>
-                <a:sym typeface="Exo 2"/>
-              </a:rPr>
-              <a:t>Agenda</a:t>
-            </a:r>
+            <a:pPr algn="ctr"/>
+            <a:endParaRPr lang="en-GB"/>
           </a:p>
         </p:txBody>
       </p:sp>
     </p:spTree>
+    <p:extLst>
+      <p:ext uri="{BB962C8B-B14F-4D97-AF65-F5344CB8AC3E}">
+        <p14:creationId xmlns:p14="http://schemas.microsoft.com/office/powerpoint/2010/main" val="2211444000"/>
+      </p:ext>
+    </p:extLst>
   </p:cSld>
   <p:clrMapOvr>
     <a:masterClrMapping/>
   </p:clrMapOvr>
+  <p:timing>
+    <p:tnLst>
+      <p:par>
+        <p:cTn id="1" dur="indefinite" restart="never" nodeType="tmRoot">
+          <p:childTnLst>
+            <p:seq concurrent="1" nextAc="seek">
+              <p:cTn id="2" dur="indefinite" nodeType="mainSeq">
+                <p:childTnLst>
+                  <p:par>
+                    <p:cTn id="3" fill="hold">
+                      <p:stCondLst>
+                        <p:cond delay="indefinite"/>
+                      </p:stCondLst>
+                      <p:childTnLst>
+                        <p:par>
+                          <p:cTn id="4" fill="hold">
+                            <p:stCondLst>
+                              <p:cond delay="0"/>
+                            </p:stCondLst>
+                            <p:childTnLst>
+                              <p:par>
+                                <p:cTn id="5" presetID="1" presetClass="entr" presetSubtype="0" fill="hold" nodeType="clickEffect">
+                                  <p:stCondLst>
+                                    <p:cond delay="0"/>
+                                  </p:stCondLst>
+                                  <p:childTnLst>
+                                    <p:set>
+                                      <p:cBhvr>
+                                        <p:cTn id="6" dur="1" fill="hold">
+                                          <p:stCondLst>
+                                            <p:cond delay="0"/>
+                                          </p:stCondLst>
+                                        </p:cTn>
+                                        <p:tgtEl>
+                                          <p:spTgt spid="115">
+                                            <p:txEl>
+                                              <p:pRg st="0" end="0"/>
+                                            </p:txEl>
+                                          </p:spTgt>
+                                        </p:tgtEl>
+                                        <p:attrNameLst>
+                                          <p:attrName>style.visibility</p:attrName>
+                                        </p:attrNameLst>
+                                      </p:cBhvr>
+                                      <p:to>
+                                        <p:strVal val="visible"/>
+                                      </p:to>
+                                    </p:set>
+                                  </p:childTnLst>
+                                </p:cTn>
+                              </p:par>
+                              <p:par>
+                                <p:cTn id="7" presetID="1" presetClass="entr" presetSubtype="0" fill="hold" nodeType="withEffect">
+                                  <p:stCondLst>
+                                    <p:cond delay="0"/>
+                                  </p:stCondLst>
+                                  <p:childTnLst>
+                                    <p:set>
+                                      <p:cBhvr>
+                                        <p:cTn id="8" dur="1" fill="hold">
+                                          <p:stCondLst>
+                                            <p:cond delay="0"/>
+                                          </p:stCondLst>
+                                        </p:cTn>
+                                        <p:tgtEl>
+                                          <p:spTgt spid="115">
+                                            <p:txEl>
+                                              <p:pRg st="1" end="1"/>
+                                            </p:txEl>
+                                          </p:spTgt>
+                                        </p:tgtEl>
+                                        <p:attrNameLst>
+                                          <p:attrName>style.visibility</p:attrName>
+                                        </p:attrNameLst>
+                                      </p:cBhvr>
+                                      <p:to>
+                                        <p:strVal val="visible"/>
+                                      </p:to>
+                                    </p:set>
+                                  </p:childTnLst>
+                                </p:cTn>
+                              </p:par>
+                              <p:par>
+                                <p:cTn id="9" presetID="1" presetClass="entr" presetSubtype="0" fill="hold" nodeType="withEffect">
+                                  <p:stCondLst>
+                                    <p:cond delay="0"/>
+                                  </p:stCondLst>
+                                  <p:childTnLst>
+                                    <p:set>
+                                      <p:cBhvr>
+                                        <p:cTn id="10" dur="1" fill="hold">
+                                          <p:stCondLst>
+                                            <p:cond delay="0"/>
+                                          </p:stCondLst>
+                                        </p:cTn>
+                                        <p:tgtEl>
+                                          <p:spTgt spid="3"/>
+                                        </p:tgtEl>
+                                        <p:attrNameLst>
+                                          <p:attrName>style.visibility</p:attrName>
+                                        </p:attrNameLst>
+                                      </p:cBhvr>
+                                      <p:to>
+                                        <p:strVal val="visible"/>
+                                      </p:to>
+                                    </p:set>
+                                  </p:childTnLst>
+                                </p:cTn>
+                              </p:par>
+                            </p:childTnLst>
+                          </p:cTn>
+                        </p:par>
+                      </p:childTnLst>
+                    </p:cTn>
+                  </p:par>
+                  <p:par>
+                    <p:cTn id="11" fill="hold">
+                      <p:stCondLst>
+                        <p:cond delay="indefinite"/>
+                      </p:stCondLst>
+                      <p:childTnLst>
+                        <p:par>
+                          <p:cTn id="12" fill="hold">
+                            <p:stCondLst>
+                              <p:cond delay="0"/>
+                            </p:stCondLst>
+                            <p:childTnLst>
+                              <p:par>
+                                <p:cTn id="13" presetID="1" presetClass="entr" presetSubtype="0" fill="hold" nodeType="clickEffect">
+                                  <p:stCondLst>
+                                    <p:cond delay="0"/>
+                                  </p:stCondLst>
+                                  <p:childTnLst>
+                                    <p:set>
+                                      <p:cBhvr>
+                                        <p:cTn id="14" dur="1" fill="hold">
+                                          <p:stCondLst>
+                                            <p:cond delay="0"/>
+                                          </p:stCondLst>
+                                        </p:cTn>
+                                        <p:tgtEl>
+                                          <p:spTgt spid="115">
+                                            <p:txEl>
+                                              <p:pRg st="4" end="4"/>
+                                            </p:txEl>
+                                          </p:spTgt>
+                                        </p:tgtEl>
+                                        <p:attrNameLst>
+                                          <p:attrName>style.visibility</p:attrName>
+                                        </p:attrNameLst>
+                                      </p:cBhvr>
+                                      <p:to>
+                                        <p:strVal val="visible"/>
+                                      </p:to>
+                                    </p:set>
+                                  </p:childTnLst>
+                                </p:cTn>
+                              </p:par>
+                              <p:par>
+                                <p:cTn id="15" presetID="1" presetClass="entr" presetSubtype="0" fill="hold" nodeType="withEffect">
+                                  <p:stCondLst>
+                                    <p:cond delay="0"/>
+                                  </p:stCondLst>
+                                  <p:childTnLst>
+                                    <p:set>
+                                      <p:cBhvr>
+                                        <p:cTn id="16" dur="1" fill="hold">
+                                          <p:stCondLst>
+                                            <p:cond delay="0"/>
+                                          </p:stCondLst>
+                                        </p:cTn>
+                                        <p:tgtEl>
+                                          <p:spTgt spid="115">
+                                            <p:txEl>
+                                              <p:pRg st="5" end="5"/>
+                                            </p:txEl>
+                                          </p:spTgt>
+                                        </p:tgtEl>
+                                        <p:attrNameLst>
+                                          <p:attrName>style.visibility</p:attrName>
+                                        </p:attrNameLst>
+                                      </p:cBhvr>
+                                      <p:to>
+                                        <p:strVal val="visible"/>
+                                      </p:to>
+                                    </p:set>
+                                  </p:childTnLst>
+                                </p:cTn>
+                              </p:par>
+                              <p:par>
+                                <p:cTn id="17" presetID="1" presetClass="entr" presetSubtype="0" fill="hold" nodeType="withEffect">
+                                  <p:stCondLst>
+                                    <p:cond delay="0"/>
+                                  </p:stCondLst>
+                                  <p:childTnLst>
+                                    <p:set>
+                                      <p:cBhvr>
+                                        <p:cTn id="18" dur="1" fill="hold">
+                                          <p:stCondLst>
+                                            <p:cond delay="0"/>
+                                          </p:stCondLst>
+                                        </p:cTn>
+                                        <p:tgtEl>
+                                          <p:spTgt spid="10"/>
+                                        </p:tgtEl>
+                                        <p:attrNameLst>
+                                          <p:attrName>style.visibility</p:attrName>
+                                        </p:attrNameLst>
+                                      </p:cBhvr>
+                                      <p:to>
+                                        <p:strVal val="visible"/>
+                                      </p:to>
+                                    </p:set>
+                                  </p:childTnLst>
+                                </p:cTn>
+                              </p:par>
+                              <p:par>
+                                <p:cTn id="19" presetID="1" presetClass="entr" presetSubtype="0" fill="hold" nodeType="withEffect">
+                                  <p:stCondLst>
+                                    <p:cond delay="0"/>
+                                  </p:stCondLst>
+                                  <p:childTnLst>
+                                    <p:set>
+                                      <p:cBhvr>
+                                        <p:cTn id="20" dur="1" fill="hold">
+                                          <p:stCondLst>
+                                            <p:cond delay="0"/>
+                                          </p:stCondLst>
+                                        </p:cTn>
+                                        <p:tgtEl>
+                                          <p:spTgt spid="8"/>
+                                        </p:tgtEl>
+                                        <p:attrNameLst>
+                                          <p:attrName>style.visibility</p:attrName>
+                                        </p:attrNameLst>
+                                      </p:cBhvr>
+                                      <p:to>
+                                        <p:strVal val="visible"/>
+                                      </p:to>
+                                    </p:set>
+                                  </p:childTnLst>
+                                </p:cTn>
+                              </p:par>
+                              <p:par>
+                                <p:cTn id="21" presetID="1" presetClass="entr" presetSubtype="0" fill="hold" nodeType="withEffect">
+                                  <p:stCondLst>
+                                    <p:cond delay="0"/>
+                                  </p:stCondLst>
+                                  <p:childTnLst>
+                                    <p:set>
+                                      <p:cBhvr>
+                                        <p:cTn id="22" dur="1" fill="hold">
+                                          <p:stCondLst>
+                                            <p:cond delay="0"/>
+                                          </p:stCondLst>
+                                        </p:cTn>
+                                        <p:tgtEl>
+                                          <p:spTgt spid="9"/>
+                                        </p:tgtEl>
+                                        <p:attrNameLst>
+                                          <p:attrName>style.visibility</p:attrName>
+                                        </p:attrNameLst>
+                                      </p:cBhvr>
+                                      <p:to>
+                                        <p:strVal val="visible"/>
+                                      </p:to>
+                                    </p:set>
+                                  </p:childTnLst>
+                                </p:cTn>
+                              </p:par>
+                              <p:par>
+                                <p:cTn id="23" presetID="1" presetClass="entr" presetSubtype="0" fill="hold" nodeType="withEffect">
+                                  <p:stCondLst>
+                                    <p:cond delay="0"/>
+                                  </p:stCondLst>
+                                  <p:childTnLst>
+                                    <p:set>
+                                      <p:cBhvr>
+                                        <p:cTn id="24" dur="1" fill="hold">
+                                          <p:stCondLst>
+                                            <p:cond delay="0"/>
+                                          </p:stCondLst>
+                                        </p:cTn>
+                                        <p:tgtEl>
+                                          <p:spTgt spid="7"/>
+                                        </p:tgtEl>
+                                        <p:attrNameLst>
+                                          <p:attrName>style.visibility</p:attrName>
+                                        </p:attrNameLst>
+                                      </p:cBhvr>
+                                      <p:to>
+                                        <p:strVal val="visible"/>
+                                      </p:to>
+                                    </p:set>
+                                  </p:childTnLst>
+                                </p:cTn>
+                              </p:par>
+                              <p:par>
+                                <p:cTn id="25" presetID="1" presetClass="entr" presetSubtype="0" fill="hold" nodeType="withEffect">
+                                  <p:stCondLst>
+                                    <p:cond delay="0"/>
+                                  </p:stCondLst>
+                                  <p:childTnLst>
+                                    <p:set>
+                                      <p:cBhvr>
+                                        <p:cTn id="26" dur="1" fill="hold">
+                                          <p:stCondLst>
+                                            <p:cond delay="0"/>
+                                          </p:stCondLst>
+                                        </p:cTn>
+                                        <p:tgtEl>
+                                          <p:spTgt spid="11"/>
+                                        </p:tgtEl>
+                                        <p:attrNameLst>
+                                          <p:attrName>style.visibility</p:attrName>
+                                        </p:attrNameLst>
+                                      </p:cBhvr>
+                                      <p:to>
+                                        <p:strVal val="visible"/>
+                                      </p:to>
+                                    </p:set>
+                                  </p:childTnLst>
+                                </p:cTn>
+                              </p:par>
+                              <p:par>
+                                <p:cTn id="27" presetID="1" presetClass="entr" presetSubtype="0" fill="hold" nodeType="withEffect">
+                                  <p:stCondLst>
+                                    <p:cond delay="0"/>
+                                  </p:stCondLst>
+                                  <p:childTnLst>
+                                    <p:set>
+                                      <p:cBhvr>
+                                        <p:cTn id="28" dur="1" fill="hold">
+                                          <p:stCondLst>
+                                            <p:cond delay="0"/>
+                                          </p:stCondLst>
+                                        </p:cTn>
+                                        <p:tgtEl>
+                                          <p:spTgt spid="12"/>
+                                        </p:tgtEl>
+                                        <p:attrNameLst>
+                                          <p:attrName>style.visibility</p:attrName>
+                                        </p:attrNameLst>
+                                      </p:cBhvr>
+                                      <p:to>
+                                        <p:strVal val="visible"/>
+                                      </p:to>
+                                    </p:set>
+                                  </p:childTnLst>
+                                </p:cTn>
+                              </p:par>
+                            </p:childTnLst>
+                          </p:cTn>
+                        </p:par>
+                      </p:childTnLst>
+                    </p:cTn>
+                  </p:par>
+                  <p:par>
+                    <p:cTn id="29" fill="hold">
+                      <p:stCondLst>
+                        <p:cond delay="indefinite"/>
+                      </p:stCondLst>
+                      <p:childTnLst>
+                        <p:par>
+                          <p:cTn id="30" fill="hold">
+                            <p:stCondLst>
+                              <p:cond delay="0"/>
+                            </p:stCondLst>
+                            <p:childTnLst>
+                              <p:par>
+                                <p:cTn id="31" presetID="1" presetClass="entr" presetSubtype="0" fill="hold" grpId="0" nodeType="clickEffect">
+                                  <p:stCondLst>
+                                    <p:cond delay="0"/>
+                                  </p:stCondLst>
+                                  <p:childTnLst>
+                                    <p:set>
+                                      <p:cBhvr>
+                                        <p:cTn id="32" dur="1" fill="hold">
+                                          <p:stCondLst>
+                                            <p:cond delay="0"/>
+                                          </p:stCondLst>
+                                        </p:cTn>
+                                        <p:tgtEl>
+                                          <p:spTgt spid="4"/>
+                                        </p:tgtEl>
+                                        <p:attrNameLst>
+                                          <p:attrName>style.visibility</p:attrName>
+                                        </p:attrNameLst>
+                                      </p:cBhvr>
+                                      <p:to>
+                                        <p:strVal val="visible"/>
+                                      </p:to>
+                                    </p:set>
+                                  </p:childTnLst>
+                                </p:cTn>
+                              </p:par>
+                            </p:childTnLst>
+                          </p:cTn>
+                        </p:par>
+                      </p:childTnLst>
+                    </p:cTn>
+                  </p:par>
+                  <p:par>
+                    <p:cTn id="33" fill="hold">
+                      <p:stCondLst>
+                        <p:cond delay="indefinite"/>
+                      </p:stCondLst>
+                      <p:childTnLst>
+                        <p:par>
+                          <p:cTn id="34" fill="hold">
+                            <p:stCondLst>
+                              <p:cond delay="0"/>
+                            </p:stCondLst>
+                            <p:childTnLst>
+                              <p:par>
+                                <p:cTn id="35" presetID="1" presetClass="entr" presetSubtype="0" fill="hold" nodeType="clickEffect">
+                                  <p:stCondLst>
+                                    <p:cond delay="0"/>
+                                  </p:stCondLst>
+                                  <p:childTnLst>
+                                    <p:set>
+                                      <p:cBhvr>
+                                        <p:cTn id="36" dur="1" fill="hold">
+                                          <p:stCondLst>
+                                            <p:cond delay="0"/>
+                                          </p:stCondLst>
+                                        </p:cTn>
+                                        <p:tgtEl>
+                                          <p:spTgt spid="115">
+                                            <p:txEl>
+                                              <p:pRg st="8" end="8"/>
+                                            </p:txEl>
+                                          </p:spTgt>
+                                        </p:tgtEl>
+                                        <p:attrNameLst>
+                                          <p:attrName>style.visibility</p:attrName>
+                                        </p:attrNameLst>
+                                      </p:cBhvr>
+                                      <p:to>
+                                        <p:strVal val="visible"/>
+                                      </p:to>
+                                    </p:set>
+                                  </p:childTnLst>
+                                </p:cTn>
+                              </p:par>
+                              <p:par>
+                                <p:cTn id="37" presetID="1" presetClass="entr" presetSubtype="0" fill="hold" nodeType="withEffect">
+                                  <p:stCondLst>
+                                    <p:cond delay="0"/>
+                                  </p:stCondLst>
+                                  <p:childTnLst>
+                                    <p:set>
+                                      <p:cBhvr>
+                                        <p:cTn id="38" dur="1" fill="hold">
+                                          <p:stCondLst>
+                                            <p:cond delay="0"/>
+                                          </p:stCondLst>
+                                        </p:cTn>
+                                        <p:tgtEl>
+                                          <p:spTgt spid="115">
+                                            <p:txEl>
+                                              <p:pRg st="9" end="9"/>
+                                            </p:txEl>
+                                          </p:spTgt>
+                                        </p:tgtEl>
+                                        <p:attrNameLst>
+                                          <p:attrName>style.visibility</p:attrName>
+                                        </p:attrNameLst>
+                                      </p:cBhvr>
+                                      <p:to>
+                                        <p:strVal val="visible"/>
+                                      </p:to>
+                                    </p:set>
+                                  </p:childTnLst>
+                                </p:cTn>
+                              </p:par>
+                            </p:childTnLst>
+                          </p:cTn>
+                        </p:par>
+                      </p:childTnLst>
+                    </p:cTn>
+                  </p:par>
+                </p:childTnLst>
+              </p:cTn>
+              <p:prevCondLst>
+                <p:cond evt="onPrev" delay="0">
+                  <p:tgtEl>
+                    <p:sldTgt/>
+                  </p:tgtEl>
+                </p:cond>
+              </p:prevCondLst>
+              <p:nextCondLst>
+                <p:cond evt="onNext" delay="0">
+                  <p:tgtEl>
+                    <p:sldTgt/>
+                  </p:tgtEl>
+                </p:cond>
+              </p:nextCondLst>
+            </p:seq>
+          </p:childTnLst>
+        </p:cTn>
+      </p:par>
+    </p:tnLst>
+    <p:bldLst>
+      <p:bldP spid="4" grpId="0" animBg="1"/>
+    </p:bldLst>
+  </p:timing>
 </p:sld>
 </file>
 

--- a/docs/AI Hackathon - Presentation.pptx
+++ b/docs/AI Hackathon - Presentation.pptx
@@ -5,7 +5,7 @@
     <p:sldMasterId id="2147483662" r:id="rId1"/>
   </p:sldMasterIdLst>
   <p:notesMasterIdLst>
-    <p:notesMasterId r:id="rId8"/>
+    <p:notesMasterId r:id="rId10"/>
   </p:notesMasterIdLst>
   <p:sldIdLst>
     <p:sldId id="256" r:id="rId2"/>
@@ -14,6 +14,8 @@
     <p:sldId id="263" r:id="rId5"/>
     <p:sldId id="266" r:id="rId6"/>
     <p:sldId id="265" r:id="rId7"/>
+    <p:sldId id="267" r:id="rId8"/>
+    <p:sldId id="268" r:id="rId9"/>
   </p:sldIdLst>
   <p:sldSz cx="9144000" cy="5143500" type="screen16x9"/>
   <p:notesSz cx="6858000" cy="9144000"/>
@@ -1415,6 +1417,272 @@
     <p:extLst>
       <p:ext uri="{BB962C8B-B14F-4D97-AF65-F5344CB8AC3E}">
         <p14:creationId xmlns:p14="http://schemas.microsoft.com/office/powerpoint/2010/main" val="364842516"/>
+      </p:ext>
+    </p:extLst>
+  </p:cSld>
+  <p:clrMapOvr>
+    <a:masterClrMapping/>
+  </p:clrMapOvr>
+</p:notes>
+</file>
+
+<file path=ppt/notesSlides/notesSlide7.xml><?xml version="1.0" encoding="utf-8"?>
+<p:notes xmlns:a="http://schemas.openxmlformats.org/drawingml/2006/main" xmlns:r="http://schemas.openxmlformats.org/officeDocument/2006/relationships" xmlns:p="http://schemas.openxmlformats.org/presentationml/2006/main" showMasterSp="0" showMasterPhAnim="0">
+  <p:cSld>
+    <p:spTree>
+      <p:nvGrpSpPr>
+        <p:cNvPr id="1" name="Shape 110"/>
+        <p:cNvGrpSpPr/>
+        <p:nvPr/>
+      </p:nvGrpSpPr>
+      <p:grpSpPr>
+        <a:xfrm>
+          <a:off x="0" y="0"/>
+          <a:ext cx="0" cy="0"/>
+          <a:chOff x="0" y="0"/>
+          <a:chExt cx="0" cy="0"/>
+        </a:xfrm>
+      </p:grpSpPr>
+      <p:sp>
+        <p:nvSpPr>
+          <p:cNvPr id="111" name="Shape 111"/>
+          <p:cNvSpPr>
+            <a:spLocks noGrp="1" noRot="1" noChangeAspect="1"/>
+          </p:cNvSpPr>
+          <p:nvPr>
+            <p:ph type="sldImg" idx="2"/>
+          </p:nvPr>
+        </p:nvSpPr>
+        <p:spPr>
+          <a:xfrm>
+            <a:off x="381000" y="685800"/>
+            <a:ext cx="6096000" cy="3429000"/>
+          </a:xfrm>
+          <a:custGeom>
+            <a:avLst/>
+            <a:gdLst/>
+            <a:ahLst/>
+            <a:cxnLst/>
+            <a:rect l="0" t="0" r="0" b="0"/>
+            <a:pathLst>
+              <a:path w="120000" h="120000" extrusionOk="0">
+                <a:moveTo>
+                  <a:pt x="0" y="0"/>
+                </a:moveTo>
+                <a:lnTo>
+                  <a:pt x="120000" y="0"/>
+                </a:lnTo>
+                <a:lnTo>
+                  <a:pt x="120000" y="120000"/>
+                </a:lnTo>
+                <a:lnTo>
+                  <a:pt x="0" y="120000"/>
+                </a:lnTo>
+                <a:close/>
+              </a:path>
+            </a:pathLst>
+          </a:custGeom>
+          <a:noFill/>
+          <a:ln w="9525" cap="flat" cmpd="sng">
+            <a:solidFill>
+              <a:srgbClr val="000000"/>
+            </a:solidFill>
+            <a:prstDash val="solid"/>
+            <a:round/>
+            <a:headEnd type="none" w="med" len="med"/>
+            <a:tailEnd type="none" w="med" len="med"/>
+          </a:ln>
+        </p:spPr>
+      </p:sp>
+      <p:sp>
+        <p:nvSpPr>
+          <p:cNvPr id="112" name="Shape 112"/>
+          <p:cNvSpPr txBox="1">
+            <a:spLocks noGrp="1"/>
+          </p:cNvSpPr>
+          <p:nvPr>
+            <p:ph type="body" idx="1"/>
+          </p:nvPr>
+        </p:nvSpPr>
+        <p:spPr>
+          <a:xfrm>
+            <a:off x="685800" y="4343400"/>
+            <a:ext cx="5486399" cy="4114800"/>
+          </a:xfrm>
+          <a:prstGeom prst="rect">
+            <a:avLst/>
+          </a:prstGeom>
+          <a:noFill/>
+          <a:ln>
+            <a:noFill/>
+          </a:ln>
+        </p:spPr>
+        <p:txBody>
+          <a:bodyPr lIns="91425" tIns="91425" rIns="91425" bIns="91425" anchor="t" anchorCtr="0">
+            <a:noAutofit/>
+          </a:bodyPr>
+          <a:lstStyle/>
+          <a:p>
+            <a:pPr marL="0" marR="0" lvl="0" indent="0" algn="l" rtl="0">
+              <a:spcBef>
+                <a:spcPts val="0"/>
+              </a:spcBef>
+              <a:buClr>
+                <a:schemeClr val="dk1"/>
+              </a:buClr>
+              <a:buSzPct val="25000"/>
+              <a:buFont typeface="Arial"/>
+              <a:buNone/>
+            </a:pPr>
+            <a:endParaRPr sz="1100" b="0" i="0" u="none" strike="noStrike" cap="none" dirty="0">
+              <a:solidFill>
+                <a:schemeClr val="dk1"/>
+              </a:solidFill>
+              <a:latin typeface="Arial"/>
+              <a:ea typeface="Arial"/>
+              <a:cs typeface="Arial"/>
+              <a:sym typeface="Arial"/>
+            </a:endParaRPr>
+          </a:p>
+        </p:txBody>
+      </p:sp>
+    </p:spTree>
+    <p:extLst>
+      <p:ext uri="{BB962C8B-B14F-4D97-AF65-F5344CB8AC3E}">
+        <p14:creationId xmlns:p14="http://schemas.microsoft.com/office/powerpoint/2010/main" val="2320600480"/>
+      </p:ext>
+    </p:extLst>
+  </p:cSld>
+  <p:clrMapOvr>
+    <a:masterClrMapping/>
+  </p:clrMapOvr>
+</p:notes>
+</file>
+
+<file path=ppt/notesSlides/notesSlide8.xml><?xml version="1.0" encoding="utf-8"?>
+<p:notes xmlns:a="http://schemas.openxmlformats.org/drawingml/2006/main" xmlns:r="http://schemas.openxmlformats.org/officeDocument/2006/relationships" xmlns:p="http://schemas.openxmlformats.org/presentationml/2006/main" showMasterSp="0" showMasterPhAnim="0">
+  <p:cSld>
+    <p:spTree>
+      <p:nvGrpSpPr>
+        <p:cNvPr id="1" name="Shape 110"/>
+        <p:cNvGrpSpPr/>
+        <p:nvPr/>
+      </p:nvGrpSpPr>
+      <p:grpSpPr>
+        <a:xfrm>
+          <a:off x="0" y="0"/>
+          <a:ext cx="0" cy="0"/>
+          <a:chOff x="0" y="0"/>
+          <a:chExt cx="0" cy="0"/>
+        </a:xfrm>
+      </p:grpSpPr>
+      <p:sp>
+        <p:nvSpPr>
+          <p:cNvPr id="111" name="Shape 111"/>
+          <p:cNvSpPr>
+            <a:spLocks noGrp="1" noRot="1" noChangeAspect="1"/>
+          </p:cNvSpPr>
+          <p:nvPr>
+            <p:ph type="sldImg" idx="2"/>
+          </p:nvPr>
+        </p:nvSpPr>
+        <p:spPr>
+          <a:xfrm>
+            <a:off x="381000" y="685800"/>
+            <a:ext cx="6096000" cy="3429000"/>
+          </a:xfrm>
+          <a:custGeom>
+            <a:avLst/>
+            <a:gdLst/>
+            <a:ahLst/>
+            <a:cxnLst/>
+            <a:rect l="0" t="0" r="0" b="0"/>
+            <a:pathLst>
+              <a:path w="120000" h="120000" extrusionOk="0">
+                <a:moveTo>
+                  <a:pt x="0" y="0"/>
+                </a:moveTo>
+                <a:lnTo>
+                  <a:pt x="120000" y="0"/>
+                </a:lnTo>
+                <a:lnTo>
+                  <a:pt x="120000" y="120000"/>
+                </a:lnTo>
+                <a:lnTo>
+                  <a:pt x="0" y="120000"/>
+                </a:lnTo>
+                <a:close/>
+              </a:path>
+            </a:pathLst>
+          </a:custGeom>
+          <a:noFill/>
+          <a:ln w="9525" cap="flat" cmpd="sng">
+            <a:solidFill>
+              <a:srgbClr val="000000"/>
+            </a:solidFill>
+            <a:prstDash val="solid"/>
+            <a:round/>
+            <a:headEnd type="none" w="med" len="med"/>
+            <a:tailEnd type="none" w="med" len="med"/>
+          </a:ln>
+        </p:spPr>
+      </p:sp>
+      <p:sp>
+        <p:nvSpPr>
+          <p:cNvPr id="112" name="Shape 112"/>
+          <p:cNvSpPr txBox="1">
+            <a:spLocks noGrp="1"/>
+          </p:cNvSpPr>
+          <p:nvPr>
+            <p:ph type="body" idx="1"/>
+          </p:nvPr>
+        </p:nvSpPr>
+        <p:spPr>
+          <a:xfrm>
+            <a:off x="685800" y="4343400"/>
+            <a:ext cx="5486399" cy="4114800"/>
+          </a:xfrm>
+          <a:prstGeom prst="rect">
+            <a:avLst/>
+          </a:prstGeom>
+          <a:noFill/>
+          <a:ln>
+            <a:noFill/>
+          </a:ln>
+        </p:spPr>
+        <p:txBody>
+          <a:bodyPr lIns="91425" tIns="91425" rIns="91425" bIns="91425" anchor="t" anchorCtr="0">
+            <a:noAutofit/>
+          </a:bodyPr>
+          <a:lstStyle/>
+          <a:p>
+            <a:pPr marL="0" marR="0" lvl="0" indent="0" algn="l" rtl="0">
+              <a:spcBef>
+                <a:spcPts val="0"/>
+              </a:spcBef>
+              <a:buClr>
+                <a:schemeClr val="dk1"/>
+              </a:buClr>
+              <a:buSzPct val="25000"/>
+              <a:buFont typeface="Arial"/>
+              <a:buNone/>
+            </a:pPr>
+            <a:endParaRPr sz="1100" b="0" i="0" u="none" strike="noStrike" cap="none" dirty="0">
+              <a:solidFill>
+                <a:schemeClr val="dk1"/>
+              </a:solidFill>
+              <a:latin typeface="Arial"/>
+              <a:ea typeface="Arial"/>
+              <a:cs typeface="Arial"/>
+              <a:sym typeface="Arial"/>
+            </a:endParaRPr>
+          </a:p>
+        </p:txBody>
+      </p:sp>
+    </p:spTree>
+    <p:extLst>
+      <p:ext uri="{BB962C8B-B14F-4D97-AF65-F5344CB8AC3E}">
+        <p14:creationId xmlns:p14="http://schemas.microsoft.com/office/powerpoint/2010/main" val="2249692302"/>
       </p:ext>
     </p:extLst>
   </p:cSld>
@@ -7880,16 +8148,7 @@
                 </a:solidFill>
                 <a:sym typeface="Arial"/>
               </a:rPr>
-              <a:t>Ben, Chris, Julia, Shiv &amp; </a:t>
-            </a:r>
-            <a:r>
-              <a:rPr lang="en-US" sz="1600" b="1" i="1" u="none" strike="noStrike" cap="none" dirty="0" smtClean="0">
-                <a:solidFill>
-                  <a:srgbClr val="2F3252"/>
-                </a:solidFill>
-                <a:sym typeface="Arial"/>
-              </a:rPr>
-              <a:t>Tony</a:t>
+              <a:t>Ben, Chris, Julia, Shiv &amp; Tony</a:t>
             </a:r>
             <a:endParaRPr sz="1100" b="0" i="1" u="none" strike="noStrike" cap="none" dirty="0">
               <a:solidFill>
@@ -8602,25 +8861,8 @@
                 <a:latin typeface="Berlin Sans FB" panose="020E0602020502020306" pitchFamily="34" charset="0"/>
                 <a:sym typeface="Exo 2"/>
               </a:rPr>
-              <a:t>Get rid of asymmetries in </a:t>
+              <a:t>Get rid of asymmetries in your facial expressions</a:t>
             </a:r>
-            <a:r>
-              <a:rPr lang="en-GB" sz="2200" dirty="0" smtClean="0">
-                <a:solidFill>
-                  <a:schemeClr val="bg1"/>
-                </a:solidFill>
-                <a:latin typeface="Berlin Sans FB" panose="020E0602020502020306" pitchFamily="34" charset="0"/>
-                <a:sym typeface="Exo 2"/>
-              </a:rPr>
-              <a:t>your facial expressions</a:t>
-            </a:r>
-            <a:endParaRPr lang="en-GB" sz="2200" dirty="0" smtClean="0">
-              <a:solidFill>
-                <a:schemeClr val="bg1"/>
-              </a:solidFill>
-              <a:latin typeface="Berlin Sans FB" panose="020E0602020502020306" pitchFamily="34" charset="0"/>
-              <a:sym typeface="Exo 2"/>
-            </a:endParaRPr>
           </a:p>
           <a:p>
             <a:r>
@@ -9026,19 +9268,7 @@
                 <a:cs typeface="Exo 2"/>
                 <a:sym typeface="Exo 2"/>
               </a:rPr>
-              <a:t> </a:t>
-            </a:r>
-            <a:r>
-              <a:rPr lang="en-GB" sz="2200" b="0" i="0" u="none" strike="noStrike" cap="none" dirty="0" smtClean="0">
-                <a:solidFill>
-                  <a:schemeClr val="lt1"/>
-                </a:solidFill>
-                <a:latin typeface="Berlin Sans FB" panose="020E0602020502020306" pitchFamily="34" charset="0"/>
-                <a:ea typeface="Exo 2"/>
-                <a:cs typeface="Exo 2"/>
-                <a:sym typeface="Exo 2"/>
-              </a:rPr>
-              <a:t>inspired iOS game</a:t>
+              <a:t> inspired iOS game</a:t>
             </a:r>
           </a:p>
           <a:p>
@@ -10433,7 +10663,16 @@
                 </a:solidFill>
                 <a:latin typeface="Berlin Sans FB Demi" panose="020E0802020502020306" pitchFamily="34" charset="0"/>
               </a:rPr>
-              <a:t>HOW?</a:t>
+              <a:t>HOW</a:t>
+            </a:r>
+            <a:r>
+              <a:rPr lang="en-GB" dirty="0" smtClean="0">
+                <a:solidFill>
+                  <a:schemeClr val="bg1"/>
+                </a:solidFill>
+                <a:latin typeface="Berlin Sans FB Demi" panose="020E0802020502020306" pitchFamily="34" charset="0"/>
+              </a:rPr>
+              <a:t>? - Steps</a:t>
             </a:r>
             <a:endParaRPr lang="en-GB" dirty="0">
               <a:solidFill>
@@ -10498,19 +10737,7 @@
                 <a:cs typeface="Exo 2"/>
                 <a:sym typeface="Exo 2"/>
               </a:rPr>
-              <a:t>1</a:t>
-            </a:r>
-            <a:r>
-              <a:rPr lang="en-GB" sz="2200" b="0" i="0" u="none" strike="noStrike" cap="none" dirty="0" smtClean="0">
-                <a:solidFill>
-                  <a:schemeClr val="lt1"/>
-                </a:solidFill>
-                <a:latin typeface="Berlin Sans FB" panose="020E0602020502020306" pitchFamily="34" charset="0"/>
-                <a:ea typeface="Exo 2"/>
-                <a:cs typeface="Exo 2"/>
-                <a:sym typeface="Exo 2"/>
-              </a:rPr>
-              <a:t>) Detection of the player’s face</a:t>
+              <a:t>1) Detection of the player’s face</a:t>
             </a:r>
           </a:p>
           <a:p>
@@ -10787,19 +11014,7 @@
                 <a:cs typeface="Exo 2"/>
                 <a:sym typeface="Exo 2"/>
               </a:rPr>
-              <a:t>3) </a:t>
-            </a:r>
-            <a:r>
-              <a:rPr lang="en-GB" sz="2200" dirty="0" smtClean="0">
-                <a:solidFill>
-                  <a:schemeClr val="lt1"/>
-                </a:solidFill>
-                <a:latin typeface="Berlin Sans FB" panose="020E0602020502020306" pitchFamily="34" charset="0"/>
-                <a:ea typeface="Exo 2"/>
-                <a:cs typeface="Exo 2"/>
-                <a:sym typeface="Exo 2"/>
-              </a:rPr>
-              <a:t>Update the player’s score on the </a:t>
+              <a:t>3) Update the player’s score on the </a:t>
             </a:r>
             <a:r>
               <a:rPr lang="en-GB" sz="2200" dirty="0" err="1" smtClean="0">
@@ -10823,41 +11038,8 @@
                 <a:cs typeface="Exo 2"/>
                 <a:sym typeface="Exo 2"/>
               </a:rPr>
-              <a:t> (Future wor</a:t>
+              <a:t> (Future work!) </a:t>
             </a:r>
-            <a:r>
-              <a:rPr lang="en-GB" sz="2200" dirty="0" smtClean="0">
-                <a:solidFill>
-                  <a:schemeClr val="lt1"/>
-                </a:solidFill>
-                <a:latin typeface="Berlin Sans FB" panose="020E0602020502020306" pitchFamily="34" charset="0"/>
-                <a:ea typeface="Exo 2"/>
-                <a:cs typeface="Exo 2"/>
-                <a:sym typeface="Exo 2"/>
-              </a:rPr>
-              <a:t>k!)</a:t>
-            </a:r>
-            <a:r>
-              <a:rPr lang="en-GB" sz="2200" dirty="0" smtClean="0">
-                <a:solidFill>
-                  <a:schemeClr val="lt1"/>
-                </a:solidFill>
-                <a:latin typeface="Berlin Sans FB" panose="020E0602020502020306" pitchFamily="34" charset="0"/>
-                <a:ea typeface="Exo 2"/>
-                <a:cs typeface="Exo 2"/>
-                <a:sym typeface="Exo 2"/>
-              </a:rPr>
-              <a:t> </a:t>
-            </a:r>
-            <a:endParaRPr lang="en-GB" sz="2200" dirty="0" smtClean="0">
-              <a:solidFill>
-                <a:schemeClr val="lt1"/>
-              </a:solidFill>
-              <a:latin typeface="Berlin Sans FB" panose="020E0602020502020306" pitchFamily="34" charset="0"/>
-              <a:ea typeface="Exo 2"/>
-              <a:cs typeface="Exo 2"/>
-              <a:sym typeface="Exo 2"/>
-            </a:endParaRPr>
           </a:p>
           <a:p>
             <a:pPr marR="0" lvl="0" algn="l" rtl="0">
@@ -11799,6 +11981,1485 @@
 </p:sld>
 </file>
 
+<file path=ppt/slides/slide7.xml><?xml version="1.0" encoding="utf-8"?>
+<p:sld xmlns:a="http://schemas.openxmlformats.org/drawingml/2006/main" xmlns:r="http://schemas.openxmlformats.org/officeDocument/2006/relationships" xmlns:p="http://schemas.openxmlformats.org/presentationml/2006/main">
+  <p:cSld>
+    <p:spTree>
+      <p:nvGrpSpPr>
+        <p:cNvPr id="1" name="Shape 113"/>
+        <p:cNvGrpSpPr/>
+        <p:nvPr/>
+      </p:nvGrpSpPr>
+      <p:grpSpPr>
+        <a:xfrm>
+          <a:off x="0" y="0"/>
+          <a:ext cx="0" cy="0"/>
+          <a:chOff x="0" y="0"/>
+          <a:chExt cx="0" cy="0"/>
+        </a:xfrm>
+      </p:grpSpPr>
+      <p:pic>
+        <p:nvPicPr>
+          <p:cNvPr id="114" name="Shape 114"/>
+          <p:cNvPicPr preferRelativeResize="0"/>
+          <p:nvPr/>
+        </p:nvPicPr>
+        <p:blipFill rotWithShape="1">
+          <a:blip r:embed="rId3">
+            <a:alphaModFix/>
+          </a:blip>
+          <a:srcRect l="10978" r="10993"/>
+          <a:stretch/>
+        </p:blipFill>
+        <p:spPr>
+          <a:xfrm>
+            <a:off x="-46140" y="1"/>
+            <a:ext cx="9144000" cy="5143499"/>
+          </a:xfrm>
+          <a:prstGeom prst="rect">
+            <a:avLst/>
+          </a:prstGeom>
+          <a:noFill/>
+          <a:ln>
+            <a:noFill/>
+          </a:ln>
+        </p:spPr>
+      </p:pic>
+      <p:sp>
+        <p:nvSpPr>
+          <p:cNvPr id="2" name="Title 1"/>
+          <p:cNvSpPr>
+            <a:spLocks noGrp="1"/>
+          </p:cNvSpPr>
+          <p:nvPr>
+            <p:ph type="title"/>
+          </p:nvPr>
+        </p:nvSpPr>
+        <p:spPr/>
+        <p:txBody>
+          <a:bodyPr/>
+          <a:lstStyle/>
+          <a:p>
+            <a:r>
+              <a:rPr lang="en-GB" dirty="0" smtClean="0">
+                <a:solidFill>
+                  <a:schemeClr val="bg1"/>
+                </a:solidFill>
+                <a:latin typeface="Berlin Sans FB Demi" panose="020E0802020502020306" pitchFamily="34" charset="0"/>
+              </a:rPr>
+              <a:t>HOW</a:t>
+            </a:r>
+            <a:r>
+              <a:rPr lang="en-GB" dirty="0" smtClean="0">
+                <a:solidFill>
+                  <a:schemeClr val="bg1"/>
+                </a:solidFill>
+                <a:latin typeface="Berlin Sans FB Demi" panose="020E0802020502020306" pitchFamily="34" charset="0"/>
+              </a:rPr>
+              <a:t>? - Training</a:t>
+            </a:r>
+            <a:endParaRPr lang="en-GB" dirty="0">
+              <a:solidFill>
+                <a:schemeClr val="bg1"/>
+              </a:solidFill>
+              <a:latin typeface="Berlin Sans FB Demi" panose="020E0802020502020306" pitchFamily="34" charset="0"/>
+            </a:endParaRPr>
+          </a:p>
+        </p:txBody>
+      </p:sp>
+      <p:sp>
+        <p:nvSpPr>
+          <p:cNvPr id="115" name="Shape 115"/>
+          <p:cNvSpPr txBox="1">
+            <a:spLocks noGrp="1"/>
+          </p:cNvSpPr>
+          <p:nvPr>
+            <p:ph type="body" idx="1"/>
+          </p:nvPr>
+        </p:nvSpPr>
+        <p:spPr>
+          <a:xfrm>
+            <a:off x="311700" y="1152475"/>
+            <a:ext cx="7838387" cy="3416400"/>
+          </a:xfrm>
+          <a:prstGeom prst="rect">
+            <a:avLst/>
+          </a:prstGeom>
+          <a:noFill/>
+          <a:ln>
+            <a:noFill/>
+          </a:ln>
+        </p:spPr>
+        <p:txBody>
+          <a:bodyPr lIns="91425" tIns="91425" rIns="91425" bIns="91425" anchor="t" anchorCtr="0">
+            <a:noAutofit/>
+          </a:bodyPr>
+          <a:lstStyle/>
+          <a:p>
+            <a:pPr marR="0" lvl="0" algn="l" rtl="0">
+              <a:lnSpc>
+                <a:spcPct val="100000"/>
+              </a:lnSpc>
+              <a:spcBef>
+                <a:spcPts val="0"/>
+              </a:spcBef>
+              <a:spcAft>
+                <a:spcPts val="0"/>
+              </a:spcAft>
+              <a:buClr>
+                <a:schemeClr val="lt1"/>
+              </a:buClr>
+              <a:buSzPct val="25000"/>
+            </a:pPr>
+            <a:endParaRPr lang="en-GB" sz="2000" b="0" i="0" u="none" strike="noStrike" cap="none" dirty="0" smtClean="0">
+              <a:solidFill>
+                <a:schemeClr val="lt1"/>
+              </a:solidFill>
+              <a:latin typeface="Berlin Sans FB" panose="020E0602020502020306" pitchFamily="34" charset="0"/>
+              <a:ea typeface="Exo 2"/>
+              <a:cs typeface="Exo 2"/>
+              <a:sym typeface="Exo 2"/>
+            </a:endParaRPr>
+          </a:p>
+          <a:p>
+            <a:pPr marL="171450" marR="0" lvl="0" indent="-171450" algn="l" rtl="0">
+              <a:lnSpc>
+                <a:spcPct val="100000"/>
+              </a:lnSpc>
+              <a:spcBef>
+                <a:spcPts val="0"/>
+              </a:spcBef>
+              <a:spcAft>
+                <a:spcPts val="0"/>
+              </a:spcAft>
+              <a:buClr>
+                <a:schemeClr val="lt1"/>
+              </a:buClr>
+              <a:buSzPct val="25000"/>
+              <a:buFont typeface="Arial" panose="020B0604020202020204" pitchFamily="34" charset="0"/>
+              <a:buChar char="•"/>
+            </a:pPr>
+            <a:endParaRPr lang="en-GB" sz="1200" dirty="0">
+              <a:solidFill>
+                <a:schemeClr val="lt1"/>
+              </a:solidFill>
+              <a:latin typeface="Berlin Sans FB Demi" panose="020E0802020502020306" pitchFamily="34" charset="0"/>
+              <a:ea typeface="Exo 2"/>
+              <a:cs typeface="Exo 2"/>
+              <a:sym typeface="Exo 2"/>
+            </a:endParaRPr>
+          </a:p>
+        </p:txBody>
+      </p:sp>
+      <p:sp>
+        <p:nvSpPr>
+          <p:cNvPr id="5" name="Flowchart: Magnetic Disk 4"/>
+          <p:cNvSpPr/>
+          <p:nvPr/>
+        </p:nvSpPr>
+        <p:spPr>
+          <a:xfrm>
+            <a:off x="1969306" y="1599858"/>
+            <a:ext cx="851483" cy="889233"/>
+          </a:xfrm>
+          <a:prstGeom prst="flowChartMagneticDisk">
+            <a:avLst/>
+          </a:prstGeom>
+          <a:solidFill>
+            <a:srgbClr val="777777">
+              <a:alpha val="69804"/>
+            </a:srgbClr>
+          </a:solidFill>
+        </p:spPr>
+        <p:style>
+          <a:lnRef idx="2">
+            <a:schemeClr val="dk1"/>
+          </a:lnRef>
+          <a:fillRef idx="1">
+            <a:schemeClr val="lt1"/>
+          </a:fillRef>
+          <a:effectRef idx="0">
+            <a:schemeClr val="dk1"/>
+          </a:effectRef>
+          <a:fontRef idx="minor">
+            <a:schemeClr val="dk1"/>
+          </a:fontRef>
+        </p:style>
+        <p:txBody>
+          <a:bodyPr rtlCol="0" anchor="ctr"/>
+          <a:lstStyle/>
+          <a:p>
+            <a:pPr algn="ctr"/>
+            <a:endParaRPr lang="en-GB"/>
+          </a:p>
+        </p:txBody>
+      </p:sp>
+      <p:sp>
+        <p:nvSpPr>
+          <p:cNvPr id="14" name="Flowchart: Magnetic Disk 13"/>
+          <p:cNvSpPr/>
+          <p:nvPr/>
+        </p:nvSpPr>
+        <p:spPr>
+          <a:xfrm>
+            <a:off x="1503000" y="3952242"/>
+            <a:ext cx="851483" cy="889233"/>
+          </a:xfrm>
+          <a:prstGeom prst="flowChartMagneticDisk">
+            <a:avLst/>
+          </a:prstGeom>
+          <a:solidFill>
+            <a:srgbClr val="777777">
+              <a:alpha val="69804"/>
+            </a:srgbClr>
+          </a:solidFill>
+        </p:spPr>
+        <p:style>
+          <a:lnRef idx="2">
+            <a:schemeClr val="dk1"/>
+          </a:lnRef>
+          <a:fillRef idx="1">
+            <a:schemeClr val="lt1"/>
+          </a:fillRef>
+          <a:effectRef idx="0">
+            <a:schemeClr val="dk1"/>
+          </a:effectRef>
+          <a:fontRef idx="minor">
+            <a:schemeClr val="dk1"/>
+          </a:fontRef>
+        </p:style>
+        <p:txBody>
+          <a:bodyPr rtlCol="0" anchor="ctr"/>
+          <a:lstStyle/>
+          <a:p>
+            <a:pPr algn="ctr"/>
+            <a:endParaRPr lang="en-GB"/>
+          </a:p>
+        </p:txBody>
+      </p:sp>
+      <p:sp>
+        <p:nvSpPr>
+          <p:cNvPr id="6" name="TextBox 5"/>
+          <p:cNvSpPr txBox="1"/>
+          <p:nvPr/>
+        </p:nvSpPr>
+        <p:spPr>
+          <a:xfrm>
+            <a:off x="3616265" y="2335563"/>
+            <a:ext cx="2449584" cy="1107996"/>
+          </a:xfrm>
+          <a:prstGeom prst="rect">
+            <a:avLst/>
+          </a:prstGeom>
+          <a:noFill/>
+          <a:ln w="38100">
+            <a:solidFill>
+              <a:schemeClr val="accent1"/>
+            </a:solidFill>
+          </a:ln>
+        </p:spPr>
+        <p:txBody>
+          <a:bodyPr wrap="square" rtlCol="0">
+            <a:spAutoFit/>
+          </a:bodyPr>
+          <a:lstStyle/>
+          <a:p>
+            <a:r>
+              <a:rPr lang="en-GB" sz="2200" dirty="0" smtClean="0">
+                <a:solidFill>
+                  <a:schemeClr val="bg1"/>
+                </a:solidFill>
+                <a:latin typeface="Berlin Sans FB" panose="020E0602020502020306" pitchFamily="34" charset="0"/>
+              </a:rPr>
+              <a:t>DEEP LEARNING CONVOLUTIONAL NETWORK</a:t>
+            </a:r>
+            <a:endParaRPr lang="en-GB" sz="2200" dirty="0">
+              <a:solidFill>
+                <a:schemeClr val="bg1"/>
+              </a:solidFill>
+              <a:latin typeface="Berlin Sans FB" panose="020E0602020502020306" pitchFamily="34" charset="0"/>
+            </a:endParaRPr>
+          </a:p>
+        </p:txBody>
+      </p:sp>
+      <p:cxnSp>
+        <p:nvCxnSpPr>
+          <p:cNvPr id="17" name="Straight Arrow Connector 16"/>
+          <p:cNvCxnSpPr>
+            <a:stCxn id="14" idx="4"/>
+            <a:endCxn id="6" idx="1"/>
+          </p:cNvCxnSpPr>
+          <p:nvPr/>
+        </p:nvCxnSpPr>
+        <p:spPr>
+          <a:xfrm flipV="1">
+            <a:off x="2354483" y="2889561"/>
+            <a:ext cx="1261782" cy="1507298"/>
+          </a:xfrm>
+          <a:prstGeom prst="straightConnector1">
+            <a:avLst/>
+          </a:prstGeom>
+          <a:ln>
+            <a:tailEnd type="triangle"/>
+          </a:ln>
+        </p:spPr>
+        <p:style>
+          <a:lnRef idx="2">
+            <a:schemeClr val="accent2"/>
+          </a:lnRef>
+          <a:fillRef idx="0">
+            <a:schemeClr val="accent2"/>
+          </a:fillRef>
+          <a:effectRef idx="1">
+            <a:schemeClr val="accent2"/>
+          </a:effectRef>
+          <a:fontRef idx="minor">
+            <a:schemeClr val="tx1"/>
+          </a:fontRef>
+        </p:style>
+      </p:cxnSp>
+      <p:sp>
+        <p:nvSpPr>
+          <p:cNvPr id="18" name="TextBox 17"/>
+          <p:cNvSpPr txBox="1"/>
+          <p:nvPr/>
+        </p:nvSpPr>
+        <p:spPr>
+          <a:xfrm>
+            <a:off x="7045379" y="2335563"/>
+            <a:ext cx="1726755" cy="1107996"/>
+          </a:xfrm>
+          <a:prstGeom prst="rect">
+            <a:avLst/>
+          </a:prstGeom>
+          <a:noFill/>
+        </p:spPr>
+        <p:txBody>
+          <a:bodyPr wrap="none" rtlCol="0">
+            <a:spAutoFit/>
+          </a:bodyPr>
+          <a:lstStyle/>
+          <a:p>
+            <a:r>
+              <a:rPr lang="en-GB" sz="2200" dirty="0" smtClean="0">
+                <a:solidFill>
+                  <a:schemeClr val="bg1"/>
+                </a:solidFill>
+                <a:latin typeface="Berlin Sans FB" panose="020E0602020502020306" pitchFamily="34" charset="0"/>
+              </a:rPr>
+              <a:t>TRAINED</a:t>
+            </a:r>
+          </a:p>
+          <a:p>
+            <a:r>
+              <a:rPr lang="en-GB" sz="2200" dirty="0" smtClean="0">
+                <a:solidFill>
+                  <a:schemeClr val="bg1"/>
+                </a:solidFill>
+                <a:latin typeface="Berlin Sans FB" panose="020E0602020502020306" pitchFamily="34" charset="0"/>
+              </a:rPr>
+              <a:t>PREDICTION</a:t>
+            </a:r>
+          </a:p>
+          <a:p>
+            <a:r>
+              <a:rPr lang="en-GB" sz="2200" dirty="0" smtClean="0">
+                <a:solidFill>
+                  <a:schemeClr val="bg1"/>
+                </a:solidFill>
+                <a:latin typeface="Berlin Sans FB" panose="020E0602020502020306" pitchFamily="34" charset="0"/>
+              </a:rPr>
+              <a:t>MODEL</a:t>
+            </a:r>
+            <a:endParaRPr lang="en-GB" sz="2200" dirty="0">
+              <a:solidFill>
+                <a:schemeClr val="bg1"/>
+              </a:solidFill>
+              <a:latin typeface="Berlin Sans FB" panose="020E0602020502020306" pitchFamily="34" charset="0"/>
+            </a:endParaRPr>
+          </a:p>
+        </p:txBody>
+      </p:sp>
+      <p:cxnSp>
+        <p:nvCxnSpPr>
+          <p:cNvPr id="21" name="Straight Arrow Connector 20"/>
+          <p:cNvCxnSpPr>
+            <a:stCxn id="6" idx="3"/>
+            <a:endCxn id="18" idx="1"/>
+          </p:cNvCxnSpPr>
+          <p:nvPr/>
+        </p:nvCxnSpPr>
+        <p:spPr>
+          <a:xfrm>
+            <a:off x="6065849" y="2889561"/>
+            <a:ext cx="979530" cy="0"/>
+          </a:xfrm>
+          <a:prstGeom prst="straightConnector1">
+            <a:avLst/>
+          </a:prstGeom>
+          <a:ln>
+            <a:tailEnd type="triangle"/>
+          </a:ln>
+        </p:spPr>
+        <p:style>
+          <a:lnRef idx="2">
+            <a:schemeClr val="accent2"/>
+          </a:lnRef>
+          <a:fillRef idx="0">
+            <a:schemeClr val="accent2"/>
+          </a:fillRef>
+          <a:effectRef idx="1">
+            <a:schemeClr val="accent2"/>
+          </a:effectRef>
+          <a:fontRef idx="minor">
+            <a:schemeClr val="tx1"/>
+          </a:fontRef>
+        </p:style>
+      </p:cxnSp>
+      <p:grpSp>
+        <p:nvGrpSpPr>
+          <p:cNvPr id="111" name="Group 110"/>
+          <p:cNvGrpSpPr/>
+          <p:nvPr/>
+        </p:nvGrpSpPr>
+        <p:grpSpPr>
+          <a:xfrm>
+            <a:off x="85864" y="2163548"/>
+            <a:ext cx="2112878" cy="1446225"/>
+            <a:chOff x="267216" y="1398372"/>
+            <a:chExt cx="2112878" cy="1446225"/>
+          </a:xfrm>
+        </p:grpSpPr>
+        <p:pic>
+          <p:nvPicPr>
+            <p:cNvPr id="104" name="Picture 103"/>
+            <p:cNvPicPr>
+              <a:picLocks/>
+            </p:cNvPicPr>
+            <p:nvPr/>
+          </p:nvPicPr>
+          <p:blipFill rotWithShape="1">
+            <a:blip r:embed="rId4">
+              <a:extLst>
+                <a:ext uri="{28A0092B-C50C-407E-A947-70E740481C1C}">
+                  <a14:useLocalDpi xmlns:a14="http://schemas.microsoft.com/office/drawing/2010/main" val="0"/>
+                </a:ext>
+              </a:extLst>
+            </a:blip>
+            <a:srcRect t="18289" b="5940"/>
+            <a:stretch/>
+          </p:blipFill>
+          <p:spPr>
+            <a:xfrm>
+              <a:off x="267216" y="1404385"/>
+              <a:ext cx="720000" cy="720000"/>
+            </a:xfrm>
+            <a:prstGeom prst="rect">
+              <a:avLst/>
+            </a:prstGeom>
+          </p:spPr>
+        </p:pic>
+        <p:pic>
+          <p:nvPicPr>
+            <p:cNvPr id="45" name="Picture 44" descr="C:\Users\jfk24\AppData\Local\Microsoft\Windows\INetCache\Content.Word\1f632.png"/>
+            <p:cNvPicPr>
+              <a:picLocks noChangeAspect="1"/>
+            </p:cNvPicPr>
+            <p:nvPr/>
+          </p:nvPicPr>
+          <p:blipFill>
+            <a:blip r:embed="rId5">
+              <a:extLst>
+                <a:ext uri="{28A0092B-C50C-407E-A947-70E740481C1C}">
+                  <a14:useLocalDpi xmlns:a14="http://schemas.microsoft.com/office/drawing/2010/main" val="0"/>
+                </a:ext>
+              </a:extLst>
+            </a:blip>
+            <a:srcRect/>
+            <a:stretch>
+              <a:fillRect/>
+            </a:stretch>
+          </p:blipFill>
+          <p:spPr bwMode="auto">
+            <a:xfrm>
+              <a:off x="1267885" y="1398372"/>
+              <a:ext cx="540000" cy="540000"/>
+            </a:xfrm>
+            <a:prstGeom prst="rect">
+              <a:avLst/>
+            </a:prstGeom>
+            <a:noFill/>
+            <a:ln>
+              <a:noFill/>
+            </a:ln>
+            <a:effectLst>
+              <a:outerShdw blurRad="50800" dist="38100" dir="8100000" algn="tr" rotWithShape="0">
+                <a:prstClr val="black">
+                  <a:alpha val="50000"/>
+                </a:prstClr>
+              </a:outerShdw>
+            </a:effectLst>
+          </p:spPr>
+        </p:pic>
+        <p:pic>
+          <p:nvPicPr>
+            <p:cNvPr id="105" name="Picture 104"/>
+            <p:cNvPicPr>
+              <a:picLocks/>
+            </p:cNvPicPr>
+            <p:nvPr/>
+          </p:nvPicPr>
+          <p:blipFill rotWithShape="1">
+            <a:blip r:embed="rId6">
+              <a:extLst>
+                <a:ext uri="{28A0092B-C50C-407E-A947-70E740481C1C}">
+                  <a14:useLocalDpi xmlns:a14="http://schemas.microsoft.com/office/drawing/2010/main" val="0"/>
+                </a:ext>
+              </a:extLst>
+            </a:blip>
+            <a:srcRect t="17160" b="10670"/>
+            <a:stretch/>
+          </p:blipFill>
+          <p:spPr>
+            <a:xfrm>
+              <a:off x="574281" y="1786391"/>
+              <a:ext cx="720000" cy="720000"/>
+            </a:xfrm>
+            <a:prstGeom prst="rect">
+              <a:avLst/>
+            </a:prstGeom>
+          </p:spPr>
+        </p:pic>
+        <p:pic>
+          <p:nvPicPr>
+            <p:cNvPr id="44" name="Picture 43" descr="C:\Users\jfk24\AppData\Local\Microsoft\Windows\INetCache\Content.Word\1f622.png"/>
+            <p:cNvPicPr/>
+            <p:nvPr/>
+          </p:nvPicPr>
+          <p:blipFill>
+            <a:blip r:embed="rId7">
+              <a:extLst>
+                <a:ext uri="{28A0092B-C50C-407E-A947-70E740481C1C}">
+                  <a14:useLocalDpi xmlns:a14="http://schemas.microsoft.com/office/drawing/2010/main" val="0"/>
+                </a:ext>
+              </a:extLst>
+            </a:blip>
+            <a:srcRect/>
+            <a:stretch>
+              <a:fillRect/>
+            </a:stretch>
+          </p:blipFill>
+          <p:spPr bwMode="auto">
+            <a:xfrm>
+              <a:off x="1537885" y="1706776"/>
+              <a:ext cx="540000" cy="540000"/>
+            </a:xfrm>
+            <a:prstGeom prst="rect">
+              <a:avLst/>
+            </a:prstGeom>
+            <a:noFill/>
+            <a:ln>
+              <a:noFill/>
+            </a:ln>
+            <a:effectLst>
+              <a:outerShdw blurRad="50800" dist="38100" dir="8100000" algn="tr" rotWithShape="0">
+                <a:prstClr val="black">
+                  <a:alpha val="50000"/>
+                </a:prstClr>
+              </a:outerShdw>
+            </a:effectLst>
+          </p:spPr>
+        </p:pic>
+        <p:pic>
+          <p:nvPicPr>
+            <p:cNvPr id="103" name="Picture 102"/>
+            <p:cNvPicPr>
+              <a:picLocks/>
+            </p:cNvPicPr>
+            <p:nvPr/>
+          </p:nvPicPr>
+          <p:blipFill rotWithShape="1">
+            <a:blip r:embed="rId8">
+              <a:extLst>
+                <a:ext uri="{28A0092B-C50C-407E-A947-70E740481C1C}">
+                  <a14:useLocalDpi xmlns:a14="http://schemas.microsoft.com/office/drawing/2010/main" val="0"/>
+                </a:ext>
+              </a:extLst>
+            </a:blip>
+            <a:srcRect t="13782" b="8098"/>
+            <a:stretch/>
+          </p:blipFill>
+          <p:spPr>
+            <a:xfrm>
+              <a:off x="993379" y="2124597"/>
+              <a:ext cx="720000" cy="720000"/>
+            </a:xfrm>
+            <a:prstGeom prst="rect">
+              <a:avLst/>
+            </a:prstGeom>
+          </p:spPr>
+        </p:pic>
+        <p:pic>
+          <p:nvPicPr>
+            <p:cNvPr id="46" name="Picture 45" descr="C:\Users\jfk24\AppData\Local\Microsoft\Windows\INetCache\Content.Word\1f600.png"/>
+            <p:cNvPicPr>
+              <a:picLocks noChangeAspect="1"/>
+            </p:cNvPicPr>
+            <p:nvPr/>
+          </p:nvPicPr>
+          <p:blipFill>
+            <a:blip r:embed="rId9">
+              <a:extLst>
+                <a:ext uri="{28A0092B-C50C-407E-A947-70E740481C1C}">
+                  <a14:useLocalDpi xmlns:a14="http://schemas.microsoft.com/office/drawing/2010/main" val="0"/>
+                </a:ext>
+              </a:extLst>
+            </a:blip>
+            <a:srcRect/>
+            <a:stretch>
+              <a:fillRect/>
+            </a:stretch>
+          </p:blipFill>
+          <p:spPr bwMode="auto">
+            <a:xfrm>
+              <a:off x="1840094" y="2057206"/>
+              <a:ext cx="540000" cy="540000"/>
+            </a:xfrm>
+            <a:prstGeom prst="rect">
+              <a:avLst/>
+            </a:prstGeom>
+            <a:noFill/>
+            <a:ln>
+              <a:noFill/>
+            </a:ln>
+            <a:effectLst>
+              <a:outerShdw blurRad="50800" dist="38100" dir="8100000" algn="tr" rotWithShape="0">
+                <a:prstClr val="black">
+                  <a:alpha val="50000"/>
+                </a:prstClr>
+              </a:outerShdw>
+            </a:effectLst>
+          </p:spPr>
+        </p:pic>
+      </p:grpSp>
+      <p:cxnSp>
+        <p:nvCxnSpPr>
+          <p:cNvPr id="51" name="Straight Arrow Connector 50"/>
+          <p:cNvCxnSpPr>
+            <a:stCxn id="5" idx="4"/>
+            <a:endCxn id="6" idx="1"/>
+          </p:cNvCxnSpPr>
+          <p:nvPr/>
+        </p:nvCxnSpPr>
+        <p:spPr>
+          <a:xfrm>
+            <a:off x="2820789" y="2044475"/>
+            <a:ext cx="795476" cy="845086"/>
+          </a:xfrm>
+          <a:prstGeom prst="straightConnector1">
+            <a:avLst/>
+          </a:prstGeom>
+          <a:ln>
+            <a:tailEnd type="triangle"/>
+          </a:ln>
+        </p:spPr>
+        <p:style>
+          <a:lnRef idx="2">
+            <a:schemeClr val="accent2"/>
+          </a:lnRef>
+          <a:fillRef idx="0">
+            <a:schemeClr val="accent2"/>
+          </a:fillRef>
+          <a:effectRef idx="1">
+            <a:schemeClr val="accent2"/>
+          </a:effectRef>
+          <a:fontRef idx="minor">
+            <a:schemeClr val="tx1"/>
+          </a:fontRef>
+        </p:style>
+      </p:cxnSp>
+    </p:spTree>
+    <p:extLst>
+      <p:ext uri="{BB962C8B-B14F-4D97-AF65-F5344CB8AC3E}">
+        <p14:creationId xmlns:p14="http://schemas.microsoft.com/office/powerpoint/2010/main" val="1156643785"/>
+      </p:ext>
+    </p:extLst>
+  </p:cSld>
+  <p:clrMapOvr>
+    <a:masterClrMapping/>
+  </p:clrMapOvr>
+  <p:timing>
+    <p:tnLst>
+      <p:par>
+        <p:cTn id="1" dur="indefinite" restart="never" nodeType="tmRoot"/>
+      </p:par>
+    </p:tnLst>
+  </p:timing>
+</p:sld>
+</file>
+
+<file path=ppt/slides/slide8.xml><?xml version="1.0" encoding="utf-8"?>
+<p:sld xmlns:a="http://schemas.openxmlformats.org/drawingml/2006/main" xmlns:r="http://schemas.openxmlformats.org/officeDocument/2006/relationships" xmlns:p="http://schemas.openxmlformats.org/presentationml/2006/main">
+  <p:cSld>
+    <p:spTree>
+      <p:nvGrpSpPr>
+        <p:cNvPr id="1" name="Shape 113"/>
+        <p:cNvGrpSpPr/>
+        <p:nvPr/>
+      </p:nvGrpSpPr>
+      <p:grpSpPr>
+        <a:xfrm>
+          <a:off x="0" y="0"/>
+          <a:ext cx="0" cy="0"/>
+          <a:chOff x="0" y="0"/>
+          <a:chExt cx="0" cy="0"/>
+        </a:xfrm>
+      </p:grpSpPr>
+      <p:pic>
+        <p:nvPicPr>
+          <p:cNvPr id="114" name="Shape 114"/>
+          <p:cNvPicPr preferRelativeResize="0"/>
+          <p:nvPr/>
+        </p:nvPicPr>
+        <p:blipFill rotWithShape="1">
+          <a:blip r:embed="rId3">
+            <a:alphaModFix/>
+          </a:blip>
+          <a:srcRect l="10978" r="10993"/>
+          <a:stretch/>
+        </p:blipFill>
+        <p:spPr>
+          <a:xfrm>
+            <a:off x="-42042" y="0"/>
+            <a:ext cx="9144000" cy="5143499"/>
+          </a:xfrm>
+          <a:prstGeom prst="rect">
+            <a:avLst/>
+          </a:prstGeom>
+          <a:noFill/>
+          <a:ln>
+            <a:noFill/>
+          </a:ln>
+        </p:spPr>
+      </p:pic>
+      <p:sp>
+        <p:nvSpPr>
+          <p:cNvPr id="2" name="Title 1"/>
+          <p:cNvSpPr>
+            <a:spLocks noGrp="1"/>
+          </p:cNvSpPr>
+          <p:nvPr>
+            <p:ph type="title"/>
+          </p:nvPr>
+        </p:nvSpPr>
+        <p:spPr/>
+        <p:txBody>
+          <a:bodyPr/>
+          <a:lstStyle/>
+          <a:p>
+            <a:r>
+              <a:rPr lang="en-GB" dirty="0" smtClean="0">
+                <a:solidFill>
+                  <a:schemeClr val="bg1"/>
+                </a:solidFill>
+                <a:latin typeface="Berlin Sans FB Demi" panose="020E0802020502020306" pitchFamily="34" charset="0"/>
+              </a:rPr>
+              <a:t>HOW</a:t>
+            </a:r>
+            <a:r>
+              <a:rPr lang="en-GB" dirty="0" smtClean="0">
+                <a:solidFill>
+                  <a:schemeClr val="bg1"/>
+                </a:solidFill>
+                <a:latin typeface="Berlin Sans FB Demi" panose="020E0802020502020306" pitchFamily="34" charset="0"/>
+              </a:rPr>
+              <a:t>? -Application</a:t>
+            </a:r>
+            <a:endParaRPr lang="en-GB" dirty="0">
+              <a:solidFill>
+                <a:schemeClr val="bg1"/>
+              </a:solidFill>
+              <a:latin typeface="Berlin Sans FB Demi" panose="020E0802020502020306" pitchFamily="34" charset="0"/>
+            </a:endParaRPr>
+          </a:p>
+        </p:txBody>
+      </p:sp>
+      <p:sp>
+        <p:nvSpPr>
+          <p:cNvPr id="115" name="Shape 115"/>
+          <p:cNvSpPr txBox="1">
+            <a:spLocks noGrp="1"/>
+          </p:cNvSpPr>
+          <p:nvPr>
+            <p:ph type="body" idx="1"/>
+          </p:nvPr>
+        </p:nvSpPr>
+        <p:spPr>
+          <a:xfrm>
+            <a:off x="311700" y="1152475"/>
+            <a:ext cx="7838387" cy="3416400"/>
+          </a:xfrm>
+          <a:prstGeom prst="rect">
+            <a:avLst/>
+          </a:prstGeom>
+          <a:noFill/>
+          <a:ln>
+            <a:noFill/>
+          </a:ln>
+        </p:spPr>
+        <p:txBody>
+          <a:bodyPr lIns="91425" tIns="91425" rIns="91425" bIns="91425" anchor="t" anchorCtr="0">
+            <a:noAutofit/>
+          </a:bodyPr>
+          <a:lstStyle/>
+          <a:p>
+            <a:pPr marR="0" lvl="0" algn="l" rtl="0">
+              <a:lnSpc>
+                <a:spcPct val="100000"/>
+              </a:lnSpc>
+              <a:spcBef>
+                <a:spcPts val="0"/>
+              </a:spcBef>
+              <a:spcAft>
+                <a:spcPts val="0"/>
+              </a:spcAft>
+              <a:buClr>
+                <a:schemeClr val="lt1"/>
+              </a:buClr>
+              <a:buSzPct val="25000"/>
+            </a:pPr>
+            <a:endParaRPr lang="en-GB" sz="2000" b="0" i="0" u="none" strike="noStrike" cap="none" dirty="0" smtClean="0">
+              <a:solidFill>
+                <a:schemeClr val="lt1"/>
+              </a:solidFill>
+              <a:latin typeface="Berlin Sans FB" panose="020E0602020502020306" pitchFamily="34" charset="0"/>
+              <a:ea typeface="Exo 2"/>
+              <a:cs typeface="Exo 2"/>
+              <a:sym typeface="Exo 2"/>
+            </a:endParaRPr>
+          </a:p>
+          <a:p>
+            <a:pPr marL="171450" marR="0" lvl="0" indent="-171450" algn="l" rtl="0">
+              <a:lnSpc>
+                <a:spcPct val="100000"/>
+              </a:lnSpc>
+              <a:spcBef>
+                <a:spcPts val="0"/>
+              </a:spcBef>
+              <a:spcAft>
+                <a:spcPts val="0"/>
+              </a:spcAft>
+              <a:buClr>
+                <a:schemeClr val="lt1"/>
+              </a:buClr>
+              <a:buSzPct val="25000"/>
+              <a:buFont typeface="Arial" panose="020B0604020202020204" pitchFamily="34" charset="0"/>
+              <a:buChar char="•"/>
+            </a:pPr>
+            <a:endParaRPr lang="en-GB" sz="1200" dirty="0">
+              <a:solidFill>
+                <a:schemeClr val="lt1"/>
+              </a:solidFill>
+              <a:latin typeface="Berlin Sans FB Demi" panose="020E0802020502020306" pitchFamily="34" charset="0"/>
+              <a:ea typeface="Exo 2"/>
+              <a:cs typeface="Exo 2"/>
+              <a:sym typeface="Exo 2"/>
+            </a:endParaRPr>
+          </a:p>
+        </p:txBody>
+      </p:sp>
+      <p:pic>
+        <p:nvPicPr>
+          <p:cNvPr id="8" name="Picture 7"/>
+          <p:cNvPicPr>
+            <a:picLocks noChangeAspect="1"/>
+          </p:cNvPicPr>
+          <p:nvPr/>
+        </p:nvPicPr>
+        <p:blipFill rotWithShape="1">
+          <a:blip r:embed="rId4">
+            <a:extLst>
+              <a:ext uri="{28A0092B-C50C-407E-A947-70E740481C1C}">
+                <a14:useLocalDpi xmlns:a14="http://schemas.microsoft.com/office/drawing/2010/main" val="0"/>
+              </a:ext>
+            </a:extLst>
+          </a:blip>
+          <a:srcRect l="24907" t="2609" r="24616" b="61835"/>
+          <a:stretch/>
+        </p:blipFill>
+        <p:spPr>
+          <a:xfrm>
+            <a:off x="298564" y="2206485"/>
+            <a:ext cx="1459685" cy="1828800"/>
+          </a:xfrm>
+          <a:prstGeom prst="rect">
+            <a:avLst/>
+          </a:prstGeom>
+        </p:spPr>
+      </p:pic>
+      <p:sp>
+        <p:nvSpPr>
+          <p:cNvPr id="9" name="TextBox 8"/>
+          <p:cNvSpPr txBox="1"/>
+          <p:nvPr/>
+        </p:nvSpPr>
+        <p:spPr>
+          <a:xfrm>
+            <a:off x="199025" y="1779344"/>
+            <a:ext cx="1776448" cy="400110"/>
+          </a:xfrm>
+          <a:prstGeom prst="rect">
+            <a:avLst/>
+          </a:prstGeom>
+          <a:noFill/>
+        </p:spPr>
+        <p:txBody>
+          <a:bodyPr wrap="none" rtlCol="0">
+            <a:spAutoFit/>
+          </a:bodyPr>
+          <a:lstStyle/>
+          <a:p>
+            <a:r>
+              <a:rPr lang="en-GB" sz="2000" dirty="0" smtClean="0">
+                <a:solidFill>
+                  <a:schemeClr val="bg1"/>
+                </a:solidFill>
+                <a:latin typeface="Berlin Sans FB" panose="020E0602020502020306" pitchFamily="34" charset="0"/>
+              </a:rPr>
+              <a:t>Face Detection</a:t>
+            </a:r>
+            <a:endParaRPr lang="en-GB" sz="2000" dirty="0">
+              <a:solidFill>
+                <a:schemeClr val="bg1"/>
+              </a:solidFill>
+              <a:latin typeface="Berlin Sans FB" panose="020E0602020502020306" pitchFamily="34" charset="0"/>
+            </a:endParaRPr>
+          </a:p>
+        </p:txBody>
+      </p:sp>
+      <p:sp>
+        <p:nvSpPr>
+          <p:cNvPr id="19" name="TextBox 18"/>
+          <p:cNvSpPr txBox="1"/>
+          <p:nvPr/>
+        </p:nvSpPr>
+        <p:spPr>
+          <a:xfrm>
+            <a:off x="2007956" y="2513298"/>
+            <a:ext cx="1726755" cy="769441"/>
+          </a:xfrm>
+          <a:prstGeom prst="rect">
+            <a:avLst/>
+          </a:prstGeom>
+          <a:noFill/>
+        </p:spPr>
+        <p:txBody>
+          <a:bodyPr wrap="none" rtlCol="0">
+            <a:spAutoFit/>
+          </a:bodyPr>
+          <a:lstStyle/>
+          <a:p>
+            <a:r>
+              <a:rPr lang="en-GB" sz="2200" dirty="0" smtClean="0">
+                <a:solidFill>
+                  <a:schemeClr val="bg1"/>
+                </a:solidFill>
+                <a:latin typeface="Berlin Sans FB" panose="020E0602020502020306" pitchFamily="34" charset="0"/>
+              </a:rPr>
+              <a:t>PREDICTION</a:t>
+            </a:r>
+          </a:p>
+          <a:p>
+            <a:r>
+              <a:rPr lang="en-GB" sz="2200" dirty="0" smtClean="0">
+                <a:solidFill>
+                  <a:schemeClr val="bg1"/>
+                </a:solidFill>
+                <a:latin typeface="Berlin Sans FB" panose="020E0602020502020306" pitchFamily="34" charset="0"/>
+              </a:rPr>
+              <a:t>MODEL</a:t>
+            </a:r>
+            <a:endParaRPr lang="en-GB" sz="2200" dirty="0">
+              <a:solidFill>
+                <a:schemeClr val="bg1"/>
+              </a:solidFill>
+              <a:latin typeface="Berlin Sans FB" panose="020E0602020502020306" pitchFamily="34" charset="0"/>
+            </a:endParaRPr>
+          </a:p>
+        </p:txBody>
+      </p:sp>
+      <p:cxnSp>
+        <p:nvCxnSpPr>
+          <p:cNvPr id="11" name="Straight Arrow Connector 10"/>
+          <p:cNvCxnSpPr>
+            <a:endCxn id="19" idx="1"/>
+          </p:cNvCxnSpPr>
+          <p:nvPr/>
+        </p:nvCxnSpPr>
+        <p:spPr>
+          <a:xfrm>
+            <a:off x="1255986" y="2898019"/>
+            <a:ext cx="751970" cy="0"/>
+          </a:xfrm>
+          <a:prstGeom prst="straightConnector1">
+            <a:avLst/>
+          </a:prstGeom>
+          <a:ln>
+            <a:tailEnd type="triangle"/>
+          </a:ln>
+        </p:spPr>
+        <p:style>
+          <a:lnRef idx="3">
+            <a:schemeClr val="accent4"/>
+          </a:lnRef>
+          <a:fillRef idx="0">
+            <a:schemeClr val="accent4"/>
+          </a:fillRef>
+          <a:effectRef idx="2">
+            <a:schemeClr val="accent4"/>
+          </a:effectRef>
+          <a:fontRef idx="minor">
+            <a:schemeClr val="tx1"/>
+          </a:fontRef>
+        </p:style>
+      </p:cxnSp>
+      <p:grpSp>
+        <p:nvGrpSpPr>
+          <p:cNvPr id="43" name="Group 42"/>
+          <p:cNvGrpSpPr/>
+          <p:nvPr/>
+        </p:nvGrpSpPr>
+        <p:grpSpPr>
+          <a:xfrm>
+            <a:off x="4254470" y="2310833"/>
+            <a:ext cx="3172663" cy="720083"/>
+            <a:chOff x="4448080" y="2071304"/>
+            <a:chExt cx="3172663" cy="720083"/>
+          </a:xfrm>
+        </p:grpSpPr>
+        <p:sp>
+          <p:nvSpPr>
+            <p:cNvPr id="13" name="TextBox 12"/>
+            <p:cNvSpPr txBox="1"/>
+            <p:nvPr/>
+          </p:nvSpPr>
+          <p:spPr>
+            <a:xfrm>
+              <a:off x="4448080" y="2422055"/>
+              <a:ext cx="3172663" cy="369332"/>
+            </a:xfrm>
+            <a:prstGeom prst="rect">
+              <a:avLst/>
+            </a:prstGeom>
+            <a:noFill/>
+          </p:spPr>
+          <p:txBody>
+            <a:bodyPr wrap="none" rtlCol="0">
+              <a:spAutoFit/>
+            </a:bodyPr>
+            <a:lstStyle/>
+            <a:p>
+              <a:r>
+                <a:rPr lang="en-GB" sz="1800" dirty="0" smtClean="0">
+                  <a:solidFill>
+                    <a:schemeClr val="bg1"/>
+                  </a:solidFill>
+                  <a:latin typeface="Berlin Sans FB" panose="020E0602020502020306" pitchFamily="34" charset="0"/>
+                </a:rPr>
+                <a:t>{0.05, 0.05, 0.09, 0.7, 0.01, 0.2}</a:t>
+              </a:r>
+              <a:endParaRPr lang="en-GB" sz="1800" dirty="0">
+                <a:solidFill>
+                  <a:schemeClr val="bg1"/>
+                </a:solidFill>
+                <a:latin typeface="Berlin Sans FB" panose="020E0602020502020306" pitchFamily="34" charset="0"/>
+              </a:endParaRPr>
+            </a:p>
+          </p:txBody>
+        </p:sp>
+        <p:pic>
+          <p:nvPicPr>
+            <p:cNvPr id="23" name="Picture 22" descr="C:\Users\jfk24\AppData\Local\Microsoft\Windows\INetCache\Content.Word\1f622.png"/>
+            <p:cNvPicPr/>
+            <p:nvPr/>
+          </p:nvPicPr>
+          <p:blipFill>
+            <a:blip r:embed="rId5">
+              <a:extLst>
+                <a:ext uri="{28A0092B-C50C-407E-A947-70E740481C1C}">
+                  <a14:useLocalDpi xmlns:a14="http://schemas.microsoft.com/office/drawing/2010/main" val="0"/>
+                </a:ext>
+              </a:extLst>
+            </a:blip>
+            <a:srcRect/>
+            <a:stretch>
+              <a:fillRect/>
+            </a:stretch>
+          </p:blipFill>
+          <p:spPr bwMode="auto">
+            <a:xfrm>
+              <a:off x="6619539" y="2071304"/>
+              <a:ext cx="432000" cy="432000"/>
+            </a:xfrm>
+            <a:prstGeom prst="rect">
+              <a:avLst/>
+            </a:prstGeom>
+            <a:noFill/>
+            <a:ln>
+              <a:noFill/>
+            </a:ln>
+            <a:effectLst>
+              <a:outerShdw blurRad="50800" dist="38100" dir="8100000" algn="tr" rotWithShape="0">
+                <a:prstClr val="black">
+                  <a:alpha val="50000"/>
+                </a:prstClr>
+              </a:outerShdw>
+            </a:effectLst>
+          </p:spPr>
+        </p:pic>
+        <p:pic>
+          <p:nvPicPr>
+            <p:cNvPr id="24" name="Picture 23" descr="C:\Users\jfk24\AppData\Local\Microsoft\Windows\INetCache\Content.Word\1f632.png"/>
+            <p:cNvPicPr>
+              <a:picLocks noChangeAspect="1"/>
+            </p:cNvPicPr>
+            <p:nvPr/>
+          </p:nvPicPr>
+          <p:blipFill>
+            <a:blip r:embed="rId6">
+              <a:extLst>
+                <a:ext uri="{28A0092B-C50C-407E-A947-70E740481C1C}">
+                  <a14:useLocalDpi xmlns:a14="http://schemas.microsoft.com/office/drawing/2010/main" val="0"/>
+                </a:ext>
+              </a:extLst>
+            </a:blip>
+            <a:srcRect/>
+            <a:stretch>
+              <a:fillRect/>
+            </a:stretch>
+          </p:blipFill>
+          <p:spPr bwMode="auto">
+            <a:xfrm>
+              <a:off x="7100211" y="2079059"/>
+              <a:ext cx="432000" cy="432000"/>
+            </a:xfrm>
+            <a:prstGeom prst="rect">
+              <a:avLst/>
+            </a:prstGeom>
+            <a:noFill/>
+            <a:ln>
+              <a:noFill/>
+            </a:ln>
+            <a:effectLst>
+              <a:outerShdw blurRad="50800" dist="38100" dir="8100000" algn="tr" rotWithShape="0">
+                <a:prstClr val="black">
+                  <a:alpha val="50000"/>
+                </a:prstClr>
+              </a:outerShdw>
+            </a:effectLst>
+          </p:spPr>
+        </p:pic>
+        <p:pic>
+          <p:nvPicPr>
+            <p:cNvPr id="25" name="Picture 24" descr="C:\Users\jfk24\AppData\Local\Microsoft\Windows\INetCache\Content.Word\1f600.png"/>
+            <p:cNvPicPr>
+              <a:picLocks noChangeAspect="1"/>
+            </p:cNvPicPr>
+            <p:nvPr/>
+          </p:nvPicPr>
+          <p:blipFill>
+            <a:blip r:embed="rId7">
+              <a:extLst>
+                <a:ext uri="{28A0092B-C50C-407E-A947-70E740481C1C}">
+                  <a14:useLocalDpi xmlns:a14="http://schemas.microsoft.com/office/drawing/2010/main" val="0"/>
+                </a:ext>
+              </a:extLst>
+            </a:blip>
+            <a:srcRect/>
+            <a:stretch>
+              <a:fillRect/>
+            </a:stretch>
+          </p:blipFill>
+          <p:spPr bwMode="auto">
+            <a:xfrm>
+              <a:off x="6161458" y="2079059"/>
+              <a:ext cx="432000" cy="432000"/>
+            </a:xfrm>
+            <a:prstGeom prst="rect">
+              <a:avLst/>
+            </a:prstGeom>
+            <a:noFill/>
+            <a:ln>
+              <a:noFill/>
+            </a:ln>
+            <a:effectLst>
+              <a:outerShdw blurRad="50800" dist="38100" dir="8100000" algn="tr" rotWithShape="0">
+                <a:prstClr val="black">
+                  <a:alpha val="50000"/>
+                </a:prstClr>
+              </a:outerShdw>
+            </a:effectLst>
+          </p:spPr>
+        </p:pic>
+        <p:pic>
+          <p:nvPicPr>
+            <p:cNvPr id="26" name="Picture 25" descr="C:\Users\jfk24\AppData\Local\Microsoft\Windows\INetCache\Content.Word\1f620.png"/>
+            <p:cNvPicPr>
+              <a:picLocks noChangeAspect="1"/>
+            </p:cNvPicPr>
+            <p:nvPr/>
+          </p:nvPicPr>
+          <p:blipFill>
+            <a:blip r:embed="rId8">
+              <a:extLst>
+                <a:ext uri="{28A0092B-C50C-407E-A947-70E740481C1C}">
+                  <a14:useLocalDpi xmlns:a14="http://schemas.microsoft.com/office/drawing/2010/main" val="0"/>
+                </a:ext>
+              </a:extLst>
+            </a:blip>
+            <a:srcRect/>
+            <a:stretch>
+              <a:fillRect/>
+            </a:stretch>
+          </p:blipFill>
+          <p:spPr bwMode="auto">
+            <a:xfrm>
+              <a:off x="4575128" y="2079059"/>
+              <a:ext cx="432000" cy="432000"/>
+            </a:xfrm>
+            <a:prstGeom prst="rect">
+              <a:avLst/>
+            </a:prstGeom>
+            <a:noFill/>
+            <a:ln>
+              <a:noFill/>
+            </a:ln>
+            <a:effectLst>
+              <a:outerShdw blurRad="50800" dist="38100" dir="8100000" algn="tr" rotWithShape="0">
+                <a:prstClr val="black">
+                  <a:alpha val="50000"/>
+                </a:prstClr>
+              </a:outerShdw>
+            </a:effectLst>
+          </p:spPr>
+        </p:pic>
+        <p:pic>
+          <p:nvPicPr>
+            <p:cNvPr id="27" name="Picture 26" descr="C:\Users\jfk24\AppData\Local\Microsoft\Windows\INetCache\Content.Word\1f626.png"/>
+            <p:cNvPicPr>
+              <a:picLocks noChangeAspect="1"/>
+            </p:cNvPicPr>
+            <p:nvPr/>
+          </p:nvPicPr>
+          <p:blipFill>
+            <a:blip r:embed="rId9">
+              <a:extLst>
+                <a:ext uri="{28A0092B-C50C-407E-A947-70E740481C1C}">
+                  <a14:useLocalDpi xmlns:a14="http://schemas.microsoft.com/office/drawing/2010/main" val="0"/>
+                </a:ext>
+              </a:extLst>
+            </a:blip>
+            <a:srcRect/>
+            <a:stretch>
+              <a:fillRect/>
+            </a:stretch>
+          </p:blipFill>
+          <p:spPr bwMode="auto">
+            <a:xfrm>
+              <a:off x="5117214" y="2075498"/>
+              <a:ext cx="432000" cy="432000"/>
+            </a:xfrm>
+            <a:prstGeom prst="rect">
+              <a:avLst/>
+            </a:prstGeom>
+            <a:noFill/>
+            <a:ln>
+              <a:noFill/>
+            </a:ln>
+            <a:effectLst>
+              <a:outerShdw blurRad="50800" dist="38100" dir="8100000" algn="tr" rotWithShape="0">
+                <a:prstClr val="black">
+                  <a:alpha val="50000"/>
+                </a:prstClr>
+              </a:outerShdw>
+            </a:effectLst>
+          </p:spPr>
+        </p:pic>
+        <p:pic>
+          <p:nvPicPr>
+            <p:cNvPr id="38" name="Picture 37" descr="C:\Users\jfk24\AppData\Local\Microsoft\Windows\INetCache\Content.Word\1f631.png"/>
+            <p:cNvPicPr/>
+            <p:nvPr/>
+          </p:nvPicPr>
+          <p:blipFill>
+            <a:blip r:embed="rId10">
+              <a:extLst>
+                <a:ext uri="{28A0092B-C50C-407E-A947-70E740481C1C}">
+                  <a14:useLocalDpi xmlns:a14="http://schemas.microsoft.com/office/drawing/2010/main" val="0"/>
+                </a:ext>
+              </a:extLst>
+            </a:blip>
+            <a:srcRect/>
+            <a:stretch>
+              <a:fillRect/>
+            </a:stretch>
+          </p:blipFill>
+          <p:spPr bwMode="auto">
+            <a:xfrm>
+              <a:off x="5667780" y="2071304"/>
+              <a:ext cx="432000" cy="432000"/>
+            </a:xfrm>
+            <a:prstGeom prst="rect">
+              <a:avLst/>
+            </a:prstGeom>
+            <a:noFill/>
+            <a:ln>
+              <a:noFill/>
+            </a:ln>
+            <a:effectLst>
+              <a:outerShdw blurRad="50800" dist="38100" dir="8100000" algn="tr" rotWithShape="0">
+                <a:prstClr val="black">
+                  <a:alpha val="50000"/>
+                </a:prstClr>
+              </a:outerShdw>
+            </a:effectLst>
+          </p:spPr>
+        </p:pic>
+      </p:grpSp>
+      <p:cxnSp>
+        <p:nvCxnSpPr>
+          <p:cNvPr id="39" name="Straight Arrow Connector 38"/>
+          <p:cNvCxnSpPr>
+            <a:stCxn id="19" idx="3"/>
+            <a:endCxn id="13" idx="1"/>
+          </p:cNvCxnSpPr>
+          <p:nvPr/>
+        </p:nvCxnSpPr>
+        <p:spPr>
+          <a:xfrm flipV="1">
+            <a:off x="3734711" y="2846250"/>
+            <a:ext cx="519759" cy="51769"/>
+          </a:xfrm>
+          <a:prstGeom prst="straightConnector1">
+            <a:avLst/>
+          </a:prstGeom>
+          <a:ln>
+            <a:tailEnd type="triangle"/>
+          </a:ln>
+        </p:spPr>
+        <p:style>
+          <a:lnRef idx="3">
+            <a:schemeClr val="accent4"/>
+          </a:lnRef>
+          <a:fillRef idx="0">
+            <a:schemeClr val="accent4"/>
+          </a:fillRef>
+          <a:effectRef idx="2">
+            <a:schemeClr val="accent4"/>
+          </a:effectRef>
+          <a:fontRef idx="minor">
+            <a:schemeClr val="tx1"/>
+          </a:fontRef>
+        </p:style>
+      </p:cxnSp>
+      <p:pic>
+        <p:nvPicPr>
+          <p:cNvPr id="47" name="Picture 46" descr="C:\Users\jfk24\AppData\Local\Microsoft\Windows\INetCache\Content.Word\1f600.png"/>
+          <p:cNvPicPr>
+            <a:picLocks noChangeAspect="1"/>
+          </p:cNvPicPr>
+          <p:nvPr/>
+        </p:nvPicPr>
+        <p:blipFill>
+          <a:blip r:embed="rId7">
+            <a:extLst>
+              <a:ext uri="{28A0092B-C50C-407E-A947-70E740481C1C}">
+                <a14:useLocalDpi xmlns:a14="http://schemas.microsoft.com/office/drawing/2010/main" val="0"/>
+              </a:ext>
+            </a:extLst>
+          </a:blip>
+          <a:srcRect/>
+          <a:stretch>
+            <a:fillRect/>
+          </a:stretch>
+        </p:blipFill>
+        <p:spPr bwMode="auto">
+          <a:xfrm>
+            <a:off x="7859794" y="2306250"/>
+            <a:ext cx="1080000" cy="1080000"/>
+          </a:xfrm>
+          <a:prstGeom prst="rect">
+            <a:avLst/>
+          </a:prstGeom>
+          <a:noFill/>
+          <a:ln>
+            <a:noFill/>
+          </a:ln>
+          <a:effectLst>
+            <a:outerShdw blurRad="50800" dist="38100" dir="8100000" algn="tr" rotWithShape="0">
+              <a:prstClr val="black">
+                <a:alpha val="50000"/>
+              </a:prstClr>
+            </a:outerShdw>
+          </a:effectLst>
+        </p:spPr>
+      </p:pic>
+      <p:cxnSp>
+        <p:nvCxnSpPr>
+          <p:cNvPr id="48" name="Straight Arrow Connector 47"/>
+          <p:cNvCxnSpPr>
+            <a:stCxn id="13" idx="3"/>
+            <a:endCxn id="47" idx="1"/>
+          </p:cNvCxnSpPr>
+          <p:nvPr/>
+        </p:nvCxnSpPr>
+        <p:spPr>
+          <a:xfrm>
+            <a:off x="7427133" y="2846250"/>
+            <a:ext cx="432661" cy="0"/>
+          </a:xfrm>
+          <a:prstGeom prst="straightConnector1">
+            <a:avLst/>
+          </a:prstGeom>
+          <a:ln>
+            <a:tailEnd type="triangle"/>
+          </a:ln>
+        </p:spPr>
+        <p:style>
+          <a:lnRef idx="3">
+            <a:schemeClr val="accent4"/>
+          </a:lnRef>
+          <a:fillRef idx="0">
+            <a:schemeClr val="accent4"/>
+          </a:fillRef>
+          <a:effectRef idx="2">
+            <a:schemeClr val="accent4"/>
+          </a:effectRef>
+          <a:fontRef idx="minor">
+            <a:schemeClr val="tx1"/>
+          </a:fontRef>
+        </p:style>
+      </p:cxnSp>
+    </p:spTree>
+    <p:extLst>
+      <p:ext uri="{BB962C8B-B14F-4D97-AF65-F5344CB8AC3E}">
+        <p14:creationId xmlns:p14="http://schemas.microsoft.com/office/powerpoint/2010/main" val="3916704141"/>
+      </p:ext>
+    </p:extLst>
+  </p:cSld>
+  <p:clrMapOvr>
+    <a:masterClrMapping/>
+  </p:clrMapOvr>
+  <p:timing>
+    <p:tnLst>
+      <p:par>
+        <p:cTn id="1" dur="indefinite" restart="never" nodeType="tmRoot"/>
+      </p:par>
+    </p:tnLst>
+  </p:timing>
+</p:sld>
+</file>
+
 <file path=ppt/theme/theme1.xml><?xml version="1.0" encoding="utf-8"?>
 <a:theme xmlns:a="http://schemas.openxmlformats.org/drawingml/2006/main" name="simple-light-2">
   <a:themeElements>

--- a/docs/AI Hackathon - Presentation.pptx
+++ b/docs/AI Hackathon - Presentation.pptx
@@ -5,17 +5,21 @@
     <p:sldMasterId id="2147483662" r:id="rId1"/>
   </p:sldMasterIdLst>
   <p:notesMasterIdLst>
-    <p:notesMasterId r:id="rId10"/>
+    <p:notesMasterId r:id="rId14"/>
   </p:notesMasterIdLst>
   <p:sldIdLst>
     <p:sldId id="256" r:id="rId2"/>
     <p:sldId id="261" r:id="rId3"/>
-    <p:sldId id="264" r:id="rId4"/>
-    <p:sldId id="263" r:id="rId5"/>
-    <p:sldId id="266" r:id="rId6"/>
-    <p:sldId id="265" r:id="rId7"/>
-    <p:sldId id="267" r:id="rId8"/>
-    <p:sldId id="268" r:id="rId9"/>
+    <p:sldId id="269" r:id="rId4"/>
+    <p:sldId id="270" r:id="rId5"/>
+    <p:sldId id="271" r:id="rId6"/>
+    <p:sldId id="264" r:id="rId7"/>
+    <p:sldId id="263" r:id="rId8"/>
+    <p:sldId id="266" r:id="rId9"/>
+    <p:sldId id="267" r:id="rId10"/>
+    <p:sldId id="268" r:id="rId11"/>
+    <p:sldId id="273" r:id="rId12"/>
+    <p:sldId id="272" r:id="rId13"/>
   </p:sldIdLst>
   <p:sldSz cx="9144000" cy="5143500" type="screen16x9"/>
   <p:notesSz cx="6858000" cy="9144000"/>
@@ -761,6 +765,405 @@
 </p:notes>
 </file>
 
+<file path=ppt/notesSlides/notesSlide10.xml><?xml version="1.0" encoding="utf-8"?>
+<p:notes xmlns:a="http://schemas.openxmlformats.org/drawingml/2006/main" xmlns:r="http://schemas.openxmlformats.org/officeDocument/2006/relationships" xmlns:p="http://schemas.openxmlformats.org/presentationml/2006/main" showMasterSp="0" showMasterPhAnim="0">
+  <p:cSld>
+    <p:spTree>
+      <p:nvGrpSpPr>
+        <p:cNvPr id="1" name="Shape 110"/>
+        <p:cNvGrpSpPr/>
+        <p:nvPr/>
+      </p:nvGrpSpPr>
+      <p:grpSpPr>
+        <a:xfrm>
+          <a:off x="0" y="0"/>
+          <a:ext cx="0" cy="0"/>
+          <a:chOff x="0" y="0"/>
+          <a:chExt cx="0" cy="0"/>
+        </a:xfrm>
+      </p:grpSpPr>
+      <p:sp>
+        <p:nvSpPr>
+          <p:cNvPr id="111" name="Shape 111"/>
+          <p:cNvSpPr>
+            <a:spLocks noGrp="1" noRot="1" noChangeAspect="1"/>
+          </p:cNvSpPr>
+          <p:nvPr>
+            <p:ph type="sldImg" idx="2"/>
+          </p:nvPr>
+        </p:nvSpPr>
+        <p:spPr>
+          <a:xfrm>
+            <a:off x="381000" y="685800"/>
+            <a:ext cx="6096000" cy="3429000"/>
+          </a:xfrm>
+          <a:custGeom>
+            <a:avLst/>
+            <a:gdLst/>
+            <a:ahLst/>
+            <a:cxnLst/>
+            <a:rect l="0" t="0" r="0" b="0"/>
+            <a:pathLst>
+              <a:path w="120000" h="120000" extrusionOk="0">
+                <a:moveTo>
+                  <a:pt x="0" y="0"/>
+                </a:moveTo>
+                <a:lnTo>
+                  <a:pt x="120000" y="0"/>
+                </a:lnTo>
+                <a:lnTo>
+                  <a:pt x="120000" y="120000"/>
+                </a:lnTo>
+                <a:lnTo>
+                  <a:pt x="0" y="120000"/>
+                </a:lnTo>
+                <a:close/>
+              </a:path>
+            </a:pathLst>
+          </a:custGeom>
+          <a:noFill/>
+          <a:ln w="9525" cap="flat" cmpd="sng">
+            <a:solidFill>
+              <a:srgbClr val="000000"/>
+            </a:solidFill>
+            <a:prstDash val="solid"/>
+            <a:round/>
+            <a:headEnd type="none" w="med" len="med"/>
+            <a:tailEnd type="none" w="med" len="med"/>
+          </a:ln>
+        </p:spPr>
+      </p:sp>
+      <p:sp>
+        <p:nvSpPr>
+          <p:cNvPr id="112" name="Shape 112"/>
+          <p:cNvSpPr txBox="1">
+            <a:spLocks noGrp="1"/>
+          </p:cNvSpPr>
+          <p:nvPr>
+            <p:ph type="body" idx="1"/>
+          </p:nvPr>
+        </p:nvSpPr>
+        <p:spPr>
+          <a:xfrm>
+            <a:off x="685800" y="4343400"/>
+            <a:ext cx="5486399" cy="4114800"/>
+          </a:xfrm>
+          <a:prstGeom prst="rect">
+            <a:avLst/>
+          </a:prstGeom>
+          <a:noFill/>
+          <a:ln>
+            <a:noFill/>
+          </a:ln>
+        </p:spPr>
+        <p:txBody>
+          <a:bodyPr lIns="91425" tIns="91425" rIns="91425" bIns="91425" anchor="t" anchorCtr="0">
+            <a:noAutofit/>
+          </a:bodyPr>
+          <a:lstStyle/>
+          <a:p>
+            <a:pPr marL="0" marR="0" lvl="0" indent="0" algn="l" rtl="0">
+              <a:spcBef>
+                <a:spcPts val="0"/>
+              </a:spcBef>
+              <a:buClr>
+                <a:schemeClr val="dk1"/>
+              </a:buClr>
+              <a:buSzPct val="25000"/>
+              <a:buFont typeface="Arial"/>
+              <a:buNone/>
+            </a:pPr>
+            <a:endParaRPr sz="1100" b="0" i="0" u="none" strike="noStrike" cap="none" dirty="0">
+              <a:solidFill>
+                <a:schemeClr val="dk1"/>
+              </a:solidFill>
+              <a:latin typeface="Arial"/>
+              <a:ea typeface="Arial"/>
+              <a:cs typeface="Arial"/>
+              <a:sym typeface="Arial"/>
+            </a:endParaRPr>
+          </a:p>
+        </p:txBody>
+      </p:sp>
+    </p:spTree>
+    <p:extLst>
+      <p:ext uri="{BB962C8B-B14F-4D97-AF65-F5344CB8AC3E}">
+        <p14:creationId xmlns:p14="http://schemas.microsoft.com/office/powerpoint/2010/main" val="2249692302"/>
+      </p:ext>
+    </p:extLst>
+  </p:cSld>
+  <p:clrMapOvr>
+    <a:masterClrMapping/>
+  </p:clrMapOvr>
+</p:notes>
+</file>
+
+<file path=ppt/notesSlides/notesSlide11.xml><?xml version="1.0" encoding="utf-8"?>
+<p:notes xmlns:a="http://schemas.openxmlformats.org/drawingml/2006/main" xmlns:r="http://schemas.openxmlformats.org/officeDocument/2006/relationships" xmlns:p="http://schemas.openxmlformats.org/presentationml/2006/main" showMasterSp="0" showMasterPhAnim="0">
+  <p:cSld>
+    <p:spTree>
+      <p:nvGrpSpPr>
+        <p:cNvPr id="1" name="Shape 110"/>
+        <p:cNvGrpSpPr/>
+        <p:nvPr/>
+      </p:nvGrpSpPr>
+      <p:grpSpPr>
+        <a:xfrm>
+          <a:off x="0" y="0"/>
+          <a:ext cx="0" cy="0"/>
+          <a:chOff x="0" y="0"/>
+          <a:chExt cx="0" cy="0"/>
+        </a:xfrm>
+      </p:grpSpPr>
+      <p:sp>
+        <p:nvSpPr>
+          <p:cNvPr id="111" name="Shape 111"/>
+          <p:cNvSpPr>
+            <a:spLocks noGrp="1" noRot="1" noChangeAspect="1"/>
+          </p:cNvSpPr>
+          <p:nvPr>
+            <p:ph type="sldImg" idx="2"/>
+          </p:nvPr>
+        </p:nvSpPr>
+        <p:spPr>
+          <a:xfrm>
+            <a:off x="381000" y="685800"/>
+            <a:ext cx="6096000" cy="3429000"/>
+          </a:xfrm>
+          <a:custGeom>
+            <a:avLst/>
+            <a:gdLst/>
+            <a:ahLst/>
+            <a:cxnLst/>
+            <a:rect l="0" t="0" r="0" b="0"/>
+            <a:pathLst>
+              <a:path w="120000" h="120000" extrusionOk="0">
+                <a:moveTo>
+                  <a:pt x="0" y="0"/>
+                </a:moveTo>
+                <a:lnTo>
+                  <a:pt x="120000" y="0"/>
+                </a:lnTo>
+                <a:lnTo>
+                  <a:pt x="120000" y="120000"/>
+                </a:lnTo>
+                <a:lnTo>
+                  <a:pt x="0" y="120000"/>
+                </a:lnTo>
+                <a:close/>
+              </a:path>
+            </a:pathLst>
+          </a:custGeom>
+          <a:noFill/>
+          <a:ln w="9525" cap="flat" cmpd="sng">
+            <a:solidFill>
+              <a:srgbClr val="000000"/>
+            </a:solidFill>
+            <a:prstDash val="solid"/>
+            <a:round/>
+            <a:headEnd type="none" w="med" len="med"/>
+            <a:tailEnd type="none" w="med" len="med"/>
+          </a:ln>
+        </p:spPr>
+      </p:sp>
+      <p:sp>
+        <p:nvSpPr>
+          <p:cNvPr id="112" name="Shape 112"/>
+          <p:cNvSpPr txBox="1">
+            <a:spLocks noGrp="1"/>
+          </p:cNvSpPr>
+          <p:nvPr>
+            <p:ph type="body" idx="1"/>
+          </p:nvPr>
+        </p:nvSpPr>
+        <p:spPr>
+          <a:xfrm>
+            <a:off x="685800" y="4343400"/>
+            <a:ext cx="5486399" cy="4114800"/>
+          </a:xfrm>
+          <a:prstGeom prst="rect">
+            <a:avLst/>
+          </a:prstGeom>
+          <a:noFill/>
+          <a:ln>
+            <a:noFill/>
+          </a:ln>
+        </p:spPr>
+        <p:txBody>
+          <a:bodyPr lIns="91425" tIns="91425" rIns="91425" bIns="91425" anchor="t" anchorCtr="0">
+            <a:noAutofit/>
+          </a:bodyPr>
+          <a:lstStyle/>
+          <a:p>
+            <a:pPr marL="0" marR="0" lvl="0" indent="0" algn="l" rtl="0">
+              <a:spcBef>
+                <a:spcPts val="0"/>
+              </a:spcBef>
+              <a:buClr>
+                <a:schemeClr val="dk1"/>
+              </a:buClr>
+              <a:buSzPct val="25000"/>
+              <a:buFont typeface="Arial"/>
+              <a:buNone/>
+            </a:pPr>
+            <a:endParaRPr sz="1100" b="0" i="0" u="none" strike="noStrike" cap="none" dirty="0">
+              <a:solidFill>
+                <a:schemeClr val="dk1"/>
+              </a:solidFill>
+              <a:latin typeface="Arial"/>
+              <a:ea typeface="Arial"/>
+              <a:cs typeface="Arial"/>
+              <a:sym typeface="Arial"/>
+            </a:endParaRPr>
+          </a:p>
+        </p:txBody>
+      </p:sp>
+    </p:spTree>
+    <p:extLst>
+      <p:ext uri="{BB962C8B-B14F-4D97-AF65-F5344CB8AC3E}">
+        <p14:creationId xmlns:p14="http://schemas.microsoft.com/office/powerpoint/2010/main" val="1094863103"/>
+      </p:ext>
+    </p:extLst>
+  </p:cSld>
+  <p:clrMapOvr>
+    <a:masterClrMapping/>
+  </p:clrMapOvr>
+</p:notes>
+</file>
+
+<file path=ppt/notesSlides/notesSlide12.xml><?xml version="1.0" encoding="utf-8"?>
+<p:notes xmlns:a="http://schemas.openxmlformats.org/drawingml/2006/main" xmlns:r="http://schemas.openxmlformats.org/officeDocument/2006/relationships" xmlns:p="http://schemas.openxmlformats.org/presentationml/2006/main" showMasterSp="0" showMasterPhAnim="0">
+  <p:cSld>
+    <p:spTree>
+      <p:nvGrpSpPr>
+        <p:cNvPr id="1" name="Shape 110"/>
+        <p:cNvGrpSpPr/>
+        <p:nvPr/>
+      </p:nvGrpSpPr>
+      <p:grpSpPr>
+        <a:xfrm>
+          <a:off x="0" y="0"/>
+          <a:ext cx="0" cy="0"/>
+          <a:chOff x="0" y="0"/>
+          <a:chExt cx="0" cy="0"/>
+        </a:xfrm>
+      </p:grpSpPr>
+      <p:sp>
+        <p:nvSpPr>
+          <p:cNvPr id="111" name="Shape 111"/>
+          <p:cNvSpPr>
+            <a:spLocks noGrp="1" noRot="1" noChangeAspect="1"/>
+          </p:cNvSpPr>
+          <p:nvPr>
+            <p:ph type="sldImg" idx="2"/>
+          </p:nvPr>
+        </p:nvSpPr>
+        <p:spPr>
+          <a:xfrm>
+            <a:off x="381000" y="685800"/>
+            <a:ext cx="6096000" cy="3429000"/>
+          </a:xfrm>
+          <a:custGeom>
+            <a:avLst/>
+            <a:gdLst/>
+            <a:ahLst/>
+            <a:cxnLst/>
+            <a:rect l="0" t="0" r="0" b="0"/>
+            <a:pathLst>
+              <a:path w="120000" h="120000" extrusionOk="0">
+                <a:moveTo>
+                  <a:pt x="0" y="0"/>
+                </a:moveTo>
+                <a:lnTo>
+                  <a:pt x="120000" y="0"/>
+                </a:lnTo>
+                <a:lnTo>
+                  <a:pt x="120000" y="120000"/>
+                </a:lnTo>
+                <a:lnTo>
+                  <a:pt x="0" y="120000"/>
+                </a:lnTo>
+                <a:close/>
+              </a:path>
+            </a:pathLst>
+          </a:custGeom>
+          <a:noFill/>
+          <a:ln w="9525" cap="flat" cmpd="sng">
+            <a:solidFill>
+              <a:srgbClr val="000000"/>
+            </a:solidFill>
+            <a:prstDash val="solid"/>
+            <a:round/>
+            <a:headEnd type="none" w="med" len="med"/>
+            <a:tailEnd type="none" w="med" len="med"/>
+          </a:ln>
+        </p:spPr>
+      </p:sp>
+      <p:sp>
+        <p:nvSpPr>
+          <p:cNvPr id="112" name="Shape 112"/>
+          <p:cNvSpPr txBox="1">
+            <a:spLocks noGrp="1"/>
+          </p:cNvSpPr>
+          <p:nvPr>
+            <p:ph type="body" idx="1"/>
+          </p:nvPr>
+        </p:nvSpPr>
+        <p:spPr>
+          <a:xfrm>
+            <a:off x="685800" y="4343400"/>
+            <a:ext cx="5486399" cy="4114800"/>
+          </a:xfrm>
+          <a:prstGeom prst="rect">
+            <a:avLst/>
+          </a:prstGeom>
+          <a:noFill/>
+          <a:ln>
+            <a:noFill/>
+          </a:ln>
+        </p:spPr>
+        <p:txBody>
+          <a:bodyPr lIns="91425" tIns="91425" rIns="91425" bIns="91425" anchor="t" anchorCtr="0">
+            <a:noAutofit/>
+          </a:bodyPr>
+          <a:lstStyle/>
+          <a:p>
+            <a:pPr marL="0" marR="0" lvl="0" indent="0" algn="l" rtl="0">
+              <a:spcBef>
+                <a:spcPts val="0"/>
+              </a:spcBef>
+              <a:buClr>
+                <a:schemeClr val="dk1"/>
+              </a:buClr>
+              <a:buSzPct val="25000"/>
+              <a:buFont typeface="Arial"/>
+              <a:buNone/>
+            </a:pPr>
+            <a:endParaRPr sz="1100" b="0" i="0" u="none" strike="noStrike" cap="none">
+              <a:solidFill>
+                <a:schemeClr val="dk1"/>
+              </a:solidFill>
+              <a:latin typeface="Arial"/>
+              <a:ea typeface="Arial"/>
+              <a:cs typeface="Arial"/>
+              <a:sym typeface="Arial"/>
+            </a:endParaRPr>
+          </a:p>
+        </p:txBody>
+      </p:sp>
+    </p:spTree>
+    <p:extLst>
+      <p:ext uri="{BB962C8B-B14F-4D97-AF65-F5344CB8AC3E}">
+        <p14:creationId xmlns:p14="http://schemas.microsoft.com/office/powerpoint/2010/main" val="979107118"/>
+      </p:ext>
+    </p:extLst>
+  </p:cSld>
+  <p:clrMapOvr>
+    <a:masterClrMapping/>
+  </p:clrMapOvr>
+</p:notes>
+</file>
+
 <file path=ppt/notesSlides/notesSlide2.xml><?xml version="1.0" encoding="utf-8"?>
 <p:notes xmlns:a="http://schemas.openxmlformats.org/drawingml/2006/main" xmlns:r="http://schemas.openxmlformats.org/officeDocument/2006/relationships" xmlns:p="http://schemas.openxmlformats.org/presentationml/2006/main" showMasterSp="0" showMasterPhAnim="0">
   <p:cSld>
@@ -1017,7 +1420,7 @@
     </p:spTree>
     <p:extLst>
       <p:ext uri="{BB962C8B-B14F-4D97-AF65-F5344CB8AC3E}">
-        <p14:creationId xmlns:p14="http://schemas.microsoft.com/office/powerpoint/2010/main" val="2498657163"/>
+        <p14:creationId xmlns:p14="http://schemas.microsoft.com/office/powerpoint/2010/main" val="279572596"/>
       </p:ext>
     </p:extLst>
   </p:cSld>
@@ -1150,7 +1553,7 @@
     </p:spTree>
     <p:extLst>
       <p:ext uri="{BB962C8B-B14F-4D97-AF65-F5344CB8AC3E}">
-        <p14:creationId xmlns:p14="http://schemas.microsoft.com/office/powerpoint/2010/main" val="871912051"/>
+        <p14:creationId xmlns:p14="http://schemas.microsoft.com/office/powerpoint/2010/main" val="1346619287"/>
       </p:ext>
     </p:extLst>
   </p:cSld>
@@ -1283,7 +1686,7 @@
     </p:spTree>
     <p:extLst>
       <p:ext uri="{BB962C8B-B14F-4D97-AF65-F5344CB8AC3E}">
-        <p14:creationId xmlns:p14="http://schemas.microsoft.com/office/powerpoint/2010/main" val="2126611498"/>
+        <p14:creationId xmlns:p14="http://schemas.microsoft.com/office/powerpoint/2010/main" val="427478783"/>
       </p:ext>
     </p:extLst>
   </p:cSld>
@@ -1401,7 +1804,7 @@
               <a:buFont typeface="Arial"/>
               <a:buNone/>
             </a:pPr>
-            <a:endParaRPr sz="1100" b="0" i="0" u="none" strike="noStrike" cap="none" dirty="0">
+            <a:endParaRPr sz="1100" b="0" i="0" u="none" strike="noStrike" cap="none">
               <a:solidFill>
                 <a:schemeClr val="dk1"/>
               </a:solidFill>
@@ -1416,7 +1819,7 @@
     </p:spTree>
     <p:extLst>
       <p:ext uri="{BB962C8B-B14F-4D97-AF65-F5344CB8AC3E}">
-        <p14:creationId xmlns:p14="http://schemas.microsoft.com/office/powerpoint/2010/main" val="364842516"/>
+        <p14:creationId xmlns:p14="http://schemas.microsoft.com/office/powerpoint/2010/main" val="2498657163"/>
       </p:ext>
     </p:extLst>
   </p:cSld>
@@ -1534,7 +1937,7 @@
               <a:buFont typeface="Arial"/>
               <a:buNone/>
             </a:pPr>
-            <a:endParaRPr sz="1100" b="0" i="0" u="none" strike="noStrike" cap="none" dirty="0">
+            <a:endParaRPr sz="1100" b="0" i="0" u="none" strike="noStrike" cap="none">
               <a:solidFill>
                 <a:schemeClr val="dk1"/>
               </a:solidFill>
@@ -1549,7 +1952,7 @@
     </p:spTree>
     <p:extLst>
       <p:ext uri="{BB962C8B-B14F-4D97-AF65-F5344CB8AC3E}">
-        <p14:creationId xmlns:p14="http://schemas.microsoft.com/office/powerpoint/2010/main" val="2320600480"/>
+        <p14:creationId xmlns:p14="http://schemas.microsoft.com/office/powerpoint/2010/main" val="871912051"/>
       </p:ext>
     </p:extLst>
   </p:cSld>
@@ -1667,6 +2070,139 @@
               <a:buFont typeface="Arial"/>
               <a:buNone/>
             </a:pPr>
+            <a:endParaRPr sz="1100" b="0" i="0" u="none" strike="noStrike" cap="none">
+              <a:solidFill>
+                <a:schemeClr val="dk1"/>
+              </a:solidFill>
+              <a:latin typeface="Arial"/>
+              <a:ea typeface="Arial"/>
+              <a:cs typeface="Arial"/>
+              <a:sym typeface="Arial"/>
+            </a:endParaRPr>
+          </a:p>
+        </p:txBody>
+      </p:sp>
+    </p:spTree>
+    <p:extLst>
+      <p:ext uri="{BB962C8B-B14F-4D97-AF65-F5344CB8AC3E}">
+        <p14:creationId xmlns:p14="http://schemas.microsoft.com/office/powerpoint/2010/main" val="2126611498"/>
+      </p:ext>
+    </p:extLst>
+  </p:cSld>
+  <p:clrMapOvr>
+    <a:masterClrMapping/>
+  </p:clrMapOvr>
+</p:notes>
+</file>
+
+<file path=ppt/notesSlides/notesSlide9.xml><?xml version="1.0" encoding="utf-8"?>
+<p:notes xmlns:a="http://schemas.openxmlformats.org/drawingml/2006/main" xmlns:r="http://schemas.openxmlformats.org/officeDocument/2006/relationships" xmlns:p="http://schemas.openxmlformats.org/presentationml/2006/main" showMasterSp="0" showMasterPhAnim="0">
+  <p:cSld>
+    <p:spTree>
+      <p:nvGrpSpPr>
+        <p:cNvPr id="1" name="Shape 110"/>
+        <p:cNvGrpSpPr/>
+        <p:nvPr/>
+      </p:nvGrpSpPr>
+      <p:grpSpPr>
+        <a:xfrm>
+          <a:off x="0" y="0"/>
+          <a:ext cx="0" cy="0"/>
+          <a:chOff x="0" y="0"/>
+          <a:chExt cx="0" cy="0"/>
+        </a:xfrm>
+      </p:grpSpPr>
+      <p:sp>
+        <p:nvSpPr>
+          <p:cNvPr id="111" name="Shape 111"/>
+          <p:cNvSpPr>
+            <a:spLocks noGrp="1" noRot="1" noChangeAspect="1"/>
+          </p:cNvSpPr>
+          <p:nvPr>
+            <p:ph type="sldImg" idx="2"/>
+          </p:nvPr>
+        </p:nvSpPr>
+        <p:spPr>
+          <a:xfrm>
+            <a:off x="381000" y="685800"/>
+            <a:ext cx="6096000" cy="3429000"/>
+          </a:xfrm>
+          <a:custGeom>
+            <a:avLst/>
+            <a:gdLst/>
+            <a:ahLst/>
+            <a:cxnLst/>
+            <a:rect l="0" t="0" r="0" b="0"/>
+            <a:pathLst>
+              <a:path w="120000" h="120000" extrusionOk="0">
+                <a:moveTo>
+                  <a:pt x="0" y="0"/>
+                </a:moveTo>
+                <a:lnTo>
+                  <a:pt x="120000" y="0"/>
+                </a:lnTo>
+                <a:lnTo>
+                  <a:pt x="120000" y="120000"/>
+                </a:lnTo>
+                <a:lnTo>
+                  <a:pt x="0" y="120000"/>
+                </a:lnTo>
+                <a:close/>
+              </a:path>
+            </a:pathLst>
+          </a:custGeom>
+          <a:noFill/>
+          <a:ln w="9525" cap="flat" cmpd="sng">
+            <a:solidFill>
+              <a:srgbClr val="000000"/>
+            </a:solidFill>
+            <a:prstDash val="solid"/>
+            <a:round/>
+            <a:headEnd type="none" w="med" len="med"/>
+            <a:tailEnd type="none" w="med" len="med"/>
+          </a:ln>
+        </p:spPr>
+      </p:sp>
+      <p:sp>
+        <p:nvSpPr>
+          <p:cNvPr id="112" name="Shape 112"/>
+          <p:cNvSpPr txBox="1">
+            <a:spLocks noGrp="1"/>
+          </p:cNvSpPr>
+          <p:nvPr>
+            <p:ph type="body" idx="1"/>
+          </p:nvPr>
+        </p:nvSpPr>
+        <p:spPr>
+          <a:xfrm>
+            <a:off x="685800" y="4343400"/>
+            <a:ext cx="5486399" cy="4114800"/>
+          </a:xfrm>
+          <a:prstGeom prst="rect">
+            <a:avLst/>
+          </a:prstGeom>
+          <a:noFill/>
+          <a:ln>
+            <a:noFill/>
+          </a:ln>
+        </p:spPr>
+        <p:txBody>
+          <a:bodyPr lIns="91425" tIns="91425" rIns="91425" bIns="91425" anchor="t" anchorCtr="0">
+            <a:noAutofit/>
+          </a:bodyPr>
+          <a:lstStyle/>
+          <a:p>
+            <a:pPr marL="0" marR="0" lvl="0" indent="0" algn="l" rtl="0">
+              <a:spcBef>
+                <a:spcPts val="0"/>
+              </a:spcBef>
+              <a:buClr>
+                <a:schemeClr val="dk1"/>
+              </a:buClr>
+              <a:buSzPct val="25000"/>
+              <a:buFont typeface="Arial"/>
+              <a:buNone/>
+            </a:pPr>
             <a:endParaRPr sz="1100" b="0" i="0" u="none" strike="noStrike" cap="none" dirty="0">
               <a:solidFill>
                 <a:schemeClr val="dk1"/>
@@ -1682,7 +2218,7 @@
     </p:spTree>
     <p:extLst>
       <p:ext uri="{BB962C8B-B14F-4D97-AF65-F5344CB8AC3E}">
-        <p14:creationId xmlns:p14="http://schemas.microsoft.com/office/powerpoint/2010/main" val="2249692302"/>
+        <p14:creationId xmlns:p14="http://schemas.microsoft.com/office/powerpoint/2010/main" val="2320600480"/>
       </p:ext>
     </p:extLst>
   </p:cSld>
@@ -8231,6 +8767,2334 @@
 </p:sld>
 </file>
 
+<file path=ppt/slides/slide10.xml><?xml version="1.0" encoding="utf-8"?>
+<p:sld xmlns:a="http://schemas.openxmlformats.org/drawingml/2006/main" xmlns:r="http://schemas.openxmlformats.org/officeDocument/2006/relationships" xmlns:p="http://schemas.openxmlformats.org/presentationml/2006/main">
+  <p:cSld>
+    <p:spTree>
+      <p:nvGrpSpPr>
+        <p:cNvPr id="1" name="Shape 113"/>
+        <p:cNvGrpSpPr/>
+        <p:nvPr/>
+      </p:nvGrpSpPr>
+      <p:grpSpPr>
+        <a:xfrm>
+          <a:off x="0" y="0"/>
+          <a:ext cx="0" cy="0"/>
+          <a:chOff x="0" y="0"/>
+          <a:chExt cx="0" cy="0"/>
+        </a:xfrm>
+      </p:grpSpPr>
+      <p:pic>
+        <p:nvPicPr>
+          <p:cNvPr id="114" name="Shape 114"/>
+          <p:cNvPicPr preferRelativeResize="0"/>
+          <p:nvPr/>
+        </p:nvPicPr>
+        <p:blipFill rotWithShape="1">
+          <a:blip r:embed="rId3">
+            <a:alphaModFix/>
+          </a:blip>
+          <a:srcRect l="10978" r="10993"/>
+          <a:stretch/>
+        </p:blipFill>
+        <p:spPr>
+          <a:xfrm>
+            <a:off x="-42042" y="0"/>
+            <a:ext cx="9144000" cy="5143499"/>
+          </a:xfrm>
+          <a:prstGeom prst="rect">
+            <a:avLst/>
+          </a:prstGeom>
+          <a:noFill/>
+          <a:ln>
+            <a:noFill/>
+          </a:ln>
+        </p:spPr>
+      </p:pic>
+      <p:sp>
+        <p:nvSpPr>
+          <p:cNvPr id="2" name="Title 1"/>
+          <p:cNvSpPr>
+            <a:spLocks noGrp="1"/>
+          </p:cNvSpPr>
+          <p:nvPr>
+            <p:ph type="title"/>
+          </p:nvPr>
+        </p:nvSpPr>
+        <p:spPr/>
+        <p:txBody>
+          <a:bodyPr/>
+          <a:lstStyle/>
+          <a:p>
+            <a:r>
+              <a:rPr lang="en-GB" dirty="0" smtClean="0">
+                <a:solidFill>
+                  <a:schemeClr val="bg1"/>
+                </a:solidFill>
+                <a:latin typeface="Berlin Sans FB Demi" panose="020E0802020502020306" pitchFamily="34" charset="0"/>
+              </a:rPr>
+              <a:t>HOW? </a:t>
+            </a:r>
+            <a:r>
+              <a:rPr lang="mr-IN" dirty="0" smtClean="0">
+                <a:solidFill>
+                  <a:schemeClr val="bg1"/>
+                </a:solidFill>
+                <a:latin typeface="Berlin Sans FB Demi" panose="020E0802020502020306" pitchFamily="34" charset="0"/>
+              </a:rPr>
+              <a:t>–</a:t>
+            </a:r>
+            <a:r>
+              <a:rPr lang="en-US" dirty="0" smtClean="0">
+                <a:solidFill>
+                  <a:schemeClr val="bg1"/>
+                </a:solidFill>
+                <a:latin typeface="Berlin Sans FB Demi" panose="020E0802020502020306" pitchFamily="34" charset="0"/>
+              </a:rPr>
+              <a:t> Step 2. </a:t>
+            </a:r>
+            <a:r>
+              <a:rPr lang="en-GB" dirty="0" smtClean="0">
+                <a:solidFill>
+                  <a:schemeClr val="bg1"/>
+                </a:solidFill>
+                <a:latin typeface="Berlin Sans FB Demi" panose="020E0802020502020306" pitchFamily="34" charset="0"/>
+              </a:rPr>
+              <a:t>iOS Application</a:t>
+            </a:r>
+            <a:endParaRPr lang="en-GB" dirty="0">
+              <a:solidFill>
+                <a:schemeClr val="bg1"/>
+              </a:solidFill>
+              <a:latin typeface="Berlin Sans FB Demi" panose="020E0802020502020306" pitchFamily="34" charset="0"/>
+            </a:endParaRPr>
+          </a:p>
+        </p:txBody>
+      </p:sp>
+      <p:sp>
+        <p:nvSpPr>
+          <p:cNvPr id="115" name="Shape 115"/>
+          <p:cNvSpPr txBox="1">
+            <a:spLocks noGrp="1"/>
+          </p:cNvSpPr>
+          <p:nvPr>
+            <p:ph type="body" idx="1"/>
+          </p:nvPr>
+        </p:nvSpPr>
+        <p:spPr>
+          <a:xfrm>
+            <a:off x="311700" y="1152475"/>
+            <a:ext cx="7838387" cy="3416400"/>
+          </a:xfrm>
+          <a:prstGeom prst="rect">
+            <a:avLst/>
+          </a:prstGeom>
+          <a:noFill/>
+          <a:ln>
+            <a:noFill/>
+          </a:ln>
+        </p:spPr>
+        <p:txBody>
+          <a:bodyPr lIns="91425" tIns="91425" rIns="91425" bIns="91425" anchor="t" anchorCtr="0">
+            <a:noAutofit/>
+          </a:bodyPr>
+          <a:lstStyle/>
+          <a:p>
+            <a:pPr marR="0" lvl="0" algn="l" rtl="0">
+              <a:lnSpc>
+                <a:spcPct val="100000"/>
+              </a:lnSpc>
+              <a:spcBef>
+                <a:spcPts val="0"/>
+              </a:spcBef>
+              <a:spcAft>
+                <a:spcPts val="0"/>
+              </a:spcAft>
+              <a:buClr>
+                <a:schemeClr val="lt1"/>
+              </a:buClr>
+              <a:buSzPct val="25000"/>
+            </a:pPr>
+            <a:endParaRPr lang="en-GB" sz="2000" b="0" i="0" u="none" strike="noStrike" cap="none" dirty="0" smtClean="0">
+              <a:solidFill>
+                <a:schemeClr val="lt1"/>
+              </a:solidFill>
+              <a:latin typeface="Berlin Sans FB" panose="020E0602020502020306" pitchFamily="34" charset="0"/>
+              <a:ea typeface="Exo 2"/>
+              <a:cs typeface="Exo 2"/>
+              <a:sym typeface="Exo 2"/>
+            </a:endParaRPr>
+          </a:p>
+          <a:p>
+            <a:pPr marL="171450" marR="0" lvl="0" indent="-171450" algn="l" rtl="0">
+              <a:lnSpc>
+                <a:spcPct val="100000"/>
+              </a:lnSpc>
+              <a:spcBef>
+                <a:spcPts val="0"/>
+              </a:spcBef>
+              <a:spcAft>
+                <a:spcPts val="0"/>
+              </a:spcAft>
+              <a:buClr>
+                <a:schemeClr val="lt1"/>
+              </a:buClr>
+              <a:buSzPct val="25000"/>
+              <a:buFont typeface="Arial" panose="020B0604020202020204" pitchFamily="34" charset="0"/>
+              <a:buChar char="•"/>
+            </a:pPr>
+            <a:endParaRPr lang="en-GB" sz="1200" dirty="0">
+              <a:solidFill>
+                <a:schemeClr val="lt1"/>
+              </a:solidFill>
+              <a:latin typeface="Berlin Sans FB Demi" panose="020E0802020502020306" pitchFamily="34" charset="0"/>
+              <a:ea typeface="Exo 2"/>
+              <a:cs typeface="Exo 2"/>
+              <a:sym typeface="Exo 2"/>
+            </a:endParaRPr>
+          </a:p>
+        </p:txBody>
+      </p:sp>
+      <p:sp>
+        <p:nvSpPr>
+          <p:cNvPr id="9" name="TextBox 8"/>
+          <p:cNvSpPr txBox="1"/>
+          <p:nvPr/>
+        </p:nvSpPr>
+        <p:spPr>
+          <a:xfrm>
+            <a:off x="-56159" y="1460364"/>
+            <a:ext cx="2348501" cy="707886"/>
+          </a:xfrm>
+          <a:prstGeom prst="rect">
+            <a:avLst/>
+          </a:prstGeom>
+          <a:noFill/>
+        </p:spPr>
+        <p:txBody>
+          <a:bodyPr wrap="square" rtlCol="0">
+            <a:spAutoFit/>
+          </a:bodyPr>
+          <a:lstStyle/>
+          <a:p>
+            <a:pPr algn="ctr"/>
+            <a:r>
+              <a:rPr lang="en-GB" sz="2000" smtClean="0">
+                <a:solidFill>
+                  <a:schemeClr val="bg1"/>
+                </a:solidFill>
+                <a:latin typeface="Berlin Sans FB" panose="020E0602020502020306" pitchFamily="34" charset="0"/>
+              </a:rPr>
+              <a:t>Face </a:t>
+            </a:r>
+            <a:r>
+              <a:rPr lang="en-GB" sz="2000" smtClean="0">
+                <a:solidFill>
+                  <a:schemeClr val="bg1"/>
+                </a:solidFill>
+                <a:latin typeface="Berlin Sans FB" panose="020E0602020502020306" pitchFamily="34" charset="0"/>
+              </a:rPr>
+              <a:t>Detection using Core Image (iOS)</a:t>
+            </a:r>
+            <a:endParaRPr lang="en-GB" sz="2000" dirty="0">
+              <a:solidFill>
+                <a:schemeClr val="bg1"/>
+              </a:solidFill>
+              <a:latin typeface="Berlin Sans FB" panose="020E0602020502020306" pitchFamily="34" charset="0"/>
+            </a:endParaRPr>
+          </a:p>
+        </p:txBody>
+      </p:sp>
+      <p:pic>
+        <p:nvPicPr>
+          <p:cNvPr id="4" name="Picture 3"/>
+          <p:cNvPicPr>
+            <a:picLocks noChangeAspect="1"/>
+          </p:cNvPicPr>
+          <p:nvPr/>
+        </p:nvPicPr>
+        <p:blipFill>
+          <a:blip r:embed="rId4">
+            <a:extLst>
+              <a:ext uri="{28A0092B-C50C-407E-A947-70E740481C1C}">
+                <a14:useLocalDpi xmlns:a14="http://schemas.microsoft.com/office/drawing/2010/main" val="0"/>
+              </a:ext>
+            </a:extLst>
+          </a:blip>
+          <a:stretch>
+            <a:fillRect/>
+          </a:stretch>
+        </p:blipFill>
+        <p:spPr>
+          <a:xfrm>
+            <a:off x="1847396" y="1385602"/>
+            <a:ext cx="2278610" cy="2921295"/>
+          </a:xfrm>
+          <a:prstGeom prst="rect">
+            <a:avLst/>
+          </a:prstGeom>
+        </p:spPr>
+      </p:pic>
+      <p:grpSp>
+        <p:nvGrpSpPr>
+          <p:cNvPr id="43" name="Group 42"/>
+          <p:cNvGrpSpPr/>
+          <p:nvPr/>
+        </p:nvGrpSpPr>
+        <p:grpSpPr>
+          <a:xfrm>
+            <a:off x="4254470" y="2310833"/>
+            <a:ext cx="3291286" cy="720083"/>
+            <a:chOff x="4448080" y="2071304"/>
+            <a:chExt cx="3291286" cy="720083"/>
+          </a:xfrm>
+        </p:grpSpPr>
+        <p:sp>
+          <p:nvSpPr>
+            <p:cNvPr id="13" name="TextBox 12"/>
+            <p:cNvSpPr txBox="1"/>
+            <p:nvPr/>
+          </p:nvSpPr>
+          <p:spPr>
+            <a:xfrm>
+              <a:off x="4448080" y="2422055"/>
+              <a:ext cx="3291286" cy="369332"/>
+            </a:xfrm>
+            <a:prstGeom prst="rect">
+              <a:avLst/>
+            </a:prstGeom>
+            <a:noFill/>
+          </p:spPr>
+          <p:txBody>
+            <a:bodyPr wrap="none" rtlCol="0">
+              <a:spAutoFit/>
+            </a:bodyPr>
+            <a:lstStyle/>
+            <a:p>
+              <a:r>
+                <a:rPr lang="en-GB" sz="1800" dirty="0" smtClean="0">
+                  <a:solidFill>
+                    <a:schemeClr val="bg1"/>
+                  </a:solidFill>
+                  <a:latin typeface="Berlin Sans FB" panose="020E0602020502020306" pitchFamily="34" charset="0"/>
+                </a:rPr>
+                <a:t>{0.05, 0.05</a:t>
+              </a:r>
+              <a:r>
+                <a:rPr lang="en-GB" sz="1800" dirty="0" smtClean="0">
+                  <a:solidFill>
+                    <a:schemeClr val="bg1"/>
+                  </a:solidFill>
+                  <a:latin typeface="Berlin Sans FB" panose="020E0602020502020306" pitchFamily="34" charset="0"/>
+                </a:rPr>
+                <a:t>,  0.7, 0.09, </a:t>
+              </a:r>
+              <a:r>
+                <a:rPr lang="en-GB" sz="1800" dirty="0" smtClean="0">
+                  <a:solidFill>
+                    <a:schemeClr val="bg1"/>
+                  </a:solidFill>
+                  <a:latin typeface="Berlin Sans FB" panose="020E0602020502020306" pitchFamily="34" charset="0"/>
+                </a:rPr>
+                <a:t>0.01, 0.2}</a:t>
+              </a:r>
+              <a:endParaRPr lang="en-GB" sz="1800" dirty="0">
+                <a:solidFill>
+                  <a:schemeClr val="bg1"/>
+                </a:solidFill>
+                <a:latin typeface="Berlin Sans FB" panose="020E0602020502020306" pitchFamily="34" charset="0"/>
+              </a:endParaRPr>
+            </a:p>
+          </p:txBody>
+        </p:sp>
+        <p:pic>
+          <p:nvPicPr>
+            <p:cNvPr id="23" name="Picture 22" descr="C:\Users\jfk24\AppData\Local\Microsoft\Windows\INetCache\Content.Word\1f622.png"/>
+            <p:cNvPicPr/>
+            <p:nvPr/>
+          </p:nvPicPr>
+          <p:blipFill>
+            <a:blip r:embed="rId5">
+              <a:extLst>
+                <a:ext uri="{28A0092B-C50C-407E-A947-70E740481C1C}">
+                  <a14:useLocalDpi xmlns:a14="http://schemas.microsoft.com/office/drawing/2010/main" val="0"/>
+                </a:ext>
+              </a:extLst>
+            </a:blip>
+            <a:srcRect/>
+            <a:stretch>
+              <a:fillRect/>
+            </a:stretch>
+          </p:blipFill>
+          <p:spPr bwMode="auto">
+            <a:xfrm>
+              <a:off x="6619539" y="2071304"/>
+              <a:ext cx="432000" cy="432000"/>
+            </a:xfrm>
+            <a:prstGeom prst="rect">
+              <a:avLst/>
+            </a:prstGeom>
+            <a:noFill/>
+            <a:ln>
+              <a:noFill/>
+            </a:ln>
+            <a:effectLst>
+              <a:outerShdw blurRad="50800" dist="38100" dir="8100000" algn="tr" rotWithShape="0">
+                <a:prstClr val="black">
+                  <a:alpha val="50000"/>
+                </a:prstClr>
+              </a:outerShdw>
+            </a:effectLst>
+          </p:spPr>
+        </p:pic>
+        <p:pic>
+          <p:nvPicPr>
+            <p:cNvPr id="24" name="Picture 23" descr="C:\Users\jfk24\AppData\Local\Microsoft\Windows\INetCache\Content.Word\1f632.png"/>
+            <p:cNvPicPr>
+              <a:picLocks noChangeAspect="1"/>
+            </p:cNvPicPr>
+            <p:nvPr/>
+          </p:nvPicPr>
+          <p:blipFill>
+            <a:blip r:embed="rId6">
+              <a:extLst>
+                <a:ext uri="{28A0092B-C50C-407E-A947-70E740481C1C}">
+                  <a14:useLocalDpi xmlns:a14="http://schemas.microsoft.com/office/drawing/2010/main" val="0"/>
+                </a:ext>
+              </a:extLst>
+            </a:blip>
+            <a:srcRect/>
+            <a:stretch>
+              <a:fillRect/>
+            </a:stretch>
+          </p:blipFill>
+          <p:spPr bwMode="auto">
+            <a:xfrm>
+              <a:off x="7100211" y="2079059"/>
+              <a:ext cx="432000" cy="432000"/>
+            </a:xfrm>
+            <a:prstGeom prst="rect">
+              <a:avLst/>
+            </a:prstGeom>
+            <a:noFill/>
+            <a:ln>
+              <a:noFill/>
+            </a:ln>
+            <a:effectLst>
+              <a:outerShdw blurRad="50800" dist="38100" dir="8100000" algn="tr" rotWithShape="0">
+                <a:prstClr val="black">
+                  <a:alpha val="50000"/>
+                </a:prstClr>
+              </a:outerShdw>
+            </a:effectLst>
+          </p:spPr>
+        </p:pic>
+        <p:pic>
+          <p:nvPicPr>
+            <p:cNvPr id="25" name="Picture 24" descr="C:\Users\jfk24\AppData\Local\Microsoft\Windows\INetCache\Content.Word\1f600.png"/>
+            <p:cNvPicPr>
+              <a:picLocks noChangeAspect="1"/>
+            </p:cNvPicPr>
+            <p:nvPr/>
+          </p:nvPicPr>
+          <p:blipFill>
+            <a:blip r:embed="rId7">
+              <a:extLst>
+                <a:ext uri="{28A0092B-C50C-407E-A947-70E740481C1C}">
+                  <a14:useLocalDpi xmlns:a14="http://schemas.microsoft.com/office/drawing/2010/main" val="0"/>
+                </a:ext>
+              </a:extLst>
+            </a:blip>
+            <a:srcRect/>
+            <a:stretch>
+              <a:fillRect/>
+            </a:stretch>
+          </p:blipFill>
+          <p:spPr bwMode="auto">
+            <a:xfrm>
+              <a:off x="6161458" y="2079059"/>
+              <a:ext cx="432000" cy="432000"/>
+            </a:xfrm>
+            <a:prstGeom prst="rect">
+              <a:avLst/>
+            </a:prstGeom>
+            <a:noFill/>
+            <a:ln>
+              <a:noFill/>
+            </a:ln>
+            <a:effectLst>
+              <a:outerShdw blurRad="50800" dist="38100" dir="8100000" algn="tr" rotWithShape="0">
+                <a:prstClr val="black">
+                  <a:alpha val="50000"/>
+                </a:prstClr>
+              </a:outerShdw>
+            </a:effectLst>
+          </p:spPr>
+        </p:pic>
+        <p:pic>
+          <p:nvPicPr>
+            <p:cNvPr id="26" name="Picture 25" descr="C:\Users\jfk24\AppData\Local\Microsoft\Windows\INetCache\Content.Word\1f620.png"/>
+            <p:cNvPicPr>
+              <a:picLocks noChangeAspect="1"/>
+            </p:cNvPicPr>
+            <p:nvPr/>
+          </p:nvPicPr>
+          <p:blipFill>
+            <a:blip r:embed="rId8">
+              <a:extLst>
+                <a:ext uri="{28A0092B-C50C-407E-A947-70E740481C1C}">
+                  <a14:useLocalDpi xmlns:a14="http://schemas.microsoft.com/office/drawing/2010/main" val="0"/>
+                </a:ext>
+              </a:extLst>
+            </a:blip>
+            <a:srcRect/>
+            <a:stretch>
+              <a:fillRect/>
+            </a:stretch>
+          </p:blipFill>
+          <p:spPr bwMode="auto">
+            <a:xfrm>
+              <a:off x="4575128" y="2079059"/>
+              <a:ext cx="432000" cy="432000"/>
+            </a:xfrm>
+            <a:prstGeom prst="rect">
+              <a:avLst/>
+            </a:prstGeom>
+            <a:noFill/>
+            <a:ln>
+              <a:noFill/>
+            </a:ln>
+            <a:effectLst>
+              <a:outerShdw blurRad="50800" dist="38100" dir="8100000" algn="tr" rotWithShape="0">
+                <a:prstClr val="black">
+                  <a:alpha val="50000"/>
+                </a:prstClr>
+              </a:outerShdw>
+            </a:effectLst>
+          </p:spPr>
+        </p:pic>
+        <p:pic>
+          <p:nvPicPr>
+            <p:cNvPr id="27" name="Picture 26" descr="C:\Users\jfk24\AppData\Local\Microsoft\Windows\INetCache\Content.Word\1f626.png"/>
+            <p:cNvPicPr>
+              <a:picLocks noChangeAspect="1"/>
+            </p:cNvPicPr>
+            <p:nvPr/>
+          </p:nvPicPr>
+          <p:blipFill>
+            <a:blip r:embed="rId9">
+              <a:extLst>
+                <a:ext uri="{28A0092B-C50C-407E-A947-70E740481C1C}">
+                  <a14:useLocalDpi xmlns:a14="http://schemas.microsoft.com/office/drawing/2010/main" val="0"/>
+                </a:ext>
+              </a:extLst>
+            </a:blip>
+            <a:srcRect/>
+            <a:stretch>
+              <a:fillRect/>
+            </a:stretch>
+          </p:blipFill>
+          <p:spPr bwMode="auto">
+            <a:xfrm>
+              <a:off x="5117214" y="2075498"/>
+              <a:ext cx="432000" cy="432000"/>
+            </a:xfrm>
+            <a:prstGeom prst="rect">
+              <a:avLst/>
+            </a:prstGeom>
+            <a:noFill/>
+            <a:ln>
+              <a:noFill/>
+            </a:ln>
+            <a:effectLst>
+              <a:outerShdw blurRad="50800" dist="38100" dir="8100000" algn="tr" rotWithShape="0">
+                <a:prstClr val="black">
+                  <a:alpha val="50000"/>
+                </a:prstClr>
+              </a:outerShdw>
+            </a:effectLst>
+          </p:spPr>
+        </p:pic>
+        <p:pic>
+          <p:nvPicPr>
+            <p:cNvPr id="38" name="Picture 37" descr="C:\Users\jfk24\AppData\Local\Microsoft\Windows\INetCache\Content.Word\1f631.png"/>
+            <p:cNvPicPr/>
+            <p:nvPr/>
+          </p:nvPicPr>
+          <p:blipFill>
+            <a:blip r:embed="rId10">
+              <a:extLst>
+                <a:ext uri="{28A0092B-C50C-407E-A947-70E740481C1C}">
+                  <a14:useLocalDpi xmlns:a14="http://schemas.microsoft.com/office/drawing/2010/main" val="0"/>
+                </a:ext>
+              </a:extLst>
+            </a:blip>
+            <a:srcRect/>
+            <a:stretch>
+              <a:fillRect/>
+            </a:stretch>
+          </p:blipFill>
+          <p:spPr bwMode="auto">
+            <a:xfrm>
+              <a:off x="5667780" y="2071304"/>
+              <a:ext cx="432000" cy="432000"/>
+            </a:xfrm>
+            <a:prstGeom prst="rect">
+              <a:avLst/>
+            </a:prstGeom>
+            <a:noFill/>
+            <a:ln>
+              <a:noFill/>
+            </a:ln>
+            <a:effectLst>
+              <a:outerShdw blurRad="50800" dist="38100" dir="8100000" algn="tr" rotWithShape="0">
+                <a:prstClr val="black">
+                  <a:alpha val="50000"/>
+                </a:prstClr>
+              </a:outerShdw>
+            </a:effectLst>
+          </p:spPr>
+        </p:pic>
+      </p:grpSp>
+      <p:cxnSp>
+        <p:nvCxnSpPr>
+          <p:cNvPr id="48" name="Straight Arrow Connector 47"/>
+          <p:cNvCxnSpPr/>
+          <p:nvPr/>
+        </p:nvCxnSpPr>
+        <p:spPr>
+          <a:xfrm>
+            <a:off x="7414805" y="2846249"/>
+            <a:ext cx="314038" cy="0"/>
+          </a:xfrm>
+          <a:prstGeom prst="straightConnector1">
+            <a:avLst/>
+          </a:prstGeom>
+          <a:ln>
+            <a:tailEnd type="triangle"/>
+          </a:ln>
+        </p:spPr>
+        <p:style>
+          <a:lnRef idx="3">
+            <a:schemeClr val="accent4"/>
+          </a:lnRef>
+          <a:fillRef idx="0">
+            <a:schemeClr val="accent4"/>
+          </a:fillRef>
+          <a:effectRef idx="2">
+            <a:schemeClr val="accent4"/>
+          </a:effectRef>
+          <a:fontRef idx="minor">
+            <a:schemeClr val="tx1"/>
+          </a:fontRef>
+        </p:style>
+      </p:cxnSp>
+      <p:cxnSp>
+        <p:nvCxnSpPr>
+          <p:cNvPr id="29" name="Straight Arrow Connector 28"/>
+          <p:cNvCxnSpPr/>
+          <p:nvPr/>
+        </p:nvCxnSpPr>
+        <p:spPr>
+          <a:xfrm>
+            <a:off x="3742505" y="2672020"/>
+            <a:ext cx="524232" cy="8864"/>
+          </a:xfrm>
+          <a:prstGeom prst="straightConnector1">
+            <a:avLst/>
+          </a:prstGeom>
+          <a:ln>
+            <a:tailEnd type="triangle"/>
+          </a:ln>
+        </p:spPr>
+        <p:style>
+          <a:lnRef idx="3">
+            <a:schemeClr val="accent4"/>
+          </a:lnRef>
+          <a:fillRef idx="0">
+            <a:schemeClr val="accent4"/>
+          </a:fillRef>
+          <a:effectRef idx="2">
+            <a:schemeClr val="accent4"/>
+          </a:effectRef>
+          <a:fontRef idx="minor">
+            <a:schemeClr val="tx1"/>
+          </a:fontRef>
+        </p:style>
+      </p:cxnSp>
+      <p:sp>
+        <p:nvSpPr>
+          <p:cNvPr id="19" name="TextBox 18"/>
+          <p:cNvSpPr txBox="1"/>
+          <p:nvPr/>
+        </p:nvSpPr>
+        <p:spPr>
+          <a:xfrm>
+            <a:off x="1345608" y="4245049"/>
+            <a:ext cx="3409436" cy="769441"/>
+          </a:xfrm>
+          <a:prstGeom prst="rect">
+            <a:avLst/>
+          </a:prstGeom>
+          <a:noFill/>
+        </p:spPr>
+        <p:txBody>
+          <a:bodyPr wrap="square" rtlCol="0">
+            <a:spAutoFit/>
+          </a:bodyPr>
+          <a:lstStyle/>
+          <a:p>
+            <a:pPr algn="ctr"/>
+            <a:r>
+              <a:rPr lang="en-GB" sz="2200" dirty="0" smtClean="0">
+                <a:solidFill>
+                  <a:schemeClr val="bg1"/>
+                </a:solidFill>
+                <a:latin typeface="Berlin Sans FB" panose="020E0602020502020306" pitchFamily="34" charset="0"/>
+              </a:rPr>
+              <a:t>Loaded with trained TF Model using </a:t>
+            </a:r>
+            <a:r>
+              <a:rPr lang="en-GB" sz="2200" dirty="0" err="1" smtClean="0">
+                <a:solidFill>
+                  <a:schemeClr val="bg1"/>
+                </a:solidFill>
+                <a:latin typeface="Berlin Sans FB" panose="020E0602020502020306" pitchFamily="34" charset="0"/>
+              </a:rPr>
+              <a:t>CoreML</a:t>
+            </a:r>
+            <a:r>
+              <a:rPr lang="en-GB" sz="2200" dirty="0" smtClean="0">
+                <a:solidFill>
+                  <a:schemeClr val="bg1"/>
+                </a:solidFill>
+                <a:latin typeface="Berlin Sans FB" panose="020E0602020502020306" pitchFamily="34" charset="0"/>
+              </a:rPr>
+              <a:t> (iOS)</a:t>
+            </a:r>
+            <a:endParaRPr lang="en-GB" sz="2200" dirty="0">
+              <a:solidFill>
+                <a:schemeClr val="bg1"/>
+              </a:solidFill>
+              <a:latin typeface="Berlin Sans FB" panose="020E0602020502020306" pitchFamily="34" charset="0"/>
+            </a:endParaRPr>
+          </a:p>
+        </p:txBody>
+      </p:sp>
+      <p:pic>
+        <p:nvPicPr>
+          <p:cNvPr id="32" name="Picture 31"/>
+          <p:cNvPicPr>
+            <a:picLocks noChangeAspect="1"/>
+          </p:cNvPicPr>
+          <p:nvPr/>
+        </p:nvPicPr>
+        <p:blipFill>
+          <a:blip r:embed="rId11">
+            <a:extLst>
+              <a:ext uri="{28A0092B-C50C-407E-A947-70E740481C1C}">
+                <a14:useLocalDpi xmlns:a14="http://schemas.microsoft.com/office/drawing/2010/main" val="0"/>
+              </a:ext>
+            </a:extLst>
+          </a:blip>
+          <a:stretch>
+            <a:fillRect/>
+          </a:stretch>
+        </p:blipFill>
+        <p:spPr>
+          <a:xfrm>
+            <a:off x="2345507" y="1732107"/>
+            <a:ext cx="1285012" cy="2231870"/>
+          </a:xfrm>
+          <a:prstGeom prst="rect">
+            <a:avLst/>
+          </a:prstGeom>
+        </p:spPr>
+      </p:pic>
+      <p:pic>
+        <p:nvPicPr>
+          <p:cNvPr id="33" name="Picture 32"/>
+          <p:cNvPicPr>
+            <a:picLocks noChangeAspect="1"/>
+          </p:cNvPicPr>
+          <p:nvPr/>
+        </p:nvPicPr>
+        <p:blipFill rotWithShape="1">
+          <a:blip r:embed="rId11">
+            <a:extLst>
+              <a:ext uri="{28A0092B-C50C-407E-A947-70E740481C1C}">
+                <a14:useLocalDpi xmlns:a14="http://schemas.microsoft.com/office/drawing/2010/main" val="0"/>
+              </a:ext>
+            </a:extLst>
+          </a:blip>
+          <a:srcRect l="24229" r="24232" b="61833"/>
+          <a:stretch/>
+        </p:blipFill>
+        <p:spPr>
+          <a:xfrm>
+            <a:off x="235252" y="2155189"/>
+            <a:ext cx="1471174" cy="1892243"/>
+          </a:xfrm>
+          <a:prstGeom prst="rect">
+            <a:avLst/>
+          </a:prstGeom>
+        </p:spPr>
+      </p:pic>
+      <p:pic>
+        <p:nvPicPr>
+          <p:cNvPr id="34" name="Picture 33" descr="C:\Users\jfk24\AppData\Local\Microsoft\Windows\INetCache\Content.Word\1f631.png"/>
+          <p:cNvPicPr/>
+          <p:nvPr/>
+        </p:nvPicPr>
+        <p:blipFill>
+          <a:blip r:embed="rId10">
+            <a:extLst>
+              <a:ext uri="{28A0092B-C50C-407E-A947-70E740481C1C}">
+                <a14:useLocalDpi xmlns:a14="http://schemas.microsoft.com/office/drawing/2010/main" val="0"/>
+              </a:ext>
+            </a:extLst>
+          </a:blip>
+          <a:srcRect/>
+          <a:stretch>
+            <a:fillRect/>
+          </a:stretch>
+        </p:blipFill>
+        <p:spPr bwMode="auto">
+          <a:xfrm>
+            <a:off x="7787919" y="2126294"/>
+            <a:ext cx="1038375" cy="1038375"/>
+          </a:xfrm>
+          <a:prstGeom prst="rect">
+            <a:avLst/>
+          </a:prstGeom>
+          <a:noFill/>
+          <a:ln>
+            <a:noFill/>
+          </a:ln>
+          <a:effectLst>
+            <a:outerShdw blurRad="50800" dist="38100" dir="8100000" algn="tr" rotWithShape="0">
+              <a:prstClr val="black">
+                <a:alpha val="50000"/>
+              </a:prstClr>
+            </a:outerShdw>
+          </a:effectLst>
+        </p:spPr>
+      </p:pic>
+      <p:sp>
+        <p:nvSpPr>
+          <p:cNvPr id="35" name="TextBox 34"/>
+          <p:cNvSpPr txBox="1"/>
+          <p:nvPr/>
+        </p:nvSpPr>
+        <p:spPr>
+          <a:xfrm>
+            <a:off x="7532510" y="3164669"/>
+            <a:ext cx="1601721" cy="646331"/>
+          </a:xfrm>
+          <a:prstGeom prst="rect">
+            <a:avLst/>
+          </a:prstGeom>
+          <a:noFill/>
+        </p:spPr>
+        <p:txBody>
+          <a:bodyPr wrap="none" rtlCol="0">
+            <a:spAutoFit/>
+          </a:bodyPr>
+          <a:lstStyle/>
+          <a:p>
+            <a:pPr algn="ctr"/>
+            <a:r>
+              <a:rPr lang="en-GB" sz="1800" dirty="0" smtClean="0">
+                <a:solidFill>
+                  <a:schemeClr val="bg1"/>
+                </a:solidFill>
+                <a:latin typeface="Berlin Sans FB" panose="020E0602020502020306" pitchFamily="34" charset="0"/>
+              </a:rPr>
+              <a:t>✔️</a:t>
+            </a:r>
+          </a:p>
+          <a:p>
+            <a:r>
+              <a:rPr lang="en-GB" sz="1800" dirty="0" smtClean="0">
+                <a:solidFill>
+                  <a:schemeClr val="tx2">
+                    <a:lumMod val="10000"/>
+                  </a:schemeClr>
+                </a:solidFill>
+                <a:latin typeface="Berlin Sans FB" panose="020E0602020502020306" pitchFamily="34" charset="0"/>
+              </a:rPr>
+              <a:t>WELL DONE!</a:t>
+            </a:r>
+            <a:endParaRPr lang="en-GB" sz="1800" dirty="0">
+              <a:solidFill>
+                <a:schemeClr val="tx2">
+                  <a:lumMod val="10000"/>
+                </a:schemeClr>
+              </a:solidFill>
+              <a:latin typeface="Berlin Sans FB" panose="020E0602020502020306" pitchFamily="34" charset="0"/>
+            </a:endParaRPr>
+          </a:p>
+        </p:txBody>
+      </p:sp>
+      <p:cxnSp>
+        <p:nvCxnSpPr>
+          <p:cNvPr id="31" name="Straight Arrow Connector 30"/>
+          <p:cNvCxnSpPr>
+            <a:endCxn id="33" idx="3"/>
+          </p:cNvCxnSpPr>
+          <p:nvPr/>
+        </p:nvCxnSpPr>
+        <p:spPr>
+          <a:xfrm flipH="1">
+            <a:off x="1706426" y="2318588"/>
+            <a:ext cx="1045076" cy="782723"/>
+          </a:xfrm>
+          <a:prstGeom prst="straightConnector1">
+            <a:avLst/>
+          </a:prstGeom>
+          <a:ln>
+            <a:tailEnd type="triangle"/>
+          </a:ln>
+        </p:spPr>
+        <p:style>
+          <a:lnRef idx="3">
+            <a:schemeClr val="accent4"/>
+          </a:lnRef>
+          <a:fillRef idx="0">
+            <a:schemeClr val="accent4"/>
+          </a:fillRef>
+          <a:effectRef idx="2">
+            <a:schemeClr val="accent4"/>
+          </a:effectRef>
+          <a:fontRef idx="minor">
+            <a:schemeClr val="tx1"/>
+          </a:fontRef>
+        </p:style>
+      </p:cxnSp>
+      <p:sp>
+        <p:nvSpPr>
+          <p:cNvPr id="40" name="TextBox 39"/>
+          <p:cNvSpPr txBox="1"/>
+          <p:nvPr/>
+        </p:nvSpPr>
+        <p:spPr>
+          <a:xfrm>
+            <a:off x="4136320" y="3041198"/>
+            <a:ext cx="3409436" cy="430887"/>
+          </a:xfrm>
+          <a:prstGeom prst="rect">
+            <a:avLst/>
+          </a:prstGeom>
+          <a:noFill/>
+        </p:spPr>
+        <p:txBody>
+          <a:bodyPr wrap="square" rtlCol="0">
+            <a:spAutoFit/>
+          </a:bodyPr>
+          <a:lstStyle/>
+          <a:p>
+            <a:pPr algn="ctr"/>
+            <a:r>
+              <a:rPr lang="en-GB" sz="2200" dirty="0" smtClean="0">
+                <a:solidFill>
+                  <a:schemeClr val="bg1"/>
+                </a:solidFill>
+                <a:latin typeface="Berlin Sans FB" panose="020E0602020502020306" pitchFamily="34" charset="0"/>
+              </a:rPr>
+              <a:t>Model Predictions</a:t>
+            </a:r>
+            <a:endParaRPr lang="en-GB" sz="2200" dirty="0">
+              <a:solidFill>
+                <a:schemeClr val="bg1"/>
+              </a:solidFill>
+              <a:latin typeface="Berlin Sans FB" panose="020E0602020502020306" pitchFamily="34" charset="0"/>
+            </a:endParaRPr>
+          </a:p>
+        </p:txBody>
+      </p:sp>
+    </p:spTree>
+    <p:extLst>
+      <p:ext uri="{BB962C8B-B14F-4D97-AF65-F5344CB8AC3E}">
+        <p14:creationId xmlns:p14="http://schemas.microsoft.com/office/powerpoint/2010/main" val="3916704141"/>
+      </p:ext>
+    </p:extLst>
+  </p:cSld>
+  <p:clrMapOvr>
+    <a:masterClrMapping/>
+  </p:clrMapOvr>
+  <p:timing>
+    <p:tnLst>
+      <p:par>
+        <p:cTn id="1" dur="indefinite" restart="never" nodeType="tmRoot">
+          <p:childTnLst>
+            <p:seq concurrent="1" nextAc="seek">
+              <p:cTn id="2" dur="indefinite" nodeType="mainSeq">
+                <p:childTnLst>
+                  <p:par>
+                    <p:cTn id="3" fill="hold">
+                      <p:stCondLst>
+                        <p:cond delay="indefinite"/>
+                      </p:stCondLst>
+                      <p:childTnLst>
+                        <p:par>
+                          <p:cTn id="4" fill="hold">
+                            <p:stCondLst>
+                              <p:cond delay="0"/>
+                            </p:stCondLst>
+                            <p:childTnLst>
+                              <p:par>
+                                <p:cTn id="5" presetID="1" presetClass="entr" presetSubtype="0" fill="hold" grpId="0" nodeType="clickEffect">
+                                  <p:stCondLst>
+                                    <p:cond delay="0"/>
+                                  </p:stCondLst>
+                                  <p:childTnLst>
+                                    <p:set>
+                                      <p:cBhvr>
+                                        <p:cTn id="6" dur="1" fill="hold">
+                                          <p:stCondLst>
+                                            <p:cond delay="0"/>
+                                          </p:stCondLst>
+                                        </p:cTn>
+                                        <p:tgtEl>
+                                          <p:spTgt spid="9"/>
+                                        </p:tgtEl>
+                                        <p:attrNameLst>
+                                          <p:attrName>style.visibility</p:attrName>
+                                        </p:attrNameLst>
+                                      </p:cBhvr>
+                                      <p:to>
+                                        <p:strVal val="visible"/>
+                                      </p:to>
+                                    </p:set>
+                                  </p:childTnLst>
+                                </p:cTn>
+                              </p:par>
+                              <p:par>
+                                <p:cTn id="7" presetID="1" presetClass="entr" presetSubtype="0" fill="hold" nodeType="withEffect">
+                                  <p:stCondLst>
+                                    <p:cond delay="0"/>
+                                  </p:stCondLst>
+                                  <p:childTnLst>
+                                    <p:set>
+                                      <p:cBhvr>
+                                        <p:cTn id="8" dur="1" fill="hold">
+                                          <p:stCondLst>
+                                            <p:cond delay="0"/>
+                                          </p:stCondLst>
+                                        </p:cTn>
+                                        <p:tgtEl>
+                                          <p:spTgt spid="33"/>
+                                        </p:tgtEl>
+                                        <p:attrNameLst>
+                                          <p:attrName>style.visibility</p:attrName>
+                                        </p:attrNameLst>
+                                      </p:cBhvr>
+                                      <p:to>
+                                        <p:strVal val="visible"/>
+                                      </p:to>
+                                    </p:set>
+                                  </p:childTnLst>
+                                </p:cTn>
+                              </p:par>
+                              <p:par>
+                                <p:cTn id="9" presetID="1" presetClass="entr" presetSubtype="0" fill="hold" nodeType="withEffect">
+                                  <p:stCondLst>
+                                    <p:cond delay="0"/>
+                                  </p:stCondLst>
+                                  <p:childTnLst>
+                                    <p:set>
+                                      <p:cBhvr>
+                                        <p:cTn id="10" dur="1" fill="hold">
+                                          <p:stCondLst>
+                                            <p:cond delay="0"/>
+                                          </p:stCondLst>
+                                        </p:cTn>
+                                        <p:tgtEl>
+                                          <p:spTgt spid="31"/>
+                                        </p:tgtEl>
+                                        <p:attrNameLst>
+                                          <p:attrName>style.visibility</p:attrName>
+                                        </p:attrNameLst>
+                                      </p:cBhvr>
+                                      <p:to>
+                                        <p:strVal val="visible"/>
+                                      </p:to>
+                                    </p:set>
+                                  </p:childTnLst>
+                                </p:cTn>
+                              </p:par>
+                            </p:childTnLst>
+                          </p:cTn>
+                        </p:par>
+                      </p:childTnLst>
+                    </p:cTn>
+                  </p:par>
+                  <p:par>
+                    <p:cTn id="11" fill="hold">
+                      <p:stCondLst>
+                        <p:cond delay="indefinite"/>
+                      </p:stCondLst>
+                      <p:childTnLst>
+                        <p:par>
+                          <p:cTn id="12" fill="hold">
+                            <p:stCondLst>
+                              <p:cond delay="0"/>
+                            </p:stCondLst>
+                            <p:childTnLst>
+                              <p:par>
+                                <p:cTn id="13" presetID="1" presetClass="entr" presetSubtype="0" fill="hold" nodeType="clickEffect">
+                                  <p:stCondLst>
+                                    <p:cond delay="0"/>
+                                  </p:stCondLst>
+                                  <p:childTnLst>
+                                    <p:set>
+                                      <p:cBhvr>
+                                        <p:cTn id="14" dur="1" fill="hold">
+                                          <p:stCondLst>
+                                            <p:cond delay="0"/>
+                                          </p:stCondLst>
+                                        </p:cTn>
+                                        <p:tgtEl>
+                                          <p:spTgt spid="29"/>
+                                        </p:tgtEl>
+                                        <p:attrNameLst>
+                                          <p:attrName>style.visibility</p:attrName>
+                                        </p:attrNameLst>
+                                      </p:cBhvr>
+                                      <p:to>
+                                        <p:strVal val="visible"/>
+                                      </p:to>
+                                    </p:set>
+                                  </p:childTnLst>
+                                </p:cTn>
+                              </p:par>
+                              <p:par>
+                                <p:cTn id="15" presetID="1" presetClass="entr" presetSubtype="0" fill="hold" nodeType="withEffect">
+                                  <p:stCondLst>
+                                    <p:cond delay="0"/>
+                                  </p:stCondLst>
+                                  <p:childTnLst>
+                                    <p:set>
+                                      <p:cBhvr>
+                                        <p:cTn id="16" dur="1" fill="hold">
+                                          <p:stCondLst>
+                                            <p:cond delay="0"/>
+                                          </p:stCondLst>
+                                        </p:cTn>
+                                        <p:tgtEl>
+                                          <p:spTgt spid="43"/>
+                                        </p:tgtEl>
+                                        <p:attrNameLst>
+                                          <p:attrName>style.visibility</p:attrName>
+                                        </p:attrNameLst>
+                                      </p:cBhvr>
+                                      <p:to>
+                                        <p:strVal val="visible"/>
+                                      </p:to>
+                                    </p:set>
+                                  </p:childTnLst>
+                                </p:cTn>
+                              </p:par>
+                              <p:par>
+                                <p:cTn id="17" presetID="1" presetClass="entr" presetSubtype="0" fill="hold" nodeType="withEffect">
+                                  <p:stCondLst>
+                                    <p:cond delay="0"/>
+                                  </p:stCondLst>
+                                  <p:childTnLst>
+                                    <p:set>
+                                      <p:cBhvr>
+                                        <p:cTn id="18" dur="1" fill="hold">
+                                          <p:stCondLst>
+                                            <p:cond delay="0"/>
+                                          </p:stCondLst>
+                                        </p:cTn>
+                                        <p:tgtEl>
+                                          <p:spTgt spid="34"/>
+                                        </p:tgtEl>
+                                        <p:attrNameLst>
+                                          <p:attrName>style.visibility</p:attrName>
+                                        </p:attrNameLst>
+                                      </p:cBhvr>
+                                      <p:to>
+                                        <p:strVal val="visible"/>
+                                      </p:to>
+                                    </p:set>
+                                  </p:childTnLst>
+                                </p:cTn>
+                              </p:par>
+                              <p:par>
+                                <p:cTn id="19" presetID="1" presetClass="entr" presetSubtype="0" fill="hold" nodeType="withEffect">
+                                  <p:stCondLst>
+                                    <p:cond delay="0"/>
+                                  </p:stCondLst>
+                                  <p:childTnLst>
+                                    <p:set>
+                                      <p:cBhvr>
+                                        <p:cTn id="20" dur="1" fill="hold">
+                                          <p:stCondLst>
+                                            <p:cond delay="0"/>
+                                          </p:stCondLst>
+                                        </p:cTn>
+                                        <p:tgtEl>
+                                          <p:spTgt spid="48"/>
+                                        </p:tgtEl>
+                                        <p:attrNameLst>
+                                          <p:attrName>style.visibility</p:attrName>
+                                        </p:attrNameLst>
+                                      </p:cBhvr>
+                                      <p:to>
+                                        <p:strVal val="visible"/>
+                                      </p:to>
+                                    </p:set>
+                                  </p:childTnLst>
+                                </p:cTn>
+                              </p:par>
+                            </p:childTnLst>
+                          </p:cTn>
+                        </p:par>
+                      </p:childTnLst>
+                    </p:cTn>
+                  </p:par>
+                  <p:par>
+                    <p:cTn id="21" fill="hold">
+                      <p:stCondLst>
+                        <p:cond delay="indefinite"/>
+                      </p:stCondLst>
+                      <p:childTnLst>
+                        <p:par>
+                          <p:cTn id="22" fill="hold">
+                            <p:stCondLst>
+                              <p:cond delay="0"/>
+                            </p:stCondLst>
+                            <p:childTnLst>
+                              <p:par>
+                                <p:cTn id="23" presetID="1" presetClass="entr" presetSubtype="0" fill="hold" grpId="0" nodeType="clickEffect">
+                                  <p:stCondLst>
+                                    <p:cond delay="0"/>
+                                  </p:stCondLst>
+                                  <p:childTnLst>
+                                    <p:set>
+                                      <p:cBhvr>
+                                        <p:cTn id="24" dur="1" fill="hold">
+                                          <p:stCondLst>
+                                            <p:cond delay="0"/>
+                                          </p:stCondLst>
+                                        </p:cTn>
+                                        <p:tgtEl>
+                                          <p:spTgt spid="35"/>
+                                        </p:tgtEl>
+                                        <p:attrNameLst>
+                                          <p:attrName>style.visibility</p:attrName>
+                                        </p:attrNameLst>
+                                      </p:cBhvr>
+                                      <p:to>
+                                        <p:strVal val="visible"/>
+                                      </p:to>
+                                    </p:set>
+                                  </p:childTnLst>
+                                </p:cTn>
+                              </p:par>
+                            </p:childTnLst>
+                          </p:cTn>
+                        </p:par>
+                      </p:childTnLst>
+                    </p:cTn>
+                  </p:par>
+                </p:childTnLst>
+              </p:cTn>
+              <p:prevCondLst>
+                <p:cond evt="onPrev" delay="0">
+                  <p:tgtEl>
+                    <p:sldTgt/>
+                  </p:tgtEl>
+                </p:cond>
+              </p:prevCondLst>
+              <p:nextCondLst>
+                <p:cond evt="onNext" delay="0">
+                  <p:tgtEl>
+                    <p:sldTgt/>
+                  </p:tgtEl>
+                </p:cond>
+              </p:nextCondLst>
+            </p:seq>
+          </p:childTnLst>
+        </p:cTn>
+      </p:par>
+    </p:tnLst>
+    <p:bldLst>
+      <p:bldP spid="9" grpId="0"/>
+      <p:bldP spid="35" grpId="0"/>
+    </p:bldLst>
+  </p:timing>
+</p:sld>
+</file>
+
+<file path=ppt/slides/slide11.xml><?xml version="1.0" encoding="utf-8"?>
+<p:sld xmlns:a="http://schemas.openxmlformats.org/drawingml/2006/main" xmlns:r="http://schemas.openxmlformats.org/officeDocument/2006/relationships" xmlns:p="http://schemas.openxmlformats.org/presentationml/2006/main">
+  <p:cSld>
+    <p:spTree>
+      <p:nvGrpSpPr>
+        <p:cNvPr id="1" name="Shape 113"/>
+        <p:cNvGrpSpPr/>
+        <p:nvPr/>
+      </p:nvGrpSpPr>
+      <p:grpSpPr>
+        <a:xfrm>
+          <a:off x="0" y="0"/>
+          <a:ext cx="0" cy="0"/>
+          <a:chOff x="0" y="0"/>
+          <a:chExt cx="0" cy="0"/>
+        </a:xfrm>
+      </p:grpSpPr>
+      <p:pic>
+        <p:nvPicPr>
+          <p:cNvPr id="114" name="Shape 114"/>
+          <p:cNvPicPr preferRelativeResize="0"/>
+          <p:nvPr/>
+        </p:nvPicPr>
+        <p:blipFill rotWithShape="1">
+          <a:blip r:embed="rId3">
+            <a:alphaModFix/>
+          </a:blip>
+          <a:srcRect l="10978" r="10993"/>
+          <a:stretch/>
+        </p:blipFill>
+        <p:spPr>
+          <a:xfrm>
+            <a:off x="0" y="0"/>
+            <a:ext cx="9144000" cy="5143499"/>
+          </a:xfrm>
+          <a:prstGeom prst="rect">
+            <a:avLst/>
+          </a:prstGeom>
+          <a:noFill/>
+          <a:ln>
+            <a:noFill/>
+          </a:ln>
+        </p:spPr>
+      </p:pic>
+      <p:sp>
+        <p:nvSpPr>
+          <p:cNvPr id="2" name="Title 1"/>
+          <p:cNvSpPr>
+            <a:spLocks noGrp="1"/>
+          </p:cNvSpPr>
+          <p:nvPr>
+            <p:ph type="title"/>
+          </p:nvPr>
+        </p:nvSpPr>
+        <p:spPr/>
+        <p:txBody>
+          <a:bodyPr/>
+          <a:lstStyle/>
+          <a:p>
+            <a:r>
+              <a:rPr lang="en-GB" dirty="0" smtClean="0">
+                <a:solidFill>
+                  <a:schemeClr val="bg1"/>
+                </a:solidFill>
+                <a:latin typeface="Berlin Sans FB Demi" panose="020E0802020502020306" pitchFamily="34" charset="0"/>
+              </a:rPr>
+              <a:t>Upcoming Surprises</a:t>
+            </a:r>
+            <a:endParaRPr lang="en-GB" dirty="0">
+              <a:solidFill>
+                <a:schemeClr val="bg1"/>
+              </a:solidFill>
+              <a:latin typeface="Berlin Sans FB Demi" panose="020E0802020502020306" pitchFamily="34" charset="0"/>
+            </a:endParaRPr>
+          </a:p>
+        </p:txBody>
+      </p:sp>
+      <p:sp>
+        <p:nvSpPr>
+          <p:cNvPr id="115" name="Shape 115"/>
+          <p:cNvSpPr txBox="1">
+            <a:spLocks noGrp="1"/>
+          </p:cNvSpPr>
+          <p:nvPr>
+            <p:ph type="body" idx="1"/>
+          </p:nvPr>
+        </p:nvSpPr>
+        <p:spPr>
+          <a:xfrm>
+            <a:off x="311700" y="1152475"/>
+            <a:ext cx="7838387" cy="3416400"/>
+          </a:xfrm>
+          <a:prstGeom prst="rect">
+            <a:avLst/>
+          </a:prstGeom>
+          <a:noFill/>
+          <a:ln>
+            <a:noFill/>
+          </a:ln>
+        </p:spPr>
+        <p:txBody>
+          <a:bodyPr lIns="91425" tIns="91425" rIns="91425" bIns="91425" anchor="t" anchorCtr="0">
+            <a:noAutofit/>
+          </a:bodyPr>
+          <a:lstStyle/>
+          <a:p>
+            <a:pPr marR="0" lvl="0" algn="l" rtl="0">
+              <a:lnSpc>
+                <a:spcPct val="100000"/>
+              </a:lnSpc>
+              <a:spcBef>
+                <a:spcPts val="0"/>
+              </a:spcBef>
+              <a:spcAft>
+                <a:spcPts val="0"/>
+              </a:spcAft>
+              <a:buClr>
+                <a:schemeClr val="lt1"/>
+              </a:buClr>
+              <a:buSzPct val="25000"/>
+            </a:pPr>
+            <a:endParaRPr lang="en-GB" sz="2200" dirty="0" smtClean="0">
+              <a:solidFill>
+                <a:schemeClr val="lt1"/>
+              </a:solidFill>
+              <a:latin typeface="Berlin Sans FB" panose="020E0602020502020306" pitchFamily="34" charset="0"/>
+              <a:ea typeface="Exo 2"/>
+              <a:cs typeface="Exo 2"/>
+              <a:sym typeface="Exo 2"/>
+            </a:endParaRPr>
+          </a:p>
+          <a:p>
+            <a:pPr marR="0" lvl="0" algn="l" rtl="0">
+              <a:lnSpc>
+                <a:spcPct val="100000"/>
+              </a:lnSpc>
+              <a:spcBef>
+                <a:spcPts val="0"/>
+              </a:spcBef>
+              <a:spcAft>
+                <a:spcPts val="0"/>
+              </a:spcAft>
+              <a:buClr>
+                <a:schemeClr val="lt1"/>
+              </a:buClr>
+              <a:buSzPct val="25000"/>
+            </a:pPr>
+            <a:r>
+              <a:rPr lang="en-GB" sz="2200" dirty="0" smtClean="0">
+                <a:solidFill>
+                  <a:schemeClr val="lt1"/>
+                </a:solidFill>
+                <a:latin typeface="Berlin Sans FB" panose="020E0602020502020306" pitchFamily="34" charset="0"/>
+                <a:ea typeface="Exo 2"/>
+                <a:cs typeface="Exo 2"/>
+                <a:sym typeface="Exo 2"/>
+              </a:rPr>
+              <a:t>1) Integration of iOS app to the </a:t>
+            </a:r>
+            <a:r>
+              <a:rPr lang="en-GB" sz="2200" dirty="0" err="1" smtClean="0">
+                <a:solidFill>
+                  <a:schemeClr val="lt1"/>
+                </a:solidFill>
+                <a:latin typeface="Berlin Sans FB" panose="020E0602020502020306" pitchFamily="34" charset="0"/>
+                <a:ea typeface="Exo 2"/>
+                <a:cs typeface="Exo 2"/>
+                <a:sym typeface="Exo 2"/>
+              </a:rPr>
+              <a:t>Leaderboard</a:t>
+            </a:r>
+            <a:endParaRPr lang="en-GB" sz="2200" dirty="0" smtClean="0">
+              <a:solidFill>
+                <a:schemeClr val="lt1"/>
+              </a:solidFill>
+              <a:latin typeface="Berlin Sans FB" panose="020E0602020502020306" pitchFamily="34" charset="0"/>
+              <a:ea typeface="Exo 2"/>
+              <a:cs typeface="Exo 2"/>
+              <a:sym typeface="Exo 2"/>
+            </a:endParaRPr>
+          </a:p>
+          <a:p>
+            <a:pPr marR="0" lvl="0" algn="l" rtl="0">
+              <a:lnSpc>
+                <a:spcPct val="100000"/>
+              </a:lnSpc>
+              <a:spcBef>
+                <a:spcPts val="0"/>
+              </a:spcBef>
+              <a:spcAft>
+                <a:spcPts val="0"/>
+              </a:spcAft>
+              <a:buClr>
+                <a:schemeClr val="lt1"/>
+              </a:buClr>
+              <a:buSzPct val="25000"/>
+            </a:pPr>
+            <a:r>
+              <a:rPr lang="en-GB" sz="2200" dirty="0">
+                <a:solidFill>
+                  <a:schemeClr val="lt1"/>
+                </a:solidFill>
+                <a:latin typeface="Berlin Sans FB" panose="020E0602020502020306" pitchFamily="34" charset="0"/>
+                <a:ea typeface="Exo 2"/>
+                <a:cs typeface="Exo 2"/>
+                <a:sym typeface="Exo 2"/>
+              </a:rPr>
+              <a:t>	</a:t>
+            </a:r>
+            <a:r>
+              <a:rPr lang="en-GB" sz="2200" dirty="0" smtClean="0">
+                <a:solidFill>
+                  <a:schemeClr val="lt1"/>
+                </a:solidFill>
+                <a:latin typeface="Berlin Sans FB" panose="020E0602020502020306" pitchFamily="34" charset="0"/>
+                <a:ea typeface="Exo 2"/>
+                <a:cs typeface="Exo 2"/>
+                <a:sym typeface="Exo 2"/>
+              </a:rPr>
+              <a:t>&gt; </a:t>
+            </a:r>
+            <a:r>
+              <a:rPr lang="en-GB" sz="2200" dirty="0" smtClean="0">
+                <a:solidFill>
+                  <a:schemeClr val="lt1"/>
+                </a:solidFill>
+                <a:latin typeface="Berlin Sans FB" panose="020E0602020502020306" pitchFamily="34" charset="0"/>
+                <a:ea typeface="Exo 2"/>
+                <a:cs typeface="Exo 2"/>
+                <a:sym typeface="Exo 2"/>
+              </a:rPr>
+              <a:t>already setup server</a:t>
+            </a:r>
+            <a:r>
+              <a:rPr lang="en-GB" sz="2200" dirty="0" smtClean="0">
+                <a:solidFill>
+                  <a:schemeClr val="lt1"/>
+                </a:solidFill>
+                <a:latin typeface="Berlin Sans FB" panose="020E0602020502020306" pitchFamily="34" charset="0"/>
+                <a:ea typeface="Exo 2"/>
+                <a:cs typeface="Exo 2"/>
+                <a:sym typeface="Exo 2"/>
+              </a:rPr>
+              <a:t> with</a:t>
+            </a:r>
+            <a:r>
+              <a:rPr lang="en-GB" sz="2200" dirty="0" smtClean="0">
+                <a:solidFill>
+                  <a:schemeClr val="lt1"/>
+                </a:solidFill>
+                <a:latin typeface="Berlin Sans FB" panose="020E0602020502020306" pitchFamily="34" charset="0"/>
+                <a:ea typeface="Exo 2"/>
+                <a:cs typeface="Exo 2"/>
+                <a:sym typeface="Exo 2"/>
+              </a:rPr>
+              <a:t> REST </a:t>
+            </a:r>
+            <a:r>
+              <a:rPr lang="en-GB" sz="2200" dirty="0" smtClean="0">
+                <a:solidFill>
+                  <a:schemeClr val="lt1"/>
+                </a:solidFill>
+                <a:latin typeface="Berlin Sans FB" panose="020E0602020502020306" pitchFamily="34" charset="0"/>
+                <a:ea typeface="Exo 2"/>
+                <a:cs typeface="Exo 2"/>
+                <a:sym typeface="Exo 2"/>
+              </a:rPr>
+              <a:t>API</a:t>
+            </a:r>
+          </a:p>
+          <a:p>
+            <a:pPr marR="0" lvl="0" algn="l" rtl="0">
+              <a:lnSpc>
+                <a:spcPct val="100000"/>
+              </a:lnSpc>
+              <a:spcBef>
+                <a:spcPts val="0"/>
+              </a:spcBef>
+              <a:spcAft>
+                <a:spcPts val="0"/>
+              </a:spcAft>
+              <a:buClr>
+                <a:schemeClr val="lt1"/>
+              </a:buClr>
+              <a:buSzPct val="25000"/>
+            </a:pPr>
+            <a:endParaRPr lang="en-GB" sz="2000" b="0" i="0" u="none" strike="noStrike" cap="none" dirty="0" smtClean="0">
+              <a:solidFill>
+                <a:schemeClr val="lt1"/>
+              </a:solidFill>
+              <a:latin typeface="Berlin Sans FB" panose="020E0602020502020306" pitchFamily="34" charset="0"/>
+              <a:ea typeface="Exo 2"/>
+              <a:cs typeface="Exo 2"/>
+              <a:sym typeface="Exo 2"/>
+            </a:endParaRPr>
+          </a:p>
+          <a:p>
+            <a:pPr marR="0" lvl="0" algn="l" rtl="0">
+              <a:lnSpc>
+                <a:spcPct val="100000"/>
+              </a:lnSpc>
+              <a:spcBef>
+                <a:spcPts val="0"/>
+              </a:spcBef>
+              <a:spcAft>
+                <a:spcPts val="0"/>
+              </a:spcAft>
+              <a:buClr>
+                <a:schemeClr val="lt1"/>
+              </a:buClr>
+              <a:buSzPct val="25000"/>
+            </a:pPr>
+            <a:r>
+              <a:rPr lang="en-GB" sz="2000" b="0" i="0" u="none" strike="noStrike" cap="none" dirty="0" smtClean="0">
+                <a:solidFill>
+                  <a:schemeClr val="lt1"/>
+                </a:solidFill>
+                <a:latin typeface="Berlin Sans FB" panose="020E0602020502020306" pitchFamily="34" charset="0"/>
+                <a:ea typeface="Exo 2"/>
+                <a:cs typeface="Exo 2"/>
+                <a:sym typeface="Exo 2"/>
+              </a:rPr>
+              <a:t>2) Publish on iOS store</a:t>
+            </a:r>
+          </a:p>
+          <a:p>
+            <a:pPr marR="0" lvl="0" algn="l" rtl="0">
+              <a:lnSpc>
+                <a:spcPct val="100000"/>
+              </a:lnSpc>
+              <a:spcBef>
+                <a:spcPts val="0"/>
+              </a:spcBef>
+              <a:spcAft>
+                <a:spcPts val="0"/>
+              </a:spcAft>
+              <a:buClr>
+                <a:schemeClr val="lt1"/>
+              </a:buClr>
+              <a:buSzPct val="25000"/>
+            </a:pPr>
+            <a:endParaRPr lang="en-GB" sz="2000" dirty="0">
+              <a:solidFill>
+                <a:schemeClr val="lt1"/>
+              </a:solidFill>
+              <a:latin typeface="Berlin Sans FB" panose="020E0602020502020306" pitchFamily="34" charset="0"/>
+              <a:ea typeface="Exo 2"/>
+              <a:cs typeface="Exo 2"/>
+              <a:sym typeface="Exo 2"/>
+            </a:endParaRPr>
+          </a:p>
+          <a:p>
+            <a:pPr marR="0" lvl="0" algn="l" rtl="0">
+              <a:lnSpc>
+                <a:spcPct val="100000"/>
+              </a:lnSpc>
+              <a:spcBef>
+                <a:spcPts val="0"/>
+              </a:spcBef>
+              <a:spcAft>
+                <a:spcPts val="0"/>
+              </a:spcAft>
+              <a:buClr>
+                <a:schemeClr val="lt1"/>
+              </a:buClr>
+              <a:buSzPct val="25000"/>
+            </a:pPr>
+            <a:r>
+              <a:rPr lang="en-GB" sz="2000" b="0" i="0" u="none" strike="noStrike" cap="none" dirty="0" smtClean="0">
+                <a:solidFill>
+                  <a:schemeClr val="lt1"/>
+                </a:solidFill>
+                <a:latin typeface="Berlin Sans FB" panose="020E0602020502020306" pitchFamily="34" charset="0"/>
+                <a:ea typeface="Exo 2"/>
+                <a:cs typeface="Exo 2"/>
+                <a:sym typeface="Exo 2"/>
+              </a:rPr>
+              <a:t>3) Android/Windows codebase</a:t>
+            </a:r>
+            <a:endParaRPr lang="en-GB" sz="1200" dirty="0">
+              <a:solidFill>
+                <a:schemeClr val="lt1"/>
+              </a:solidFill>
+              <a:latin typeface="Berlin Sans FB Demi" panose="020E0802020502020306" pitchFamily="34" charset="0"/>
+              <a:ea typeface="Exo 2"/>
+              <a:cs typeface="Exo 2"/>
+              <a:sym typeface="Exo 2"/>
+            </a:endParaRPr>
+          </a:p>
+        </p:txBody>
+      </p:sp>
+    </p:spTree>
+    <p:extLst>
+      <p:ext uri="{BB962C8B-B14F-4D97-AF65-F5344CB8AC3E}">
+        <p14:creationId xmlns:p14="http://schemas.microsoft.com/office/powerpoint/2010/main" val="352719089"/>
+      </p:ext>
+    </p:extLst>
+  </p:cSld>
+  <p:clrMapOvr>
+    <a:masterClrMapping/>
+  </p:clrMapOvr>
+  <p:timing>
+    <p:tnLst>
+      <p:par>
+        <p:cTn id="1" dur="indefinite" restart="never" nodeType="tmRoot">
+          <p:childTnLst>
+            <p:seq concurrent="1" nextAc="seek">
+              <p:cTn id="2" dur="indefinite" nodeType="mainSeq">
+                <p:childTnLst>
+                  <p:par>
+                    <p:cTn id="3" fill="hold">
+                      <p:stCondLst>
+                        <p:cond delay="indefinite"/>
+                      </p:stCondLst>
+                      <p:childTnLst>
+                        <p:par>
+                          <p:cTn id="4" fill="hold">
+                            <p:stCondLst>
+                              <p:cond delay="0"/>
+                            </p:stCondLst>
+                            <p:childTnLst>
+                              <p:par>
+                                <p:cTn id="5" presetID="1" presetClass="entr" presetSubtype="0" fill="hold" nodeType="clickEffect">
+                                  <p:stCondLst>
+                                    <p:cond delay="0"/>
+                                  </p:stCondLst>
+                                  <p:childTnLst>
+                                    <p:set>
+                                      <p:cBhvr>
+                                        <p:cTn id="6" dur="1" fill="hold">
+                                          <p:stCondLst>
+                                            <p:cond delay="0"/>
+                                          </p:stCondLst>
+                                        </p:cTn>
+                                        <p:tgtEl>
+                                          <p:spTgt spid="115">
+                                            <p:txEl>
+                                              <p:pRg st="1" end="1"/>
+                                            </p:txEl>
+                                          </p:spTgt>
+                                        </p:tgtEl>
+                                        <p:attrNameLst>
+                                          <p:attrName>style.visibility</p:attrName>
+                                        </p:attrNameLst>
+                                      </p:cBhvr>
+                                      <p:to>
+                                        <p:strVal val="visible"/>
+                                      </p:to>
+                                    </p:set>
+                                  </p:childTnLst>
+                                </p:cTn>
+                              </p:par>
+                              <p:par>
+                                <p:cTn id="7" presetID="1" presetClass="entr" presetSubtype="0" fill="hold" nodeType="withEffect">
+                                  <p:stCondLst>
+                                    <p:cond delay="0"/>
+                                  </p:stCondLst>
+                                  <p:childTnLst>
+                                    <p:set>
+                                      <p:cBhvr>
+                                        <p:cTn id="8" dur="1" fill="hold">
+                                          <p:stCondLst>
+                                            <p:cond delay="0"/>
+                                          </p:stCondLst>
+                                        </p:cTn>
+                                        <p:tgtEl>
+                                          <p:spTgt spid="115">
+                                            <p:txEl>
+                                              <p:pRg st="2" end="2"/>
+                                            </p:txEl>
+                                          </p:spTgt>
+                                        </p:tgtEl>
+                                        <p:attrNameLst>
+                                          <p:attrName>style.visibility</p:attrName>
+                                        </p:attrNameLst>
+                                      </p:cBhvr>
+                                      <p:to>
+                                        <p:strVal val="visible"/>
+                                      </p:to>
+                                    </p:set>
+                                  </p:childTnLst>
+                                </p:cTn>
+                              </p:par>
+                            </p:childTnLst>
+                          </p:cTn>
+                        </p:par>
+                      </p:childTnLst>
+                    </p:cTn>
+                  </p:par>
+                  <p:par>
+                    <p:cTn id="9" fill="hold">
+                      <p:stCondLst>
+                        <p:cond delay="indefinite"/>
+                      </p:stCondLst>
+                      <p:childTnLst>
+                        <p:par>
+                          <p:cTn id="10" fill="hold">
+                            <p:stCondLst>
+                              <p:cond delay="0"/>
+                            </p:stCondLst>
+                            <p:childTnLst>
+                              <p:par>
+                                <p:cTn id="11" presetID="1" presetClass="entr" presetSubtype="0" fill="hold" nodeType="clickEffect">
+                                  <p:stCondLst>
+                                    <p:cond delay="0"/>
+                                  </p:stCondLst>
+                                  <p:childTnLst>
+                                    <p:set>
+                                      <p:cBhvr>
+                                        <p:cTn id="12" dur="1" fill="hold">
+                                          <p:stCondLst>
+                                            <p:cond delay="0"/>
+                                          </p:stCondLst>
+                                        </p:cTn>
+                                        <p:tgtEl>
+                                          <p:spTgt spid="115">
+                                            <p:txEl>
+                                              <p:pRg st="4" end="4"/>
+                                            </p:txEl>
+                                          </p:spTgt>
+                                        </p:tgtEl>
+                                        <p:attrNameLst>
+                                          <p:attrName>style.visibility</p:attrName>
+                                        </p:attrNameLst>
+                                      </p:cBhvr>
+                                      <p:to>
+                                        <p:strVal val="visible"/>
+                                      </p:to>
+                                    </p:set>
+                                  </p:childTnLst>
+                                </p:cTn>
+                              </p:par>
+                            </p:childTnLst>
+                          </p:cTn>
+                        </p:par>
+                      </p:childTnLst>
+                    </p:cTn>
+                  </p:par>
+                  <p:par>
+                    <p:cTn id="13" fill="hold">
+                      <p:stCondLst>
+                        <p:cond delay="indefinite"/>
+                      </p:stCondLst>
+                      <p:childTnLst>
+                        <p:par>
+                          <p:cTn id="14" fill="hold">
+                            <p:stCondLst>
+                              <p:cond delay="0"/>
+                            </p:stCondLst>
+                            <p:childTnLst>
+                              <p:par>
+                                <p:cTn id="15" presetID="1" presetClass="entr" presetSubtype="0" fill="hold" nodeType="clickEffect">
+                                  <p:stCondLst>
+                                    <p:cond delay="0"/>
+                                  </p:stCondLst>
+                                  <p:childTnLst>
+                                    <p:set>
+                                      <p:cBhvr>
+                                        <p:cTn id="16" dur="1" fill="hold">
+                                          <p:stCondLst>
+                                            <p:cond delay="0"/>
+                                          </p:stCondLst>
+                                        </p:cTn>
+                                        <p:tgtEl>
+                                          <p:spTgt spid="115">
+                                            <p:txEl>
+                                              <p:pRg st="6" end="6"/>
+                                            </p:txEl>
+                                          </p:spTgt>
+                                        </p:tgtEl>
+                                        <p:attrNameLst>
+                                          <p:attrName>style.visibility</p:attrName>
+                                        </p:attrNameLst>
+                                      </p:cBhvr>
+                                      <p:to>
+                                        <p:strVal val="visible"/>
+                                      </p:to>
+                                    </p:set>
+                                  </p:childTnLst>
+                                </p:cTn>
+                              </p:par>
+                            </p:childTnLst>
+                          </p:cTn>
+                        </p:par>
+                      </p:childTnLst>
+                    </p:cTn>
+                  </p:par>
+                </p:childTnLst>
+              </p:cTn>
+              <p:prevCondLst>
+                <p:cond evt="onPrev" delay="0">
+                  <p:tgtEl>
+                    <p:sldTgt/>
+                  </p:tgtEl>
+                </p:cond>
+              </p:prevCondLst>
+              <p:nextCondLst>
+                <p:cond evt="onNext" delay="0">
+                  <p:tgtEl>
+                    <p:sldTgt/>
+                  </p:tgtEl>
+                </p:cond>
+              </p:nextCondLst>
+            </p:seq>
+          </p:childTnLst>
+        </p:cTn>
+      </p:par>
+    </p:tnLst>
+  </p:timing>
+</p:sld>
+</file>
+
+<file path=ppt/slides/slide12.xml><?xml version="1.0" encoding="utf-8"?>
+<p:sld xmlns:a="http://schemas.openxmlformats.org/drawingml/2006/main" xmlns:r="http://schemas.openxmlformats.org/officeDocument/2006/relationships" xmlns:p="http://schemas.openxmlformats.org/presentationml/2006/main">
+  <p:cSld>
+    <p:spTree>
+      <p:nvGrpSpPr>
+        <p:cNvPr id="1" name="Shape 113"/>
+        <p:cNvGrpSpPr/>
+        <p:nvPr/>
+      </p:nvGrpSpPr>
+      <p:grpSpPr>
+        <a:xfrm>
+          <a:off x="0" y="0"/>
+          <a:ext cx="0" cy="0"/>
+          <a:chOff x="0" y="0"/>
+          <a:chExt cx="0" cy="0"/>
+        </a:xfrm>
+      </p:grpSpPr>
+      <p:pic>
+        <p:nvPicPr>
+          <p:cNvPr id="114" name="Shape 114"/>
+          <p:cNvPicPr preferRelativeResize="0"/>
+          <p:nvPr/>
+        </p:nvPicPr>
+        <p:blipFill rotWithShape="1">
+          <a:blip r:embed="rId3">
+            <a:alphaModFix/>
+          </a:blip>
+          <a:srcRect l="10978" r="10993"/>
+          <a:stretch/>
+        </p:blipFill>
+        <p:spPr>
+          <a:xfrm>
+            <a:off x="0" y="1"/>
+            <a:ext cx="9144000" cy="5143499"/>
+          </a:xfrm>
+          <a:prstGeom prst="rect">
+            <a:avLst/>
+          </a:prstGeom>
+          <a:noFill/>
+          <a:ln>
+            <a:noFill/>
+          </a:ln>
+        </p:spPr>
+      </p:pic>
+      <p:sp>
+        <p:nvSpPr>
+          <p:cNvPr id="115" name="Shape 115"/>
+          <p:cNvSpPr txBox="1">
+            <a:spLocks noGrp="1"/>
+          </p:cNvSpPr>
+          <p:nvPr>
+            <p:ph type="body" idx="1"/>
+          </p:nvPr>
+        </p:nvSpPr>
+        <p:spPr>
+          <a:xfrm>
+            <a:off x="311700" y="1152475"/>
+            <a:ext cx="8438161" cy="3767668"/>
+          </a:xfrm>
+          <a:prstGeom prst="rect">
+            <a:avLst/>
+          </a:prstGeom>
+          <a:noFill/>
+          <a:ln>
+            <a:noFill/>
+          </a:ln>
+        </p:spPr>
+        <p:txBody>
+          <a:bodyPr lIns="91425" tIns="91425" rIns="91425" bIns="91425" anchor="t" anchorCtr="0">
+            <a:noAutofit/>
+          </a:bodyPr>
+          <a:lstStyle/>
+          <a:p>
+            <a:pPr marR="0" lvl="0" algn="l" rtl="0">
+              <a:lnSpc>
+                <a:spcPct val="100000"/>
+              </a:lnSpc>
+              <a:spcBef>
+                <a:spcPts val="0"/>
+              </a:spcBef>
+              <a:spcAft>
+                <a:spcPts val="0"/>
+              </a:spcAft>
+              <a:buClr>
+                <a:schemeClr val="lt1"/>
+              </a:buClr>
+              <a:buSzPct val="25000"/>
+            </a:pPr>
+            <a:endParaRPr lang="en-GB" sz="2000" b="0" i="0" u="none" strike="noStrike" cap="none" dirty="0" smtClean="0">
+              <a:solidFill>
+                <a:schemeClr val="lt1"/>
+              </a:solidFill>
+              <a:latin typeface="Berlin Sans FB" panose="020E0602020502020306" pitchFamily="34" charset="0"/>
+              <a:ea typeface="Exo 2"/>
+              <a:cs typeface="Exo 2"/>
+              <a:sym typeface="Exo 2"/>
+            </a:endParaRPr>
+          </a:p>
+          <a:p>
+            <a:pPr lvl="0" algn="ctr">
+              <a:lnSpc>
+                <a:spcPct val="100000"/>
+              </a:lnSpc>
+              <a:spcAft>
+                <a:spcPts val="0"/>
+              </a:spcAft>
+              <a:buClr>
+                <a:schemeClr val="lt1"/>
+              </a:buClr>
+              <a:buSzPct val="25000"/>
+            </a:pPr>
+            <a:r>
+              <a:rPr lang="en-GB" sz="8000" dirty="0" smtClean="0">
+                <a:solidFill>
+                  <a:schemeClr val="bg1"/>
+                </a:solidFill>
+                <a:latin typeface="Berlin Sans FB Demi" panose="020E0802020502020306" pitchFamily="34" charset="0"/>
+              </a:rPr>
+              <a:t>THANK YOU</a:t>
+            </a:r>
+            <a:endParaRPr lang="en-GB" sz="8000" dirty="0">
+              <a:solidFill>
+                <a:schemeClr val="lt1"/>
+              </a:solidFill>
+              <a:latin typeface="Berlin Sans FB Demi" panose="020E0802020502020306" pitchFamily="34" charset="0"/>
+              <a:ea typeface="Exo 2"/>
+              <a:cs typeface="Exo 2"/>
+              <a:sym typeface="Exo 2"/>
+            </a:endParaRPr>
+          </a:p>
+          <a:p>
+            <a:pPr marR="0" lvl="0" algn="l" rtl="0">
+              <a:lnSpc>
+                <a:spcPct val="100000"/>
+              </a:lnSpc>
+              <a:spcBef>
+                <a:spcPts val="0"/>
+              </a:spcBef>
+              <a:spcAft>
+                <a:spcPts val="0"/>
+              </a:spcAft>
+              <a:buClr>
+                <a:schemeClr val="lt1"/>
+              </a:buClr>
+              <a:buSzPct val="25000"/>
+            </a:pPr>
+            <a:endParaRPr lang="en-GB" sz="2000" b="0" i="0" u="none" strike="noStrike" cap="none" dirty="0" smtClean="0">
+              <a:solidFill>
+                <a:schemeClr val="lt1"/>
+              </a:solidFill>
+              <a:latin typeface="Berlin Sans FB" panose="020E0602020502020306" pitchFamily="34" charset="0"/>
+              <a:ea typeface="Exo 2"/>
+              <a:cs typeface="Exo 2"/>
+              <a:sym typeface="Exo 2"/>
+            </a:endParaRPr>
+          </a:p>
+          <a:p>
+            <a:pPr marL="171450" marR="0" lvl="0" indent="-171450" algn="l" rtl="0">
+              <a:lnSpc>
+                <a:spcPct val="100000"/>
+              </a:lnSpc>
+              <a:spcBef>
+                <a:spcPts val="0"/>
+              </a:spcBef>
+              <a:spcAft>
+                <a:spcPts val="0"/>
+              </a:spcAft>
+              <a:buClr>
+                <a:schemeClr val="lt1"/>
+              </a:buClr>
+              <a:buSzPct val="25000"/>
+              <a:buFont typeface="Arial" panose="020B0604020202020204" pitchFamily="34" charset="0"/>
+              <a:buChar char="•"/>
+            </a:pPr>
+            <a:endParaRPr lang="en-GB" sz="1200" dirty="0">
+              <a:solidFill>
+                <a:schemeClr val="lt1"/>
+              </a:solidFill>
+              <a:latin typeface="Berlin Sans FB Demi" panose="020E0802020502020306" pitchFamily="34" charset="0"/>
+              <a:ea typeface="Exo 2"/>
+              <a:cs typeface="Exo 2"/>
+              <a:sym typeface="Exo 2"/>
+            </a:endParaRPr>
+          </a:p>
+        </p:txBody>
+      </p:sp>
+      <p:pic>
+        <p:nvPicPr>
+          <p:cNvPr id="6" name="Picture 5" descr="C:\Users\jfk24\AppData\Local\Microsoft\Windows\INetCache\Content.Word\1f631.png"/>
+          <p:cNvPicPr/>
+          <p:nvPr/>
+        </p:nvPicPr>
+        <p:blipFill>
+          <a:blip r:embed="rId4">
+            <a:extLst>
+              <a:ext uri="{28A0092B-C50C-407E-A947-70E740481C1C}">
+                <a14:useLocalDpi xmlns:a14="http://schemas.microsoft.com/office/drawing/2010/main" val="0"/>
+              </a:ext>
+            </a:extLst>
+          </a:blip>
+          <a:srcRect/>
+          <a:stretch>
+            <a:fillRect/>
+          </a:stretch>
+        </p:blipFill>
+        <p:spPr bwMode="auto">
+          <a:xfrm>
+            <a:off x="761699" y="2916557"/>
+            <a:ext cx="900000" cy="900000"/>
+          </a:xfrm>
+          <a:prstGeom prst="rect">
+            <a:avLst/>
+          </a:prstGeom>
+          <a:noFill/>
+          <a:ln>
+            <a:noFill/>
+          </a:ln>
+          <a:effectLst>
+            <a:outerShdw blurRad="50800" dist="38100" dir="8100000" algn="tr" rotWithShape="0">
+              <a:prstClr val="black">
+                <a:alpha val="50000"/>
+              </a:prstClr>
+            </a:outerShdw>
+          </a:effectLst>
+        </p:spPr>
+      </p:pic>
+      <p:pic>
+        <p:nvPicPr>
+          <p:cNvPr id="7" name="Picture 6" descr="C:\Users\jfk24\AppData\Local\Microsoft\Windows\INetCache\Content.Word\1f622.png"/>
+          <p:cNvPicPr/>
+          <p:nvPr/>
+        </p:nvPicPr>
+        <p:blipFill>
+          <a:blip r:embed="rId5">
+            <a:extLst>
+              <a:ext uri="{28A0092B-C50C-407E-A947-70E740481C1C}">
+                <a14:useLocalDpi xmlns:a14="http://schemas.microsoft.com/office/drawing/2010/main" val="0"/>
+              </a:ext>
+            </a:extLst>
+          </a:blip>
+          <a:srcRect/>
+          <a:stretch>
+            <a:fillRect/>
+          </a:stretch>
+        </p:blipFill>
+        <p:spPr bwMode="auto">
+          <a:xfrm>
+            <a:off x="1578189" y="356103"/>
+            <a:ext cx="900000" cy="900000"/>
+          </a:xfrm>
+          <a:prstGeom prst="rect">
+            <a:avLst/>
+          </a:prstGeom>
+          <a:noFill/>
+          <a:ln>
+            <a:noFill/>
+          </a:ln>
+          <a:effectLst>
+            <a:outerShdw blurRad="50800" dist="38100" dir="8100000" algn="tr" rotWithShape="0">
+              <a:prstClr val="black">
+                <a:alpha val="50000"/>
+              </a:prstClr>
+            </a:outerShdw>
+          </a:effectLst>
+        </p:spPr>
+      </p:pic>
+      <p:pic>
+        <p:nvPicPr>
+          <p:cNvPr id="8" name="Picture 7" descr="C:\Users\jfk24\AppData\Local\Microsoft\Windows\INetCache\Content.Word\1f632.png"/>
+          <p:cNvPicPr>
+            <a:picLocks noChangeAspect="1"/>
+          </p:cNvPicPr>
+          <p:nvPr/>
+        </p:nvPicPr>
+        <p:blipFill>
+          <a:blip r:embed="rId6">
+            <a:extLst>
+              <a:ext uri="{28A0092B-C50C-407E-A947-70E740481C1C}">
+                <a14:useLocalDpi xmlns:a14="http://schemas.microsoft.com/office/drawing/2010/main" val="0"/>
+              </a:ext>
+            </a:extLst>
+          </a:blip>
+          <a:srcRect/>
+          <a:stretch>
+            <a:fillRect/>
+          </a:stretch>
+        </p:blipFill>
+        <p:spPr bwMode="auto">
+          <a:xfrm>
+            <a:off x="7596931" y="3778405"/>
+            <a:ext cx="900000" cy="900000"/>
+          </a:xfrm>
+          <a:prstGeom prst="rect">
+            <a:avLst/>
+          </a:prstGeom>
+          <a:noFill/>
+          <a:ln>
+            <a:noFill/>
+          </a:ln>
+          <a:effectLst>
+            <a:outerShdw blurRad="50800" dist="38100" dir="8100000" algn="tr" rotWithShape="0">
+              <a:prstClr val="black">
+                <a:alpha val="50000"/>
+              </a:prstClr>
+            </a:outerShdw>
+          </a:effectLst>
+        </p:spPr>
+      </p:pic>
+      <p:pic>
+        <p:nvPicPr>
+          <p:cNvPr id="9" name="Picture 8" descr="C:\Users\jfk24\AppData\Local\Microsoft\Windows\INetCache\Content.Word\1f600.png"/>
+          <p:cNvPicPr>
+            <a:picLocks noChangeAspect="1"/>
+          </p:cNvPicPr>
+          <p:nvPr/>
+        </p:nvPicPr>
+        <p:blipFill>
+          <a:blip r:embed="rId7">
+            <a:extLst>
+              <a:ext uri="{28A0092B-C50C-407E-A947-70E740481C1C}">
+                <a14:useLocalDpi xmlns:a14="http://schemas.microsoft.com/office/drawing/2010/main" val="0"/>
+              </a:ext>
+            </a:extLst>
+          </a:blip>
+          <a:srcRect/>
+          <a:stretch>
+            <a:fillRect/>
+          </a:stretch>
+        </p:blipFill>
+        <p:spPr bwMode="auto">
+          <a:xfrm>
+            <a:off x="7026300" y="356103"/>
+            <a:ext cx="900000" cy="900000"/>
+          </a:xfrm>
+          <a:prstGeom prst="rect">
+            <a:avLst/>
+          </a:prstGeom>
+          <a:noFill/>
+          <a:ln>
+            <a:noFill/>
+          </a:ln>
+          <a:effectLst>
+            <a:outerShdw blurRad="50800" dist="38100" dir="8100000" algn="tr" rotWithShape="0">
+              <a:prstClr val="black">
+                <a:alpha val="50000"/>
+              </a:prstClr>
+            </a:outerShdw>
+          </a:effectLst>
+        </p:spPr>
+      </p:pic>
+      <p:pic>
+        <p:nvPicPr>
+          <p:cNvPr id="10" name="Picture 9" descr="C:\Users\jfk24\AppData\Local\Microsoft\Windows\INetCache\Content.Word\1f620.png"/>
+          <p:cNvPicPr>
+            <a:picLocks noChangeAspect="1"/>
+          </p:cNvPicPr>
+          <p:nvPr/>
+        </p:nvPicPr>
+        <p:blipFill>
+          <a:blip r:embed="rId8">
+            <a:extLst>
+              <a:ext uri="{28A0092B-C50C-407E-A947-70E740481C1C}">
+                <a14:useLocalDpi xmlns:a14="http://schemas.microsoft.com/office/drawing/2010/main" val="0"/>
+              </a:ext>
+            </a:extLst>
+          </a:blip>
+          <a:srcRect/>
+          <a:stretch>
+            <a:fillRect/>
+          </a:stretch>
+        </p:blipFill>
+        <p:spPr bwMode="auto">
+          <a:xfrm>
+            <a:off x="2319112" y="3905179"/>
+            <a:ext cx="900000" cy="900000"/>
+          </a:xfrm>
+          <a:prstGeom prst="rect">
+            <a:avLst/>
+          </a:prstGeom>
+          <a:noFill/>
+          <a:ln>
+            <a:noFill/>
+          </a:ln>
+          <a:effectLst>
+            <a:outerShdw blurRad="50800" dist="38100" dir="8100000" algn="tr" rotWithShape="0">
+              <a:prstClr val="black">
+                <a:alpha val="50000"/>
+              </a:prstClr>
+            </a:outerShdw>
+          </a:effectLst>
+        </p:spPr>
+      </p:pic>
+      <p:pic>
+        <p:nvPicPr>
+          <p:cNvPr id="11" name="Picture 10" descr="C:\Users\jfk24\AppData\Local\Microsoft\Windows\INetCache\Content.Word\1f626.png"/>
+          <p:cNvPicPr>
+            <a:picLocks noChangeAspect="1"/>
+          </p:cNvPicPr>
+          <p:nvPr/>
+        </p:nvPicPr>
+        <p:blipFill>
+          <a:blip r:embed="rId9">
+            <a:extLst>
+              <a:ext uri="{28A0092B-C50C-407E-A947-70E740481C1C}">
+                <a14:useLocalDpi xmlns:a14="http://schemas.microsoft.com/office/drawing/2010/main" val="0"/>
+              </a:ext>
+            </a:extLst>
+          </a:blip>
+          <a:srcRect/>
+          <a:stretch>
+            <a:fillRect/>
+          </a:stretch>
+        </p:blipFill>
+        <p:spPr bwMode="auto">
+          <a:xfrm>
+            <a:off x="4867111" y="3328405"/>
+            <a:ext cx="900000" cy="900000"/>
+          </a:xfrm>
+          <a:prstGeom prst="rect">
+            <a:avLst/>
+          </a:prstGeom>
+          <a:noFill/>
+          <a:ln>
+            <a:noFill/>
+          </a:ln>
+          <a:effectLst>
+            <a:outerShdw blurRad="50800" dist="38100" dir="8100000" algn="tr" rotWithShape="0">
+              <a:prstClr val="black">
+                <a:alpha val="50000"/>
+              </a:prstClr>
+            </a:outerShdw>
+          </a:effectLst>
+        </p:spPr>
+      </p:pic>
+    </p:spTree>
+    <p:extLst>
+      <p:ext uri="{BB962C8B-B14F-4D97-AF65-F5344CB8AC3E}">
+        <p14:creationId xmlns:p14="http://schemas.microsoft.com/office/powerpoint/2010/main" val="1700846905"/>
+      </p:ext>
+    </p:extLst>
+  </p:cSld>
+  <p:clrMapOvr>
+    <a:masterClrMapping/>
+  </p:clrMapOvr>
+  <p:timing>
+    <p:tnLst>
+      <p:par>
+        <p:cTn id="1" dur="indefinite" restart="never" nodeType="tmRoot"/>
+      </p:par>
+    </p:tnLst>
+  </p:timing>
+</p:sld>
+</file>
+
 <file path=ppt/slides/slide2.xml><?xml version="1.0" encoding="utf-8"?>
 <p:sld xmlns:a="http://schemas.openxmlformats.org/drawingml/2006/main" xmlns:r="http://schemas.openxmlformats.org/officeDocument/2006/relationships" xmlns:p="http://schemas.openxmlformats.org/presentationml/2006/main">
   <p:cSld>
@@ -8297,7 +11161,7 @@
                 </a:solidFill>
                 <a:latin typeface="Berlin Sans FB Demi" panose="020E0802020502020306" pitchFamily="34" charset="0"/>
               </a:rPr>
-              <a:t>MOTIVATION</a:t>
+              <a:t>WHY?</a:t>
             </a:r>
             <a:endParaRPr lang="en-GB" dirty="0">
               <a:solidFill>
@@ -8333,6 +11197,7 @@
           </a:bodyPr>
           <a:lstStyle/>
           <a:p>
+            <a:pPr algn="ctr"/>
             <a:r>
               <a:rPr lang="en-GB" sz="2200" dirty="0" smtClean="0">
                 <a:solidFill>
@@ -8349,7 +11214,25 @@
                 </a:solidFill>
                 <a:latin typeface="Berlin Sans FB" panose="020E0602020502020306" pitchFamily="34" charset="0"/>
               </a:rPr>
-              <a:t>you feel uncomfortable the way your face </a:t>
+              <a:t>you feel uncomfortable </a:t>
+            </a:r>
+            <a:r>
+              <a:rPr lang="en-GB" sz="2200" dirty="0" smtClean="0">
+                <a:solidFill>
+                  <a:schemeClr val="bg1"/>
+                </a:solidFill>
+                <a:latin typeface="Berlin Sans FB" panose="020E0602020502020306" pitchFamily="34" charset="0"/>
+              </a:rPr>
+              <a:t>about the </a:t>
+            </a:r>
+            <a:r>
+              <a:rPr lang="en-GB" sz="2200" dirty="0">
+                <a:solidFill>
+                  <a:schemeClr val="bg1"/>
+                </a:solidFill>
+                <a:latin typeface="Berlin Sans FB" panose="020E0602020502020306" pitchFamily="34" charset="0"/>
+              </a:rPr>
+              <a:t>way your face </a:t>
             </a:r>
             <a:r>
               <a:rPr lang="en-GB" sz="2200" dirty="0" smtClean="0">
@@ -8384,57 +11267,6 @@
               </a:solidFill>
               <a:latin typeface="Berlin Sans FB" panose="020E0602020502020306" pitchFamily="34" charset="0"/>
             </a:endParaRPr>
-          </a:p>
-          <a:p>
-            <a:r>
-              <a:rPr lang="en-GB" sz="2200" dirty="0">
-                <a:solidFill>
-                  <a:schemeClr val="bg1"/>
-                </a:solidFill>
-                <a:latin typeface="Berlin Sans FB" panose="020E0602020502020306" pitchFamily="34" charset="0"/>
-              </a:rPr>
-              <a:t>Do you think </a:t>
-            </a:r>
-            <a:r>
-              <a:rPr lang="en-GB" sz="2200" dirty="0" smtClean="0">
-                <a:solidFill>
-                  <a:schemeClr val="bg1"/>
-                </a:solidFill>
-                <a:latin typeface="Berlin Sans FB" panose="020E0602020502020306" pitchFamily="34" charset="0"/>
-              </a:rPr>
-              <a:t>you have </a:t>
-            </a:r>
-            <a:r>
-              <a:rPr lang="en-GB" sz="2200" dirty="0">
-                <a:solidFill>
-                  <a:schemeClr val="bg1"/>
-                </a:solidFill>
-                <a:latin typeface="Berlin Sans FB" panose="020E0602020502020306" pitchFamily="34" charset="0"/>
-              </a:rPr>
-              <a:t>got an asymmetrical smile or laughter?</a:t>
-            </a:r>
-          </a:p>
-          <a:p>
-            <a:r>
-              <a:rPr lang="en-GB" sz="2200" dirty="0">
-                <a:solidFill>
-                  <a:schemeClr val="bg1"/>
-                </a:solidFill>
-                <a:latin typeface="Berlin Sans FB" panose="020E0602020502020306" pitchFamily="34" charset="0"/>
-              </a:rPr>
-              <a:t>Do you want to train your facial muscles for a slimmer and more defined look but don’t know how?</a:t>
-            </a:r>
-          </a:p>
-          <a:p>
-            <a:r>
-              <a:rPr lang="en-GB" sz="2200" dirty="0">
-                <a:solidFill>
-                  <a:schemeClr val="bg1"/>
-                </a:solidFill>
-                <a:latin typeface="Berlin Sans FB" panose="020E0602020502020306" pitchFamily="34" charset="0"/>
-              </a:rPr>
-              <a:t>Do you want to improve your selfies / photos by training on your facial expressions?</a:t>
-            </a:r>
           </a:p>
           <a:p>
             <a:pPr marL="0" marR="0" lvl="0" indent="0" algn="l" rtl="0">
@@ -8466,6 +11298,36 @@
           </a:p>
         </p:txBody>
       </p:sp>
+      <p:pic>
+        <p:nvPicPr>
+          <p:cNvPr id="3" name="Picture 2"/>
+          <p:cNvPicPr>
+            <a:picLocks noChangeAspect="1"/>
+          </p:cNvPicPr>
+          <p:nvPr/>
+        </p:nvPicPr>
+        <p:blipFill>
+          <a:blip r:embed="rId4">
+            <a:extLst>
+              <a:ext uri="{28A0092B-C50C-407E-A947-70E740481C1C}">
+                <a14:useLocalDpi xmlns:a14="http://schemas.microsoft.com/office/drawing/2010/main" val="0"/>
+              </a:ext>
+            </a:extLst>
+          </a:blip>
+          <a:stretch>
+            <a:fillRect/>
+          </a:stretch>
+        </p:blipFill>
+        <p:spPr>
+          <a:xfrm>
+            <a:off x="2287388" y="2133439"/>
+            <a:ext cx="4569221" cy="2570187"/>
+          </a:xfrm>
+          <a:prstGeom prst="rect">
+            <a:avLst/>
+          </a:prstGeom>
+        </p:spPr>
+      </p:pic>
     </p:spTree>
   </p:cSld>
   <p:clrMapOvr>
@@ -8474,226 +11336,7 @@
   <p:timing>
     <p:tnLst>
       <p:par>
-        <p:cTn id="1" dur="indefinite" restart="never" nodeType="tmRoot">
-          <p:childTnLst>
-            <p:seq concurrent="1" nextAc="seek">
-              <p:cTn id="2" dur="indefinite" nodeType="mainSeq">
-                <p:childTnLst>
-                  <p:par>
-                    <p:cTn id="3" fill="hold">
-                      <p:stCondLst>
-                        <p:cond delay="indefinite"/>
-                      </p:stCondLst>
-                      <p:childTnLst>
-                        <p:par>
-                          <p:cTn id="4" fill="hold">
-                            <p:stCondLst>
-                              <p:cond delay="0"/>
-                            </p:stCondLst>
-                            <p:childTnLst>
-                              <p:par>
-                                <p:cTn id="5" presetID="1" presetClass="entr" presetSubtype="0" fill="hold" nodeType="clickEffect">
-                                  <p:stCondLst>
-                                    <p:cond delay="0"/>
-                                  </p:stCondLst>
-                                  <p:childTnLst>
-                                    <p:set>
-                                      <p:cBhvr>
-                                        <p:cTn id="6" dur="1" fill="hold">
-                                          <p:stCondLst>
-                                            <p:cond delay="0"/>
-                                          </p:stCondLst>
-                                        </p:cTn>
-                                        <p:tgtEl>
-                                          <p:spTgt spid="115">
-                                            <p:txEl>
-                                              <p:pRg st="0" end="0"/>
-                                            </p:txEl>
-                                          </p:spTgt>
-                                        </p:tgtEl>
-                                        <p:attrNameLst>
-                                          <p:attrName>style.visibility</p:attrName>
-                                        </p:attrNameLst>
-                                      </p:cBhvr>
-                                      <p:to>
-                                        <p:strVal val="visible"/>
-                                      </p:to>
-                                    </p:set>
-                                  </p:childTnLst>
-                                </p:cTn>
-                              </p:par>
-                            </p:childTnLst>
-                          </p:cTn>
-                        </p:par>
-                      </p:childTnLst>
-                    </p:cTn>
-                  </p:par>
-                  <p:par>
-                    <p:cTn id="7" fill="hold">
-                      <p:stCondLst>
-                        <p:cond delay="indefinite"/>
-                      </p:stCondLst>
-                      <p:childTnLst>
-                        <p:par>
-                          <p:cTn id="8" fill="hold">
-                            <p:stCondLst>
-                              <p:cond delay="0"/>
-                            </p:stCondLst>
-                            <p:childTnLst>
-                              <p:par>
-                                <p:cTn id="9" presetID="1" presetClass="entr" presetSubtype="0" fill="hold" nodeType="clickEffect">
-                                  <p:stCondLst>
-                                    <p:cond delay="0"/>
-                                  </p:stCondLst>
-                                  <p:childTnLst>
-                                    <p:set>
-                                      <p:cBhvr>
-                                        <p:cTn id="10" dur="1" fill="hold">
-                                          <p:stCondLst>
-                                            <p:cond delay="0"/>
-                                          </p:stCondLst>
-                                        </p:cTn>
-                                        <p:tgtEl>
-                                          <p:spTgt spid="115">
-                                            <p:txEl>
-                                              <p:pRg st="1" end="1"/>
-                                            </p:txEl>
-                                          </p:spTgt>
-                                        </p:tgtEl>
-                                        <p:attrNameLst>
-                                          <p:attrName>style.visibility</p:attrName>
-                                        </p:attrNameLst>
-                                      </p:cBhvr>
-                                      <p:to>
-                                        <p:strVal val="visible"/>
-                                      </p:to>
-                                    </p:set>
-                                  </p:childTnLst>
-                                </p:cTn>
-                              </p:par>
-                            </p:childTnLst>
-                          </p:cTn>
-                        </p:par>
-                      </p:childTnLst>
-                    </p:cTn>
-                  </p:par>
-                  <p:par>
-                    <p:cTn id="11" fill="hold">
-                      <p:stCondLst>
-                        <p:cond delay="indefinite"/>
-                      </p:stCondLst>
-                      <p:childTnLst>
-                        <p:par>
-                          <p:cTn id="12" fill="hold">
-                            <p:stCondLst>
-                              <p:cond delay="0"/>
-                            </p:stCondLst>
-                            <p:childTnLst>
-                              <p:par>
-                                <p:cTn id="13" presetID="1" presetClass="entr" presetSubtype="0" fill="hold" nodeType="clickEffect">
-                                  <p:stCondLst>
-                                    <p:cond delay="0"/>
-                                  </p:stCondLst>
-                                  <p:childTnLst>
-                                    <p:set>
-                                      <p:cBhvr>
-                                        <p:cTn id="14" dur="1" fill="hold">
-                                          <p:stCondLst>
-                                            <p:cond delay="0"/>
-                                          </p:stCondLst>
-                                        </p:cTn>
-                                        <p:tgtEl>
-                                          <p:spTgt spid="115">
-                                            <p:txEl>
-                                              <p:pRg st="2" end="2"/>
-                                            </p:txEl>
-                                          </p:spTgt>
-                                        </p:tgtEl>
-                                        <p:attrNameLst>
-                                          <p:attrName>style.visibility</p:attrName>
-                                        </p:attrNameLst>
-                                      </p:cBhvr>
-                                      <p:to>
-                                        <p:strVal val="visible"/>
-                                      </p:to>
-                                    </p:set>
-                                  </p:childTnLst>
-                                </p:cTn>
-                              </p:par>
-                            </p:childTnLst>
-                          </p:cTn>
-                        </p:par>
-                      </p:childTnLst>
-                    </p:cTn>
-                  </p:par>
-                  <p:par>
-                    <p:cTn id="15" fill="hold">
-                      <p:stCondLst>
-                        <p:cond delay="indefinite"/>
-                      </p:stCondLst>
-                      <p:childTnLst>
-                        <p:par>
-                          <p:cTn id="16" fill="hold">
-                            <p:stCondLst>
-                              <p:cond delay="0"/>
-                            </p:stCondLst>
-                            <p:childTnLst>
-                              <p:par>
-                                <p:cTn id="17" presetID="1" presetClass="entr" presetSubtype="0" fill="hold" nodeType="clickEffect">
-                                  <p:stCondLst>
-                                    <p:cond delay="0"/>
-                                  </p:stCondLst>
-                                  <p:childTnLst>
-                                    <p:set>
-                                      <p:cBhvr>
-                                        <p:cTn id="18" dur="1" fill="hold">
-                                          <p:stCondLst>
-                                            <p:cond delay="0"/>
-                                          </p:stCondLst>
-                                        </p:cTn>
-                                        <p:tgtEl>
-                                          <p:spTgt spid="115">
-                                            <p:txEl>
-                                              <p:pRg st="3" end="3"/>
-                                            </p:txEl>
-                                          </p:spTgt>
-                                        </p:tgtEl>
-                                        <p:attrNameLst>
-                                          <p:attrName>style.visibility</p:attrName>
-                                        </p:attrNameLst>
-                                      </p:cBhvr>
-                                      <p:to>
-                                        <p:strVal val="visible"/>
-                                      </p:to>
-                                    </p:set>
-                                  </p:childTnLst>
-                                </p:cTn>
-                              </p:par>
-                            </p:childTnLst>
-                          </p:cTn>
-                        </p:par>
-                      </p:childTnLst>
-                    </p:cTn>
-                  </p:par>
-                </p:childTnLst>
-              </p:cTn>
-              <p:prevCondLst>
-                <p:cond evt="onPrev" delay="0">
-                  <p:tgtEl>
-                    <p:sldTgt/>
-                  </p:tgtEl>
-                </p:cond>
-              </p:prevCondLst>
-              <p:nextCondLst>
-                <p:cond evt="onNext" delay="0">
-                  <p:tgtEl>
-                    <p:sldTgt/>
-                  </p:tgtEl>
-                </p:cond>
-              </p:nextCondLst>
-            </p:seq>
-          </p:childTnLst>
-        </p:cTn>
+        <p:cTn id="1" dur="indefinite" restart="never" nodeType="tmRoot"/>
       </p:par>
     </p:tnLst>
   </p:timing>
@@ -8802,6 +11445,617 @@
           </a:bodyPr>
           <a:lstStyle/>
           <a:p>
+            <a:pPr algn="ctr"/>
+            <a:r>
+              <a:rPr lang="en-GB" sz="2200" dirty="0" smtClean="0">
+                <a:solidFill>
+                  <a:schemeClr val="bg1"/>
+                </a:solidFill>
+                <a:latin typeface="Berlin Sans FB" panose="020E0602020502020306" pitchFamily="34" charset="0"/>
+              </a:rPr>
+              <a:t>Do </a:t>
+            </a:r>
+            <a:r>
+              <a:rPr lang="en-GB" sz="2200" dirty="0">
+                <a:solidFill>
+                  <a:schemeClr val="bg1"/>
+                </a:solidFill>
+                <a:latin typeface="Berlin Sans FB" panose="020E0602020502020306" pitchFamily="34" charset="0"/>
+              </a:rPr>
+              <a:t>you think </a:t>
+            </a:r>
+            <a:r>
+              <a:rPr lang="en-GB" sz="2200" dirty="0" smtClean="0">
+                <a:solidFill>
+                  <a:schemeClr val="bg1"/>
+                </a:solidFill>
+                <a:latin typeface="Berlin Sans FB" panose="020E0602020502020306" pitchFamily="34" charset="0"/>
+              </a:rPr>
+              <a:t>you have </a:t>
+            </a:r>
+            <a:r>
+              <a:rPr lang="en-GB" sz="2200" dirty="0">
+                <a:solidFill>
+                  <a:schemeClr val="bg1"/>
+                </a:solidFill>
+                <a:latin typeface="Berlin Sans FB" panose="020E0602020502020306" pitchFamily="34" charset="0"/>
+              </a:rPr>
+              <a:t>got an asymmetrical smile or laughter</a:t>
+            </a:r>
+            <a:r>
+              <a:rPr lang="en-GB" sz="2200" dirty="0" smtClean="0">
+                <a:solidFill>
+                  <a:schemeClr val="bg1"/>
+                </a:solidFill>
+                <a:latin typeface="Berlin Sans FB" panose="020E0602020502020306" pitchFamily="34" charset="0"/>
+              </a:rPr>
+              <a:t>?</a:t>
+            </a:r>
+            <a:endParaRPr lang="en-GB" sz="2200" dirty="0">
+              <a:solidFill>
+                <a:schemeClr val="bg1"/>
+              </a:solidFill>
+              <a:latin typeface="Berlin Sans FB" panose="020E0602020502020306" pitchFamily="34" charset="0"/>
+            </a:endParaRPr>
+          </a:p>
+        </p:txBody>
+      </p:sp>
+      <p:pic>
+        <p:nvPicPr>
+          <p:cNvPr id="3" name="Picture 2"/>
+          <p:cNvPicPr>
+            <a:picLocks noChangeAspect="1"/>
+          </p:cNvPicPr>
+          <p:nvPr/>
+        </p:nvPicPr>
+        <p:blipFill>
+          <a:blip r:embed="rId4">
+            <a:extLst>
+              <a:ext uri="{28A0092B-C50C-407E-A947-70E740481C1C}">
+                <a14:useLocalDpi xmlns:a14="http://schemas.microsoft.com/office/drawing/2010/main" val="0"/>
+              </a:ext>
+            </a:extLst>
+          </a:blip>
+          <a:stretch>
+            <a:fillRect/>
+          </a:stretch>
+        </p:blipFill>
+        <p:spPr>
+          <a:xfrm>
+            <a:off x="3726416" y="1846287"/>
+            <a:ext cx="2148840" cy="3009900"/>
+          </a:xfrm>
+          <a:prstGeom prst="rect">
+            <a:avLst/>
+          </a:prstGeom>
+        </p:spPr>
+      </p:pic>
+    </p:spTree>
+    <p:extLst>
+      <p:ext uri="{BB962C8B-B14F-4D97-AF65-F5344CB8AC3E}">
+        <p14:creationId xmlns:p14="http://schemas.microsoft.com/office/powerpoint/2010/main" val="2088213531"/>
+      </p:ext>
+    </p:extLst>
+  </p:cSld>
+  <p:clrMapOvr>
+    <a:masterClrMapping/>
+  </p:clrMapOvr>
+  <p:timing>
+    <p:tnLst>
+      <p:par>
+        <p:cTn id="1" dur="indefinite" restart="never" nodeType="tmRoot"/>
+      </p:par>
+    </p:tnLst>
+  </p:timing>
+</p:sld>
+</file>
+
+<file path=ppt/slides/slide4.xml><?xml version="1.0" encoding="utf-8"?>
+<p:sld xmlns:a="http://schemas.openxmlformats.org/drawingml/2006/main" xmlns:r="http://schemas.openxmlformats.org/officeDocument/2006/relationships" xmlns:p="http://schemas.openxmlformats.org/presentationml/2006/main">
+  <p:cSld>
+    <p:spTree>
+      <p:nvGrpSpPr>
+        <p:cNvPr id="1" name="Shape 113"/>
+        <p:cNvGrpSpPr/>
+        <p:nvPr/>
+      </p:nvGrpSpPr>
+      <p:grpSpPr>
+        <a:xfrm>
+          <a:off x="0" y="0"/>
+          <a:ext cx="0" cy="0"/>
+          <a:chOff x="0" y="0"/>
+          <a:chExt cx="0" cy="0"/>
+        </a:xfrm>
+      </p:grpSpPr>
+      <p:pic>
+        <p:nvPicPr>
+          <p:cNvPr id="114" name="Shape 114"/>
+          <p:cNvPicPr preferRelativeResize="0"/>
+          <p:nvPr/>
+        </p:nvPicPr>
+        <p:blipFill rotWithShape="1">
+          <a:blip r:embed="rId3">
+            <a:alphaModFix/>
+          </a:blip>
+          <a:srcRect l="10978" r="10993"/>
+          <a:stretch/>
+        </p:blipFill>
+        <p:spPr>
+          <a:xfrm>
+            <a:off x="0" y="0"/>
+            <a:ext cx="9144000" cy="5143499"/>
+          </a:xfrm>
+          <a:prstGeom prst="rect">
+            <a:avLst/>
+          </a:prstGeom>
+          <a:noFill/>
+          <a:ln>
+            <a:noFill/>
+          </a:ln>
+        </p:spPr>
+      </p:pic>
+      <p:sp>
+        <p:nvSpPr>
+          <p:cNvPr id="2" name="Title 1"/>
+          <p:cNvSpPr>
+            <a:spLocks noGrp="1"/>
+          </p:cNvSpPr>
+          <p:nvPr>
+            <p:ph type="title"/>
+          </p:nvPr>
+        </p:nvSpPr>
+        <p:spPr/>
+        <p:txBody>
+          <a:bodyPr/>
+          <a:lstStyle/>
+          <a:p>
+            <a:r>
+              <a:rPr lang="en-GB" dirty="0" smtClean="0">
+                <a:solidFill>
+                  <a:schemeClr val="bg1"/>
+                </a:solidFill>
+                <a:latin typeface="Berlin Sans FB Demi" panose="020E0802020502020306" pitchFamily="34" charset="0"/>
+              </a:rPr>
+              <a:t>WHY?</a:t>
+            </a:r>
+            <a:endParaRPr lang="en-GB" dirty="0">
+              <a:solidFill>
+                <a:schemeClr val="bg1"/>
+              </a:solidFill>
+              <a:latin typeface="Berlin Sans FB Demi" panose="020E0802020502020306" pitchFamily="34" charset="0"/>
+            </a:endParaRPr>
+          </a:p>
+        </p:txBody>
+      </p:sp>
+      <p:sp>
+        <p:nvSpPr>
+          <p:cNvPr id="115" name="Shape 115"/>
+          <p:cNvSpPr txBox="1">
+            <a:spLocks noGrp="1"/>
+          </p:cNvSpPr>
+          <p:nvPr>
+            <p:ph type="body" idx="1"/>
+          </p:nvPr>
+        </p:nvSpPr>
+        <p:spPr>
+          <a:prstGeom prst="rect">
+            <a:avLst/>
+          </a:prstGeom>
+          <a:noFill/>
+          <a:ln>
+            <a:noFill/>
+          </a:ln>
+        </p:spPr>
+        <p:txBody>
+          <a:bodyPr lIns="91425" tIns="91425" rIns="91425" bIns="91425" anchor="t" anchorCtr="0">
+            <a:noAutofit/>
+          </a:bodyPr>
+          <a:lstStyle/>
+          <a:p>
+            <a:pPr algn="ctr"/>
+            <a:r>
+              <a:rPr lang="en-GB" sz="2200" dirty="0" smtClean="0">
+                <a:solidFill>
+                  <a:schemeClr val="bg1"/>
+                </a:solidFill>
+                <a:latin typeface="Berlin Sans FB" panose="020E0602020502020306" pitchFamily="34" charset="0"/>
+              </a:rPr>
+              <a:t>Do </a:t>
+            </a:r>
+            <a:r>
+              <a:rPr lang="en-GB" sz="2200" dirty="0">
+                <a:solidFill>
+                  <a:schemeClr val="bg1"/>
+                </a:solidFill>
+                <a:latin typeface="Berlin Sans FB" panose="020E0602020502020306" pitchFamily="34" charset="0"/>
+              </a:rPr>
+              <a:t>you want to train your facial muscles for a slimmer and more defined look but don’t know how?</a:t>
+            </a:r>
+          </a:p>
+          <a:p>
+            <a:pPr marL="0" marR="0" lvl="0" indent="0" algn="ctr" rtl="0">
+              <a:lnSpc>
+                <a:spcPct val="100000"/>
+              </a:lnSpc>
+              <a:spcBef>
+                <a:spcPts val="0"/>
+              </a:spcBef>
+              <a:spcAft>
+                <a:spcPts val="0"/>
+              </a:spcAft>
+              <a:buClr>
+                <a:schemeClr val="lt1"/>
+              </a:buClr>
+              <a:buSzPct val="25000"/>
+              <a:buFont typeface="Arial"/>
+              <a:buNone/>
+            </a:pPr>
+            <a:endParaRPr sz="1200" b="0" i="0" u="none" strike="noStrike" cap="none" dirty="0">
+              <a:solidFill>
+                <a:schemeClr val="lt1"/>
+              </a:solidFill>
+              <a:latin typeface="Exo 2"/>
+              <a:ea typeface="Exo 2"/>
+              <a:cs typeface="Exo 2"/>
+              <a:sym typeface="Exo 2"/>
+            </a:endParaRPr>
+          </a:p>
+        </p:txBody>
+      </p:sp>
+      <p:pic>
+        <p:nvPicPr>
+          <p:cNvPr id="3" name="Picture 2"/>
+          <p:cNvPicPr>
+            <a:picLocks noChangeAspect="1"/>
+          </p:cNvPicPr>
+          <p:nvPr/>
+        </p:nvPicPr>
+        <p:blipFill>
+          <a:blip r:embed="rId4">
+            <a:extLst>
+              <a:ext uri="{28A0092B-C50C-407E-A947-70E740481C1C}">
+                <a14:useLocalDpi xmlns:a14="http://schemas.microsoft.com/office/drawing/2010/main" val="0"/>
+              </a:ext>
+            </a:extLst>
+          </a:blip>
+          <a:stretch>
+            <a:fillRect/>
+          </a:stretch>
+        </p:blipFill>
+        <p:spPr>
+          <a:xfrm>
+            <a:off x="2985945" y="2036711"/>
+            <a:ext cx="3172108" cy="2879569"/>
+          </a:xfrm>
+          <a:prstGeom prst="rect">
+            <a:avLst/>
+          </a:prstGeom>
+        </p:spPr>
+      </p:pic>
+    </p:spTree>
+    <p:extLst>
+      <p:ext uri="{BB962C8B-B14F-4D97-AF65-F5344CB8AC3E}">
+        <p14:creationId xmlns:p14="http://schemas.microsoft.com/office/powerpoint/2010/main" val="80704992"/>
+      </p:ext>
+    </p:extLst>
+  </p:cSld>
+  <p:clrMapOvr>
+    <a:masterClrMapping/>
+  </p:clrMapOvr>
+  <p:timing>
+    <p:tnLst>
+      <p:par>
+        <p:cTn id="1" dur="indefinite" restart="never" nodeType="tmRoot"/>
+      </p:par>
+    </p:tnLst>
+  </p:timing>
+</p:sld>
+</file>
+
+<file path=ppt/slides/slide5.xml><?xml version="1.0" encoding="utf-8"?>
+<p:sld xmlns:a="http://schemas.openxmlformats.org/drawingml/2006/main" xmlns:r="http://schemas.openxmlformats.org/officeDocument/2006/relationships" xmlns:p="http://schemas.openxmlformats.org/presentationml/2006/main">
+  <p:cSld>
+    <p:spTree>
+      <p:nvGrpSpPr>
+        <p:cNvPr id="1" name="Shape 113"/>
+        <p:cNvGrpSpPr/>
+        <p:nvPr/>
+      </p:nvGrpSpPr>
+      <p:grpSpPr>
+        <a:xfrm>
+          <a:off x="0" y="0"/>
+          <a:ext cx="0" cy="0"/>
+          <a:chOff x="0" y="0"/>
+          <a:chExt cx="0" cy="0"/>
+        </a:xfrm>
+      </p:grpSpPr>
+      <p:pic>
+        <p:nvPicPr>
+          <p:cNvPr id="114" name="Shape 114"/>
+          <p:cNvPicPr preferRelativeResize="0"/>
+          <p:nvPr/>
+        </p:nvPicPr>
+        <p:blipFill rotWithShape="1">
+          <a:blip r:embed="rId3">
+            <a:alphaModFix/>
+          </a:blip>
+          <a:srcRect l="10978" r="10993"/>
+          <a:stretch/>
+        </p:blipFill>
+        <p:spPr>
+          <a:xfrm>
+            <a:off x="0" y="0"/>
+            <a:ext cx="9144000" cy="5143499"/>
+          </a:xfrm>
+          <a:prstGeom prst="rect">
+            <a:avLst/>
+          </a:prstGeom>
+          <a:noFill/>
+          <a:ln>
+            <a:noFill/>
+          </a:ln>
+        </p:spPr>
+      </p:pic>
+      <p:sp>
+        <p:nvSpPr>
+          <p:cNvPr id="2" name="Title 1"/>
+          <p:cNvSpPr>
+            <a:spLocks noGrp="1"/>
+          </p:cNvSpPr>
+          <p:nvPr>
+            <p:ph type="title"/>
+          </p:nvPr>
+        </p:nvSpPr>
+        <p:spPr/>
+        <p:txBody>
+          <a:bodyPr/>
+          <a:lstStyle/>
+          <a:p>
+            <a:r>
+              <a:rPr lang="en-GB" dirty="0" smtClean="0">
+                <a:solidFill>
+                  <a:schemeClr val="bg1"/>
+                </a:solidFill>
+                <a:latin typeface="Berlin Sans FB Demi" panose="020E0802020502020306" pitchFamily="34" charset="0"/>
+              </a:rPr>
+              <a:t>WHY?</a:t>
+            </a:r>
+            <a:endParaRPr lang="en-GB" dirty="0">
+              <a:solidFill>
+                <a:schemeClr val="bg1"/>
+              </a:solidFill>
+              <a:latin typeface="Berlin Sans FB Demi" panose="020E0802020502020306" pitchFamily="34" charset="0"/>
+            </a:endParaRPr>
+          </a:p>
+        </p:txBody>
+      </p:sp>
+      <p:sp>
+        <p:nvSpPr>
+          <p:cNvPr id="115" name="Shape 115"/>
+          <p:cNvSpPr txBox="1">
+            <a:spLocks noGrp="1"/>
+          </p:cNvSpPr>
+          <p:nvPr>
+            <p:ph type="body" idx="1"/>
+          </p:nvPr>
+        </p:nvSpPr>
+        <p:spPr>
+          <a:prstGeom prst="rect">
+            <a:avLst/>
+          </a:prstGeom>
+          <a:noFill/>
+          <a:ln>
+            <a:noFill/>
+          </a:ln>
+        </p:spPr>
+        <p:txBody>
+          <a:bodyPr lIns="91425" tIns="91425" rIns="91425" bIns="91425" anchor="t" anchorCtr="0">
+            <a:noAutofit/>
+          </a:bodyPr>
+          <a:lstStyle/>
+          <a:p>
+            <a:pPr algn="ctr"/>
+            <a:r>
+              <a:rPr lang="en-GB" sz="2200" dirty="0" smtClean="0">
+                <a:solidFill>
+                  <a:schemeClr val="bg1"/>
+                </a:solidFill>
+                <a:latin typeface="Berlin Sans FB" panose="020E0602020502020306" pitchFamily="34" charset="0"/>
+              </a:rPr>
+              <a:t>Do </a:t>
+            </a:r>
+            <a:r>
+              <a:rPr lang="en-GB" sz="2200" dirty="0">
+                <a:solidFill>
+                  <a:schemeClr val="bg1"/>
+                </a:solidFill>
+                <a:latin typeface="Berlin Sans FB" panose="020E0602020502020306" pitchFamily="34" charset="0"/>
+              </a:rPr>
+              <a:t>you want to improve your selfies / photos by training on your facial expressions?</a:t>
+            </a:r>
+          </a:p>
+          <a:p>
+            <a:pPr marL="0" marR="0" lvl="0" indent="0" algn="ctr" rtl="0">
+              <a:lnSpc>
+                <a:spcPct val="100000"/>
+              </a:lnSpc>
+              <a:spcBef>
+                <a:spcPts val="0"/>
+              </a:spcBef>
+              <a:spcAft>
+                <a:spcPts val="0"/>
+              </a:spcAft>
+              <a:buClr>
+                <a:schemeClr val="lt1"/>
+              </a:buClr>
+              <a:buSzPct val="25000"/>
+              <a:buFont typeface="Arial"/>
+              <a:buNone/>
+            </a:pPr>
+            <a:endParaRPr sz="1200" b="0" i="0" u="none" strike="noStrike" cap="none" dirty="0">
+              <a:solidFill>
+                <a:schemeClr val="lt1"/>
+              </a:solidFill>
+              <a:latin typeface="Exo 2"/>
+              <a:ea typeface="Exo 2"/>
+              <a:cs typeface="Exo 2"/>
+              <a:sym typeface="Exo 2"/>
+            </a:endParaRPr>
+          </a:p>
+        </p:txBody>
+      </p:sp>
+      <p:pic>
+        <p:nvPicPr>
+          <p:cNvPr id="3" name="Picture 2"/>
+          <p:cNvPicPr>
+            <a:picLocks noChangeAspect="1"/>
+          </p:cNvPicPr>
+          <p:nvPr/>
+        </p:nvPicPr>
+        <p:blipFill>
+          <a:blip r:embed="rId4">
+            <a:extLst>
+              <a:ext uri="{28A0092B-C50C-407E-A947-70E740481C1C}">
+                <a14:useLocalDpi xmlns:a14="http://schemas.microsoft.com/office/drawing/2010/main" val="0"/>
+              </a:ext>
+            </a:extLst>
+          </a:blip>
+          <a:stretch>
+            <a:fillRect/>
+          </a:stretch>
+        </p:blipFill>
+        <p:spPr>
+          <a:xfrm>
+            <a:off x="2878690" y="2311130"/>
+            <a:ext cx="3386617" cy="2257745"/>
+          </a:xfrm>
+          <a:prstGeom prst="rect">
+            <a:avLst/>
+          </a:prstGeom>
+        </p:spPr>
+      </p:pic>
+    </p:spTree>
+    <p:extLst>
+      <p:ext uri="{BB962C8B-B14F-4D97-AF65-F5344CB8AC3E}">
+        <p14:creationId xmlns:p14="http://schemas.microsoft.com/office/powerpoint/2010/main" val="1619294802"/>
+      </p:ext>
+    </p:extLst>
+  </p:cSld>
+  <p:clrMapOvr>
+    <a:masterClrMapping/>
+  </p:clrMapOvr>
+  <p:timing>
+    <p:tnLst>
+      <p:par>
+        <p:cTn id="1" dur="indefinite" restart="never" nodeType="tmRoot"/>
+      </p:par>
+    </p:tnLst>
+  </p:timing>
+</p:sld>
+</file>
+
+<file path=ppt/slides/slide6.xml><?xml version="1.0" encoding="utf-8"?>
+<p:sld xmlns:a="http://schemas.openxmlformats.org/drawingml/2006/main" xmlns:r="http://schemas.openxmlformats.org/officeDocument/2006/relationships" xmlns:p="http://schemas.openxmlformats.org/presentationml/2006/main">
+  <p:cSld>
+    <p:spTree>
+      <p:nvGrpSpPr>
+        <p:cNvPr id="1" name="Shape 113"/>
+        <p:cNvGrpSpPr/>
+        <p:nvPr/>
+      </p:nvGrpSpPr>
+      <p:grpSpPr>
+        <a:xfrm>
+          <a:off x="0" y="0"/>
+          <a:ext cx="0" cy="0"/>
+          <a:chOff x="0" y="0"/>
+          <a:chExt cx="0" cy="0"/>
+        </a:xfrm>
+      </p:grpSpPr>
+      <p:pic>
+        <p:nvPicPr>
+          <p:cNvPr id="114" name="Shape 114"/>
+          <p:cNvPicPr preferRelativeResize="0"/>
+          <p:nvPr/>
+        </p:nvPicPr>
+        <p:blipFill rotWithShape="1">
+          <a:blip r:embed="rId3">
+            <a:alphaModFix/>
+          </a:blip>
+          <a:srcRect l="10978" r="10993"/>
+          <a:stretch/>
+        </p:blipFill>
+        <p:spPr>
+          <a:xfrm>
+            <a:off x="0" y="0"/>
+            <a:ext cx="9144000" cy="5143499"/>
+          </a:xfrm>
+          <a:prstGeom prst="rect">
+            <a:avLst/>
+          </a:prstGeom>
+          <a:noFill/>
+          <a:ln>
+            <a:noFill/>
+          </a:ln>
+        </p:spPr>
+      </p:pic>
+      <p:sp>
+        <p:nvSpPr>
+          <p:cNvPr id="2" name="Title 1"/>
+          <p:cNvSpPr>
+            <a:spLocks noGrp="1"/>
+          </p:cNvSpPr>
+          <p:nvPr>
+            <p:ph type="title"/>
+          </p:nvPr>
+        </p:nvSpPr>
+        <p:spPr/>
+        <p:txBody>
+          <a:bodyPr/>
+          <a:lstStyle/>
+          <a:p>
+            <a:r>
+              <a:rPr lang="en-GB" dirty="0" smtClean="0">
+                <a:solidFill>
+                  <a:schemeClr val="bg1"/>
+                </a:solidFill>
+                <a:latin typeface="Berlin Sans FB Demi" panose="020E0802020502020306" pitchFamily="34" charset="0"/>
+              </a:rPr>
+              <a:t>WHY?</a:t>
+            </a:r>
+            <a:endParaRPr lang="en-GB" dirty="0">
+              <a:solidFill>
+                <a:schemeClr val="bg1"/>
+              </a:solidFill>
+              <a:latin typeface="Berlin Sans FB Demi" panose="020E0802020502020306" pitchFamily="34" charset="0"/>
+            </a:endParaRPr>
+          </a:p>
+        </p:txBody>
+      </p:sp>
+      <p:sp>
+        <p:nvSpPr>
+          <p:cNvPr id="115" name="Shape 115"/>
+          <p:cNvSpPr txBox="1">
+            <a:spLocks noGrp="1"/>
+          </p:cNvSpPr>
+          <p:nvPr>
+            <p:ph type="body" idx="1"/>
+          </p:nvPr>
+        </p:nvSpPr>
+        <p:spPr>
+          <a:prstGeom prst="rect">
+            <a:avLst/>
+          </a:prstGeom>
+          <a:noFill/>
+          <a:ln>
+            <a:noFill/>
+          </a:ln>
+        </p:spPr>
+        <p:txBody>
+          <a:bodyPr lIns="91425" tIns="91425" rIns="91425" bIns="91425" anchor="t" anchorCtr="0">
+            <a:noAutofit/>
+          </a:bodyPr>
+          <a:lstStyle/>
+          <a:p>
             <a:pPr marL="0" marR="0" lvl="0" indent="0" algn="l" rtl="0">
               <a:lnSpc>
                 <a:spcPct val="100000"/>
@@ -8830,17 +12084,27 @@
             </a:endParaRPr>
           </a:p>
           <a:p>
-            <a:r>
-              <a:rPr lang="en-GB" sz="2200" dirty="0" smtClean="0">
-                <a:solidFill>
-                  <a:schemeClr val="bg1"/>
-                </a:solidFill>
-                <a:latin typeface="Berlin Sans FB" panose="020E0602020502020306" pitchFamily="34" charset="0"/>
-              </a:rPr>
-              <a:t>Become more aware of your emotions</a:t>
-            </a:r>
+            <a:pPr algn="ctr"/>
+            <a:endParaRPr lang="en-GB" sz="2200" dirty="0" smtClean="0">
+              <a:solidFill>
+                <a:schemeClr val="bg1"/>
+              </a:solidFill>
+              <a:latin typeface="Berlin Sans FB" panose="020E0602020502020306" pitchFamily="34" charset="0"/>
+              <a:sym typeface="Exo 2"/>
+            </a:endParaRPr>
           </a:p>
           <a:p>
+            <a:pPr algn="ctr"/>
+            <a:endParaRPr lang="en-GB" sz="2200" dirty="0">
+              <a:solidFill>
+                <a:schemeClr val="bg1"/>
+              </a:solidFill>
+              <a:latin typeface="Berlin Sans FB" panose="020E0602020502020306" pitchFamily="34" charset="0"/>
+              <a:sym typeface="Exo 2"/>
+            </a:endParaRPr>
+          </a:p>
+          <a:p>
+            <a:pPr algn="ctr"/>
             <a:r>
               <a:rPr lang="en-GB" sz="2200" dirty="0" smtClean="0">
                 <a:solidFill>
@@ -8849,10 +12113,8 @@
                 <a:latin typeface="Berlin Sans FB" panose="020E0602020502020306" pitchFamily="34" charset="0"/>
                 <a:sym typeface="Exo 2"/>
               </a:rPr>
-              <a:t>Train your facial expressions</a:t>
+              <a:t>Most </a:t>
             </a:r>
-          </a:p>
-          <a:p>
             <a:r>
               <a:rPr lang="en-GB" sz="2200" dirty="0" smtClean="0">
                 <a:solidFill>
@@ -8861,19 +12123,7 @@
                 <a:latin typeface="Berlin Sans FB" panose="020E0602020502020306" pitchFamily="34" charset="0"/>
                 <a:sym typeface="Exo 2"/>
               </a:rPr>
-              <a:t>Get rid of asymmetries in your facial expressions</a:t>
-            </a:r>
-          </a:p>
-          <a:p>
-            <a:r>
-              <a:rPr lang="en-GB" sz="2200" dirty="0" smtClean="0">
-                <a:solidFill>
-                  <a:schemeClr val="bg1"/>
-                </a:solidFill>
-                <a:latin typeface="Berlin Sans FB" panose="020E0602020502020306" pitchFamily="34" charset="0"/>
-                <a:sym typeface="Exo 2"/>
-              </a:rPr>
-              <a:t>Most importantly: Have fun!</a:t>
+              <a:t>importantly: Have fun!</a:t>
             </a:r>
           </a:p>
           <a:p>
@@ -8896,236 +12146,25 @@
   <p:clrMapOvr>
     <a:masterClrMapping/>
   </p:clrMapOvr>
+  <mc:AlternateContent xmlns:mc="http://schemas.openxmlformats.org/markup-compatibility/2006">
+    <mc:Choice xmlns:p14="http://schemas.microsoft.com/office/powerpoint/2010/main" Requires="p14">
+      <p:transition spd="slow" p14:dur="2000"/>
+    </mc:Choice>
+    <mc:Fallback>
+      <p:transition spd="slow"/>
+    </mc:Fallback>
+  </mc:AlternateContent>
   <p:timing>
     <p:tnLst>
       <p:par>
-        <p:cTn id="1" dur="indefinite" restart="never" nodeType="tmRoot">
-          <p:childTnLst>
-            <p:seq concurrent="1" nextAc="seek">
-              <p:cTn id="2" dur="indefinite" nodeType="mainSeq">
-                <p:childTnLst>
-                  <p:par>
-                    <p:cTn id="3" fill="hold">
-                      <p:stCondLst>
-                        <p:cond delay="indefinite"/>
-                      </p:stCondLst>
-                      <p:childTnLst>
-                        <p:par>
-                          <p:cTn id="4" fill="hold">
-                            <p:stCondLst>
-                              <p:cond delay="0"/>
-                            </p:stCondLst>
-                            <p:childTnLst>
-                              <p:par>
-                                <p:cTn id="5" presetID="1" presetClass="entr" presetSubtype="0" fill="hold" nodeType="clickEffect">
-                                  <p:stCondLst>
-                                    <p:cond delay="0"/>
-                                  </p:stCondLst>
-                                  <p:childTnLst>
-                                    <p:set>
-                                      <p:cBhvr>
-                                        <p:cTn id="6" dur="1" fill="hold">
-                                          <p:stCondLst>
-                                            <p:cond delay="0"/>
-                                          </p:stCondLst>
-                                        </p:cTn>
-                                        <p:tgtEl>
-                                          <p:spTgt spid="115">
-                                            <p:txEl>
-                                              <p:pRg st="1" end="1"/>
-                                            </p:txEl>
-                                          </p:spTgt>
-                                        </p:tgtEl>
-                                        <p:attrNameLst>
-                                          <p:attrName>style.visibility</p:attrName>
-                                        </p:attrNameLst>
-                                      </p:cBhvr>
-                                      <p:to>
-                                        <p:strVal val="visible"/>
-                                      </p:to>
-                                    </p:set>
-                                  </p:childTnLst>
-                                </p:cTn>
-                              </p:par>
-                            </p:childTnLst>
-                          </p:cTn>
-                        </p:par>
-                      </p:childTnLst>
-                    </p:cTn>
-                  </p:par>
-                  <p:par>
-                    <p:cTn id="7" fill="hold">
-                      <p:stCondLst>
-                        <p:cond delay="indefinite"/>
-                      </p:stCondLst>
-                      <p:childTnLst>
-                        <p:par>
-                          <p:cTn id="8" fill="hold">
-                            <p:stCondLst>
-                              <p:cond delay="0"/>
-                            </p:stCondLst>
-                            <p:childTnLst>
-                              <p:par>
-                                <p:cTn id="9" presetID="1" presetClass="entr" presetSubtype="0" fill="hold" nodeType="clickEffect">
-                                  <p:stCondLst>
-                                    <p:cond delay="0"/>
-                                  </p:stCondLst>
-                                  <p:childTnLst>
-                                    <p:set>
-                                      <p:cBhvr>
-                                        <p:cTn id="10" dur="1" fill="hold">
-                                          <p:stCondLst>
-                                            <p:cond delay="0"/>
-                                          </p:stCondLst>
-                                        </p:cTn>
-                                        <p:tgtEl>
-                                          <p:spTgt spid="115">
-                                            <p:txEl>
-                                              <p:pRg st="2" end="2"/>
-                                            </p:txEl>
-                                          </p:spTgt>
-                                        </p:tgtEl>
-                                        <p:attrNameLst>
-                                          <p:attrName>style.visibility</p:attrName>
-                                        </p:attrNameLst>
-                                      </p:cBhvr>
-                                      <p:to>
-                                        <p:strVal val="visible"/>
-                                      </p:to>
-                                    </p:set>
-                                  </p:childTnLst>
-                                </p:cTn>
-                              </p:par>
-                            </p:childTnLst>
-                          </p:cTn>
-                        </p:par>
-                      </p:childTnLst>
-                    </p:cTn>
-                  </p:par>
-                  <p:par>
-                    <p:cTn id="11" fill="hold">
-                      <p:stCondLst>
-                        <p:cond delay="indefinite"/>
-                      </p:stCondLst>
-                      <p:childTnLst>
-                        <p:par>
-                          <p:cTn id="12" fill="hold">
-                            <p:stCondLst>
-                              <p:cond delay="0"/>
-                            </p:stCondLst>
-                            <p:childTnLst>
-                              <p:par>
-                                <p:cTn id="13" presetID="1" presetClass="entr" presetSubtype="0" fill="hold" nodeType="clickEffect">
-                                  <p:stCondLst>
-                                    <p:cond delay="0"/>
-                                  </p:stCondLst>
-                                  <p:childTnLst>
-                                    <p:set>
-                                      <p:cBhvr>
-                                        <p:cTn id="14" dur="1" fill="hold">
-                                          <p:stCondLst>
-                                            <p:cond delay="0"/>
-                                          </p:stCondLst>
-                                        </p:cTn>
-                                        <p:tgtEl>
-                                          <p:spTgt spid="115">
-                                            <p:txEl>
-                                              <p:pRg st="3" end="3"/>
-                                            </p:txEl>
-                                          </p:spTgt>
-                                        </p:tgtEl>
-                                        <p:attrNameLst>
-                                          <p:attrName>style.visibility</p:attrName>
-                                        </p:attrNameLst>
-                                      </p:cBhvr>
-                                      <p:to>
-                                        <p:strVal val="visible"/>
-                                      </p:to>
-                                    </p:set>
-                                  </p:childTnLst>
-                                </p:cTn>
-                              </p:par>
-                            </p:childTnLst>
-                          </p:cTn>
-                        </p:par>
-                      </p:childTnLst>
-                    </p:cTn>
-                  </p:par>
-                  <p:par>
-                    <p:cTn id="15" fill="hold">
-                      <p:stCondLst>
-                        <p:cond delay="indefinite"/>
-                      </p:stCondLst>
-                      <p:childTnLst>
-                        <p:par>
-                          <p:cTn id="16" fill="hold">
-                            <p:stCondLst>
-                              <p:cond delay="0"/>
-                            </p:stCondLst>
-                            <p:childTnLst>
-                              <p:par>
-                                <p:cTn id="17" presetID="1" presetClass="entr" presetSubtype="0" fill="hold" nodeType="clickEffect">
-                                  <p:stCondLst>
-                                    <p:cond delay="0"/>
-                                  </p:stCondLst>
-                                  <p:childTnLst>
-                                    <p:set>
-                                      <p:cBhvr>
-                                        <p:cTn id="18" dur="1" fill="hold">
-                                          <p:stCondLst>
-                                            <p:cond delay="0"/>
-                                          </p:stCondLst>
-                                        </p:cTn>
-                                        <p:tgtEl>
-                                          <p:spTgt spid="115">
-                                            <p:txEl>
-                                              <p:pRg st="4" end="4"/>
-                                            </p:txEl>
-                                          </p:spTgt>
-                                        </p:tgtEl>
-                                        <p:attrNameLst>
-                                          <p:attrName>style.visibility</p:attrName>
-                                        </p:attrNameLst>
-                                      </p:cBhvr>
-                                      <p:to>
-                                        <p:strVal val="visible"/>
-                                      </p:to>
-                                    </p:set>
-                                  </p:childTnLst>
-                                </p:cTn>
-                              </p:par>
-                            </p:childTnLst>
-                          </p:cTn>
-                        </p:par>
-                      </p:childTnLst>
-                    </p:cTn>
-                  </p:par>
-                </p:childTnLst>
-              </p:cTn>
-              <p:prevCondLst>
-                <p:cond evt="onPrev" delay="0">
-                  <p:tgtEl>
-                    <p:sldTgt/>
-                  </p:tgtEl>
-                </p:cond>
-              </p:prevCondLst>
-              <p:nextCondLst>
-                <p:cond evt="onNext" delay="0">
-                  <p:tgtEl>
-                    <p:sldTgt/>
-                  </p:tgtEl>
-                </p:cond>
-              </p:nextCondLst>
-            </p:seq>
-          </p:childTnLst>
-        </p:cTn>
+        <p:cTn id="1" dur="indefinite" restart="never" nodeType="tmRoot"/>
       </p:par>
     </p:tnLst>
   </p:timing>
 </p:sld>
 </file>
 
-<file path=ppt/slides/slide4.xml><?xml version="1.0" encoding="utf-8"?>
+<file path=ppt/slides/slide7.xml><?xml version="1.0" encoding="utf-8"?>
 <p:sld xmlns:a="http://schemas.openxmlformats.org/drawingml/2006/main" xmlns:r="http://schemas.openxmlformats.org/officeDocument/2006/relationships" xmlns:p="http://schemas.openxmlformats.org/presentationml/2006/main">
   <p:cSld>
     <p:spTree>
@@ -9215,7 +12254,7 @@
         <p:spPr>
           <a:xfrm>
             <a:off x="311701" y="1152475"/>
-            <a:ext cx="4897862" cy="3767668"/>
+            <a:ext cx="5355452" cy="3767668"/>
           </a:xfrm>
           <a:prstGeom prst="rect">
             <a:avLst/>
@@ -9316,7 +12355,7 @@
               <a:buSzPct val="25000"/>
             </a:pPr>
             <a:r>
-              <a:rPr lang="en-GB" sz="2200" b="0" i="0" u="none" strike="noStrike" cap="none" dirty="0" smtClean="0">
+              <a:rPr lang="en-GB" sz="2200" dirty="0">
                 <a:solidFill>
                   <a:schemeClr val="lt1"/>
                 </a:solidFill>
@@ -9325,8 +12364,53 @@
                 <a:cs typeface="Exo 2"/>
                 <a:sym typeface="Exo 2"/>
               </a:rPr>
-              <a:t>As smileys flow down the screen, mimic their emotions </a:t>
+              <a:t>S</a:t>
             </a:r>
+            <a:r>
+              <a:rPr lang="en-GB" sz="2200" b="0" i="0" u="none" strike="noStrike" cap="none" dirty="0" smtClean="0">
+                <a:solidFill>
+                  <a:schemeClr val="lt1"/>
+                </a:solidFill>
+                <a:latin typeface="Berlin Sans FB" panose="020E0602020502020306" pitchFamily="34" charset="0"/>
+                <a:ea typeface="Exo 2"/>
+                <a:cs typeface="Exo 2"/>
+                <a:sym typeface="Exo 2"/>
+              </a:rPr>
+              <a:t>mileys </a:t>
+            </a:r>
+            <a:r>
+              <a:rPr lang="en-GB" sz="2200" b="0" i="0" u="none" strike="noStrike" cap="none" dirty="0" smtClean="0">
+                <a:solidFill>
+                  <a:schemeClr val="lt1"/>
+                </a:solidFill>
+                <a:latin typeface="Berlin Sans FB" panose="020E0602020502020306" pitchFamily="34" charset="0"/>
+                <a:ea typeface="Exo 2"/>
+                <a:cs typeface="Exo 2"/>
+                <a:sym typeface="Exo 2"/>
+              </a:rPr>
+              <a:t>flow down the </a:t>
+            </a:r>
+            <a:r>
+              <a:rPr lang="en-GB" sz="2200" b="0" i="0" u="none" strike="noStrike" cap="none" dirty="0" smtClean="0">
+                <a:solidFill>
+                  <a:schemeClr val="lt1"/>
+                </a:solidFill>
+                <a:latin typeface="Berlin Sans FB" panose="020E0602020502020306" pitchFamily="34" charset="0"/>
+                <a:ea typeface="Exo 2"/>
+                <a:cs typeface="Exo 2"/>
+                <a:sym typeface="Exo 2"/>
+              </a:rPr>
+              <a:t>screen -mimic them </a:t>
+            </a:r>
+            <a:endParaRPr lang="en-GB" sz="2200" b="0" i="0" u="none" strike="noStrike" cap="none" dirty="0" smtClean="0">
+              <a:solidFill>
+                <a:schemeClr val="lt1"/>
+              </a:solidFill>
+              <a:latin typeface="Berlin Sans FB" panose="020E0602020502020306" pitchFamily="34" charset="0"/>
+              <a:ea typeface="Exo 2"/>
+              <a:cs typeface="Exo 2"/>
+              <a:sym typeface="Exo 2"/>
+            </a:endParaRPr>
           </a:p>
           <a:p>
             <a:pPr marR="0" lvl="0" algn="l" rtl="0">
@@ -9380,7 +12464,19 @@
                 <a:cs typeface="Exo 2"/>
                 <a:sym typeface="Exo 2"/>
               </a:rPr>
-              <a:t>Score as many points as you can to get the best spot on the </a:t>
+              <a:t>Score </a:t>
+            </a:r>
+            <a:r>
+              <a:rPr lang="en-GB" sz="2200" b="0" i="0" u="none" strike="noStrike" cap="none" dirty="0" smtClean="0">
+                <a:solidFill>
+                  <a:schemeClr val="lt1"/>
+                </a:solidFill>
+                <a:latin typeface="Berlin Sans FB" panose="020E0602020502020306" pitchFamily="34" charset="0"/>
+                <a:ea typeface="Exo 2"/>
+                <a:cs typeface="Exo 2"/>
+                <a:sym typeface="Exo 2"/>
+              </a:rPr>
+              <a:t>points on our </a:t>
             </a:r>
             <a:r>
               <a:rPr lang="en-GB" sz="2200" b="0" i="0" u="none" strike="noStrike" cap="none" dirty="0" err="1" smtClean="0">
@@ -9808,37 +12904,6 @@
                                           </p:stCondLst>
                                         </p:cTn>
                                         <p:tgtEl>
-                                          <p:spTgt spid="115">
-                                            <p:txEl>
-                                              <p:pRg st="0" end="0"/>
-                                            </p:txEl>
-                                          </p:spTgt>
-                                        </p:tgtEl>
-                                        <p:attrNameLst>
-                                          <p:attrName>style.visibility</p:attrName>
-                                        </p:attrNameLst>
-                                      </p:cBhvr>
-                                      <p:to>
-                                        <p:strVal val="visible"/>
-                                      </p:to>
-                                    </p:set>
-                                  </p:childTnLst>
-                                </p:cTn>
-                              </p:par>
-                              <p:par>
-                                <p:cTn id="7" presetID="1" presetClass="entr" presetSubtype="0" fill="hold" nodeType="withEffect">
-                                  <p:stCondLst>
-                                    <p:cond delay="0"/>
-                                  </p:stCondLst>
-                                  <p:childTnLst>
-                                    <p:set>
-                                      <p:cBhvr>
-                                        <p:cTn id="8" dur="1" fill="hold">
-                                          <p:stCondLst>
-                                            <p:cond delay="0"/>
-                                          </p:stCondLst>
-                                        </p:cTn>
-                                        <p:tgtEl>
                                           <p:spTgt spid="3"/>
                                         </p:tgtEl>
                                         <p:attrNameLst>
@@ -9859,19 +12924,50 @@
                     </p:cTn>
                   </p:par>
                   <p:par>
-                    <p:cTn id="9" fill="hold">
+                    <p:cTn id="7" fill="hold">
                       <p:stCondLst>
                         <p:cond delay="indefinite"/>
                       </p:stCondLst>
                       <p:childTnLst>
                         <p:par>
-                          <p:cTn id="10" fill="hold">
+                          <p:cTn id="8" fill="hold">
                             <p:stCondLst>
                               <p:cond delay="0"/>
                             </p:stCondLst>
                             <p:childTnLst>
                               <p:par>
-                                <p:cTn id="11" presetID="1" presetClass="entr" presetSubtype="0" fill="hold" nodeType="clickEffect">
+                                <p:cTn id="9" presetID="1" presetClass="entr" presetSubtype="0" fill="hold" nodeType="clickEffect">
+                                  <p:stCondLst>
+                                    <p:cond delay="0"/>
+                                  </p:stCondLst>
+                                  <p:childTnLst>
+                                    <p:set>
+                                      <p:cBhvr>
+                                        <p:cTn id="10" dur="1" fill="hold">
+                                          <p:stCondLst>
+                                            <p:cond delay="0"/>
+                                          </p:stCondLst>
+                                        </p:cTn>
+                                        <p:tgtEl>
+                                          <p:spTgt spid="115">
+                                            <p:txEl>
+                                              <p:pRg st="2" end="2"/>
+                                            </p:txEl>
+                                          </p:spTgt>
+                                        </p:tgtEl>
+                                        <p:attrNameLst>
+                                          <p:attrName>style.visibility</p:attrName>
+                                        </p:attrNameLst>
+                                      </p:cBhvr>
+                                      <p:to>
+                                        <p:strVal val="visible"/>
+                                      </p:to>
+                                    </p:set>
+                                  </p:childTnLst>
+                                </p:cTn>
+                              </p:par>
+                              <p:par>
+                                <p:cTn id="11" presetID="1" presetClass="entr" presetSubtype="0" fill="hold" nodeType="withEffect">
                                   <p:stCondLst>
                                     <p:cond delay="0"/>
                                   </p:stCondLst>
@@ -9884,11 +12980,7 @@
                                           </p:stCondLst>
                                         </p:cTn>
                                         <p:tgtEl>
-                                          <p:spTgt spid="115">
-                                            <p:txEl>
-                                              <p:pRg st="2" end="2"/>
-                                            </p:txEl>
-                                          </p:spTgt>
+                                          <p:spTgt spid="7"/>
                                         </p:tgtEl>
                                         <p:attrNameLst>
                                           <p:attrName>style.visibility</p:attrName>
@@ -9915,7 +13007,7 @@
                                           </p:stCondLst>
                                         </p:cTn>
                                         <p:tgtEl>
-                                          <p:spTgt spid="7"/>
+                                          <p:spTgt spid="9"/>
                                         </p:tgtEl>
                                         <p:attrNameLst>
                                           <p:attrName>style.visibility</p:attrName>
@@ -9942,7 +13034,7 @@
                                           </p:stCondLst>
                                         </p:cTn>
                                         <p:tgtEl>
-                                          <p:spTgt spid="9"/>
+                                          <p:spTgt spid="8"/>
                                         </p:tgtEl>
                                         <p:attrNameLst>
                                           <p:attrName>style.visibility</p:attrName>
@@ -9969,7 +13061,7 @@
                                           </p:stCondLst>
                                         </p:cTn>
                                         <p:tgtEl>
-                                          <p:spTgt spid="8"/>
+                                          <p:spTgt spid="11"/>
                                         </p:tgtEl>
                                         <p:attrNameLst>
                                           <p:attrName>style.visibility</p:attrName>
@@ -9996,7 +13088,7 @@
                                           </p:stCondLst>
                                         </p:cTn>
                                         <p:tgtEl>
-                                          <p:spTgt spid="11"/>
+                                          <p:spTgt spid="10"/>
                                         </p:tgtEl>
                                         <p:attrNameLst>
                                           <p:attrName>style.visibility</p:attrName>
@@ -10023,33 +13115,6 @@
                                           </p:stCondLst>
                                         </p:cTn>
                                         <p:tgtEl>
-                                          <p:spTgt spid="10"/>
-                                        </p:tgtEl>
-                                        <p:attrNameLst>
-                                          <p:attrName>style.visibility</p:attrName>
-                                        </p:attrNameLst>
-                                      </p:cBhvr>
-                                      <p:to>
-                                        <p:strVal val="visible"/>
-                                      </p:to>
-                                    </p:set>
-                                  </p:childTnLst>
-                                </p:cTn>
-                              </p:par>
-                              <p:par>
-                                <p:cTn id="23" presetID="1" presetClass="entr" presetSubtype="0" fill="hold" nodeType="withEffect">
-                                  <p:stCondLst>
-                                    <p:cond delay="0"/>
-                                  </p:stCondLst>
-                                  <p:childTnLst>
-                                    <p:set>
-                                      <p:cBhvr>
-                                        <p:cTn id="24" dur="1" fill="hold">
-                                          <p:stCondLst>
-                                            <p:cond delay="0"/>
-                                          </p:stCondLst>
-                                        </p:cTn>
-                                        <p:tgtEl>
                                           <p:spTgt spid="6"/>
                                         </p:tgtEl>
                                         <p:attrNameLst>
@@ -10070,26 +13135,26 @@
                     </p:cTn>
                   </p:par>
                   <p:par>
-                    <p:cTn id="25" fill="hold">
+                    <p:cTn id="23" fill="hold">
                       <p:stCondLst>
                         <p:cond delay="indefinite"/>
                       </p:stCondLst>
                       <p:childTnLst>
                         <p:par>
-                          <p:cTn id="26" fill="hold">
+                          <p:cTn id="24" fill="hold">
                             <p:stCondLst>
                               <p:cond delay="0"/>
                             </p:stCondLst>
                             <p:childTnLst>
                               <p:par>
-                                <p:cTn id="27" presetID="1" presetClass="entr" presetSubtype="0" fill="hold" nodeType="clickEffect">
+                                <p:cTn id="25" presetID="1" presetClass="entr" presetSubtype="0" fill="hold" nodeType="clickEffect">
                                   <p:stCondLst>
                                     <p:cond delay="0"/>
                                   </p:stCondLst>
                                   <p:childTnLst>
                                     <p:set>
                                       <p:cBhvr>
-                                        <p:cTn id="28" dur="1" fill="hold">
+                                        <p:cTn id="26" dur="1" fill="hold">
                                           <p:stCondLst>
                                             <p:cond delay="0"/>
                                           </p:stCondLst>
@@ -10143,7 +13208,7 @@
 </p:sld>
 </file>
 
-<file path=ppt/slides/slide5.xml><?xml version="1.0" encoding="utf-8"?>
+<file path=ppt/slides/slide8.xml><?xml version="1.0" encoding="utf-8"?>
 <p:sld xmlns:a="http://schemas.openxmlformats.org/drawingml/2006/main" xmlns:r="http://schemas.openxmlformats.org/officeDocument/2006/relationships" xmlns:p="http://schemas.openxmlformats.org/presentationml/2006/main">
   <p:cSld>
     <p:spTree>
@@ -10597,1391 +13662,7 @@
 </p:sld>
 </file>
 
-<file path=ppt/slides/slide6.xml><?xml version="1.0" encoding="utf-8"?>
-<p:sld xmlns:a="http://schemas.openxmlformats.org/drawingml/2006/main" xmlns:r="http://schemas.openxmlformats.org/officeDocument/2006/relationships" xmlns:p="http://schemas.openxmlformats.org/presentationml/2006/main">
-  <p:cSld>
-    <p:spTree>
-      <p:nvGrpSpPr>
-        <p:cNvPr id="1" name="Shape 113"/>
-        <p:cNvGrpSpPr/>
-        <p:nvPr/>
-      </p:nvGrpSpPr>
-      <p:grpSpPr>
-        <a:xfrm>
-          <a:off x="0" y="0"/>
-          <a:ext cx="0" cy="0"/>
-          <a:chOff x="0" y="0"/>
-          <a:chExt cx="0" cy="0"/>
-        </a:xfrm>
-      </p:grpSpPr>
-      <p:pic>
-        <p:nvPicPr>
-          <p:cNvPr id="114" name="Shape 114"/>
-          <p:cNvPicPr preferRelativeResize="0"/>
-          <p:nvPr/>
-        </p:nvPicPr>
-        <p:blipFill rotWithShape="1">
-          <a:blip r:embed="rId3">
-            <a:alphaModFix/>
-          </a:blip>
-          <a:srcRect l="10978" r="10993"/>
-          <a:stretch/>
-        </p:blipFill>
-        <p:spPr>
-          <a:xfrm>
-            <a:off x="0" y="0"/>
-            <a:ext cx="9144000" cy="5143499"/>
-          </a:xfrm>
-          <a:prstGeom prst="rect">
-            <a:avLst/>
-          </a:prstGeom>
-          <a:noFill/>
-          <a:ln>
-            <a:noFill/>
-          </a:ln>
-        </p:spPr>
-      </p:pic>
-      <p:sp>
-        <p:nvSpPr>
-          <p:cNvPr id="2" name="Title 1"/>
-          <p:cNvSpPr>
-            <a:spLocks noGrp="1"/>
-          </p:cNvSpPr>
-          <p:nvPr>
-            <p:ph type="title"/>
-          </p:nvPr>
-        </p:nvSpPr>
-        <p:spPr/>
-        <p:txBody>
-          <a:bodyPr/>
-          <a:lstStyle/>
-          <a:p>
-            <a:r>
-              <a:rPr lang="en-GB" dirty="0" smtClean="0">
-                <a:solidFill>
-                  <a:schemeClr val="bg1"/>
-                </a:solidFill>
-                <a:latin typeface="Berlin Sans FB Demi" panose="020E0802020502020306" pitchFamily="34" charset="0"/>
-              </a:rPr>
-              <a:t>HOW</a:t>
-            </a:r>
-            <a:r>
-              <a:rPr lang="en-GB" dirty="0" smtClean="0">
-                <a:solidFill>
-                  <a:schemeClr val="bg1"/>
-                </a:solidFill>
-                <a:latin typeface="Berlin Sans FB Demi" panose="020E0802020502020306" pitchFamily="34" charset="0"/>
-              </a:rPr>
-              <a:t>? - Steps</a:t>
-            </a:r>
-            <a:endParaRPr lang="en-GB" dirty="0">
-              <a:solidFill>
-                <a:schemeClr val="bg1"/>
-              </a:solidFill>
-              <a:latin typeface="Berlin Sans FB Demi" panose="020E0802020502020306" pitchFamily="34" charset="0"/>
-            </a:endParaRPr>
-          </a:p>
-        </p:txBody>
-      </p:sp>
-      <p:sp>
-        <p:nvSpPr>
-          <p:cNvPr id="115" name="Shape 115"/>
-          <p:cNvSpPr txBox="1">
-            <a:spLocks noGrp="1"/>
-          </p:cNvSpPr>
-          <p:nvPr>
-            <p:ph type="body" idx="1"/>
-          </p:nvPr>
-        </p:nvSpPr>
-        <p:spPr>
-          <a:xfrm>
-            <a:off x="311700" y="1152475"/>
-            <a:ext cx="7838387" cy="3416400"/>
-          </a:xfrm>
-          <a:prstGeom prst="rect">
-            <a:avLst/>
-          </a:prstGeom>
-          <a:noFill/>
-          <a:ln>
-            <a:noFill/>
-          </a:ln>
-        </p:spPr>
-        <p:txBody>
-          <a:bodyPr lIns="91425" tIns="91425" rIns="91425" bIns="91425" anchor="t" anchorCtr="0">
-            <a:noAutofit/>
-          </a:bodyPr>
-          <a:lstStyle/>
-          <a:p>
-            <a:pPr marR="0" lvl="0" algn="l" rtl="0">
-              <a:lnSpc>
-                <a:spcPct val="100000"/>
-              </a:lnSpc>
-              <a:spcBef>
-                <a:spcPts val="0"/>
-              </a:spcBef>
-              <a:spcAft>
-                <a:spcPts val="0"/>
-              </a:spcAft>
-              <a:buClr>
-                <a:schemeClr val="lt1"/>
-              </a:buClr>
-              <a:buSzPct val="25000"/>
-            </a:pPr>
-            <a:r>
-              <a:rPr lang="en-GB" sz="2200" b="0" i="0" u="none" strike="noStrike" cap="none" dirty="0" smtClean="0">
-                <a:solidFill>
-                  <a:schemeClr val="lt1"/>
-                </a:solidFill>
-                <a:latin typeface="Berlin Sans FB" panose="020E0602020502020306" pitchFamily="34" charset="0"/>
-                <a:ea typeface="Exo 2"/>
-                <a:cs typeface="Exo 2"/>
-                <a:sym typeface="Exo 2"/>
-              </a:rPr>
-              <a:t>1) Detection of the player’s face</a:t>
-            </a:r>
-          </a:p>
-          <a:p>
-            <a:pPr marR="0" lvl="0" algn="l" rtl="0">
-              <a:lnSpc>
-                <a:spcPct val="100000"/>
-              </a:lnSpc>
-              <a:spcBef>
-                <a:spcPts val="0"/>
-              </a:spcBef>
-              <a:spcAft>
-                <a:spcPts val="0"/>
-              </a:spcAft>
-              <a:buClr>
-                <a:schemeClr val="lt1"/>
-              </a:buClr>
-              <a:buSzPct val="25000"/>
-            </a:pPr>
-            <a:r>
-              <a:rPr lang="en-GB" sz="2200" b="0" i="0" u="none" strike="noStrike" cap="none" dirty="0" smtClean="0">
-                <a:solidFill>
-                  <a:schemeClr val="lt1"/>
-                </a:solidFill>
-                <a:latin typeface="Berlin Sans FB" panose="020E0602020502020306" pitchFamily="34" charset="0"/>
-                <a:ea typeface="Exo 2"/>
-                <a:cs typeface="Exo 2"/>
-                <a:sym typeface="Exo 2"/>
-              </a:rPr>
-              <a:t>	&gt; Core ML, Core Image, iOS </a:t>
-            </a:r>
-          </a:p>
-          <a:p>
-            <a:pPr marR="0" lvl="0" algn="l" rtl="0">
-              <a:lnSpc>
-                <a:spcPct val="100000"/>
-              </a:lnSpc>
-              <a:spcBef>
-                <a:spcPts val="0"/>
-              </a:spcBef>
-              <a:spcAft>
-                <a:spcPts val="0"/>
-              </a:spcAft>
-              <a:buClr>
-                <a:schemeClr val="lt1"/>
-              </a:buClr>
-              <a:buSzPct val="25000"/>
-            </a:pPr>
-            <a:endParaRPr lang="en-GB" sz="2200" b="0" i="0" u="none" strike="noStrike" cap="none" dirty="0" smtClean="0">
-              <a:solidFill>
-                <a:schemeClr val="lt1"/>
-              </a:solidFill>
-              <a:latin typeface="Berlin Sans FB" panose="020E0602020502020306" pitchFamily="34" charset="0"/>
-              <a:ea typeface="Exo 2"/>
-              <a:cs typeface="Exo 2"/>
-              <a:sym typeface="Exo 2"/>
-            </a:endParaRPr>
-          </a:p>
-          <a:p>
-            <a:pPr marR="0" lvl="0" algn="l" rtl="0">
-              <a:lnSpc>
-                <a:spcPct val="100000"/>
-              </a:lnSpc>
-              <a:spcBef>
-                <a:spcPts val="0"/>
-              </a:spcBef>
-              <a:spcAft>
-                <a:spcPts val="0"/>
-              </a:spcAft>
-              <a:buClr>
-                <a:schemeClr val="lt1"/>
-              </a:buClr>
-              <a:buSzPct val="25000"/>
-            </a:pPr>
-            <a:endParaRPr lang="en-GB" sz="2200" b="0" i="0" u="none" strike="noStrike" cap="none" dirty="0" smtClean="0">
-              <a:solidFill>
-                <a:schemeClr val="lt1"/>
-              </a:solidFill>
-              <a:latin typeface="Berlin Sans FB" panose="020E0602020502020306" pitchFamily="34" charset="0"/>
-              <a:ea typeface="Exo 2"/>
-              <a:cs typeface="Exo 2"/>
-              <a:sym typeface="Exo 2"/>
-            </a:endParaRPr>
-          </a:p>
-          <a:p>
-            <a:pPr marR="0" lvl="0" algn="l" rtl="0">
-              <a:lnSpc>
-                <a:spcPct val="100000"/>
-              </a:lnSpc>
-              <a:spcBef>
-                <a:spcPts val="0"/>
-              </a:spcBef>
-              <a:spcAft>
-                <a:spcPts val="0"/>
-              </a:spcAft>
-              <a:buClr>
-                <a:schemeClr val="lt1"/>
-              </a:buClr>
-              <a:buSzPct val="25000"/>
-            </a:pPr>
-            <a:r>
-              <a:rPr lang="en-GB" sz="2200" dirty="0" smtClean="0">
-                <a:solidFill>
-                  <a:schemeClr val="lt1"/>
-                </a:solidFill>
-                <a:latin typeface="Berlin Sans FB" panose="020E0602020502020306" pitchFamily="34" charset="0"/>
-                <a:ea typeface="Exo 2"/>
-                <a:cs typeface="Exo 2"/>
-                <a:sym typeface="Exo 2"/>
-              </a:rPr>
-              <a:t>2) Prediction of the player’s expressed emotion</a:t>
-            </a:r>
-          </a:p>
-          <a:p>
-            <a:pPr marR="0" lvl="0" algn="l" rtl="0">
-              <a:lnSpc>
-                <a:spcPct val="100000"/>
-              </a:lnSpc>
-              <a:spcBef>
-                <a:spcPts val="0"/>
-              </a:spcBef>
-              <a:spcAft>
-                <a:spcPts val="0"/>
-              </a:spcAft>
-              <a:buClr>
-                <a:schemeClr val="lt1"/>
-              </a:buClr>
-              <a:buSzPct val="25000"/>
-            </a:pPr>
-            <a:r>
-              <a:rPr lang="en-GB" sz="2200" dirty="0">
-                <a:solidFill>
-                  <a:schemeClr val="lt1"/>
-                </a:solidFill>
-                <a:latin typeface="Berlin Sans FB" panose="020E0602020502020306" pitchFamily="34" charset="0"/>
-                <a:ea typeface="Exo 2"/>
-                <a:cs typeface="Exo 2"/>
-                <a:sym typeface="Exo 2"/>
-              </a:rPr>
-              <a:t>	</a:t>
-            </a:r>
-            <a:r>
-              <a:rPr lang="en-GB" sz="2200" dirty="0" smtClean="0">
-                <a:solidFill>
-                  <a:schemeClr val="lt1"/>
-                </a:solidFill>
-                <a:latin typeface="Berlin Sans FB" panose="020E0602020502020306" pitchFamily="34" charset="0"/>
-                <a:ea typeface="Exo 2"/>
-                <a:cs typeface="Exo 2"/>
-                <a:sym typeface="Exo 2"/>
-              </a:rPr>
-              <a:t>&gt; </a:t>
-            </a:r>
-            <a:r>
-              <a:rPr lang="en-GB" sz="2200" dirty="0" err="1" smtClean="0">
-                <a:solidFill>
-                  <a:schemeClr val="lt1"/>
-                </a:solidFill>
-                <a:latin typeface="Berlin Sans FB" panose="020E0602020502020306" pitchFamily="34" charset="0"/>
-                <a:ea typeface="Exo 2"/>
-                <a:cs typeface="Exo 2"/>
-                <a:sym typeface="Exo 2"/>
-              </a:rPr>
-              <a:t>Tensorflow</a:t>
-            </a:r>
-            <a:r>
-              <a:rPr lang="en-GB" sz="2200" dirty="0" smtClean="0">
-                <a:solidFill>
-                  <a:schemeClr val="lt1"/>
-                </a:solidFill>
-                <a:latin typeface="Berlin Sans FB" panose="020E0602020502020306" pitchFamily="34" charset="0"/>
-                <a:ea typeface="Exo 2"/>
-                <a:cs typeface="Exo 2"/>
-                <a:sym typeface="Exo 2"/>
-              </a:rPr>
-              <a:t>, </a:t>
-            </a:r>
-            <a:r>
-              <a:rPr lang="en-GB" sz="2200" dirty="0" err="1" smtClean="0">
-                <a:solidFill>
-                  <a:schemeClr val="lt1"/>
-                </a:solidFill>
-                <a:latin typeface="Berlin Sans FB" panose="020E0602020502020306" pitchFamily="34" charset="0"/>
-                <a:ea typeface="Exo 2"/>
-                <a:cs typeface="Exo 2"/>
-                <a:sym typeface="Exo 2"/>
-              </a:rPr>
-              <a:t>Keras</a:t>
-            </a:r>
-            <a:endParaRPr lang="en-GB" sz="2200" b="0" i="0" u="none" strike="noStrike" cap="none" dirty="0" smtClean="0">
-              <a:solidFill>
-                <a:schemeClr val="lt1"/>
-              </a:solidFill>
-              <a:latin typeface="Berlin Sans FB" panose="020E0602020502020306" pitchFamily="34" charset="0"/>
-              <a:ea typeface="Exo 2"/>
-              <a:cs typeface="Exo 2"/>
-              <a:sym typeface="Exo 2"/>
-            </a:endParaRPr>
-          </a:p>
-          <a:p>
-            <a:pPr marR="0" lvl="0" algn="l" rtl="0">
-              <a:lnSpc>
-                <a:spcPct val="100000"/>
-              </a:lnSpc>
-              <a:spcBef>
-                <a:spcPts val="0"/>
-              </a:spcBef>
-              <a:spcAft>
-                <a:spcPts val="0"/>
-              </a:spcAft>
-              <a:buClr>
-                <a:schemeClr val="lt1"/>
-              </a:buClr>
-              <a:buSzPct val="25000"/>
-            </a:pPr>
-            <a:endParaRPr lang="en-GB" sz="2200" b="0" i="0" u="none" strike="noStrike" cap="none" dirty="0" smtClean="0">
-              <a:solidFill>
-                <a:schemeClr val="lt1"/>
-              </a:solidFill>
-              <a:latin typeface="Berlin Sans FB" panose="020E0602020502020306" pitchFamily="34" charset="0"/>
-              <a:ea typeface="Exo 2"/>
-              <a:cs typeface="Exo 2"/>
-              <a:sym typeface="Exo 2"/>
-            </a:endParaRPr>
-          </a:p>
-          <a:p>
-            <a:pPr marR="0" lvl="0" algn="l" rtl="0">
-              <a:lnSpc>
-                <a:spcPct val="100000"/>
-              </a:lnSpc>
-              <a:spcBef>
-                <a:spcPts val="0"/>
-              </a:spcBef>
-              <a:spcAft>
-                <a:spcPts val="0"/>
-              </a:spcAft>
-              <a:buClr>
-                <a:schemeClr val="lt1"/>
-              </a:buClr>
-              <a:buSzPct val="25000"/>
-            </a:pPr>
-            <a:endParaRPr lang="en-GB" sz="2200" b="0" i="0" u="none" strike="noStrike" cap="none" dirty="0">
-              <a:solidFill>
-                <a:schemeClr val="lt1"/>
-              </a:solidFill>
-              <a:latin typeface="Berlin Sans FB" panose="020E0602020502020306" pitchFamily="34" charset="0"/>
-              <a:ea typeface="Exo 2"/>
-              <a:cs typeface="Exo 2"/>
-              <a:sym typeface="Exo 2"/>
-            </a:endParaRPr>
-          </a:p>
-          <a:p>
-            <a:pPr marR="0" lvl="0" algn="l" rtl="0">
-              <a:lnSpc>
-                <a:spcPct val="100000"/>
-              </a:lnSpc>
-              <a:spcBef>
-                <a:spcPts val="0"/>
-              </a:spcBef>
-              <a:spcAft>
-                <a:spcPts val="0"/>
-              </a:spcAft>
-              <a:buClr>
-                <a:schemeClr val="lt1"/>
-              </a:buClr>
-              <a:buSzPct val="25000"/>
-            </a:pPr>
-            <a:r>
-              <a:rPr lang="en-GB" sz="2200" dirty="0" smtClean="0">
-                <a:solidFill>
-                  <a:schemeClr val="lt1"/>
-                </a:solidFill>
-                <a:latin typeface="Berlin Sans FB" panose="020E0602020502020306" pitchFamily="34" charset="0"/>
-                <a:ea typeface="Exo 2"/>
-                <a:cs typeface="Exo 2"/>
-                <a:sym typeface="Exo 2"/>
-              </a:rPr>
-              <a:t>3) Update the player’s score on the </a:t>
-            </a:r>
-            <a:r>
-              <a:rPr lang="en-GB" sz="2200" dirty="0" err="1" smtClean="0">
-                <a:solidFill>
-                  <a:schemeClr val="lt1"/>
-                </a:solidFill>
-                <a:latin typeface="Berlin Sans FB" panose="020E0602020502020306" pitchFamily="34" charset="0"/>
-                <a:ea typeface="Exo 2"/>
-                <a:cs typeface="Exo 2"/>
-                <a:sym typeface="Exo 2"/>
-              </a:rPr>
-              <a:t>Leaderboard</a:t>
-            </a:r>
-            <a:r>
-              <a:rPr lang="en-GB" sz="2200" dirty="0" smtClean="0">
-                <a:solidFill>
-                  <a:schemeClr val="lt1"/>
-                </a:solidFill>
-                <a:latin typeface="Berlin Sans FB" panose="020E0602020502020306" pitchFamily="34" charset="0"/>
-                <a:ea typeface="Exo 2"/>
-                <a:cs typeface="Exo 2"/>
-                <a:sym typeface="Exo 2"/>
-              </a:rPr>
-              <a:t> (Future work!) </a:t>
-            </a:r>
-          </a:p>
-          <a:p>
-            <a:pPr marR="0" lvl="0" algn="l" rtl="0">
-              <a:lnSpc>
-                <a:spcPct val="100000"/>
-              </a:lnSpc>
-              <a:spcBef>
-                <a:spcPts val="0"/>
-              </a:spcBef>
-              <a:spcAft>
-                <a:spcPts val="0"/>
-              </a:spcAft>
-              <a:buClr>
-                <a:schemeClr val="lt1"/>
-              </a:buClr>
-              <a:buSzPct val="25000"/>
-            </a:pPr>
-            <a:r>
-              <a:rPr lang="en-GB" sz="2200" dirty="0">
-                <a:solidFill>
-                  <a:schemeClr val="lt1"/>
-                </a:solidFill>
-                <a:latin typeface="Berlin Sans FB" panose="020E0602020502020306" pitchFamily="34" charset="0"/>
-                <a:ea typeface="Exo 2"/>
-                <a:cs typeface="Exo 2"/>
-                <a:sym typeface="Exo 2"/>
-              </a:rPr>
-              <a:t>	</a:t>
-            </a:r>
-            <a:r>
-              <a:rPr lang="en-GB" sz="2200" dirty="0" smtClean="0">
-                <a:solidFill>
-                  <a:schemeClr val="lt1"/>
-                </a:solidFill>
-                <a:latin typeface="Berlin Sans FB" panose="020E0602020502020306" pitchFamily="34" charset="0"/>
-                <a:ea typeface="Exo 2"/>
-                <a:cs typeface="Exo 2"/>
-                <a:sym typeface="Exo 2"/>
-              </a:rPr>
-              <a:t>&gt; Server, Rest API</a:t>
-            </a:r>
-          </a:p>
-          <a:p>
-            <a:pPr marR="0" lvl="0" algn="l" rtl="0">
-              <a:lnSpc>
-                <a:spcPct val="100000"/>
-              </a:lnSpc>
-              <a:spcBef>
-                <a:spcPts val="0"/>
-              </a:spcBef>
-              <a:spcAft>
-                <a:spcPts val="0"/>
-              </a:spcAft>
-              <a:buClr>
-                <a:schemeClr val="lt1"/>
-              </a:buClr>
-              <a:buSzPct val="25000"/>
-            </a:pPr>
-            <a:endParaRPr lang="en-GB" sz="2000" b="0" i="0" u="none" strike="noStrike" cap="none" dirty="0" smtClean="0">
-              <a:solidFill>
-                <a:schemeClr val="lt1"/>
-              </a:solidFill>
-              <a:latin typeface="Berlin Sans FB" panose="020E0602020502020306" pitchFamily="34" charset="0"/>
-              <a:ea typeface="Exo 2"/>
-              <a:cs typeface="Exo 2"/>
-              <a:sym typeface="Exo 2"/>
-            </a:endParaRPr>
-          </a:p>
-          <a:p>
-            <a:pPr marL="171450" marR="0" lvl="0" indent="-171450" algn="l" rtl="0">
-              <a:lnSpc>
-                <a:spcPct val="100000"/>
-              </a:lnSpc>
-              <a:spcBef>
-                <a:spcPts val="0"/>
-              </a:spcBef>
-              <a:spcAft>
-                <a:spcPts val="0"/>
-              </a:spcAft>
-              <a:buClr>
-                <a:schemeClr val="lt1"/>
-              </a:buClr>
-              <a:buSzPct val="25000"/>
-              <a:buFont typeface="Arial" panose="020B0604020202020204" pitchFamily="34" charset="0"/>
-              <a:buChar char="•"/>
-            </a:pPr>
-            <a:endParaRPr lang="en-GB" sz="1200" dirty="0">
-              <a:solidFill>
-                <a:schemeClr val="lt1"/>
-              </a:solidFill>
-              <a:latin typeface="Berlin Sans FB Demi" panose="020E0802020502020306" pitchFamily="34" charset="0"/>
-              <a:ea typeface="Exo 2"/>
-              <a:cs typeface="Exo 2"/>
-              <a:sym typeface="Exo 2"/>
-            </a:endParaRPr>
-          </a:p>
-        </p:txBody>
-      </p:sp>
-      <p:pic>
-        <p:nvPicPr>
-          <p:cNvPr id="3" name="Picture 2"/>
-          <p:cNvPicPr>
-            <a:picLocks noChangeAspect="1"/>
-          </p:cNvPicPr>
-          <p:nvPr/>
-        </p:nvPicPr>
-        <p:blipFill rotWithShape="1">
-          <a:blip r:embed="rId4">
-            <a:extLst>
-              <a:ext uri="{28A0092B-C50C-407E-A947-70E740481C1C}">
-                <a14:useLocalDpi xmlns:a14="http://schemas.microsoft.com/office/drawing/2010/main" val="0"/>
-              </a:ext>
-            </a:extLst>
-          </a:blip>
-          <a:srcRect l="27662" t="1" r="26648" b="71465"/>
-          <a:stretch/>
-        </p:blipFill>
-        <p:spPr>
-          <a:xfrm>
-            <a:off x="5974998" y="82245"/>
-            <a:ext cx="1684330" cy="1870957"/>
-          </a:xfrm>
-          <a:prstGeom prst="rect">
-            <a:avLst/>
-          </a:prstGeom>
-        </p:spPr>
-      </p:pic>
-      <p:pic>
-        <p:nvPicPr>
-          <p:cNvPr id="7" name="Picture 6" descr="C:\Users\jfk24\AppData\Local\Microsoft\Windows\INetCache\Content.Word\1f631.png"/>
-          <p:cNvPicPr/>
-          <p:nvPr/>
-        </p:nvPicPr>
-        <p:blipFill>
-          <a:blip r:embed="rId5">
-            <a:extLst>
-              <a:ext uri="{28A0092B-C50C-407E-A947-70E740481C1C}">
-                <a14:useLocalDpi xmlns:a14="http://schemas.microsoft.com/office/drawing/2010/main" val="0"/>
-              </a:ext>
-            </a:extLst>
-          </a:blip>
-          <a:srcRect/>
-          <a:stretch>
-            <a:fillRect/>
-          </a:stretch>
-        </p:blipFill>
-        <p:spPr bwMode="auto">
-          <a:xfrm>
-            <a:off x="8034234" y="2921265"/>
-            <a:ext cx="540000" cy="540000"/>
-          </a:xfrm>
-          <a:prstGeom prst="rect">
-            <a:avLst/>
-          </a:prstGeom>
-          <a:noFill/>
-          <a:ln>
-            <a:noFill/>
-          </a:ln>
-          <a:effectLst>
-            <a:outerShdw blurRad="50800" dist="38100" dir="8100000" algn="tr" rotWithShape="0">
-              <a:prstClr val="black">
-                <a:alpha val="50000"/>
-              </a:prstClr>
-            </a:outerShdw>
-          </a:effectLst>
-        </p:spPr>
-      </p:pic>
-      <p:pic>
-        <p:nvPicPr>
-          <p:cNvPr id="8" name="Picture 7" descr="C:\Users\jfk24\AppData\Local\Microsoft\Windows\INetCache\Content.Word\1f622.png"/>
-          <p:cNvPicPr/>
-          <p:nvPr/>
-        </p:nvPicPr>
-        <p:blipFill>
-          <a:blip r:embed="rId6">
-            <a:extLst>
-              <a:ext uri="{28A0092B-C50C-407E-A947-70E740481C1C}">
-                <a14:useLocalDpi xmlns:a14="http://schemas.microsoft.com/office/drawing/2010/main" val="0"/>
-              </a:ext>
-            </a:extLst>
-          </a:blip>
-          <a:srcRect/>
-          <a:stretch>
-            <a:fillRect/>
-          </a:stretch>
-        </p:blipFill>
-        <p:spPr bwMode="auto">
-          <a:xfrm>
-            <a:off x="7362457" y="2218060"/>
-            <a:ext cx="540000" cy="540000"/>
-          </a:xfrm>
-          <a:prstGeom prst="rect">
-            <a:avLst/>
-          </a:prstGeom>
-          <a:noFill/>
-          <a:ln>
-            <a:noFill/>
-          </a:ln>
-          <a:effectLst>
-            <a:outerShdw blurRad="50800" dist="38100" dir="8100000" algn="tr" rotWithShape="0">
-              <a:prstClr val="black">
-                <a:alpha val="50000"/>
-              </a:prstClr>
-            </a:outerShdw>
-          </a:effectLst>
-        </p:spPr>
-      </p:pic>
-      <p:pic>
-        <p:nvPicPr>
-          <p:cNvPr id="9" name="Picture 8" descr="C:\Users\jfk24\AppData\Local\Microsoft\Windows\INetCache\Content.Word\1f632.png"/>
-          <p:cNvPicPr>
-            <a:picLocks noChangeAspect="1"/>
-          </p:cNvPicPr>
-          <p:nvPr/>
-        </p:nvPicPr>
-        <p:blipFill>
-          <a:blip r:embed="rId7">
-            <a:extLst>
-              <a:ext uri="{28A0092B-C50C-407E-A947-70E740481C1C}">
-                <a14:useLocalDpi xmlns:a14="http://schemas.microsoft.com/office/drawing/2010/main" val="0"/>
-              </a:ext>
-            </a:extLst>
-          </a:blip>
-          <a:srcRect/>
-          <a:stretch>
-            <a:fillRect/>
-          </a:stretch>
-        </p:blipFill>
-        <p:spPr bwMode="auto">
-          <a:xfrm>
-            <a:off x="8034234" y="2218060"/>
-            <a:ext cx="540000" cy="540000"/>
-          </a:xfrm>
-          <a:prstGeom prst="rect">
-            <a:avLst/>
-          </a:prstGeom>
-          <a:noFill/>
-          <a:ln>
-            <a:noFill/>
-          </a:ln>
-          <a:effectLst>
-            <a:outerShdw blurRad="50800" dist="38100" dir="8100000" algn="tr" rotWithShape="0">
-              <a:prstClr val="black">
-                <a:alpha val="50000"/>
-              </a:prstClr>
-            </a:outerShdw>
-          </a:effectLst>
-        </p:spPr>
-      </p:pic>
-      <p:pic>
-        <p:nvPicPr>
-          <p:cNvPr id="10" name="Picture 9" descr="C:\Users\jfk24\AppData\Local\Microsoft\Windows\INetCache\Content.Word\1f600.png"/>
-          <p:cNvPicPr>
-            <a:picLocks noChangeAspect="1"/>
-          </p:cNvPicPr>
-          <p:nvPr/>
-        </p:nvPicPr>
-        <p:blipFill>
-          <a:blip r:embed="rId8">
-            <a:extLst>
-              <a:ext uri="{28A0092B-C50C-407E-A947-70E740481C1C}">
-                <a14:useLocalDpi xmlns:a14="http://schemas.microsoft.com/office/drawing/2010/main" val="0"/>
-              </a:ext>
-            </a:extLst>
-          </a:blip>
-          <a:srcRect/>
-          <a:stretch>
-            <a:fillRect/>
-          </a:stretch>
-        </p:blipFill>
-        <p:spPr bwMode="auto">
-          <a:xfrm>
-            <a:off x="6690680" y="2218060"/>
-            <a:ext cx="540000" cy="540000"/>
-          </a:xfrm>
-          <a:prstGeom prst="rect">
-            <a:avLst/>
-          </a:prstGeom>
-          <a:noFill/>
-          <a:ln>
-            <a:noFill/>
-          </a:ln>
-          <a:effectLst>
-            <a:outerShdw blurRad="50800" dist="38100" dir="8100000" algn="tr" rotWithShape="0">
-              <a:prstClr val="black">
-                <a:alpha val="50000"/>
-              </a:prstClr>
-            </a:outerShdw>
-          </a:effectLst>
-        </p:spPr>
-      </p:pic>
-      <p:pic>
-        <p:nvPicPr>
-          <p:cNvPr id="11" name="Picture 10" descr="C:\Users\jfk24\AppData\Local\Microsoft\Windows\INetCache\Content.Word\1f620.png"/>
-          <p:cNvPicPr>
-            <a:picLocks noChangeAspect="1"/>
-          </p:cNvPicPr>
-          <p:nvPr/>
-        </p:nvPicPr>
-        <p:blipFill>
-          <a:blip r:embed="rId9">
-            <a:extLst>
-              <a:ext uri="{28A0092B-C50C-407E-A947-70E740481C1C}">
-                <a14:useLocalDpi xmlns:a14="http://schemas.microsoft.com/office/drawing/2010/main" val="0"/>
-              </a:ext>
-            </a:extLst>
-          </a:blip>
-          <a:srcRect/>
-          <a:stretch>
-            <a:fillRect/>
-          </a:stretch>
-        </p:blipFill>
-        <p:spPr bwMode="auto">
-          <a:xfrm>
-            <a:off x="7362457" y="2921265"/>
-            <a:ext cx="540000" cy="540000"/>
-          </a:xfrm>
-          <a:prstGeom prst="rect">
-            <a:avLst/>
-          </a:prstGeom>
-          <a:noFill/>
-          <a:ln>
-            <a:noFill/>
-          </a:ln>
-          <a:effectLst>
-            <a:outerShdw blurRad="50800" dist="38100" dir="8100000" algn="tr" rotWithShape="0">
-              <a:prstClr val="black">
-                <a:alpha val="50000"/>
-              </a:prstClr>
-            </a:outerShdw>
-          </a:effectLst>
-        </p:spPr>
-      </p:pic>
-      <p:pic>
-        <p:nvPicPr>
-          <p:cNvPr id="12" name="Picture 11" descr="C:\Users\jfk24\AppData\Local\Microsoft\Windows\INetCache\Content.Word\1f626.png"/>
-          <p:cNvPicPr>
-            <a:picLocks noChangeAspect="1"/>
-          </p:cNvPicPr>
-          <p:nvPr/>
-        </p:nvPicPr>
-        <p:blipFill>
-          <a:blip r:embed="rId10">
-            <a:extLst>
-              <a:ext uri="{28A0092B-C50C-407E-A947-70E740481C1C}">
-                <a14:useLocalDpi xmlns:a14="http://schemas.microsoft.com/office/drawing/2010/main" val="0"/>
-              </a:ext>
-            </a:extLst>
-          </a:blip>
-          <a:srcRect/>
-          <a:stretch>
-            <a:fillRect/>
-          </a:stretch>
-        </p:blipFill>
-        <p:spPr bwMode="auto">
-          <a:xfrm>
-            <a:off x="6690680" y="2921265"/>
-            <a:ext cx="540000" cy="540000"/>
-          </a:xfrm>
-          <a:prstGeom prst="rect">
-            <a:avLst/>
-          </a:prstGeom>
-          <a:noFill/>
-          <a:ln>
-            <a:noFill/>
-          </a:ln>
-          <a:effectLst>
-            <a:outerShdw blurRad="50800" dist="38100" dir="8100000" algn="tr" rotWithShape="0">
-              <a:prstClr val="black">
-                <a:alpha val="50000"/>
-              </a:prstClr>
-            </a:outerShdw>
-          </a:effectLst>
-        </p:spPr>
-      </p:pic>
-      <p:sp>
-        <p:nvSpPr>
-          <p:cNvPr id="4" name="Oval 3"/>
-          <p:cNvSpPr/>
-          <p:nvPr/>
-        </p:nvSpPr>
-        <p:spPr>
-          <a:xfrm>
-            <a:off x="6636680" y="2164060"/>
-            <a:ext cx="648000" cy="648000"/>
-          </a:xfrm>
-          <a:prstGeom prst="ellipse">
-            <a:avLst/>
-          </a:prstGeom>
-          <a:noFill/>
-          <a:ln>
-            <a:solidFill>
-              <a:srgbClr val="C00000"/>
-            </a:solidFill>
-          </a:ln>
-        </p:spPr>
-        <p:style>
-          <a:lnRef idx="2">
-            <a:schemeClr val="accent1">
-              <a:shade val="50000"/>
-            </a:schemeClr>
-          </a:lnRef>
-          <a:fillRef idx="1">
-            <a:schemeClr val="accent1"/>
-          </a:fillRef>
-          <a:effectRef idx="0">
-            <a:schemeClr val="accent1"/>
-          </a:effectRef>
-          <a:fontRef idx="minor">
-            <a:schemeClr val="lt1"/>
-          </a:fontRef>
-        </p:style>
-        <p:txBody>
-          <a:bodyPr rtlCol="0" anchor="ctr"/>
-          <a:lstStyle/>
-          <a:p>
-            <a:pPr algn="ctr"/>
-            <a:endParaRPr lang="en-GB"/>
-          </a:p>
-        </p:txBody>
-      </p:sp>
-    </p:spTree>
-    <p:extLst>
-      <p:ext uri="{BB962C8B-B14F-4D97-AF65-F5344CB8AC3E}">
-        <p14:creationId xmlns:p14="http://schemas.microsoft.com/office/powerpoint/2010/main" val="2211444000"/>
-      </p:ext>
-    </p:extLst>
-  </p:cSld>
-  <p:clrMapOvr>
-    <a:masterClrMapping/>
-  </p:clrMapOvr>
-  <p:timing>
-    <p:tnLst>
-      <p:par>
-        <p:cTn id="1" dur="indefinite" restart="never" nodeType="tmRoot">
-          <p:childTnLst>
-            <p:seq concurrent="1" nextAc="seek">
-              <p:cTn id="2" dur="indefinite" nodeType="mainSeq">
-                <p:childTnLst>
-                  <p:par>
-                    <p:cTn id="3" fill="hold">
-                      <p:stCondLst>
-                        <p:cond delay="indefinite"/>
-                      </p:stCondLst>
-                      <p:childTnLst>
-                        <p:par>
-                          <p:cTn id="4" fill="hold">
-                            <p:stCondLst>
-                              <p:cond delay="0"/>
-                            </p:stCondLst>
-                            <p:childTnLst>
-                              <p:par>
-                                <p:cTn id="5" presetID="1" presetClass="entr" presetSubtype="0" fill="hold" nodeType="clickEffect">
-                                  <p:stCondLst>
-                                    <p:cond delay="0"/>
-                                  </p:stCondLst>
-                                  <p:childTnLst>
-                                    <p:set>
-                                      <p:cBhvr>
-                                        <p:cTn id="6" dur="1" fill="hold">
-                                          <p:stCondLst>
-                                            <p:cond delay="0"/>
-                                          </p:stCondLst>
-                                        </p:cTn>
-                                        <p:tgtEl>
-                                          <p:spTgt spid="115">
-                                            <p:txEl>
-                                              <p:pRg st="0" end="0"/>
-                                            </p:txEl>
-                                          </p:spTgt>
-                                        </p:tgtEl>
-                                        <p:attrNameLst>
-                                          <p:attrName>style.visibility</p:attrName>
-                                        </p:attrNameLst>
-                                      </p:cBhvr>
-                                      <p:to>
-                                        <p:strVal val="visible"/>
-                                      </p:to>
-                                    </p:set>
-                                  </p:childTnLst>
-                                </p:cTn>
-                              </p:par>
-                              <p:par>
-                                <p:cTn id="7" presetID="1" presetClass="entr" presetSubtype="0" fill="hold" nodeType="withEffect">
-                                  <p:stCondLst>
-                                    <p:cond delay="0"/>
-                                  </p:stCondLst>
-                                  <p:childTnLst>
-                                    <p:set>
-                                      <p:cBhvr>
-                                        <p:cTn id="8" dur="1" fill="hold">
-                                          <p:stCondLst>
-                                            <p:cond delay="0"/>
-                                          </p:stCondLst>
-                                        </p:cTn>
-                                        <p:tgtEl>
-                                          <p:spTgt spid="115">
-                                            <p:txEl>
-                                              <p:pRg st="1" end="1"/>
-                                            </p:txEl>
-                                          </p:spTgt>
-                                        </p:tgtEl>
-                                        <p:attrNameLst>
-                                          <p:attrName>style.visibility</p:attrName>
-                                        </p:attrNameLst>
-                                      </p:cBhvr>
-                                      <p:to>
-                                        <p:strVal val="visible"/>
-                                      </p:to>
-                                    </p:set>
-                                  </p:childTnLst>
-                                </p:cTn>
-                              </p:par>
-                              <p:par>
-                                <p:cTn id="9" presetID="1" presetClass="entr" presetSubtype="0" fill="hold" nodeType="withEffect">
-                                  <p:stCondLst>
-                                    <p:cond delay="0"/>
-                                  </p:stCondLst>
-                                  <p:childTnLst>
-                                    <p:set>
-                                      <p:cBhvr>
-                                        <p:cTn id="10" dur="1" fill="hold">
-                                          <p:stCondLst>
-                                            <p:cond delay="0"/>
-                                          </p:stCondLst>
-                                        </p:cTn>
-                                        <p:tgtEl>
-                                          <p:spTgt spid="3"/>
-                                        </p:tgtEl>
-                                        <p:attrNameLst>
-                                          <p:attrName>style.visibility</p:attrName>
-                                        </p:attrNameLst>
-                                      </p:cBhvr>
-                                      <p:to>
-                                        <p:strVal val="visible"/>
-                                      </p:to>
-                                    </p:set>
-                                  </p:childTnLst>
-                                </p:cTn>
-                              </p:par>
-                            </p:childTnLst>
-                          </p:cTn>
-                        </p:par>
-                      </p:childTnLst>
-                    </p:cTn>
-                  </p:par>
-                  <p:par>
-                    <p:cTn id="11" fill="hold">
-                      <p:stCondLst>
-                        <p:cond delay="indefinite"/>
-                      </p:stCondLst>
-                      <p:childTnLst>
-                        <p:par>
-                          <p:cTn id="12" fill="hold">
-                            <p:stCondLst>
-                              <p:cond delay="0"/>
-                            </p:stCondLst>
-                            <p:childTnLst>
-                              <p:par>
-                                <p:cTn id="13" presetID="1" presetClass="entr" presetSubtype="0" fill="hold" nodeType="clickEffect">
-                                  <p:stCondLst>
-                                    <p:cond delay="0"/>
-                                  </p:stCondLst>
-                                  <p:childTnLst>
-                                    <p:set>
-                                      <p:cBhvr>
-                                        <p:cTn id="14" dur="1" fill="hold">
-                                          <p:stCondLst>
-                                            <p:cond delay="0"/>
-                                          </p:stCondLst>
-                                        </p:cTn>
-                                        <p:tgtEl>
-                                          <p:spTgt spid="115">
-                                            <p:txEl>
-                                              <p:pRg st="4" end="4"/>
-                                            </p:txEl>
-                                          </p:spTgt>
-                                        </p:tgtEl>
-                                        <p:attrNameLst>
-                                          <p:attrName>style.visibility</p:attrName>
-                                        </p:attrNameLst>
-                                      </p:cBhvr>
-                                      <p:to>
-                                        <p:strVal val="visible"/>
-                                      </p:to>
-                                    </p:set>
-                                  </p:childTnLst>
-                                </p:cTn>
-                              </p:par>
-                              <p:par>
-                                <p:cTn id="15" presetID="1" presetClass="entr" presetSubtype="0" fill="hold" nodeType="withEffect">
-                                  <p:stCondLst>
-                                    <p:cond delay="0"/>
-                                  </p:stCondLst>
-                                  <p:childTnLst>
-                                    <p:set>
-                                      <p:cBhvr>
-                                        <p:cTn id="16" dur="1" fill="hold">
-                                          <p:stCondLst>
-                                            <p:cond delay="0"/>
-                                          </p:stCondLst>
-                                        </p:cTn>
-                                        <p:tgtEl>
-                                          <p:spTgt spid="115">
-                                            <p:txEl>
-                                              <p:pRg st="5" end="5"/>
-                                            </p:txEl>
-                                          </p:spTgt>
-                                        </p:tgtEl>
-                                        <p:attrNameLst>
-                                          <p:attrName>style.visibility</p:attrName>
-                                        </p:attrNameLst>
-                                      </p:cBhvr>
-                                      <p:to>
-                                        <p:strVal val="visible"/>
-                                      </p:to>
-                                    </p:set>
-                                  </p:childTnLst>
-                                </p:cTn>
-                              </p:par>
-                              <p:par>
-                                <p:cTn id="17" presetID="1" presetClass="entr" presetSubtype="0" fill="hold" nodeType="withEffect">
-                                  <p:stCondLst>
-                                    <p:cond delay="0"/>
-                                  </p:stCondLst>
-                                  <p:childTnLst>
-                                    <p:set>
-                                      <p:cBhvr>
-                                        <p:cTn id="18" dur="1" fill="hold">
-                                          <p:stCondLst>
-                                            <p:cond delay="0"/>
-                                          </p:stCondLst>
-                                        </p:cTn>
-                                        <p:tgtEl>
-                                          <p:spTgt spid="10"/>
-                                        </p:tgtEl>
-                                        <p:attrNameLst>
-                                          <p:attrName>style.visibility</p:attrName>
-                                        </p:attrNameLst>
-                                      </p:cBhvr>
-                                      <p:to>
-                                        <p:strVal val="visible"/>
-                                      </p:to>
-                                    </p:set>
-                                  </p:childTnLst>
-                                </p:cTn>
-                              </p:par>
-                              <p:par>
-                                <p:cTn id="19" presetID="1" presetClass="entr" presetSubtype="0" fill="hold" nodeType="withEffect">
-                                  <p:stCondLst>
-                                    <p:cond delay="0"/>
-                                  </p:stCondLst>
-                                  <p:childTnLst>
-                                    <p:set>
-                                      <p:cBhvr>
-                                        <p:cTn id="20" dur="1" fill="hold">
-                                          <p:stCondLst>
-                                            <p:cond delay="0"/>
-                                          </p:stCondLst>
-                                        </p:cTn>
-                                        <p:tgtEl>
-                                          <p:spTgt spid="8"/>
-                                        </p:tgtEl>
-                                        <p:attrNameLst>
-                                          <p:attrName>style.visibility</p:attrName>
-                                        </p:attrNameLst>
-                                      </p:cBhvr>
-                                      <p:to>
-                                        <p:strVal val="visible"/>
-                                      </p:to>
-                                    </p:set>
-                                  </p:childTnLst>
-                                </p:cTn>
-                              </p:par>
-                              <p:par>
-                                <p:cTn id="21" presetID="1" presetClass="entr" presetSubtype="0" fill="hold" nodeType="withEffect">
-                                  <p:stCondLst>
-                                    <p:cond delay="0"/>
-                                  </p:stCondLst>
-                                  <p:childTnLst>
-                                    <p:set>
-                                      <p:cBhvr>
-                                        <p:cTn id="22" dur="1" fill="hold">
-                                          <p:stCondLst>
-                                            <p:cond delay="0"/>
-                                          </p:stCondLst>
-                                        </p:cTn>
-                                        <p:tgtEl>
-                                          <p:spTgt spid="9"/>
-                                        </p:tgtEl>
-                                        <p:attrNameLst>
-                                          <p:attrName>style.visibility</p:attrName>
-                                        </p:attrNameLst>
-                                      </p:cBhvr>
-                                      <p:to>
-                                        <p:strVal val="visible"/>
-                                      </p:to>
-                                    </p:set>
-                                  </p:childTnLst>
-                                </p:cTn>
-                              </p:par>
-                              <p:par>
-                                <p:cTn id="23" presetID="1" presetClass="entr" presetSubtype="0" fill="hold" nodeType="withEffect">
-                                  <p:stCondLst>
-                                    <p:cond delay="0"/>
-                                  </p:stCondLst>
-                                  <p:childTnLst>
-                                    <p:set>
-                                      <p:cBhvr>
-                                        <p:cTn id="24" dur="1" fill="hold">
-                                          <p:stCondLst>
-                                            <p:cond delay="0"/>
-                                          </p:stCondLst>
-                                        </p:cTn>
-                                        <p:tgtEl>
-                                          <p:spTgt spid="7"/>
-                                        </p:tgtEl>
-                                        <p:attrNameLst>
-                                          <p:attrName>style.visibility</p:attrName>
-                                        </p:attrNameLst>
-                                      </p:cBhvr>
-                                      <p:to>
-                                        <p:strVal val="visible"/>
-                                      </p:to>
-                                    </p:set>
-                                  </p:childTnLst>
-                                </p:cTn>
-                              </p:par>
-                              <p:par>
-                                <p:cTn id="25" presetID="1" presetClass="entr" presetSubtype="0" fill="hold" nodeType="withEffect">
-                                  <p:stCondLst>
-                                    <p:cond delay="0"/>
-                                  </p:stCondLst>
-                                  <p:childTnLst>
-                                    <p:set>
-                                      <p:cBhvr>
-                                        <p:cTn id="26" dur="1" fill="hold">
-                                          <p:stCondLst>
-                                            <p:cond delay="0"/>
-                                          </p:stCondLst>
-                                        </p:cTn>
-                                        <p:tgtEl>
-                                          <p:spTgt spid="11"/>
-                                        </p:tgtEl>
-                                        <p:attrNameLst>
-                                          <p:attrName>style.visibility</p:attrName>
-                                        </p:attrNameLst>
-                                      </p:cBhvr>
-                                      <p:to>
-                                        <p:strVal val="visible"/>
-                                      </p:to>
-                                    </p:set>
-                                  </p:childTnLst>
-                                </p:cTn>
-                              </p:par>
-                              <p:par>
-                                <p:cTn id="27" presetID="1" presetClass="entr" presetSubtype="0" fill="hold" nodeType="withEffect">
-                                  <p:stCondLst>
-                                    <p:cond delay="0"/>
-                                  </p:stCondLst>
-                                  <p:childTnLst>
-                                    <p:set>
-                                      <p:cBhvr>
-                                        <p:cTn id="28" dur="1" fill="hold">
-                                          <p:stCondLst>
-                                            <p:cond delay="0"/>
-                                          </p:stCondLst>
-                                        </p:cTn>
-                                        <p:tgtEl>
-                                          <p:spTgt spid="12"/>
-                                        </p:tgtEl>
-                                        <p:attrNameLst>
-                                          <p:attrName>style.visibility</p:attrName>
-                                        </p:attrNameLst>
-                                      </p:cBhvr>
-                                      <p:to>
-                                        <p:strVal val="visible"/>
-                                      </p:to>
-                                    </p:set>
-                                  </p:childTnLst>
-                                </p:cTn>
-                              </p:par>
-                            </p:childTnLst>
-                          </p:cTn>
-                        </p:par>
-                      </p:childTnLst>
-                    </p:cTn>
-                  </p:par>
-                  <p:par>
-                    <p:cTn id="29" fill="hold">
-                      <p:stCondLst>
-                        <p:cond delay="indefinite"/>
-                      </p:stCondLst>
-                      <p:childTnLst>
-                        <p:par>
-                          <p:cTn id="30" fill="hold">
-                            <p:stCondLst>
-                              <p:cond delay="0"/>
-                            </p:stCondLst>
-                            <p:childTnLst>
-                              <p:par>
-                                <p:cTn id="31" presetID="1" presetClass="entr" presetSubtype="0" fill="hold" grpId="0" nodeType="clickEffect">
-                                  <p:stCondLst>
-                                    <p:cond delay="0"/>
-                                  </p:stCondLst>
-                                  <p:childTnLst>
-                                    <p:set>
-                                      <p:cBhvr>
-                                        <p:cTn id="32" dur="1" fill="hold">
-                                          <p:stCondLst>
-                                            <p:cond delay="0"/>
-                                          </p:stCondLst>
-                                        </p:cTn>
-                                        <p:tgtEl>
-                                          <p:spTgt spid="4"/>
-                                        </p:tgtEl>
-                                        <p:attrNameLst>
-                                          <p:attrName>style.visibility</p:attrName>
-                                        </p:attrNameLst>
-                                      </p:cBhvr>
-                                      <p:to>
-                                        <p:strVal val="visible"/>
-                                      </p:to>
-                                    </p:set>
-                                  </p:childTnLst>
-                                </p:cTn>
-                              </p:par>
-                            </p:childTnLst>
-                          </p:cTn>
-                        </p:par>
-                      </p:childTnLst>
-                    </p:cTn>
-                  </p:par>
-                  <p:par>
-                    <p:cTn id="33" fill="hold">
-                      <p:stCondLst>
-                        <p:cond delay="indefinite"/>
-                      </p:stCondLst>
-                      <p:childTnLst>
-                        <p:par>
-                          <p:cTn id="34" fill="hold">
-                            <p:stCondLst>
-                              <p:cond delay="0"/>
-                            </p:stCondLst>
-                            <p:childTnLst>
-                              <p:par>
-                                <p:cTn id="35" presetID="1" presetClass="entr" presetSubtype="0" fill="hold" nodeType="clickEffect">
-                                  <p:stCondLst>
-                                    <p:cond delay="0"/>
-                                  </p:stCondLst>
-                                  <p:childTnLst>
-                                    <p:set>
-                                      <p:cBhvr>
-                                        <p:cTn id="36" dur="1" fill="hold">
-                                          <p:stCondLst>
-                                            <p:cond delay="0"/>
-                                          </p:stCondLst>
-                                        </p:cTn>
-                                        <p:tgtEl>
-                                          <p:spTgt spid="115">
-                                            <p:txEl>
-                                              <p:pRg st="8" end="8"/>
-                                            </p:txEl>
-                                          </p:spTgt>
-                                        </p:tgtEl>
-                                        <p:attrNameLst>
-                                          <p:attrName>style.visibility</p:attrName>
-                                        </p:attrNameLst>
-                                      </p:cBhvr>
-                                      <p:to>
-                                        <p:strVal val="visible"/>
-                                      </p:to>
-                                    </p:set>
-                                  </p:childTnLst>
-                                </p:cTn>
-                              </p:par>
-                              <p:par>
-                                <p:cTn id="37" presetID="1" presetClass="entr" presetSubtype="0" fill="hold" nodeType="withEffect">
-                                  <p:stCondLst>
-                                    <p:cond delay="0"/>
-                                  </p:stCondLst>
-                                  <p:childTnLst>
-                                    <p:set>
-                                      <p:cBhvr>
-                                        <p:cTn id="38" dur="1" fill="hold">
-                                          <p:stCondLst>
-                                            <p:cond delay="0"/>
-                                          </p:stCondLst>
-                                        </p:cTn>
-                                        <p:tgtEl>
-                                          <p:spTgt spid="115">
-                                            <p:txEl>
-                                              <p:pRg st="9" end="9"/>
-                                            </p:txEl>
-                                          </p:spTgt>
-                                        </p:tgtEl>
-                                        <p:attrNameLst>
-                                          <p:attrName>style.visibility</p:attrName>
-                                        </p:attrNameLst>
-                                      </p:cBhvr>
-                                      <p:to>
-                                        <p:strVal val="visible"/>
-                                      </p:to>
-                                    </p:set>
-                                  </p:childTnLst>
-                                </p:cTn>
-                              </p:par>
-                            </p:childTnLst>
-                          </p:cTn>
-                        </p:par>
-                      </p:childTnLst>
-                    </p:cTn>
-                  </p:par>
-                </p:childTnLst>
-              </p:cTn>
-              <p:prevCondLst>
-                <p:cond evt="onPrev" delay="0">
-                  <p:tgtEl>
-                    <p:sldTgt/>
-                  </p:tgtEl>
-                </p:cond>
-              </p:prevCondLst>
-              <p:nextCondLst>
-                <p:cond evt="onNext" delay="0">
-                  <p:tgtEl>
-                    <p:sldTgt/>
-                  </p:tgtEl>
-                </p:cond>
-              </p:nextCondLst>
-            </p:seq>
-          </p:childTnLst>
-        </p:cTn>
-      </p:par>
-    </p:tnLst>
-    <p:bldLst>
-      <p:bldP spid="4" grpId="0" animBg="1"/>
-    </p:bldLst>
-  </p:timing>
-</p:sld>
-</file>
-
-<file path=ppt/slides/slide7.xml><?xml version="1.0" encoding="utf-8"?>
+<file path=ppt/slides/slide9.xml><?xml version="1.0" encoding="utf-8"?>
 <p:sld xmlns:a="http://schemas.openxmlformats.org/drawingml/2006/main" xmlns:r="http://schemas.openxmlformats.org/officeDocument/2006/relationships" xmlns:p="http://schemas.openxmlformats.org/presentationml/2006/main">
   <p:cSld>
     <p:spTree>
@@ -12047,7 +13728,16 @@
                 </a:solidFill>
                 <a:latin typeface="Berlin Sans FB Demi" panose="020E0802020502020306" pitchFamily="34" charset="0"/>
               </a:rPr>
-              <a:t>HOW</a:t>
+              <a:t>HOW? </a:t>
+            </a:r>
+            <a:r>
+              <a:rPr lang="mr-IN" dirty="0" smtClean="0">
+                <a:solidFill>
+                  <a:schemeClr val="bg1"/>
+                </a:solidFill>
+                <a:latin typeface="Berlin Sans FB Demi" panose="020E0802020502020306" pitchFamily="34" charset="0"/>
+              </a:rPr>
+              <a:t>–</a:t>
             </a:r>
             <a:r>
               <a:rPr lang="en-GB" dirty="0" smtClean="0">
@@ -12056,7 +13746,7 @@
                 </a:solidFill>
                 <a:latin typeface="Berlin Sans FB Demi" panose="020E0802020502020306" pitchFamily="34" charset="0"/>
               </a:rPr>
-              <a:t>? - Training</a:t>
+              <a:t> Step 1. Training on GPU</a:t>
             </a:r>
             <a:endParaRPr lang="en-GB" dirty="0">
               <a:solidFill>
@@ -12159,50 +13849,7 @@
         </p:nvSpPr>
         <p:spPr>
           <a:xfrm>
-            <a:off x="1969306" y="1599858"/>
-            <a:ext cx="851483" cy="889233"/>
-          </a:xfrm>
-          <a:prstGeom prst="flowChartMagneticDisk">
-            <a:avLst/>
-          </a:prstGeom>
-          <a:solidFill>
-            <a:srgbClr val="777777">
-              <a:alpha val="69804"/>
-            </a:srgbClr>
-          </a:solidFill>
-        </p:spPr>
-        <p:style>
-          <a:lnRef idx="2">
-            <a:schemeClr val="dk1"/>
-          </a:lnRef>
-          <a:fillRef idx="1">
-            <a:schemeClr val="lt1"/>
-          </a:fillRef>
-          <a:effectRef idx="0">
-            <a:schemeClr val="dk1"/>
-          </a:effectRef>
-          <a:fontRef idx="minor">
-            <a:schemeClr val="dk1"/>
-          </a:fontRef>
-        </p:style>
-        <p:txBody>
-          <a:bodyPr rtlCol="0" anchor="ctr"/>
-          <a:lstStyle/>
-          <a:p>
-            <a:pPr algn="ctr"/>
-            <a:endParaRPr lang="en-GB"/>
-          </a:p>
-        </p:txBody>
-      </p:sp>
-      <p:sp>
-        <p:nvSpPr>
-          <p:cNvPr id="14" name="Flowchart: Magnetic Disk 13"/>
-          <p:cNvSpPr/>
-          <p:nvPr/>
-        </p:nvSpPr>
-        <p:spPr>
-          <a:xfrm>
-            <a:off x="1503000" y="3952242"/>
+            <a:off x="934036" y="2316507"/>
             <a:ext cx="851483" cy="889233"/>
           </a:xfrm>
           <a:prstGeom prst="flowChartMagneticDisk">
@@ -12245,8 +13892,8 @@
         </p:nvSpPr>
         <p:spPr>
           <a:xfrm>
-            <a:off x="3616265" y="2335563"/>
-            <a:ext cx="2449584" cy="1107996"/>
+            <a:off x="3382347" y="2037849"/>
+            <a:ext cx="2645510" cy="1446550"/>
           </a:xfrm>
           <a:prstGeom prst="rect">
             <a:avLst/>
@@ -12264,6 +13911,7 @@
           </a:bodyPr>
           <a:lstStyle/>
           <a:p>
+            <a:pPr algn="ctr"/>
             <a:r>
               <a:rPr lang="en-GB" sz="2200" dirty="0" smtClean="0">
                 <a:solidFill>
@@ -12271,7 +13919,46 @@
                 </a:solidFill>
                 <a:latin typeface="Berlin Sans FB" panose="020E0602020502020306" pitchFamily="34" charset="0"/>
               </a:rPr>
-              <a:t>DEEP LEARNING CONVOLUTIONAL NETWORK</a:t>
+              <a:t>DEEP LEARNING </a:t>
+            </a:r>
+            <a:r>
+              <a:rPr lang="en-GB" sz="2200" dirty="0" smtClean="0">
+                <a:solidFill>
+                  <a:schemeClr val="bg1"/>
+                </a:solidFill>
+                <a:latin typeface="Berlin Sans FB" panose="020E0602020502020306" pitchFamily="34" charset="0"/>
+              </a:rPr>
+              <a:t>CONVOLUTION</a:t>
+            </a:r>
+          </a:p>
+          <a:p>
+            <a:pPr algn="ctr"/>
+            <a:r>
+              <a:rPr lang="en-GB" sz="2200" dirty="0" smtClean="0">
+                <a:solidFill>
+                  <a:schemeClr val="bg1"/>
+                </a:solidFill>
+                <a:latin typeface="Berlin Sans FB" panose="020E0602020502020306" pitchFamily="34" charset="0"/>
+              </a:rPr>
+              <a:t>NEURAL</a:t>
+            </a:r>
+            <a:r>
+              <a:rPr lang="en-GB" sz="2200" dirty="0" smtClean="0">
+                <a:solidFill>
+                  <a:schemeClr val="bg1"/>
+                </a:solidFill>
+                <a:latin typeface="Berlin Sans FB" panose="020E0602020502020306" pitchFamily="34" charset="0"/>
+              </a:rPr>
+              <a:t> </a:t>
+            </a:r>
+            <a:r>
+              <a:rPr lang="en-GB" sz="2200" dirty="0" smtClean="0">
+                <a:solidFill>
+                  <a:schemeClr val="bg1"/>
+                </a:solidFill>
+                <a:latin typeface="Berlin Sans FB" panose="020E0602020502020306" pitchFamily="34" charset="0"/>
+              </a:rPr>
+              <a:t>NETWORK</a:t>
             </a:r>
             <a:endParaRPr lang="en-GB" sz="2200" dirty="0">
               <a:solidFill>
@@ -12282,42 +13969,6 @@
           </a:p>
         </p:txBody>
       </p:sp>
-      <p:cxnSp>
-        <p:nvCxnSpPr>
-          <p:cNvPr id="17" name="Straight Arrow Connector 16"/>
-          <p:cNvCxnSpPr>
-            <a:stCxn id="14" idx="4"/>
-            <a:endCxn id="6" idx="1"/>
-          </p:cNvCxnSpPr>
-          <p:nvPr/>
-        </p:nvCxnSpPr>
-        <p:spPr>
-          <a:xfrm flipV="1">
-            <a:off x="2354483" y="2889561"/>
-            <a:ext cx="1261782" cy="1507298"/>
-          </a:xfrm>
-          <a:prstGeom prst="straightConnector1">
-            <a:avLst/>
-          </a:prstGeom>
-          <a:ln>
-            <a:tailEnd type="triangle"/>
-          </a:ln>
-        </p:spPr>
-        <p:style>
-          <a:lnRef idx="2">
-            <a:schemeClr val="accent2"/>
-          </a:lnRef>
-          <a:fillRef idx="0">
-            <a:schemeClr val="accent2"/>
-          </a:fillRef>
-          <a:effectRef idx="1">
-            <a:schemeClr val="accent2"/>
-          </a:effectRef>
-          <a:fontRef idx="minor">
-            <a:schemeClr val="tx1"/>
-          </a:fontRef>
-        </p:style>
-      </p:cxnSp>
       <p:sp>
         <p:nvSpPr>
           <p:cNvPr id="18" name="TextBox 17"/>
@@ -12326,8 +13977,8 @@
         </p:nvSpPr>
         <p:spPr>
           <a:xfrm>
-            <a:off x="7045379" y="2335563"/>
-            <a:ext cx="1726755" cy="1107996"/>
+            <a:off x="7084139" y="2376402"/>
+            <a:ext cx="1423788" cy="769441"/>
           </a:xfrm>
           <a:prstGeom prst="rect">
             <a:avLst/>
@@ -12340,6 +13991,7 @@
           </a:bodyPr>
           <a:lstStyle/>
           <a:p>
+            <a:pPr algn="ctr"/>
             <a:r>
               <a:rPr lang="en-GB" sz="2200" dirty="0" smtClean="0">
                 <a:solidFill>
@@ -12351,17 +14003,7 @@
             </a:r>
           </a:p>
           <a:p>
-            <a:r>
-              <a:rPr lang="en-GB" sz="2200" dirty="0" smtClean="0">
-                <a:solidFill>
-                  <a:schemeClr val="bg1"/>
-                </a:solidFill>
-                <a:latin typeface="Berlin Sans FB" panose="020E0602020502020306" pitchFamily="34" charset="0"/>
-              </a:rPr>
-              <a:t>PREDICTION</a:t>
-            </a:r>
-          </a:p>
-          <a:p>
+            <a:pPr algn="ctr"/>
             <a:r>
               <a:rPr lang="en-GB" sz="2200" dirty="0" smtClean="0">
                 <a:solidFill>
@@ -12390,9 +14032,9 @@
           <p:nvPr/>
         </p:nvCxnSpPr>
         <p:spPr>
-          <a:xfrm>
-            <a:off x="6065849" y="2889561"/>
-            <a:ext cx="979530" cy="0"/>
+          <a:xfrm flipV="1">
+            <a:off x="6027857" y="2761123"/>
+            <a:ext cx="1056282" cy="1"/>
           </a:xfrm>
           <a:prstGeom prst="straightConnector1">
             <a:avLst/>
@@ -12424,7 +14066,7 @@
         </p:nvGrpSpPr>
         <p:grpSpPr>
           <a:xfrm>
-            <a:off x="85864" y="2163548"/>
+            <a:off x="681290" y="3460729"/>
             <a:ext cx="2112878" cy="1446225"/>
             <a:chOff x="267216" y="1398372"/>
             <a:chExt cx="2112878" cy="1446225"/>
@@ -12653,8 +14295,8 @@
         </p:nvCxnSpPr>
         <p:spPr>
           <a:xfrm>
-            <a:off x="2820789" y="2044475"/>
-            <a:ext cx="795476" cy="845086"/>
+            <a:off x="1785519" y="2761124"/>
+            <a:ext cx="1596828" cy="0"/>
           </a:xfrm>
           <a:prstGeom prst="straightConnector1">
             <a:avLst/>
@@ -12678,235 +14320,16 @@
           </a:fontRef>
         </p:style>
       </p:cxnSp>
-    </p:spTree>
-    <p:extLst>
-      <p:ext uri="{BB962C8B-B14F-4D97-AF65-F5344CB8AC3E}">
-        <p14:creationId xmlns:p14="http://schemas.microsoft.com/office/powerpoint/2010/main" val="1156643785"/>
-      </p:ext>
-    </p:extLst>
-  </p:cSld>
-  <p:clrMapOvr>
-    <a:masterClrMapping/>
-  </p:clrMapOvr>
-  <p:timing>
-    <p:tnLst>
-      <p:par>
-        <p:cTn id="1" dur="indefinite" restart="never" nodeType="tmRoot"/>
-      </p:par>
-    </p:tnLst>
-  </p:timing>
-</p:sld>
-</file>
-
-<file path=ppt/slides/slide8.xml><?xml version="1.0" encoding="utf-8"?>
-<p:sld xmlns:a="http://schemas.openxmlformats.org/drawingml/2006/main" xmlns:r="http://schemas.openxmlformats.org/officeDocument/2006/relationships" xmlns:p="http://schemas.openxmlformats.org/presentationml/2006/main">
-  <p:cSld>
-    <p:spTree>
-      <p:nvGrpSpPr>
-        <p:cNvPr id="1" name="Shape 113"/>
-        <p:cNvGrpSpPr/>
-        <p:nvPr/>
-      </p:nvGrpSpPr>
-      <p:grpSpPr>
-        <a:xfrm>
-          <a:off x="0" y="0"/>
-          <a:ext cx="0" cy="0"/>
-          <a:chOff x="0" y="0"/>
-          <a:chExt cx="0" cy="0"/>
-        </a:xfrm>
-      </p:grpSpPr>
-      <p:pic>
-        <p:nvPicPr>
-          <p:cNvPr id="114" name="Shape 114"/>
-          <p:cNvPicPr preferRelativeResize="0"/>
-          <p:nvPr/>
-        </p:nvPicPr>
-        <p:blipFill rotWithShape="1">
-          <a:blip r:embed="rId3">
-            <a:alphaModFix/>
-          </a:blip>
-          <a:srcRect l="10978" r="10993"/>
-          <a:stretch/>
-        </p:blipFill>
-        <p:spPr>
-          <a:xfrm>
-            <a:off x="-42042" y="0"/>
-            <a:ext cx="9144000" cy="5143499"/>
-          </a:xfrm>
-          <a:prstGeom prst="rect">
-            <a:avLst/>
-          </a:prstGeom>
-          <a:noFill/>
-          <a:ln>
-            <a:noFill/>
-          </a:ln>
-        </p:spPr>
-      </p:pic>
       <p:sp>
         <p:nvSpPr>
-          <p:cNvPr id="2" name="Title 1"/>
-          <p:cNvSpPr>
-            <a:spLocks noGrp="1"/>
-          </p:cNvSpPr>
-          <p:nvPr>
-            <p:ph type="title"/>
-          </p:nvPr>
-        </p:nvSpPr>
-        <p:spPr/>
-        <p:txBody>
-          <a:bodyPr/>
-          <a:lstStyle/>
-          <a:p>
-            <a:r>
-              <a:rPr lang="en-GB" dirty="0" smtClean="0">
-                <a:solidFill>
-                  <a:schemeClr val="bg1"/>
-                </a:solidFill>
-                <a:latin typeface="Berlin Sans FB Demi" panose="020E0802020502020306" pitchFamily="34" charset="0"/>
-              </a:rPr>
-              <a:t>HOW</a:t>
-            </a:r>
-            <a:r>
-              <a:rPr lang="en-GB" dirty="0" smtClean="0">
-                <a:solidFill>
-                  <a:schemeClr val="bg1"/>
-                </a:solidFill>
-                <a:latin typeface="Berlin Sans FB Demi" panose="020E0802020502020306" pitchFamily="34" charset="0"/>
-              </a:rPr>
-              <a:t>? -Application</a:t>
-            </a:r>
-            <a:endParaRPr lang="en-GB" dirty="0">
-              <a:solidFill>
-                <a:schemeClr val="bg1"/>
-              </a:solidFill>
-              <a:latin typeface="Berlin Sans FB Demi" panose="020E0802020502020306" pitchFamily="34" charset="0"/>
-            </a:endParaRPr>
-          </a:p>
-        </p:txBody>
-      </p:sp>
-      <p:sp>
-        <p:nvSpPr>
-          <p:cNvPr id="115" name="Shape 115"/>
-          <p:cNvSpPr txBox="1">
-            <a:spLocks noGrp="1"/>
-          </p:cNvSpPr>
-          <p:nvPr>
-            <p:ph type="body" idx="1"/>
-          </p:nvPr>
-        </p:nvSpPr>
-        <p:spPr>
-          <a:xfrm>
-            <a:off x="311700" y="1152475"/>
-            <a:ext cx="7838387" cy="3416400"/>
-          </a:xfrm>
-          <a:prstGeom prst="rect">
-            <a:avLst/>
-          </a:prstGeom>
-          <a:noFill/>
-          <a:ln>
-            <a:noFill/>
-          </a:ln>
-        </p:spPr>
-        <p:txBody>
-          <a:bodyPr lIns="91425" tIns="91425" rIns="91425" bIns="91425" anchor="t" anchorCtr="0">
-            <a:noAutofit/>
-          </a:bodyPr>
-          <a:lstStyle/>
-          <a:p>
-            <a:pPr marR="0" lvl="0" algn="l" rtl="0">
-              <a:lnSpc>
-                <a:spcPct val="100000"/>
-              </a:lnSpc>
-              <a:spcBef>
-                <a:spcPts val="0"/>
-              </a:spcBef>
-              <a:spcAft>
-                <a:spcPts val="0"/>
-              </a:spcAft>
-              <a:buClr>
-                <a:schemeClr val="lt1"/>
-              </a:buClr>
-              <a:buSzPct val="25000"/>
-            </a:pPr>
-            <a:endParaRPr lang="en-GB" sz="2000" b="0" i="0" u="none" strike="noStrike" cap="none" dirty="0" smtClean="0">
-              <a:solidFill>
-                <a:schemeClr val="lt1"/>
-              </a:solidFill>
-              <a:latin typeface="Berlin Sans FB" panose="020E0602020502020306" pitchFamily="34" charset="0"/>
-              <a:ea typeface="Exo 2"/>
-              <a:cs typeface="Exo 2"/>
-              <a:sym typeface="Exo 2"/>
-            </a:endParaRPr>
-          </a:p>
-          <a:p>
-            <a:pPr marL="171450" marR="0" lvl="0" indent="-171450" algn="l" rtl="0">
-              <a:lnSpc>
-                <a:spcPct val="100000"/>
-              </a:lnSpc>
-              <a:spcBef>
-                <a:spcPts val="0"/>
-              </a:spcBef>
-              <a:spcAft>
-                <a:spcPts val="0"/>
-              </a:spcAft>
-              <a:buClr>
-                <a:schemeClr val="lt1"/>
-              </a:buClr>
-              <a:buSzPct val="25000"/>
-              <a:buFont typeface="Arial" panose="020B0604020202020204" pitchFamily="34" charset="0"/>
-              <a:buChar char="•"/>
-            </a:pPr>
-            <a:endParaRPr lang="en-GB" sz="1200" dirty="0">
-              <a:solidFill>
-                <a:schemeClr val="lt1"/>
-              </a:solidFill>
-              <a:latin typeface="Berlin Sans FB Demi" panose="020E0802020502020306" pitchFamily="34" charset="0"/>
-              <a:ea typeface="Exo 2"/>
-              <a:cs typeface="Exo 2"/>
-              <a:sym typeface="Exo 2"/>
-            </a:endParaRPr>
-          </a:p>
-        </p:txBody>
-      </p:sp>
-      <p:pic>
-        <p:nvPicPr>
-          <p:cNvPr id="8" name="Picture 7"/>
-          <p:cNvPicPr>
-            <a:picLocks noChangeAspect="1"/>
-          </p:cNvPicPr>
-          <p:nvPr/>
-        </p:nvPicPr>
-        <p:blipFill rotWithShape="1">
-          <a:blip r:embed="rId4">
-            <a:extLst>
-              <a:ext uri="{28A0092B-C50C-407E-A947-70E740481C1C}">
-                <a14:useLocalDpi xmlns:a14="http://schemas.microsoft.com/office/drawing/2010/main" val="0"/>
-              </a:ext>
-            </a:extLst>
-          </a:blip>
-          <a:srcRect l="24907" t="2609" r="24616" b="61835"/>
-          <a:stretch/>
-        </p:blipFill>
-        <p:spPr>
-          <a:xfrm>
-            <a:off x="298564" y="2206485"/>
-            <a:ext cx="1459685" cy="1828800"/>
-          </a:xfrm>
-          <a:prstGeom prst="rect">
-            <a:avLst/>
-          </a:prstGeom>
-        </p:spPr>
-      </p:pic>
-      <p:sp>
-        <p:nvSpPr>
-          <p:cNvPr id="9" name="TextBox 8"/>
+          <p:cNvPr id="8" name="TextBox 7"/>
           <p:cNvSpPr txBox="1"/>
           <p:nvPr/>
         </p:nvSpPr>
         <p:spPr>
           <a:xfrm>
-            <a:off x="199025" y="1779344"/>
-            <a:ext cx="1776448" cy="400110"/>
+            <a:off x="3241357" y="3484399"/>
+            <a:ext cx="2980303" cy="800732"/>
           </a:xfrm>
           <a:prstGeom prst="rect">
             <a:avLst/>
@@ -12919,531 +14342,74 @@
           </a:bodyPr>
           <a:lstStyle/>
           <a:p>
+            <a:pPr lvl="0">
+              <a:lnSpc>
+                <a:spcPct val="115000"/>
+              </a:lnSpc>
+              <a:spcAft>
+                <a:spcPts val="1600"/>
+              </a:spcAft>
+              <a:buClr>
+                <a:srgbClr val="595959"/>
+              </a:buClr>
+            </a:pPr>
             <a:r>
-              <a:rPr lang="en-GB" sz="2000" dirty="0" smtClean="0">
-                <a:solidFill>
-                  <a:schemeClr val="bg1"/>
+              <a:rPr lang="en-GB" sz="1800" dirty="0" smtClean="0">
+                <a:solidFill>
+                  <a:srgbClr val="FFFFFF"/>
                 </a:solidFill>
                 <a:latin typeface="Berlin Sans FB" panose="020E0602020502020306" pitchFamily="34" charset="0"/>
+                <a:sym typeface="Exo 2"/>
               </a:rPr>
-              <a:t>Face Detection</a:t>
+              <a:t>Using - </a:t>
             </a:r>
-            <a:endParaRPr lang="en-GB" sz="2000" dirty="0">
+            <a:r>
+              <a:rPr lang="en-GB" sz="1800" dirty="0" err="1" smtClean="0">
+                <a:solidFill>
+                  <a:srgbClr val="FFFFFF"/>
+                </a:solidFill>
+                <a:latin typeface="Berlin Sans FB" panose="020E0602020502020306" pitchFamily="34" charset="0"/>
+                <a:sym typeface="Exo 2"/>
+              </a:rPr>
+              <a:t>Tensorflow</a:t>
+            </a:r>
+            <a:r>
+              <a:rPr lang="en-GB" sz="1800" dirty="0" smtClean="0">
+                <a:solidFill>
+                  <a:srgbClr val="FFFFFF"/>
+                </a:solidFill>
+                <a:latin typeface="Berlin Sans FB" panose="020E0602020502020306" pitchFamily="34" charset="0"/>
+                <a:sym typeface="Exo 2"/>
+              </a:rPr>
+              <a:t> and </a:t>
+            </a:r>
+            <a:r>
+              <a:rPr lang="en-GB" sz="1800" dirty="0" err="1" smtClean="0">
+                <a:solidFill>
+                  <a:srgbClr val="FFFFFF"/>
+                </a:solidFill>
+                <a:latin typeface="Berlin Sans FB" panose="020E0602020502020306" pitchFamily="34" charset="0"/>
+                <a:sym typeface="Exo 2"/>
+              </a:rPr>
+              <a:t>Keras</a:t>
+            </a:r>
+            <a:endParaRPr lang="en-GB" sz="1800" dirty="0" smtClean="0">
               <a:solidFill>
-                <a:schemeClr val="bg1"/>
+                <a:srgbClr val="FFFFFF"/>
               </a:solidFill>
               <a:latin typeface="Berlin Sans FB" panose="020E0602020502020306" pitchFamily="34" charset="0"/>
+              <a:sym typeface="Exo 2"/>
             </a:endParaRPr>
+          </a:p>
+          <a:p>
+            <a:endParaRPr lang="en-US" sz="1100" dirty="0"/>
           </a:p>
         </p:txBody>
       </p:sp>
-      <p:sp>
-        <p:nvSpPr>
-          <p:cNvPr id="19" name="TextBox 18"/>
-          <p:cNvSpPr txBox="1"/>
-          <p:nvPr/>
-        </p:nvSpPr>
-        <p:spPr>
-          <a:xfrm>
-            <a:off x="2007956" y="2513298"/>
-            <a:ext cx="1726755" cy="769441"/>
-          </a:xfrm>
-          <a:prstGeom prst="rect">
-            <a:avLst/>
-          </a:prstGeom>
-          <a:noFill/>
-        </p:spPr>
-        <p:txBody>
-          <a:bodyPr wrap="none" rtlCol="0">
-            <a:spAutoFit/>
-          </a:bodyPr>
-          <a:lstStyle/>
-          <a:p>
-            <a:r>
-              <a:rPr lang="en-GB" sz="2200" dirty="0" smtClean="0">
-                <a:solidFill>
-                  <a:schemeClr val="bg1"/>
-                </a:solidFill>
-                <a:latin typeface="Berlin Sans FB" panose="020E0602020502020306" pitchFamily="34" charset="0"/>
-              </a:rPr>
-              <a:t>PREDICTION</a:t>
-            </a:r>
-          </a:p>
-          <a:p>
-            <a:r>
-              <a:rPr lang="en-GB" sz="2200" dirty="0" smtClean="0">
-                <a:solidFill>
-                  <a:schemeClr val="bg1"/>
-                </a:solidFill>
-                <a:latin typeface="Berlin Sans FB" panose="020E0602020502020306" pitchFamily="34" charset="0"/>
-              </a:rPr>
-              <a:t>MODEL</a:t>
-            </a:r>
-            <a:endParaRPr lang="en-GB" sz="2200" dirty="0">
-              <a:solidFill>
-                <a:schemeClr val="bg1"/>
-              </a:solidFill>
-              <a:latin typeface="Berlin Sans FB" panose="020E0602020502020306" pitchFamily="34" charset="0"/>
-            </a:endParaRPr>
-          </a:p>
-        </p:txBody>
-      </p:sp>
-      <p:cxnSp>
-        <p:nvCxnSpPr>
-          <p:cNvPr id="11" name="Straight Arrow Connector 10"/>
-          <p:cNvCxnSpPr>
-            <a:endCxn id="19" idx="1"/>
-          </p:cNvCxnSpPr>
-          <p:nvPr/>
-        </p:nvCxnSpPr>
-        <p:spPr>
-          <a:xfrm>
-            <a:off x="1255986" y="2898019"/>
-            <a:ext cx="751970" cy="0"/>
-          </a:xfrm>
-          <a:prstGeom prst="straightConnector1">
-            <a:avLst/>
-          </a:prstGeom>
-          <a:ln>
-            <a:tailEnd type="triangle"/>
-          </a:ln>
-        </p:spPr>
-        <p:style>
-          <a:lnRef idx="3">
-            <a:schemeClr val="accent4"/>
-          </a:lnRef>
-          <a:fillRef idx="0">
-            <a:schemeClr val="accent4"/>
-          </a:fillRef>
-          <a:effectRef idx="2">
-            <a:schemeClr val="accent4"/>
-          </a:effectRef>
-          <a:fontRef idx="minor">
-            <a:schemeClr val="tx1"/>
-          </a:fontRef>
-        </p:style>
-      </p:cxnSp>
-      <p:grpSp>
-        <p:nvGrpSpPr>
-          <p:cNvPr id="43" name="Group 42"/>
-          <p:cNvGrpSpPr/>
-          <p:nvPr/>
-        </p:nvGrpSpPr>
-        <p:grpSpPr>
-          <a:xfrm>
-            <a:off x="4254470" y="2310833"/>
-            <a:ext cx="3172663" cy="720083"/>
-            <a:chOff x="4448080" y="2071304"/>
-            <a:chExt cx="3172663" cy="720083"/>
-          </a:xfrm>
-        </p:grpSpPr>
-        <p:sp>
-          <p:nvSpPr>
-            <p:cNvPr id="13" name="TextBox 12"/>
-            <p:cNvSpPr txBox="1"/>
-            <p:nvPr/>
-          </p:nvSpPr>
-          <p:spPr>
-            <a:xfrm>
-              <a:off x="4448080" y="2422055"/>
-              <a:ext cx="3172663" cy="369332"/>
-            </a:xfrm>
-            <a:prstGeom prst="rect">
-              <a:avLst/>
-            </a:prstGeom>
-            <a:noFill/>
-          </p:spPr>
-          <p:txBody>
-            <a:bodyPr wrap="none" rtlCol="0">
-              <a:spAutoFit/>
-            </a:bodyPr>
-            <a:lstStyle/>
-            <a:p>
-              <a:r>
-                <a:rPr lang="en-GB" sz="1800" dirty="0" smtClean="0">
-                  <a:solidFill>
-                    <a:schemeClr val="bg1"/>
-                  </a:solidFill>
-                  <a:latin typeface="Berlin Sans FB" panose="020E0602020502020306" pitchFamily="34" charset="0"/>
-                </a:rPr>
-                <a:t>{0.05, 0.05, 0.09, 0.7, 0.01, 0.2}</a:t>
-              </a:r>
-              <a:endParaRPr lang="en-GB" sz="1800" dirty="0">
-                <a:solidFill>
-                  <a:schemeClr val="bg1"/>
-                </a:solidFill>
-                <a:latin typeface="Berlin Sans FB" panose="020E0602020502020306" pitchFamily="34" charset="0"/>
-              </a:endParaRPr>
-            </a:p>
-          </p:txBody>
-        </p:sp>
-        <p:pic>
-          <p:nvPicPr>
-            <p:cNvPr id="23" name="Picture 22" descr="C:\Users\jfk24\AppData\Local\Microsoft\Windows\INetCache\Content.Word\1f622.png"/>
-            <p:cNvPicPr/>
-            <p:nvPr/>
-          </p:nvPicPr>
-          <p:blipFill>
-            <a:blip r:embed="rId5">
-              <a:extLst>
-                <a:ext uri="{28A0092B-C50C-407E-A947-70E740481C1C}">
-                  <a14:useLocalDpi xmlns:a14="http://schemas.microsoft.com/office/drawing/2010/main" val="0"/>
-                </a:ext>
-              </a:extLst>
-            </a:blip>
-            <a:srcRect/>
-            <a:stretch>
-              <a:fillRect/>
-            </a:stretch>
-          </p:blipFill>
-          <p:spPr bwMode="auto">
-            <a:xfrm>
-              <a:off x="6619539" y="2071304"/>
-              <a:ext cx="432000" cy="432000"/>
-            </a:xfrm>
-            <a:prstGeom prst="rect">
-              <a:avLst/>
-            </a:prstGeom>
-            <a:noFill/>
-            <a:ln>
-              <a:noFill/>
-            </a:ln>
-            <a:effectLst>
-              <a:outerShdw blurRad="50800" dist="38100" dir="8100000" algn="tr" rotWithShape="0">
-                <a:prstClr val="black">
-                  <a:alpha val="50000"/>
-                </a:prstClr>
-              </a:outerShdw>
-            </a:effectLst>
-          </p:spPr>
-        </p:pic>
-        <p:pic>
-          <p:nvPicPr>
-            <p:cNvPr id="24" name="Picture 23" descr="C:\Users\jfk24\AppData\Local\Microsoft\Windows\INetCache\Content.Word\1f632.png"/>
-            <p:cNvPicPr>
-              <a:picLocks noChangeAspect="1"/>
-            </p:cNvPicPr>
-            <p:nvPr/>
-          </p:nvPicPr>
-          <p:blipFill>
-            <a:blip r:embed="rId6">
-              <a:extLst>
-                <a:ext uri="{28A0092B-C50C-407E-A947-70E740481C1C}">
-                  <a14:useLocalDpi xmlns:a14="http://schemas.microsoft.com/office/drawing/2010/main" val="0"/>
-                </a:ext>
-              </a:extLst>
-            </a:blip>
-            <a:srcRect/>
-            <a:stretch>
-              <a:fillRect/>
-            </a:stretch>
-          </p:blipFill>
-          <p:spPr bwMode="auto">
-            <a:xfrm>
-              <a:off x="7100211" y="2079059"/>
-              <a:ext cx="432000" cy="432000"/>
-            </a:xfrm>
-            <a:prstGeom prst="rect">
-              <a:avLst/>
-            </a:prstGeom>
-            <a:noFill/>
-            <a:ln>
-              <a:noFill/>
-            </a:ln>
-            <a:effectLst>
-              <a:outerShdw blurRad="50800" dist="38100" dir="8100000" algn="tr" rotWithShape="0">
-                <a:prstClr val="black">
-                  <a:alpha val="50000"/>
-                </a:prstClr>
-              </a:outerShdw>
-            </a:effectLst>
-          </p:spPr>
-        </p:pic>
-        <p:pic>
-          <p:nvPicPr>
-            <p:cNvPr id="25" name="Picture 24" descr="C:\Users\jfk24\AppData\Local\Microsoft\Windows\INetCache\Content.Word\1f600.png"/>
-            <p:cNvPicPr>
-              <a:picLocks noChangeAspect="1"/>
-            </p:cNvPicPr>
-            <p:nvPr/>
-          </p:nvPicPr>
-          <p:blipFill>
-            <a:blip r:embed="rId7">
-              <a:extLst>
-                <a:ext uri="{28A0092B-C50C-407E-A947-70E740481C1C}">
-                  <a14:useLocalDpi xmlns:a14="http://schemas.microsoft.com/office/drawing/2010/main" val="0"/>
-                </a:ext>
-              </a:extLst>
-            </a:blip>
-            <a:srcRect/>
-            <a:stretch>
-              <a:fillRect/>
-            </a:stretch>
-          </p:blipFill>
-          <p:spPr bwMode="auto">
-            <a:xfrm>
-              <a:off x="6161458" y="2079059"/>
-              <a:ext cx="432000" cy="432000"/>
-            </a:xfrm>
-            <a:prstGeom prst="rect">
-              <a:avLst/>
-            </a:prstGeom>
-            <a:noFill/>
-            <a:ln>
-              <a:noFill/>
-            </a:ln>
-            <a:effectLst>
-              <a:outerShdw blurRad="50800" dist="38100" dir="8100000" algn="tr" rotWithShape="0">
-                <a:prstClr val="black">
-                  <a:alpha val="50000"/>
-                </a:prstClr>
-              </a:outerShdw>
-            </a:effectLst>
-          </p:spPr>
-        </p:pic>
-        <p:pic>
-          <p:nvPicPr>
-            <p:cNvPr id="26" name="Picture 25" descr="C:\Users\jfk24\AppData\Local\Microsoft\Windows\INetCache\Content.Word\1f620.png"/>
-            <p:cNvPicPr>
-              <a:picLocks noChangeAspect="1"/>
-            </p:cNvPicPr>
-            <p:nvPr/>
-          </p:nvPicPr>
-          <p:blipFill>
-            <a:blip r:embed="rId8">
-              <a:extLst>
-                <a:ext uri="{28A0092B-C50C-407E-A947-70E740481C1C}">
-                  <a14:useLocalDpi xmlns:a14="http://schemas.microsoft.com/office/drawing/2010/main" val="0"/>
-                </a:ext>
-              </a:extLst>
-            </a:blip>
-            <a:srcRect/>
-            <a:stretch>
-              <a:fillRect/>
-            </a:stretch>
-          </p:blipFill>
-          <p:spPr bwMode="auto">
-            <a:xfrm>
-              <a:off x="4575128" y="2079059"/>
-              <a:ext cx="432000" cy="432000"/>
-            </a:xfrm>
-            <a:prstGeom prst="rect">
-              <a:avLst/>
-            </a:prstGeom>
-            <a:noFill/>
-            <a:ln>
-              <a:noFill/>
-            </a:ln>
-            <a:effectLst>
-              <a:outerShdw blurRad="50800" dist="38100" dir="8100000" algn="tr" rotWithShape="0">
-                <a:prstClr val="black">
-                  <a:alpha val="50000"/>
-                </a:prstClr>
-              </a:outerShdw>
-            </a:effectLst>
-          </p:spPr>
-        </p:pic>
-        <p:pic>
-          <p:nvPicPr>
-            <p:cNvPr id="27" name="Picture 26" descr="C:\Users\jfk24\AppData\Local\Microsoft\Windows\INetCache\Content.Word\1f626.png"/>
-            <p:cNvPicPr>
-              <a:picLocks noChangeAspect="1"/>
-            </p:cNvPicPr>
-            <p:nvPr/>
-          </p:nvPicPr>
-          <p:blipFill>
-            <a:blip r:embed="rId9">
-              <a:extLst>
-                <a:ext uri="{28A0092B-C50C-407E-A947-70E740481C1C}">
-                  <a14:useLocalDpi xmlns:a14="http://schemas.microsoft.com/office/drawing/2010/main" val="0"/>
-                </a:ext>
-              </a:extLst>
-            </a:blip>
-            <a:srcRect/>
-            <a:stretch>
-              <a:fillRect/>
-            </a:stretch>
-          </p:blipFill>
-          <p:spPr bwMode="auto">
-            <a:xfrm>
-              <a:off x="5117214" y="2075498"/>
-              <a:ext cx="432000" cy="432000"/>
-            </a:xfrm>
-            <a:prstGeom prst="rect">
-              <a:avLst/>
-            </a:prstGeom>
-            <a:noFill/>
-            <a:ln>
-              <a:noFill/>
-            </a:ln>
-            <a:effectLst>
-              <a:outerShdw blurRad="50800" dist="38100" dir="8100000" algn="tr" rotWithShape="0">
-                <a:prstClr val="black">
-                  <a:alpha val="50000"/>
-                </a:prstClr>
-              </a:outerShdw>
-            </a:effectLst>
-          </p:spPr>
-        </p:pic>
-        <p:pic>
-          <p:nvPicPr>
-            <p:cNvPr id="38" name="Picture 37" descr="C:\Users\jfk24\AppData\Local\Microsoft\Windows\INetCache\Content.Word\1f631.png"/>
-            <p:cNvPicPr/>
-            <p:nvPr/>
-          </p:nvPicPr>
-          <p:blipFill>
-            <a:blip r:embed="rId10">
-              <a:extLst>
-                <a:ext uri="{28A0092B-C50C-407E-A947-70E740481C1C}">
-                  <a14:useLocalDpi xmlns:a14="http://schemas.microsoft.com/office/drawing/2010/main" val="0"/>
-                </a:ext>
-              </a:extLst>
-            </a:blip>
-            <a:srcRect/>
-            <a:stretch>
-              <a:fillRect/>
-            </a:stretch>
-          </p:blipFill>
-          <p:spPr bwMode="auto">
-            <a:xfrm>
-              <a:off x="5667780" y="2071304"/>
-              <a:ext cx="432000" cy="432000"/>
-            </a:xfrm>
-            <a:prstGeom prst="rect">
-              <a:avLst/>
-            </a:prstGeom>
-            <a:noFill/>
-            <a:ln>
-              <a:noFill/>
-            </a:ln>
-            <a:effectLst>
-              <a:outerShdw blurRad="50800" dist="38100" dir="8100000" algn="tr" rotWithShape="0">
-                <a:prstClr val="black">
-                  <a:alpha val="50000"/>
-                </a:prstClr>
-              </a:outerShdw>
-            </a:effectLst>
-          </p:spPr>
-        </p:pic>
-      </p:grpSp>
-      <p:cxnSp>
-        <p:nvCxnSpPr>
-          <p:cNvPr id="39" name="Straight Arrow Connector 38"/>
-          <p:cNvCxnSpPr>
-            <a:stCxn id="19" idx="3"/>
-            <a:endCxn id="13" idx="1"/>
-          </p:cNvCxnSpPr>
-          <p:nvPr/>
-        </p:nvCxnSpPr>
-        <p:spPr>
-          <a:xfrm flipV="1">
-            <a:off x="3734711" y="2846250"/>
-            <a:ext cx="519759" cy="51769"/>
-          </a:xfrm>
-          <a:prstGeom prst="straightConnector1">
-            <a:avLst/>
-          </a:prstGeom>
-          <a:ln>
-            <a:tailEnd type="triangle"/>
-          </a:ln>
-        </p:spPr>
-        <p:style>
-          <a:lnRef idx="3">
-            <a:schemeClr val="accent4"/>
-          </a:lnRef>
-          <a:fillRef idx="0">
-            <a:schemeClr val="accent4"/>
-          </a:fillRef>
-          <a:effectRef idx="2">
-            <a:schemeClr val="accent4"/>
-          </a:effectRef>
-          <a:fontRef idx="minor">
-            <a:schemeClr val="tx1"/>
-          </a:fontRef>
-        </p:style>
-      </p:cxnSp>
-      <p:pic>
-        <p:nvPicPr>
-          <p:cNvPr id="47" name="Picture 46" descr="C:\Users\jfk24\AppData\Local\Microsoft\Windows\INetCache\Content.Word\1f600.png"/>
-          <p:cNvPicPr>
-            <a:picLocks noChangeAspect="1"/>
-          </p:cNvPicPr>
-          <p:nvPr/>
-        </p:nvPicPr>
-        <p:blipFill>
-          <a:blip r:embed="rId7">
-            <a:extLst>
-              <a:ext uri="{28A0092B-C50C-407E-A947-70E740481C1C}">
-                <a14:useLocalDpi xmlns:a14="http://schemas.microsoft.com/office/drawing/2010/main" val="0"/>
-              </a:ext>
-            </a:extLst>
-          </a:blip>
-          <a:srcRect/>
-          <a:stretch>
-            <a:fillRect/>
-          </a:stretch>
-        </p:blipFill>
-        <p:spPr bwMode="auto">
-          <a:xfrm>
-            <a:off x="7859794" y="2306250"/>
-            <a:ext cx="1080000" cy="1080000"/>
-          </a:xfrm>
-          <a:prstGeom prst="rect">
-            <a:avLst/>
-          </a:prstGeom>
-          <a:noFill/>
-          <a:ln>
-            <a:noFill/>
-          </a:ln>
-          <a:effectLst>
-            <a:outerShdw blurRad="50800" dist="38100" dir="8100000" algn="tr" rotWithShape="0">
-              <a:prstClr val="black">
-                <a:alpha val="50000"/>
-              </a:prstClr>
-            </a:outerShdw>
-          </a:effectLst>
-        </p:spPr>
-      </p:pic>
-      <p:cxnSp>
-        <p:nvCxnSpPr>
-          <p:cNvPr id="48" name="Straight Arrow Connector 47"/>
-          <p:cNvCxnSpPr>
-            <a:stCxn id="13" idx="3"/>
-            <a:endCxn id="47" idx="1"/>
-          </p:cNvCxnSpPr>
-          <p:nvPr/>
-        </p:nvCxnSpPr>
-        <p:spPr>
-          <a:xfrm>
-            <a:off x="7427133" y="2846250"/>
-            <a:ext cx="432661" cy="0"/>
-          </a:xfrm>
-          <a:prstGeom prst="straightConnector1">
-            <a:avLst/>
-          </a:prstGeom>
-          <a:ln>
-            <a:tailEnd type="triangle"/>
-          </a:ln>
-        </p:spPr>
-        <p:style>
-          <a:lnRef idx="3">
-            <a:schemeClr val="accent4"/>
-          </a:lnRef>
-          <a:fillRef idx="0">
-            <a:schemeClr val="accent4"/>
-          </a:fillRef>
-          <a:effectRef idx="2">
-            <a:schemeClr val="accent4"/>
-          </a:effectRef>
-          <a:fontRef idx="minor">
-            <a:schemeClr val="tx1"/>
-          </a:fontRef>
-        </p:style>
-      </p:cxnSp>
     </p:spTree>
     <p:extLst>
       <p:ext uri="{BB962C8B-B14F-4D97-AF65-F5344CB8AC3E}">
-        <p14:creationId xmlns:p14="http://schemas.microsoft.com/office/powerpoint/2010/main" val="3916704141"/>
+        <p14:creationId xmlns:p14="http://schemas.microsoft.com/office/powerpoint/2010/main" val="1156643785"/>
       </p:ext>
     </p:extLst>
   </p:cSld>

--- a/docs/AI Hackathon - Presentation.pptx
+++ b/docs/AI Hackathon - Presentation.pptx
@@ -8985,16 +8985,7 @@
                 </a:solidFill>
                 <a:latin typeface="Berlin Sans FB" panose="020E0602020502020306" pitchFamily="34" charset="0"/>
               </a:rPr>
-              <a:t>Face </a:t>
-            </a:r>
-            <a:r>
-              <a:rPr lang="en-GB" sz="2000" smtClean="0">
-                <a:solidFill>
-                  <a:schemeClr val="bg1"/>
-                </a:solidFill>
-                <a:latin typeface="Berlin Sans FB" panose="020E0602020502020306" pitchFamily="34" charset="0"/>
-              </a:rPr>
-              <a:t>Detection using Core Image (iOS)</a:t>
+              <a:t>Face Detection using Core Image (iOS)</a:t>
             </a:r>
             <a:endParaRPr lang="en-GB" sz="2000" dirty="0">
               <a:solidFill>
@@ -9078,25 +9069,7 @@
                   </a:solidFill>
                   <a:latin typeface="Berlin Sans FB" panose="020E0602020502020306" pitchFamily="34" charset="0"/>
                 </a:rPr>
-                <a:t>{0.05, 0.05</a:t>
-              </a:r>
-              <a:r>
-                <a:rPr lang="en-GB" sz="1800" dirty="0" smtClean="0">
-                  <a:solidFill>
-                    <a:schemeClr val="bg1"/>
-                  </a:solidFill>
-                  <a:latin typeface="Berlin Sans FB" panose="020E0602020502020306" pitchFamily="34" charset="0"/>
-                </a:rPr>
-                <a:t>,  0.7, 0.09, </a:t>
-              </a:r>
-              <a:r>
-                <a:rPr lang="en-GB" sz="1800" dirty="0" smtClean="0">
-                  <a:solidFill>
-                    <a:schemeClr val="bg1"/>
-                  </a:solidFill>
-                  <a:latin typeface="Berlin Sans FB" panose="020E0602020502020306" pitchFamily="34" charset="0"/>
-                </a:rPr>
-                <a:t>0.01, 0.2}</a:t>
+                <a:t>{0.05, 0.05,  0.7, 0.09, 0.01, 0.2}</a:t>
               </a:r>
               <a:endParaRPr lang="en-GB" sz="1800" dirty="0">
                 <a:solidFill>
@@ -10248,55 +10221,7 @@
                 <a:cs typeface="Exo 2"/>
                 <a:sym typeface="Exo 2"/>
               </a:rPr>
-              <a:t>&gt; </a:t>
-            </a:r>
-            <a:r>
-              <a:rPr lang="en-GB" sz="2200" dirty="0" smtClean="0">
-                <a:solidFill>
-                  <a:schemeClr val="lt1"/>
-                </a:solidFill>
-                <a:latin typeface="Berlin Sans FB" panose="020E0602020502020306" pitchFamily="34" charset="0"/>
-                <a:ea typeface="Exo 2"/>
-                <a:cs typeface="Exo 2"/>
-                <a:sym typeface="Exo 2"/>
-              </a:rPr>
-              <a:t>already setup server</a:t>
-            </a:r>
-            <a:r>
-              <a:rPr lang="en-GB" sz="2200" dirty="0" smtClean="0">
-                <a:solidFill>
-                  <a:schemeClr val="lt1"/>
-                </a:solidFill>
-                <a:latin typeface="Berlin Sans FB" panose="020E0602020502020306" pitchFamily="34" charset="0"/>
-                <a:ea typeface="Exo 2"/>
-                <a:cs typeface="Exo 2"/>
-                <a:sym typeface="Exo 2"/>
-              </a:rPr>
-              <a:t> with</a:t>
-            </a:r>
-            <a:r>
-              <a:rPr lang="en-GB" sz="2200" dirty="0" smtClean="0">
-                <a:solidFill>
-                  <a:schemeClr val="lt1"/>
-                </a:solidFill>
-                <a:latin typeface="Berlin Sans FB" panose="020E0602020502020306" pitchFamily="34" charset="0"/>
-                <a:ea typeface="Exo 2"/>
-                <a:cs typeface="Exo 2"/>
-                <a:sym typeface="Exo 2"/>
-              </a:rPr>
-              <a:t> REST </a:t>
-            </a:r>
-            <a:r>
-              <a:rPr lang="en-GB" sz="2200" dirty="0" smtClean="0">
-                <a:solidFill>
-                  <a:schemeClr val="lt1"/>
-                </a:solidFill>
-                <a:latin typeface="Berlin Sans FB" panose="020E0602020502020306" pitchFamily="34" charset="0"/>
-                <a:ea typeface="Exo 2"/>
-                <a:cs typeface="Exo 2"/>
-                <a:sym typeface="Exo 2"/>
-              </a:rPr>
-              <a:t>API</a:t>
+              <a:t>&gt; already setup server with REST API</a:t>
             </a:r>
           </a:p>
           <a:p>
@@ -10406,7 +10331,31 @@
                 <a:cs typeface="Exo 2"/>
                 <a:sym typeface="Exo 2"/>
               </a:rPr>
-              <a:t>3) Android/Windows codebase</a:t>
+              <a:t>3) </a:t>
+            </a:r>
+            <a:r>
+              <a:rPr lang="en-GB" sz="2000" b="0" i="0" u="none" strike="noStrike" cap="none" dirty="0" smtClean="0">
+                <a:solidFill>
+                  <a:schemeClr val="lt1"/>
+                </a:solidFill>
+                <a:latin typeface="Berlin Sans FB" panose="020E0602020502020306" pitchFamily="34" charset="0"/>
+                <a:ea typeface="Exo 2"/>
+                <a:cs typeface="Exo 2"/>
+                <a:sym typeface="Exo 2"/>
+              </a:rPr>
+              <a:t>Android/Windows phone </a:t>
+            </a:r>
+            <a:r>
+              <a:rPr lang="en-GB" sz="2000" b="0" i="0" u="none" strike="noStrike" cap="none" dirty="0" smtClean="0">
+                <a:solidFill>
+                  <a:schemeClr val="lt1"/>
+                </a:solidFill>
+                <a:latin typeface="Berlin Sans FB" panose="020E0602020502020306" pitchFamily="34" charset="0"/>
+                <a:ea typeface="Exo 2"/>
+                <a:cs typeface="Exo 2"/>
+                <a:sym typeface="Exo 2"/>
+              </a:rPr>
+              <a:t>codebase</a:t>
             </a:r>
             <a:endParaRPr lang="en-GB" sz="1200" dirty="0">
               <a:solidFill>
@@ -12113,17 +12062,7 @@
                 <a:latin typeface="Berlin Sans FB" panose="020E0602020502020306" pitchFamily="34" charset="0"/>
                 <a:sym typeface="Exo 2"/>
               </a:rPr>
-              <a:t>Most </a:t>
-            </a:r>
-            <a:r>
-              <a:rPr lang="en-GB" sz="2200" dirty="0" smtClean="0">
-                <a:solidFill>
-                  <a:schemeClr val="bg1"/>
-                </a:solidFill>
-                <a:latin typeface="Berlin Sans FB" panose="020E0602020502020306" pitchFamily="34" charset="0"/>
-                <a:sym typeface="Exo 2"/>
-              </a:rPr>
-              <a:t>importantly: Have fun!</a:t>
+              <a:t>Most importantly: Have fun!</a:t>
             </a:r>
           </a:p>
           <a:p>
@@ -12146,11 +12085,11 @@
   <p:clrMapOvr>
     <a:masterClrMapping/>
   </p:clrMapOvr>
-  <mc:AlternateContent xmlns:mc="http://schemas.openxmlformats.org/markup-compatibility/2006">
-    <mc:Choice xmlns:p14="http://schemas.microsoft.com/office/powerpoint/2010/main" Requires="p14">
+  <mc:AlternateContent xmlns:mc="http://schemas.openxmlformats.org/markup-compatibility/2006" xmlns:p14="http://schemas.microsoft.com/office/powerpoint/2010/main">
+    <mc:Choice Requires="p14">
       <p:transition spd="slow" p14:dur="2000"/>
     </mc:Choice>
-    <mc:Fallback>
+    <mc:Fallback xmlns="">
       <p:transition spd="slow"/>
     </mc:Fallback>
   </mc:AlternateContent>
@@ -12376,41 +12315,8 @@
                 <a:cs typeface="Exo 2"/>
                 <a:sym typeface="Exo 2"/>
               </a:rPr>
-              <a:t>mileys </a:t>
+              <a:t>mileys flow down the screen -mimic them </a:t>
             </a:r>
-            <a:r>
-              <a:rPr lang="en-GB" sz="2200" b="0" i="0" u="none" strike="noStrike" cap="none" dirty="0" smtClean="0">
-                <a:solidFill>
-                  <a:schemeClr val="lt1"/>
-                </a:solidFill>
-                <a:latin typeface="Berlin Sans FB" panose="020E0602020502020306" pitchFamily="34" charset="0"/>
-                <a:ea typeface="Exo 2"/>
-                <a:cs typeface="Exo 2"/>
-                <a:sym typeface="Exo 2"/>
-              </a:rPr>
-              <a:t>flow down the </a:t>
-            </a:r>
-            <a:r>
-              <a:rPr lang="en-GB" sz="2200" b="0" i="0" u="none" strike="noStrike" cap="none" dirty="0" smtClean="0">
-                <a:solidFill>
-                  <a:schemeClr val="lt1"/>
-                </a:solidFill>
-                <a:latin typeface="Berlin Sans FB" panose="020E0602020502020306" pitchFamily="34" charset="0"/>
-                <a:ea typeface="Exo 2"/>
-                <a:cs typeface="Exo 2"/>
-                <a:sym typeface="Exo 2"/>
-              </a:rPr>
-              <a:t>screen -mimic them </a:t>
-            </a:r>
-            <a:endParaRPr lang="en-GB" sz="2200" b="0" i="0" u="none" strike="noStrike" cap="none" dirty="0" smtClean="0">
-              <a:solidFill>
-                <a:schemeClr val="lt1"/>
-              </a:solidFill>
-              <a:latin typeface="Berlin Sans FB" panose="020E0602020502020306" pitchFamily="34" charset="0"/>
-              <a:ea typeface="Exo 2"/>
-              <a:cs typeface="Exo 2"/>
-              <a:sym typeface="Exo 2"/>
-            </a:endParaRPr>
           </a:p>
           <a:p>
             <a:pPr marR="0" lvl="0" algn="l" rtl="0">
@@ -12464,19 +12370,7 @@
                 <a:cs typeface="Exo 2"/>
                 <a:sym typeface="Exo 2"/>
               </a:rPr>
-              <a:t>Score </a:t>
-            </a:r>
-            <a:r>
-              <a:rPr lang="en-GB" sz="2200" b="0" i="0" u="none" strike="noStrike" cap="none" dirty="0" smtClean="0">
-                <a:solidFill>
-                  <a:schemeClr val="lt1"/>
-                </a:solidFill>
-                <a:latin typeface="Berlin Sans FB" panose="020E0602020502020306" pitchFamily="34" charset="0"/>
-                <a:ea typeface="Exo 2"/>
-                <a:cs typeface="Exo 2"/>
-                <a:sym typeface="Exo 2"/>
-              </a:rPr>
-              <a:t>points on our </a:t>
+              <a:t>Score points on our </a:t>
             </a:r>
             <a:r>
               <a:rPr lang="en-GB" sz="2200" b="0" i="0" u="none" strike="noStrike" cap="none" dirty="0" err="1" smtClean="0">
@@ -13919,16 +13813,7 @@
                 </a:solidFill>
                 <a:latin typeface="Berlin Sans FB" panose="020E0602020502020306" pitchFamily="34" charset="0"/>
               </a:rPr>
-              <a:t>DEEP LEARNING </a:t>
-            </a:r>
-            <a:r>
-              <a:rPr lang="en-GB" sz="2200" dirty="0" smtClean="0">
-                <a:solidFill>
-                  <a:schemeClr val="bg1"/>
-                </a:solidFill>
-                <a:latin typeface="Berlin Sans FB" panose="020E0602020502020306" pitchFamily="34" charset="0"/>
-              </a:rPr>
-              <a:t>CONVOLUTION</a:t>
+              <a:t>DEEP LEARNING CONVOLUTION</a:t>
             </a:r>
           </a:p>
           <a:p>
@@ -13940,25 +13825,7 @@
                 </a:solidFill>
                 <a:latin typeface="Berlin Sans FB" panose="020E0602020502020306" pitchFamily="34" charset="0"/>
               </a:rPr>
-              <a:t>NEURAL</a:t>
-            </a:r>
-            <a:r>
-              <a:rPr lang="en-GB" sz="2200" dirty="0" smtClean="0">
-                <a:solidFill>
-                  <a:schemeClr val="bg1"/>
-                </a:solidFill>
-                <a:latin typeface="Berlin Sans FB" panose="020E0602020502020306" pitchFamily="34" charset="0"/>
-              </a:rPr>
-              <a:t> </a:t>
-            </a:r>
-            <a:r>
-              <a:rPr lang="en-GB" sz="2200" dirty="0" smtClean="0">
-                <a:solidFill>
-                  <a:schemeClr val="bg1"/>
-                </a:solidFill>
-                <a:latin typeface="Berlin Sans FB" panose="020E0602020502020306" pitchFamily="34" charset="0"/>
-              </a:rPr>
-              <a:t>NETWORK</a:t>
+              <a:t>NEURAL NETWORK</a:t>
             </a:r>
             <a:endParaRPr lang="en-GB" sz="2200" dirty="0">
               <a:solidFill>

--- a/docs/AI Hackathon - Presentation.pptx
+++ b/docs/AI Hackathon - Presentation.pptx
@@ -8322,7 +8322,19 @@
               <a:rPr lang="en-US" sz="3600" dirty="0">
                 <a:latin typeface="Berlin Sans FB Demi" panose="020E0802020502020306" pitchFamily="34" charset="0"/>
               </a:rPr>
-              <a:t> the iOS  app</a:t>
+              <a:t> the </a:t>
+            </a:r>
+            <a:r>
+              <a:rPr lang="en-US" sz="3600">
+                <a:latin typeface="Berlin Sans FB Demi" panose="020E0802020502020306" pitchFamily="34" charset="0"/>
+              </a:rPr>
+              <a:t>iOS </a:t>
+            </a:r>
+            <a:r>
+              <a:rPr lang="en-US" sz="3600" smtClean="0">
+                <a:latin typeface="Berlin Sans FB Demi" panose="020E0802020502020306" pitchFamily="34" charset="0"/>
+              </a:rPr>
+              <a:t>app</a:t>
             </a:r>
             <a:endParaRPr lang="en" sz="3600" dirty="0">
               <a:latin typeface="Berlin Sans FB Demi" panose="020E0802020502020306" pitchFamily="34" charset="0"/>
@@ -8799,7 +8811,7 @@
         </p:blipFill>
         <p:spPr>
           <a:xfrm>
-            <a:off x="-42042" y="0"/>
+            <a:off x="-7752" y="0"/>
             <a:ext cx="9144000" cy="5143499"/>
           </a:xfrm>
           <a:prstGeom prst="rect">
@@ -9922,6 +9934,33 @@
                                   </p:childTnLst>
                                 </p:cTn>
                               </p:par>
+                              <p:par>
+                                <p:cTn id="21" presetID="1" presetClass="entr" presetSubtype="0" fill="hold" grpId="0" nodeType="withEffect">
+                                  <p:stCondLst>
+                                    <p:cond delay="0"/>
+                                  </p:stCondLst>
+                                  <p:childTnLst>
+                                    <p:set>
+                                      <p:cBhvr>
+                                        <p:cTn id="22" dur="1" fill="hold">
+                                          <p:stCondLst>
+                                            <p:cond delay="0"/>
+                                          </p:stCondLst>
+                                        </p:cTn>
+                                        <p:tgtEl>
+                                          <p:spTgt spid="40"/>
+                                        </p:tgtEl>
+                                        <p:attrNameLst>
+                                          <p:attrName>style.visibility</p:attrName>
+                                        </p:attrNameLst>
+                                      </p:cBhvr>
+                                      <p:to>
+                                        <p:strVal val="visible"/>
+                                      </p:to>
+                                    </p:set>
+                                  </p:childTnLst>
+                                </p:cTn>
+                              </p:par>
                             </p:childTnLst>
                           </p:cTn>
                         </p:par>
@@ -9929,26 +9968,26 @@
                     </p:cTn>
                   </p:par>
                   <p:par>
-                    <p:cTn id="21" fill="hold">
+                    <p:cTn id="23" fill="hold">
                       <p:stCondLst>
                         <p:cond delay="indefinite"/>
                       </p:stCondLst>
                       <p:childTnLst>
                         <p:par>
-                          <p:cTn id="22" fill="hold">
+                          <p:cTn id="24" fill="hold">
                             <p:stCondLst>
                               <p:cond delay="0"/>
                             </p:stCondLst>
                             <p:childTnLst>
                               <p:par>
-                                <p:cTn id="23" presetID="1" presetClass="entr" presetSubtype="0" fill="hold" grpId="0" nodeType="clickEffect">
+                                <p:cTn id="25" presetID="1" presetClass="entr" presetSubtype="0" fill="hold" grpId="0" nodeType="clickEffect">
                                   <p:stCondLst>
                                     <p:cond delay="0"/>
                                   </p:stCondLst>
                                   <p:childTnLst>
                                     <p:set>
                                       <p:cBhvr>
-                                        <p:cTn id="24" dur="1" fill="hold">
+                                        <p:cTn id="26" dur="1" fill="hold">
                                           <p:stCondLst>
                                             <p:cond delay="0"/>
                                           </p:stCondLst>
@@ -9997,6 +10036,7 @@
     <p:bldLst>
       <p:bldP spid="9" grpId="0"/>
       <p:bldP spid="35" grpId="0"/>
+      <p:bldP spid="40" grpId="0"/>
     </p:bldLst>
   </p:timing>
 </p:sld>
@@ -10331,31 +10371,7 @@
                 <a:cs typeface="Exo 2"/>
                 <a:sym typeface="Exo 2"/>
               </a:rPr>
-              <a:t>3) </a:t>
-            </a:r>
-            <a:r>
-              <a:rPr lang="en-GB" sz="2000" b="0" i="0" u="none" strike="noStrike" cap="none" dirty="0" smtClean="0">
-                <a:solidFill>
-                  <a:schemeClr val="lt1"/>
-                </a:solidFill>
-                <a:latin typeface="Berlin Sans FB" panose="020E0602020502020306" pitchFamily="34" charset="0"/>
-                <a:ea typeface="Exo 2"/>
-                <a:cs typeface="Exo 2"/>
-                <a:sym typeface="Exo 2"/>
-              </a:rPr>
-              <a:t>Android/Windows phone </a:t>
-            </a:r>
-            <a:r>
-              <a:rPr lang="en-GB" sz="2000" b="0" i="0" u="none" strike="noStrike" cap="none" dirty="0" smtClean="0">
-                <a:solidFill>
-                  <a:schemeClr val="lt1"/>
-                </a:solidFill>
-                <a:latin typeface="Berlin Sans FB" panose="020E0602020502020306" pitchFamily="34" charset="0"/>
-                <a:ea typeface="Exo 2"/>
-                <a:cs typeface="Exo 2"/>
-                <a:sym typeface="Exo 2"/>
-              </a:rPr>
-              <a:t>codebase</a:t>
+              <a:t>3) Android/Windows phone codebase</a:t>
             </a:r>
             <a:endParaRPr lang="en-GB" sz="1200" dirty="0">
               <a:solidFill>
@@ -13588,7 +13604,7 @@
         </p:blipFill>
         <p:spPr>
           <a:xfrm>
-            <a:off x="-46140" y="1"/>
+            <a:off x="-11850" y="1"/>
             <a:ext cx="9144000" cy="5143499"/>
           </a:xfrm>
           <a:prstGeom prst="rect">
@@ -13743,7 +13759,7 @@
         </p:nvSpPr>
         <p:spPr>
           <a:xfrm>
-            <a:off x="934036" y="2316507"/>
+            <a:off x="554621" y="2316507"/>
             <a:ext cx="851483" cy="889233"/>
           </a:xfrm>
           <a:prstGeom prst="flowChartMagneticDisk">
@@ -13780,64 +13796,6 @@
       </p:sp>
       <p:sp>
         <p:nvSpPr>
-          <p:cNvPr id="6" name="TextBox 5"/>
-          <p:cNvSpPr txBox="1"/>
-          <p:nvPr/>
-        </p:nvSpPr>
-        <p:spPr>
-          <a:xfrm>
-            <a:off x="3382347" y="2037849"/>
-            <a:ext cx="2645510" cy="1446550"/>
-          </a:xfrm>
-          <a:prstGeom prst="rect">
-            <a:avLst/>
-          </a:prstGeom>
-          <a:noFill/>
-          <a:ln w="38100">
-            <a:solidFill>
-              <a:schemeClr val="accent1"/>
-            </a:solidFill>
-          </a:ln>
-        </p:spPr>
-        <p:txBody>
-          <a:bodyPr wrap="square" rtlCol="0">
-            <a:spAutoFit/>
-          </a:bodyPr>
-          <a:lstStyle/>
-          <a:p>
-            <a:pPr algn="ctr"/>
-            <a:r>
-              <a:rPr lang="en-GB" sz="2200" dirty="0" smtClean="0">
-                <a:solidFill>
-                  <a:schemeClr val="bg1"/>
-                </a:solidFill>
-                <a:latin typeface="Berlin Sans FB" panose="020E0602020502020306" pitchFamily="34" charset="0"/>
-              </a:rPr>
-              <a:t>DEEP LEARNING CONVOLUTION</a:t>
-            </a:r>
-          </a:p>
-          <a:p>
-            <a:pPr algn="ctr"/>
-            <a:r>
-              <a:rPr lang="en-GB" sz="2200" dirty="0" smtClean="0">
-                <a:solidFill>
-                  <a:schemeClr val="bg1"/>
-                </a:solidFill>
-                <a:latin typeface="Berlin Sans FB" panose="020E0602020502020306" pitchFamily="34" charset="0"/>
-              </a:rPr>
-              <a:t>NEURAL NETWORK</a:t>
-            </a:r>
-            <a:endParaRPr lang="en-GB" sz="2200" dirty="0">
-              <a:solidFill>
-                <a:schemeClr val="bg1"/>
-              </a:solidFill>
-              <a:latin typeface="Berlin Sans FB" panose="020E0602020502020306" pitchFamily="34" charset="0"/>
-            </a:endParaRPr>
-          </a:p>
-        </p:txBody>
-      </p:sp>
-      <p:sp>
-        <p:nvSpPr>
           <p:cNvPr id="18" name="TextBox 17"/>
           <p:cNvSpPr txBox="1"/>
           <p:nvPr/>
@@ -13893,15 +13851,15 @@
         <p:nvCxnSpPr>
           <p:cNvPr id="21" name="Straight Arrow Connector 20"/>
           <p:cNvCxnSpPr>
-            <a:stCxn id="6" idx="3"/>
+            <a:stCxn id="3" idx="3"/>
             <a:endCxn id="18" idx="1"/>
           </p:cNvCxnSpPr>
           <p:nvPr/>
         </p:nvCxnSpPr>
         <p:spPr>
-          <a:xfrm flipV="1">
-            <a:off x="6027857" y="2761123"/>
-            <a:ext cx="1056282" cy="1"/>
+          <a:xfrm>
+            <a:off x="5724792" y="2761122"/>
+            <a:ext cx="1359347" cy="1"/>
           </a:xfrm>
           <a:prstGeom prst="straightConnector1">
             <a:avLst/>
@@ -13933,7 +13891,7 @@
         </p:nvGrpSpPr>
         <p:grpSpPr>
           <a:xfrm>
-            <a:off x="681290" y="3460729"/>
+            <a:off x="301875" y="3460729"/>
             <a:ext cx="2112878" cy="1446225"/>
             <a:chOff x="267216" y="1398372"/>
             <a:chExt cx="2112878" cy="1446225"/>
@@ -14156,14 +14114,14 @@
           <p:cNvPr id="51" name="Straight Arrow Connector 50"/>
           <p:cNvCxnSpPr>
             <a:stCxn id="5" idx="4"/>
-            <a:endCxn id="6" idx="1"/>
+            <a:endCxn id="3" idx="1"/>
           </p:cNvCxnSpPr>
           <p:nvPr/>
         </p:nvCxnSpPr>
         <p:spPr>
-          <a:xfrm>
-            <a:off x="1785519" y="2761124"/>
-            <a:ext cx="1596828" cy="0"/>
+          <a:xfrm flipV="1">
+            <a:off x="1406104" y="2761122"/>
+            <a:ext cx="2322326" cy="2"/>
           </a:xfrm>
           <a:prstGeom prst="straightConnector1">
             <a:avLst/>
@@ -14195,8 +14153,127 @@
         </p:nvSpPr>
         <p:spPr>
           <a:xfrm>
-            <a:off x="3241357" y="3484399"/>
-            <a:ext cx="2980303" cy="800732"/>
+            <a:off x="2541468" y="4467050"/>
+            <a:ext cx="4926275" cy="785343"/>
+          </a:xfrm>
+          <a:prstGeom prst="rect">
+            <a:avLst/>
+          </a:prstGeom>
+          <a:noFill/>
+        </p:spPr>
+        <p:txBody>
+          <a:bodyPr wrap="square" rtlCol="0">
+            <a:spAutoFit/>
+          </a:bodyPr>
+          <a:lstStyle/>
+          <a:p>
+            <a:pPr lvl="0">
+              <a:lnSpc>
+                <a:spcPct val="115000"/>
+              </a:lnSpc>
+              <a:spcAft>
+                <a:spcPts val="1600"/>
+              </a:spcAft>
+              <a:buClr>
+                <a:srgbClr val="595959"/>
+              </a:buClr>
+            </a:pPr>
+            <a:r>
+              <a:rPr lang="en-GB" sz="1800" dirty="0" smtClean="0">
+                <a:solidFill>
+                  <a:srgbClr val="FFFFFF"/>
+                </a:solidFill>
+                <a:latin typeface="Berlin Sans FB" panose="020E0602020502020306" pitchFamily="34" charset="0"/>
+                <a:sym typeface="Exo 2"/>
+              </a:rPr>
+              <a:t>Emotion Detection Network (</a:t>
+            </a:r>
+            <a:r>
+              <a:rPr lang="en-GB" sz="1800" dirty="0" err="1" smtClean="0">
+                <a:solidFill>
+                  <a:srgbClr val="FFFFFF"/>
+                </a:solidFill>
+                <a:latin typeface="Berlin Sans FB" panose="020E0602020502020306" pitchFamily="34" charset="0"/>
+                <a:sym typeface="Exo 2"/>
+              </a:rPr>
+              <a:t>Tensorflow</a:t>
+            </a:r>
+            <a:r>
+              <a:rPr lang="en-GB" sz="1800" dirty="0" smtClean="0">
+                <a:solidFill>
+                  <a:srgbClr val="FFFFFF"/>
+                </a:solidFill>
+                <a:latin typeface="Berlin Sans FB" panose="020E0602020502020306" pitchFamily="34" charset="0"/>
+                <a:sym typeface="Exo 2"/>
+              </a:rPr>
+              <a:t> &amp; </a:t>
+            </a:r>
+            <a:r>
+              <a:rPr lang="en-GB" sz="1800" dirty="0" err="1" smtClean="0">
+                <a:solidFill>
+                  <a:srgbClr val="FFFFFF"/>
+                </a:solidFill>
+                <a:latin typeface="Berlin Sans FB" panose="020E0602020502020306" pitchFamily="34" charset="0"/>
+                <a:sym typeface="Exo 2"/>
+              </a:rPr>
+              <a:t>Keras</a:t>
+            </a:r>
+            <a:r>
+              <a:rPr lang="en-GB" sz="1800" dirty="0" smtClean="0">
+                <a:solidFill>
+                  <a:srgbClr val="FFFFFF"/>
+                </a:solidFill>
+                <a:latin typeface="Berlin Sans FB" panose="020E0602020502020306" pitchFamily="34" charset="0"/>
+                <a:sym typeface="Exo 2"/>
+              </a:rPr>
+              <a:t>)</a:t>
+            </a:r>
+          </a:p>
+          <a:p>
+            <a:endParaRPr lang="en-US" sz="1100" dirty="0"/>
+          </a:p>
+        </p:txBody>
+      </p:sp>
+      <p:pic>
+        <p:nvPicPr>
+          <p:cNvPr id="3" name="Picture 2"/>
+          <p:cNvPicPr>
+            <a:picLocks noChangeAspect="1"/>
+          </p:cNvPicPr>
+          <p:nvPr/>
+        </p:nvPicPr>
+        <p:blipFill>
+          <a:blip r:embed="rId10">
+            <a:extLst>
+              <a:ext uri="{28A0092B-C50C-407E-A947-70E740481C1C}">
+                <a14:useLocalDpi xmlns:a14="http://schemas.microsoft.com/office/drawing/2010/main" val="0"/>
+              </a:ext>
+            </a:extLst>
+          </a:blip>
+          <a:stretch>
+            <a:fillRect/>
+          </a:stretch>
+        </p:blipFill>
+        <p:spPr>
+          <a:xfrm>
+            <a:off x="3728430" y="1012324"/>
+            <a:ext cx="1996362" cy="3497595"/>
+          </a:xfrm>
+          <a:prstGeom prst="rect">
+            <a:avLst/>
+          </a:prstGeom>
+        </p:spPr>
+      </p:pic>
+      <p:sp>
+        <p:nvSpPr>
+          <p:cNvPr id="11" name="TextBox 10"/>
+          <p:cNvSpPr txBox="1"/>
+          <p:nvPr/>
+        </p:nvSpPr>
+        <p:spPr>
+          <a:xfrm>
+            <a:off x="-80076" y="4905287"/>
+            <a:ext cx="9304150" cy="261610"/>
           </a:xfrm>
           <a:prstGeom prst="rect">
             <a:avLst/>
@@ -14209,67 +14286,38 @@
           </a:bodyPr>
           <a:lstStyle/>
           <a:p>
-            <a:pPr lvl="0">
-              <a:lnSpc>
-                <a:spcPct val="115000"/>
-              </a:lnSpc>
-              <a:spcAft>
-                <a:spcPts val="1600"/>
-              </a:spcAft>
-              <a:buClr>
-                <a:srgbClr val="595959"/>
-              </a:buClr>
-            </a:pPr>
             <a:r>
-              <a:rPr lang="en-GB" sz="1800" dirty="0" smtClean="0">
-                <a:solidFill>
-                  <a:srgbClr val="FFFFFF"/>
-                </a:solidFill>
-                <a:latin typeface="Berlin Sans FB" panose="020E0602020502020306" pitchFamily="34" charset="0"/>
-                <a:sym typeface="Exo 2"/>
-              </a:rPr>
-              <a:t>Using - </a:t>
+              <a:rPr lang="en-US" sz="1100" smtClean="0"/>
+              <a:t>Inspiration from: Peter </a:t>
             </a:r>
             <a:r>
-              <a:rPr lang="en-GB" sz="1800" dirty="0" err="1" smtClean="0">
-                <a:solidFill>
-                  <a:srgbClr val="FFFFFF"/>
-                </a:solidFill>
-                <a:latin typeface="Berlin Sans FB" panose="020E0602020502020306" pitchFamily="34" charset="0"/>
-                <a:sym typeface="Exo 2"/>
-              </a:rPr>
-              <a:t>Tensorflow</a:t>
+              <a:rPr lang="en-US" sz="1100" dirty="0" err="1"/>
+              <a:t>Burkert</a:t>
             </a:r>
             <a:r>
-              <a:rPr lang="en-GB" sz="1800" dirty="0" smtClean="0">
-                <a:solidFill>
-                  <a:srgbClr val="FFFFFF"/>
-                </a:solidFill>
-                <a:latin typeface="Berlin Sans FB" panose="020E0602020502020306" pitchFamily="34" charset="0"/>
-                <a:sym typeface="Exo 2"/>
-              </a:rPr>
-              <a:t> and </a:t>
+              <a:rPr lang="en-US" sz="1100" dirty="0"/>
+              <a:t> and (2015). </a:t>
             </a:r>
             <a:r>
-              <a:rPr lang="en-GB" sz="1800" dirty="0" err="1" smtClean="0">
-                <a:solidFill>
-                  <a:srgbClr val="FFFFFF"/>
-                </a:solidFill>
-                <a:latin typeface="Berlin Sans FB" panose="020E0602020502020306" pitchFamily="34" charset="0"/>
-                <a:sym typeface="Exo 2"/>
-              </a:rPr>
-              <a:t>Keras</a:t>
+              <a:rPr lang="en-US" sz="1100" dirty="0" err="1"/>
+              <a:t>DeXpression</a:t>
             </a:r>
-            <a:endParaRPr lang="en-GB" sz="1800" dirty="0" smtClean="0">
-              <a:solidFill>
-                <a:srgbClr val="FFFFFF"/>
-              </a:solidFill>
-              <a:latin typeface="Berlin Sans FB" panose="020E0602020502020306" pitchFamily="34" charset="0"/>
-              <a:sym typeface="Exo 2"/>
-            </a:endParaRPr>
-          </a:p>
-          <a:p>
-            <a:endParaRPr lang="en-US" sz="1100" dirty="0"/>
+            <a:r>
+              <a:rPr lang="en-US" sz="1100" dirty="0"/>
+              <a:t>: Deep Convolutional Neural Network for Expression Recognition. </a:t>
+            </a:r>
+            <a:r>
+              <a:rPr lang="en-US" sz="1100" i="1" dirty="0" err="1"/>
+              <a:t>CoRR</a:t>
+            </a:r>
+            <a:r>
+              <a:rPr lang="en-US" sz="1100" i="1" dirty="0"/>
+              <a:t>, abs/1509.05371</a:t>
+            </a:r>
+            <a:r>
+              <a:rPr lang="en-US" sz="1100" dirty="0"/>
+              <a:t>, .</a:t>
+            </a:r>
           </a:p>
         </p:txBody>
       </p:sp>
